--- a/Documents/ows/GSKY-Thredds_Integration.pptx
+++ b/Documents/ows/GSKY-Thredds_Integration.pptx
@@ -6,7 +6,7 @@
     <p:sldMasterId id="2147483669" r:id="rId2"/>
   </p:sldMasterIdLst>
   <p:notesMasterIdLst>
-    <p:notesMasterId r:id="rId10"/>
+    <p:notesMasterId r:id="rId11"/>
   </p:notesMasterIdLst>
   <p:sldIdLst>
     <p:sldId id="265" r:id="rId3"/>
@@ -14,8 +14,9 @@
     <p:sldId id="269" r:id="rId5"/>
     <p:sldId id="270" r:id="rId6"/>
     <p:sldId id="271" r:id="rId7"/>
-    <p:sldId id="272" r:id="rId8"/>
-    <p:sldId id="268" r:id="rId9"/>
+    <p:sldId id="273" r:id="rId8"/>
+    <p:sldId id="272" r:id="rId9"/>
+    <p:sldId id="268" r:id="rId10"/>
   </p:sldIdLst>
   <p:sldSz cx="12192000" cy="6858000"/>
   <p:notesSz cx="6858000" cy="9144000"/>
@@ -204,7 +205,7 @@
           <a:p>
             <a:fld id="{C72DBEC5-06AB-48E0-952A-026FDA33E51C}" type="datetimeFigureOut">
               <a:rPr lang="en-AU" smtClean="0"/>
-              <a:t>13/12/2018</a:t>
+              <a:t>14/12/2018</a:t>
             </a:fld>
             <a:endParaRPr lang="en-AU"/>
           </a:p>
@@ -1051,7 +1052,7 @@
           <a:p>
             <a:fld id="{3ADAF076-6E8D-48BD-BB78-27996FDE916E}" type="datetime1">
               <a:rPr lang="en-US" smtClean="0"/>
-              <a:t>12/13/2018</a:t>
+              <a:t>12/14/2018</a:t>
             </a:fld>
             <a:endParaRPr lang="en-US" dirty="0"/>
           </a:p>
@@ -1268,7 +1269,7 @@
           <a:p>
             <a:fld id="{5BD463C3-4FD6-4E15-A2FC-68448FB46BFB}" type="datetime1">
               <a:rPr lang="en-US" smtClean="0"/>
-              <a:t>12/13/2018</a:t>
+              <a:t>12/14/2018</a:t>
             </a:fld>
             <a:endParaRPr lang="en-US" dirty="0"/>
           </a:p>
@@ -1554,7 +1555,7 @@
           <a:p>
             <a:fld id="{B7FCA03E-80A5-466A-B4B4-2B8FCC7E2AEA}" type="datetime1">
               <a:rPr lang="en-US" smtClean="0"/>
-              <a:t>12/13/2018</a:t>
+              <a:t>12/14/2018</a:t>
             </a:fld>
             <a:endParaRPr lang="en-US" dirty="0"/>
           </a:p>
@@ -2003,7 +2004,7 @@
           <a:p>
             <a:fld id="{BFC04CE4-31EE-4F2B-B744-8EA83E1FE85E}" type="datetime1">
               <a:rPr lang="en-US" smtClean="0"/>
-              <a:t>12/13/2018</a:t>
+              <a:t>12/14/2018</a:t>
             </a:fld>
             <a:endParaRPr lang="en-US" dirty="0"/>
           </a:p>
@@ -2574,7 +2575,7 @@
           <a:p>
             <a:fld id="{5E53FD72-7ED1-4AE3-A5D5-6F68728C4781}" type="datetime1">
               <a:rPr lang="en-US" smtClean="0"/>
-              <a:t>12/13/2018</a:t>
+              <a:t>12/14/2018</a:t>
             </a:fld>
             <a:endParaRPr lang="en-US" dirty="0"/>
           </a:p>
@@ -3421,7 +3422,7 @@
           <a:p>
             <a:fld id="{DB065CE1-EB77-408D-8750-22984ACCA118}" type="datetime1">
               <a:rPr lang="en-US" smtClean="0"/>
-              <a:t>12/13/2018</a:t>
+              <a:t>12/14/2018</a:t>
             </a:fld>
             <a:endParaRPr lang="en-US" dirty="0"/>
           </a:p>
@@ -3621,7 +3622,7 @@
           <a:p>
             <a:fld id="{83D43F08-357A-4172-8503-D86CDAB57223}" type="datetime1">
               <a:rPr lang="en-US" smtClean="0"/>
-              <a:t>12/13/2018</a:t>
+              <a:t>12/14/2018</a:t>
             </a:fld>
             <a:endParaRPr lang="en-US" dirty="0"/>
           </a:p>
@@ -3830,7 +3831,7 @@
           <a:p>
             <a:fld id="{81B3A79B-37D8-44DC-BE4B-FEEEB5E6613B}" type="datetime1">
               <a:rPr lang="en-US" smtClean="0"/>
-              <a:t>12/13/2018</a:t>
+              <a:t>12/14/2018</a:t>
             </a:fld>
             <a:endParaRPr lang="en-US" dirty="0"/>
           </a:p>
@@ -4035,7 +4036,7 @@
           <a:p>
             <a:fld id="{9A46E524-FD8D-452D-9C72-0AC53F7701F7}" type="datetimeFigureOut">
               <a:rPr lang="en-AU" smtClean="0"/>
-              <a:t>13/12/2018</a:t>
+              <a:t>14/12/2018</a:t>
             </a:fld>
             <a:endParaRPr lang="en-AU"/>
           </a:p>
@@ -4235,7 +4236,7 @@
           <a:p>
             <a:fld id="{9A46E524-FD8D-452D-9C72-0AC53F7701F7}" type="datetimeFigureOut">
               <a:rPr lang="en-AU" smtClean="0"/>
-              <a:t>13/12/2018</a:t>
+              <a:t>14/12/2018</a:t>
             </a:fld>
             <a:endParaRPr lang="en-AU"/>
           </a:p>
@@ -4422,7 +4423,7 @@
           <a:p>
             <a:fld id="{8839007D-6BCD-43A3-816F-9B9944EEE7DD}" type="datetime1">
               <a:rPr lang="en-US" smtClean="0"/>
-              <a:t>12/13/2018</a:t>
+              <a:t>12/14/2018</a:t>
             </a:fld>
             <a:endParaRPr lang="en-US" dirty="0"/>
           </a:p>
@@ -4847,7 +4848,7 @@
           <a:p>
             <a:fld id="{9A46E524-FD8D-452D-9C72-0AC53F7701F7}" type="datetimeFigureOut">
               <a:rPr lang="en-AU" smtClean="0"/>
-              <a:t>13/12/2018</a:t>
+              <a:t>14/12/2018</a:t>
             </a:fld>
             <a:endParaRPr lang="en-AU"/>
           </a:p>
@@ -5115,7 +5116,7 @@
           <a:p>
             <a:fld id="{9A46E524-FD8D-452D-9C72-0AC53F7701F7}" type="datetimeFigureOut">
               <a:rPr lang="en-AU" smtClean="0"/>
-              <a:t>13/12/2018</a:t>
+              <a:t>14/12/2018</a:t>
             </a:fld>
             <a:endParaRPr lang="en-AU"/>
           </a:p>
@@ -5530,7 +5531,7 @@
           <a:p>
             <a:fld id="{9A46E524-FD8D-452D-9C72-0AC53F7701F7}" type="datetimeFigureOut">
               <a:rPr lang="en-AU" smtClean="0"/>
-              <a:t>13/12/2018</a:t>
+              <a:t>14/12/2018</a:t>
             </a:fld>
             <a:endParaRPr lang="en-AU"/>
           </a:p>
@@ -5672,7 +5673,7 @@
           <a:p>
             <a:fld id="{9A46E524-FD8D-452D-9C72-0AC53F7701F7}" type="datetimeFigureOut">
               <a:rPr lang="en-AU" smtClean="0"/>
-              <a:t>13/12/2018</a:t>
+              <a:t>14/12/2018</a:t>
             </a:fld>
             <a:endParaRPr lang="en-AU"/>
           </a:p>
@@ -5785,7 +5786,7 @@
           <a:p>
             <a:fld id="{9A46E524-FD8D-452D-9C72-0AC53F7701F7}" type="datetimeFigureOut">
               <a:rPr lang="en-AU" smtClean="0"/>
-              <a:t>13/12/2018</a:t>
+              <a:t>14/12/2018</a:t>
             </a:fld>
             <a:endParaRPr lang="en-AU"/>
           </a:p>
@@ -6098,7 +6099,7 @@
           <a:p>
             <a:fld id="{9A46E524-FD8D-452D-9C72-0AC53F7701F7}" type="datetimeFigureOut">
               <a:rPr lang="en-AU" smtClean="0"/>
-              <a:t>13/12/2018</a:t>
+              <a:t>14/12/2018</a:t>
             </a:fld>
             <a:endParaRPr lang="en-AU"/>
           </a:p>
@@ -6387,7 +6388,7 @@
           <a:p>
             <a:fld id="{9A46E524-FD8D-452D-9C72-0AC53F7701F7}" type="datetimeFigureOut">
               <a:rPr lang="en-AU" smtClean="0"/>
-              <a:t>13/12/2018</a:t>
+              <a:t>14/12/2018</a:t>
             </a:fld>
             <a:endParaRPr lang="en-AU"/>
           </a:p>
@@ -6587,7 +6588,7 @@
           <a:p>
             <a:fld id="{9A46E524-FD8D-452D-9C72-0AC53F7701F7}" type="datetimeFigureOut">
               <a:rPr lang="en-AU" smtClean="0"/>
-              <a:t>13/12/2018</a:t>
+              <a:t>14/12/2018</a:t>
             </a:fld>
             <a:endParaRPr lang="en-AU"/>
           </a:p>
@@ -6797,7 +6798,7 @@
           <a:p>
             <a:fld id="{9A46E524-FD8D-452D-9C72-0AC53F7701F7}" type="datetimeFigureOut">
               <a:rPr lang="en-AU" smtClean="0"/>
-              <a:t>13/12/2018</a:t>
+              <a:t>14/12/2018</a:t>
             </a:fld>
             <a:endParaRPr lang="en-AU"/>
           </a:p>
@@ -7089,7 +7090,7 @@
           <a:p>
             <a:fld id="{7A04BD80-684F-43EC-BD8A-3313B4EC3815}" type="datetime1">
               <a:rPr lang="en-US" smtClean="0"/>
-              <a:t>12/13/2018</a:t>
+              <a:t>12/14/2018</a:t>
             </a:fld>
             <a:endParaRPr lang="en-US" dirty="0"/>
           </a:p>
@@ -7351,7 +7352,7 @@
           <a:p>
             <a:fld id="{E64D2021-F3A0-43D8-B6B3-AE7BBAB9890A}" type="datetime1">
               <a:rPr lang="en-US" smtClean="0"/>
-              <a:t>12/13/2018</a:t>
+              <a:t>12/14/2018</a:t>
             </a:fld>
             <a:endParaRPr lang="en-US" dirty="0"/>
           </a:p>
@@ -7761,7 +7762,7 @@
           <a:p>
             <a:fld id="{182B9AF0-B7DD-4DE1-A9F5-91BE63737632}" type="datetime1">
               <a:rPr lang="en-US" smtClean="0"/>
-              <a:t>12/13/2018</a:t>
+              <a:t>12/14/2018</a:t>
             </a:fld>
             <a:endParaRPr lang="en-US" dirty="0"/>
           </a:p>
@@ -7904,7 +7905,7 @@
           <a:p>
             <a:fld id="{073F85E4-564C-4728-AEFB-C8F906AA693D}" type="datetime1">
               <a:rPr lang="en-US" smtClean="0"/>
-              <a:t>12/13/2018</a:t>
+              <a:t>12/14/2018</a:t>
             </a:fld>
             <a:endParaRPr lang="en-US" dirty="0"/>
           </a:p>
@@ -8024,7 +8025,7 @@
           <a:p>
             <a:fld id="{BE00A3BD-B35C-46C6-B7B7-E519136B132D}" type="datetime1">
               <a:rPr lang="en-US" smtClean="0"/>
-              <a:t>12/13/2018</a:t>
+              <a:t>12/14/2018</a:t>
             </a:fld>
             <a:endParaRPr lang="en-US" dirty="0"/>
           </a:p>
@@ -8298,7 +8299,7 @@
           <a:p>
             <a:fld id="{5BC59E4D-16D2-4652-AD24-ABC7C4E21225}" type="datetime1">
               <a:rPr lang="en-US" smtClean="0"/>
-              <a:t>12/13/2018</a:t>
+              <a:t>12/14/2018</a:t>
             </a:fld>
             <a:endParaRPr lang="en-US" dirty="0"/>
           </a:p>
@@ -8605,7 +8606,7 @@
           <a:p>
             <a:fld id="{A7BFFB6C-937C-401A-B23B-FFE1848A43F3}" type="datetime1">
               <a:rPr lang="en-US" smtClean="0"/>
-              <a:t>12/13/2018</a:t>
+              <a:t>12/14/2018</a:t>
             </a:fld>
             <a:endParaRPr lang="en-US" dirty="0"/>
           </a:p>
@@ -8853,7 +8854,7 @@
           <a:p>
             <a:fld id="{A3AB179A-3664-45B4-AF75-5A588F18B660}" type="datetime1">
               <a:rPr lang="en-US" smtClean="0"/>
-              <a:t>12/13/2018</a:t>
+              <a:t>12/14/2018</a:t>
             </a:fld>
             <a:endParaRPr lang="en-US" dirty="0"/>
           </a:p>
@@ -9447,7 +9448,7 @@
           <a:p>
             <a:fld id="{9A46E524-FD8D-452D-9C72-0AC53F7701F7}" type="datetimeFigureOut">
               <a:rPr lang="en-AU" smtClean="0"/>
-              <a:t>13/12/2018</a:t>
+              <a:t>14/12/2018</a:t>
             </a:fld>
             <a:endParaRPr lang="en-AU"/>
           </a:p>
@@ -10188,13 +10189,13 @@
   <p:clrMapOvr>
     <a:masterClrMapping/>
   </p:clrMapOvr>
-  <mc:AlternateContent xmlns:mc="http://schemas.openxmlformats.org/markup-compatibility/2006">
-    <mc:Choice xmlns:p14="http://schemas.microsoft.com/office/powerpoint/2010/main" Requires="p14">
+  <mc:AlternateContent xmlns:mc="http://schemas.openxmlformats.org/markup-compatibility/2006" xmlns:p14="http://schemas.microsoft.com/office/powerpoint/2010/main">
+    <mc:Choice Requires="p14">
       <p:transition spd="med" p14:dur="700">
         <p:fade/>
       </p:transition>
     </mc:Choice>
-    <mc:Fallback>
+    <mc:Fallback xmlns="">
       <p:transition spd="med">
         <p:fade/>
       </p:transition>
@@ -10264,7 +10265,7 @@
                 <a:latin typeface="Calibri" panose="020F0502020204030204" pitchFamily="34" charset="0"/>
                 <a:cs typeface="Calibri" panose="020F0502020204030204" pitchFamily="34" charset="0"/>
               </a:rPr>
-              <a:t>Background Information</a:t>
+              <a:t>Background</a:t>
             </a:r>
           </a:p>
         </p:txBody>
@@ -10667,13 +10668,13 @@
   <p:clrMapOvr>
     <a:masterClrMapping/>
   </p:clrMapOvr>
-  <mc:AlternateContent xmlns:mc="http://schemas.openxmlformats.org/markup-compatibility/2006">
-    <mc:Choice xmlns:p14="http://schemas.microsoft.com/office/powerpoint/2010/main" Requires="p14">
+  <mc:AlternateContent xmlns:mc="http://schemas.openxmlformats.org/markup-compatibility/2006" xmlns:p14="http://schemas.microsoft.com/office/powerpoint/2010/main">
+    <mc:Choice Requires="p14">
       <p:transition spd="med" p14:dur="700">
         <p:fade/>
       </p:transition>
     </mc:Choice>
-    <mc:Fallback>
+    <mc:Fallback xmlns="">
       <p:transition spd="med">
         <p:fade/>
       </p:transition>
@@ -10743,7 +10744,7 @@
                 <a:latin typeface="Calibri" panose="020F0502020204030204" pitchFamily="34" charset="0"/>
                 <a:cs typeface="Calibri" panose="020F0502020204030204" pitchFamily="34" charset="0"/>
               </a:rPr>
-              <a:t>Objectives</a:t>
+              <a:t>Objective</a:t>
             </a:r>
           </a:p>
         </p:txBody>
@@ -10781,7 +10782,7 @@
                 <a:latin typeface="Calibri" panose="020F0502020204030204" pitchFamily="34" charset="0"/>
                 <a:cs typeface="Calibri" panose="020F0502020204030204" pitchFamily="34" charset="0"/>
               </a:rPr>
-              <a:t>High level objectives</a:t>
+              <a:t>Action Plan</a:t>
             </a:r>
           </a:p>
           <a:p>
@@ -10857,7 +10858,7 @@
         <p:spPr>
           <a:xfrm>
             <a:off x="993913" y="1272207"/>
-            <a:ext cx="10487770" cy="430887"/>
+            <a:ext cx="6294410" cy="553998"/>
           </a:xfrm>
           <a:prstGeom prst="rect">
             <a:avLst/>
@@ -10872,14 +10873,14 @@
           <a:p>
             <a:pPr algn="just"/>
             <a:r>
-              <a:rPr lang="en-US" sz="1100">
+              <a:rPr lang="en-US" sz="1000">
                 <a:latin typeface="Calibri" panose="020F0502020204030204" pitchFamily="34" charset="0"/>
                 <a:cs typeface="Calibri" panose="020F0502020204030204" pitchFamily="34" charset="0"/>
               </a:rPr>
-              <a:t>From the very preliminary discussions with Ben and Kelsey, I understand that there is a need to provide data files through THREDDS in a way that combines the power of GSKY. Instead of just showing the aggregate tiles on screen, it would be useful if the component files in the aggregation could be presented for downloading on </a:t>
-            </a:r>
-            <a:r>
-              <a:rPr lang="en-US" sz="1100">
+              <a:t>From the very preliminary discussions with Ben and Kelsey, I understand that there is a need to provide data files through THREDDS in a way that combines the power of GSKY. Instead of just showing the aggregate tiles on screen, it would be useful if the component files in the aggregation could be downloaded via </a:t>
+            </a:r>
+            <a:r>
+              <a:rPr lang="en-US" sz="1000">
                 <a:latin typeface="Calibri" panose="020F0502020204030204" pitchFamily="34" charset="0"/>
                 <a:cs typeface="Calibri" panose="020F0502020204030204" pitchFamily="34" charset="0"/>
                 <a:hlinkClick r:id="rId3"/>
@@ -10887,13 +10888,13 @@
               <a:t>THREDDS</a:t>
             </a:r>
             <a:r>
-              <a:rPr lang="en-US" sz="1100">
+              <a:rPr lang="en-US" sz="1000">
                 <a:latin typeface="Calibri" panose="020F0502020204030204" pitchFamily="34" charset="0"/>
                 <a:cs typeface="Calibri" panose="020F0502020204030204" pitchFamily="34" charset="0"/>
               </a:rPr>
-              <a:t> as shown below.</a:t>
-            </a:r>
-            <a:endParaRPr lang="en-AU" sz="1100">
+              <a:t> as in the picture below.</a:t>
+            </a:r>
+            <a:endParaRPr lang="en-AU" sz="1000">
               <a:latin typeface="Calibri" panose="020F0502020204030204" pitchFamily="34" charset="0"/>
               <a:cs typeface="Calibri" panose="020F0502020204030204" pitchFamily="34" charset="0"/>
             </a:endParaRPr>
@@ -10922,7 +10923,7 @@
         </p:blipFill>
         <p:spPr>
           <a:xfrm>
-            <a:off x="7288323" y="2883793"/>
+            <a:off x="7319583" y="2883793"/>
             <a:ext cx="3923017" cy="2251801"/>
           </a:xfrm>
           <a:prstGeom prst="rect">
@@ -10949,8 +10950,8 @@
         </p:nvSpPr>
         <p:spPr>
           <a:xfrm>
-            <a:off x="1094256" y="1836750"/>
-            <a:ext cx="6080473" cy="1061829"/>
+            <a:off x="993913" y="2250223"/>
+            <a:ext cx="6194067" cy="954107"/>
           </a:xfrm>
           <a:prstGeom prst="rect">
             <a:avLst/>
@@ -10974,7 +10975,7 @@
           <a:p>
             <a:pPr algn="just"/>
             <a:r>
-              <a:rPr lang="en-US" sz="900" b="1">
+              <a:rPr lang="en-US" sz="800" b="1">
                 <a:latin typeface="Calibri" panose="020F0502020204030204" pitchFamily="34" charset="0"/>
                 <a:cs typeface="Calibri" panose="020F0502020204030204" pitchFamily="34" charset="0"/>
               </a:rPr>
@@ -10984,14 +10985,14 @@
           <a:p>
             <a:pPr algn="just"/>
             <a:r>
-              <a:rPr lang="en-US" sz="900">
+              <a:rPr lang="en-US" sz="800">
                 <a:latin typeface="Calibri" panose="020F0502020204030204" pitchFamily="34" charset="0"/>
                 <a:cs typeface="Calibri" panose="020F0502020204030204" pitchFamily="34" charset="0"/>
               </a:rPr>
-              <a:t>My understanding about the objectives is very patchy, and the solution I propose could be way off target. If I am right, however, there appears to be very little work to achieve it. I have documented the </a:t>
-            </a:r>
-            <a:r>
-              <a:rPr lang="en-US" sz="900">
+              <a:t>My understanding about the objective is very patchy, and the solution I propose could be way off target. If I am right, however, there appears to be very little work to achieve it. I have documented the </a:t>
+            </a:r>
+            <a:r>
+              <a:rPr lang="en-US" sz="800">
                 <a:latin typeface="Calibri" panose="020F0502020204030204" pitchFamily="34" charset="0"/>
                 <a:cs typeface="Calibri" panose="020F0502020204030204" pitchFamily="34" charset="0"/>
                 <a:hlinkClick r:id="rId5"/>
@@ -10999,14 +11000,14 @@
               <a:t>GSKY</a:t>
             </a:r>
             <a:r>
-              <a:rPr lang="en-US" sz="900">
+              <a:rPr lang="en-US" sz="800">
                 <a:latin typeface="Calibri" panose="020F0502020204030204" pitchFamily="34" charset="0"/>
                 <a:cs typeface="Calibri" panose="020F0502020204030204" pitchFamily="34" charset="0"/>
               </a:rPr>
               <a:t> </a:t>
             </a:r>
             <a:r>
-              <a:rPr lang="en-US" sz="900">
+              <a:rPr lang="en-US" sz="800">
                 <a:latin typeface="Calibri" panose="020F0502020204030204" pitchFamily="34" charset="0"/>
                 <a:cs typeface="Calibri" panose="020F0502020204030204" pitchFamily="34" charset="0"/>
                 <a:hlinkClick r:id="rId6"/>
@@ -11014,14 +11015,14 @@
               <a:t>service</a:t>
             </a:r>
             <a:r>
-              <a:rPr lang="en-US" sz="900">
+              <a:rPr lang="en-US" sz="800">
                 <a:latin typeface="Calibri" panose="020F0502020204030204" pitchFamily="34" charset="0"/>
                 <a:cs typeface="Calibri" panose="020F0502020204030204" pitchFamily="34" charset="0"/>
               </a:rPr>
               <a:t> and the </a:t>
             </a:r>
             <a:r>
-              <a:rPr lang="en-US" sz="900">
+              <a:rPr lang="en-US" sz="800">
                 <a:latin typeface="Calibri" panose="020F0502020204030204" pitchFamily="34" charset="0"/>
                 <a:cs typeface="Calibri" panose="020F0502020204030204" pitchFamily="34" charset="0"/>
                 <a:hlinkClick r:id="rId7"/>
@@ -11029,13 +11030,13 @@
               <a:t>GSKY/TerriaMap </a:t>
             </a:r>
             <a:r>
-              <a:rPr lang="en-US" sz="900">
+              <a:rPr lang="en-US" sz="800">
                 <a:latin typeface="Calibri" panose="020F0502020204030204" pitchFamily="34" charset="0"/>
                 <a:cs typeface="Calibri" panose="020F0502020204030204" pitchFamily="34" charset="0"/>
               </a:rPr>
-              <a:t>conversation after studying the codes for both. It appears that minimal changes in TerriaMap and GSKY codes will enable us to get the list of files that go into the aggregate map. TerriaMap is open source. I have played with it and believe that after sorting out some server issues it can be installed locally and then be able to change the code to suit. This, however, has not been tested. I am reasonably confident to change the GSKY code to achieve our aim.</a:t>
-            </a:r>
-            <a:endParaRPr lang="en-AU" sz="900">
+              <a:t>conversation after studying the codes for both. It appears that minimal changes in TerriaMap and GSKY codes will enable us to get the list of files that go into the aggregate map. TerriaMap is open source. I have played with it and believe that after sorting out some server issues it can be installed locally and then be able to change the code to suit. This, however, has not been tested. I am reasonably confident to change the GSKY code to achieve our aim. My current knowledge about Thredds is minimal too and, hence, there may be logical errors in the proposal.</a:t>
+            </a:r>
+            <a:endParaRPr lang="en-AU" sz="800">
               <a:latin typeface="Calibri" panose="020F0502020204030204" pitchFamily="34" charset="0"/>
               <a:cs typeface="Calibri" panose="020F0502020204030204" pitchFamily="34" charset="0"/>
             </a:endParaRPr>
@@ -11165,6 +11166,48 @@
           </a:p>
         </p:txBody>
       </p:sp>
+      <p:sp>
+        <p:nvSpPr>
+          <p:cNvPr id="11" name="TextBox 10">
+            <a:extLst>
+              <a:ext uri="{FF2B5EF4-FFF2-40B4-BE49-F238E27FC236}">
+                <a16:creationId xmlns:a16="http://schemas.microsoft.com/office/drawing/2014/main" id="{646D4B8A-DD31-49E7-B8D0-51E80DEA484E}"/>
+              </a:ext>
+            </a:extLst>
+          </p:cNvPr>
+          <p:cNvSpPr txBox="1"/>
+          <p:nvPr/>
+        </p:nvSpPr>
+        <p:spPr>
+          <a:xfrm>
+            <a:off x="993913" y="970061"/>
+            <a:ext cx="4344436" cy="369332"/>
+          </a:xfrm>
+          <a:prstGeom prst="rect">
+            <a:avLst/>
+          </a:prstGeom>
+          <a:noFill/>
+        </p:spPr>
+        <p:txBody>
+          <a:bodyPr wrap="square" rtlCol="0">
+            <a:spAutoFit/>
+          </a:bodyPr>
+          <a:lstStyle/>
+          <a:p>
+            <a:r>
+              <a:rPr lang="en-US">
+                <a:latin typeface="Calibri" panose="020F0502020204030204" pitchFamily="34" charset="0"/>
+                <a:cs typeface="Calibri" panose="020F0502020204030204" pitchFamily="34" charset="0"/>
+              </a:rPr>
+              <a:t>High level objective</a:t>
+            </a:r>
+            <a:endParaRPr lang="en-AU">
+              <a:latin typeface="Calibri" panose="020F0502020204030204" pitchFamily="34" charset="0"/>
+              <a:cs typeface="Calibri" panose="020F0502020204030204" pitchFamily="34" charset="0"/>
+            </a:endParaRPr>
+          </a:p>
+        </p:txBody>
+      </p:sp>
     </p:spTree>
     <p:custDataLst>
       <p:tags r:id="rId1"/>
@@ -11178,18 +11221,158 @@
   <p:clrMapOvr>
     <a:masterClrMapping/>
   </p:clrMapOvr>
-  <mc:AlternateContent xmlns:mc="http://schemas.openxmlformats.org/markup-compatibility/2006">
-    <mc:Choice xmlns:p14="http://schemas.microsoft.com/office/powerpoint/2010/main" Requires="p14">
+  <mc:AlternateContent xmlns:mc="http://schemas.openxmlformats.org/markup-compatibility/2006" xmlns:p14="http://schemas.microsoft.com/office/powerpoint/2010/main">
+    <mc:Choice Requires="p14">
       <p:transition spd="med" p14:dur="700">
         <p:fade/>
       </p:transition>
     </mc:Choice>
-    <mc:Fallback>
+    <mc:Fallback xmlns="">
       <p:transition spd="med">
         <p:fade/>
       </p:transition>
     </mc:Fallback>
   </mc:AlternateContent>
+  <p:timing>
+    <p:tnLst>
+      <p:par>
+        <p:cTn id="1" dur="indefinite" restart="never" nodeType="tmRoot">
+          <p:childTnLst>
+            <p:seq concurrent="1" nextAc="seek">
+              <p:cTn id="2" dur="indefinite" nodeType="mainSeq">
+                <p:childTnLst>
+                  <p:par>
+                    <p:cTn id="3" fill="hold">
+                      <p:stCondLst>
+                        <p:cond delay="indefinite"/>
+                      </p:stCondLst>
+                      <p:childTnLst>
+                        <p:par>
+                          <p:cTn id="4" fill="hold">
+                            <p:stCondLst>
+                              <p:cond delay="0"/>
+                            </p:stCondLst>
+                            <p:childTnLst>
+                              <p:par>
+                                <p:cTn id="5" presetID="10" presetClass="entr" presetSubtype="0" fill="hold" grpId="0" nodeType="clickEffect">
+                                  <p:stCondLst>
+                                    <p:cond delay="0"/>
+                                  </p:stCondLst>
+                                  <p:childTnLst>
+                                    <p:set>
+                                      <p:cBhvr>
+                                        <p:cTn id="6" dur="1" fill="hold">
+                                          <p:stCondLst>
+                                            <p:cond delay="0"/>
+                                          </p:stCondLst>
+                                        </p:cTn>
+                                        <p:tgtEl>
+                                          <p:spTgt spid="5"/>
+                                        </p:tgtEl>
+                                        <p:attrNameLst>
+                                          <p:attrName>style.visibility</p:attrName>
+                                        </p:attrNameLst>
+                                      </p:cBhvr>
+                                      <p:to>
+                                        <p:strVal val="visible"/>
+                                      </p:to>
+                                    </p:set>
+                                    <p:animEffect transition="in" filter="fade">
+                                      <p:cBhvr>
+                                        <p:cTn id="7" dur="500"/>
+                                        <p:tgtEl>
+                                          <p:spTgt spid="5"/>
+                                        </p:tgtEl>
+                                      </p:cBhvr>
+                                    </p:animEffect>
+                                  </p:childTnLst>
+                                </p:cTn>
+                              </p:par>
+                            </p:childTnLst>
+                          </p:cTn>
+                        </p:par>
+                      </p:childTnLst>
+                    </p:cTn>
+                  </p:par>
+                  <p:par>
+                    <p:cTn id="8" fill="hold">
+                      <p:stCondLst>
+                        <p:cond delay="indefinite"/>
+                      </p:stCondLst>
+                      <p:childTnLst>
+                        <p:par>
+                          <p:cTn id="9" fill="hold">
+                            <p:stCondLst>
+                              <p:cond delay="0"/>
+                            </p:stCondLst>
+                            <p:childTnLst>
+                              <p:par>
+                                <p:cTn id="10" presetID="10" presetClass="entr" presetSubtype="0" fill="hold" grpId="0" nodeType="clickEffect">
+                                  <p:stCondLst>
+                                    <p:cond delay="0"/>
+                                  </p:stCondLst>
+                                  <p:childTnLst>
+                                    <p:set>
+                                      <p:cBhvr>
+                                        <p:cTn id="11" dur="1" fill="hold">
+                                          <p:stCondLst>
+                                            <p:cond delay="0"/>
+                                          </p:stCondLst>
+                                        </p:cTn>
+                                        <p:tgtEl>
+                                          <p:spTgt spid="2"/>
+                                        </p:tgtEl>
+                                        <p:attrNameLst>
+                                          <p:attrName>style.visibility</p:attrName>
+                                        </p:attrNameLst>
+                                      </p:cBhvr>
+                                      <p:to>
+                                        <p:strVal val="visible"/>
+                                      </p:to>
+                                    </p:set>
+                                    <p:animEffect transition="in" filter="fade">
+                                      <p:cBhvr>
+                                        <p:cTn id="12" dur="500"/>
+                                        <p:tgtEl>
+                                          <p:spTgt spid="2"/>
+                                        </p:tgtEl>
+                                      </p:cBhvr>
+                                    </p:animEffect>
+                                  </p:childTnLst>
+                                </p:cTn>
+                              </p:par>
+                            </p:childTnLst>
+                          </p:cTn>
+                        </p:par>
+                      </p:childTnLst>
+                    </p:cTn>
+                  </p:par>
+                </p:childTnLst>
+              </p:cTn>
+              <p:prevCondLst>
+                <p:cond evt="onPrev" delay="0">
+                  <p:tgtEl>
+                    <p:sldTgt/>
+                  </p:tgtEl>
+                </p:cond>
+              </p:prevCondLst>
+              <p:nextCondLst>
+                <p:cond evt="onNext" delay="0">
+                  <p:tgtEl>
+                    <p:sldTgt/>
+                  </p:tgtEl>
+                </p:cond>
+              </p:nextCondLst>
+            </p:seq>
+          </p:childTnLst>
+        </p:cTn>
+      </p:par>
+    </p:tnLst>
+    <p:bldLst>
+      <p:bldP spid="2" grpId="0"/>
+      <p:bldP spid="5" grpId="0" animBg="1"/>
+    </p:bldLst>
+  </p:timing>
 </p:sld>
 </file>
 
@@ -11274,7 +11457,7 @@
         <p:spPr>
           <a:xfrm>
             <a:off x="1113259" y="1073428"/>
-            <a:ext cx="8062463" cy="276999"/>
+            <a:ext cx="8062463" cy="261610"/>
           </a:xfrm>
           <a:prstGeom prst="rect">
             <a:avLst/>
@@ -11288,14 +11471,14 @@
           <a:lstStyle/>
           <a:p>
             <a:r>
-              <a:rPr lang="en-US" sz="1200" b="1">
+              <a:rPr lang="en-US" sz="1050" b="1">
                 <a:latin typeface="Calibri" panose="020F0502020204030204" pitchFamily="34" charset="0"/>
                 <a:cs typeface="Calibri" panose="020F0502020204030204" pitchFamily="34" charset="0"/>
               </a:rPr>
               <a:t>View </a:t>
             </a:r>
             <a:r>
-              <a:rPr lang="en-AU" sz="1200" b="1">
+              <a:rPr lang="en-AU" sz="1050" b="1">
                 <a:latin typeface="Calibri" panose="020F0502020204030204" pitchFamily="34" charset="0"/>
                 <a:cs typeface="Calibri" panose="020F0502020204030204" pitchFamily="34" charset="0"/>
                 <a:hlinkClick r:id="rId3" tooltip="GSKY_User_Guide.ppsx"/>
@@ -11303,14 +11486,14 @@
               <a:t>GSKY_User_Guide.ppsx</a:t>
             </a:r>
             <a:r>
-              <a:rPr lang="en-AU" sz="1200" b="1">
+              <a:rPr lang="en-AU" sz="1050" b="1">
                 <a:latin typeface="Calibri" panose="020F0502020204030204" pitchFamily="34" charset="0"/>
                 <a:cs typeface="Calibri" panose="020F0502020204030204" pitchFamily="34" charset="0"/>
               </a:rPr>
               <a:t> or </a:t>
             </a:r>
             <a:r>
-              <a:rPr lang="en-AU" sz="1200" b="1">
+              <a:rPr lang="en-AU" sz="1050" b="1">
                 <a:latin typeface="Calibri" panose="020F0502020204030204" pitchFamily="34" charset="0"/>
                 <a:cs typeface="Calibri" panose="020F0502020204030204" pitchFamily="34" charset="0"/>
                 <a:hlinkClick r:id="rId4" tooltip="GSKY_Developer_Guide.ppsx"/>
@@ -11318,7 +11501,7 @@
               <a:t>GSKY_Developer_Guide.ppsx</a:t>
             </a:r>
             <a:r>
-              <a:rPr lang="en-AU" sz="1200" b="1">
+              <a:rPr lang="en-AU" sz="1050" b="1">
                 <a:latin typeface="Calibri" panose="020F0502020204030204" pitchFamily="34" charset="0"/>
                 <a:cs typeface="Calibri" panose="020F0502020204030204" pitchFamily="34" charset="0"/>
               </a:rPr>
@@ -11418,7 +11601,7 @@
         </p:nvSpPr>
         <p:spPr>
           <a:xfrm>
-            <a:off x="1121135" y="2005372"/>
+            <a:off x="1113259" y="2005372"/>
             <a:ext cx="6297434" cy="1277273"/>
           </a:xfrm>
           <a:prstGeom prst="rect">
@@ -11533,7 +11716,7 @@
                 <a:latin typeface="Calibri" panose="020F0502020204030204" pitchFamily="34" charset="0"/>
                 <a:cs typeface="Calibri" panose="020F0502020204030204" pitchFamily="34" charset="0"/>
               </a:rPr>
-              <a:t>We can get the list of files gathered by each call.</a:t>
+              <a:t>By modifying the GSKY code, we can get the list of files gathered by each call.</a:t>
             </a:r>
           </a:p>
         </p:txBody>
@@ -11552,7 +11735,7 @@
         </p:nvSpPr>
         <p:spPr>
           <a:xfrm>
-            <a:off x="1121134" y="3815997"/>
+            <a:off x="1113259" y="3815997"/>
             <a:ext cx="6297434" cy="1892826"/>
           </a:xfrm>
           <a:prstGeom prst="rect">
@@ -11888,7 +12071,7 @@
         </p:nvSpPr>
         <p:spPr>
           <a:xfrm>
-            <a:off x="1121133" y="1606163"/>
+            <a:off x="1113259" y="1606163"/>
             <a:ext cx="6297432" cy="369332"/>
           </a:xfrm>
           <a:prstGeom prst="rect">
@@ -11924,7 +12107,7 @@
         </p:nvSpPr>
         <p:spPr>
           <a:xfrm>
-            <a:off x="1121132" y="3429000"/>
+            <a:off x="1113259" y="3429000"/>
             <a:ext cx="6297433" cy="369332"/>
           </a:xfrm>
           <a:prstGeom prst="rect">
@@ -11959,13 +12142,13 @@
   <p:clrMapOvr>
     <a:masterClrMapping/>
   </p:clrMapOvr>
-  <mc:AlternateContent xmlns:mc="http://schemas.openxmlformats.org/markup-compatibility/2006">
-    <mc:Choice xmlns:p14="http://schemas.microsoft.com/office/powerpoint/2010/main" Requires="p14">
+  <mc:AlternateContent xmlns:mc="http://schemas.openxmlformats.org/markup-compatibility/2006" xmlns:p14="http://schemas.microsoft.com/office/powerpoint/2010/main">
+    <mc:Choice Requires="p14">
       <p:transition spd="med" p14:dur="700">
         <p:fade/>
       </p:transition>
     </mc:Choice>
-    <mc:Fallback>
+    <mc:Fallback xmlns="">
       <p:transition spd="med">
         <p:fade/>
       </p:transition>
@@ -13067,7 +13250,7 @@
                 <a:latin typeface="Calibri" panose="020F0502020204030204" pitchFamily="34" charset="0"/>
                 <a:cs typeface="Calibri" panose="020F0502020204030204" pitchFamily="34" charset="0"/>
               </a:rPr>
-              <a:t>Hurdles</a:t>
+              <a:t>Technical Challenges</a:t>
             </a:r>
           </a:p>
         </p:txBody>
@@ -13123,7 +13306,7 @@
         <p:spPr>
           <a:xfrm>
             <a:off x="1240401" y="1860605"/>
-            <a:ext cx="5971429" cy="3216265"/>
+            <a:ext cx="5971429" cy="4062651"/>
           </a:xfrm>
           <a:prstGeom prst="rect">
             <a:avLst/>
@@ -13145,7 +13328,7 @@
                 <a:latin typeface="Calibri" panose="020F0502020204030204" pitchFamily="34" charset="0"/>
                 <a:cs typeface="Calibri" panose="020F0502020204030204" pitchFamily="34" charset="0"/>
               </a:rPr>
-              <a:t>Compiling and installing TerriaMap webserver on the Tenjin VM</a:t>
+              <a:t>Compiling and installing Terria webserver on the Tenjin VM.</a:t>
             </a:r>
           </a:p>
           <a:p>
@@ -13158,7 +13341,20 @@
                 <a:latin typeface="Calibri" panose="020F0502020204030204" pitchFamily="34" charset="0"/>
                 <a:cs typeface="Calibri" panose="020F0502020204030204" pitchFamily="34" charset="0"/>
               </a:rPr>
-              <a:t>Not yet sure how to access the TerriaMap from a web browser on the VM.</a:t>
+              <a:t>Already know how to compile and install TerriaJS.</a:t>
+            </a:r>
+          </a:p>
+          <a:p>
+            <a:pPr marL="628650" lvl="1" indent="-171450">
+              <a:buFont typeface="Arial" panose="020B0604020202020204" pitchFamily="34" charset="0"/>
+              <a:buChar char="•"/>
+            </a:pPr>
+            <a:r>
+              <a:rPr lang="en-US" sz="1000">
+                <a:latin typeface="Calibri" panose="020F0502020204030204" pitchFamily="34" charset="0"/>
+                <a:cs typeface="Calibri" panose="020F0502020204030204" pitchFamily="34" charset="0"/>
+              </a:rPr>
+              <a:t>Not yet sure how to access Terria from a web browser on the VM.</a:t>
             </a:r>
           </a:p>
           <a:p>
@@ -13212,7 +13408,7 @@
                 <a:latin typeface="Calibri" panose="020F0502020204030204" pitchFamily="34" charset="0"/>
                 <a:cs typeface="Calibri" panose="020F0502020204030204" pitchFamily="34" charset="0"/>
               </a:rPr>
-              <a:t>Changing the code in TerriaMap</a:t>
+              <a:t>Changing the code in Terria</a:t>
             </a:r>
           </a:p>
           <a:p>
@@ -13385,6 +13581,32 @@
             </a:r>
           </a:p>
           <a:p>
+            <a:pPr marL="1085850" lvl="2" indent="-171450">
+              <a:buFont typeface="Arial" panose="020B0604020202020204" pitchFamily="34" charset="0"/>
+              <a:buChar char="•"/>
+            </a:pPr>
+            <a:r>
+              <a:rPr lang="en-US" sz="900">
+                <a:latin typeface="Calibri" panose="020F0502020204030204" pitchFamily="34" charset="0"/>
+                <a:cs typeface="Calibri" panose="020F0502020204030204" pitchFamily="34" charset="0"/>
+              </a:rPr>
+              <a:t>Where is the Thredds server? If not on VM, how to upload the catalog?</a:t>
+            </a:r>
+          </a:p>
+          <a:p>
+            <a:pPr marL="1085850" lvl="2" indent="-171450">
+              <a:buFont typeface="Arial" panose="020B0604020202020204" pitchFamily="34" charset="0"/>
+              <a:buChar char="•"/>
+            </a:pPr>
+            <a:r>
+              <a:rPr lang="en-US" sz="900">
+                <a:latin typeface="Calibri" panose="020F0502020204030204" pitchFamily="34" charset="0"/>
+                <a:cs typeface="Calibri" panose="020F0502020204030204" pitchFamily="34" charset="0"/>
+              </a:rPr>
+              <a:t>Or, build a Thredds server on the VM ?</a:t>
+            </a:r>
+          </a:p>
+          <a:p>
             <a:pPr marL="628650" lvl="1" indent="-171450">
               <a:buFont typeface="Arial" panose="020B0604020202020204" pitchFamily="34" charset="0"/>
               <a:buChar char="•"/>
@@ -13394,7 +13616,7 @@
                 <a:latin typeface="Calibri" panose="020F0502020204030204" pitchFamily="34" charset="0"/>
                 <a:cs typeface="Calibri" panose="020F0502020204030204" pitchFamily="34" charset="0"/>
               </a:rPr>
-              <a:t>Display it as a link on TerriaMap to NCI Thredds server.</a:t>
+              <a:t>Display it as a link on Terria.</a:t>
             </a:r>
           </a:p>
           <a:p>
@@ -13407,7 +13629,7 @@
                 <a:latin typeface="Calibri" panose="020F0502020204030204" pitchFamily="34" charset="0"/>
                 <a:cs typeface="Calibri" panose="020F0502020204030204" pitchFamily="34" charset="0"/>
               </a:rPr>
-              <a:t>Display the return data from the NCI Thredds.</a:t>
+              <a:t>Display the return data from Thredds in a new window.</a:t>
             </a:r>
           </a:p>
           <a:p>
@@ -13434,6 +13656,45 @@
                 <a:cs typeface="Calibri" panose="020F0502020204030204" pitchFamily="34" charset="0"/>
               </a:rPr>
               <a:t>Perhaps use the same method as in WCS, but work it out for web data url.</a:t>
+            </a:r>
+          </a:p>
+          <a:p>
+            <a:pPr marL="1085850" lvl="2" indent="-171450">
+              <a:buFont typeface="Arial" panose="020B0604020202020204" pitchFamily="34" charset="0"/>
+              <a:buChar char="•"/>
+            </a:pPr>
+            <a:r>
+              <a:rPr lang="en-US" sz="900">
+                <a:latin typeface="Calibri" panose="020F0502020204030204" pitchFamily="34" charset="0"/>
+                <a:cs typeface="Calibri" panose="020F0502020204030204" pitchFamily="34" charset="0"/>
+              </a:rPr>
+              <a:t>Or, use the WMS request to do both the display and Thredds.</a:t>
+            </a:r>
+          </a:p>
+          <a:p>
+            <a:pPr marL="628650" lvl="1" indent="-171450">
+              <a:buFont typeface="Arial" panose="020B0604020202020204" pitchFamily="34" charset="0"/>
+              <a:buChar char="•"/>
+            </a:pPr>
+            <a:r>
+              <a:rPr lang="en-US" sz="900">
+                <a:latin typeface="Calibri" panose="020F0502020204030204" pitchFamily="34" charset="0"/>
+                <a:cs typeface="Calibri" panose="020F0502020204030204" pitchFamily="34" charset="0"/>
+              </a:rPr>
+              <a:t>Any copyright issue(s) with modifying Terria or TerriaMap?</a:t>
+            </a:r>
+          </a:p>
+          <a:p>
+            <a:pPr marL="628650" lvl="1" indent="-171450">
+              <a:buFont typeface="Arial" panose="020B0604020202020204" pitchFamily="34" charset="0"/>
+              <a:buChar char="•"/>
+            </a:pPr>
+            <a:r>
+              <a:rPr lang="en-US" sz="900">
+                <a:latin typeface="Calibri" panose="020F0502020204030204" pitchFamily="34" charset="0"/>
+                <a:cs typeface="Calibri" panose="020F0502020204030204" pitchFamily="34" charset="0"/>
+              </a:rPr>
+              <a:t>New (proposed) name: TerriaGSKY  or TerriaNCI ?</a:t>
             </a:r>
             <a:endParaRPr lang="en-AU" sz="900">
               <a:latin typeface="Calibri" panose="020F0502020204030204" pitchFamily="34" charset="0"/>
@@ -13455,13 +13716,13 @@
   <p:clrMapOvr>
     <a:masterClrMapping/>
   </p:clrMapOvr>
-  <mc:AlternateContent xmlns:mc="http://schemas.openxmlformats.org/markup-compatibility/2006">
-    <mc:Choice xmlns:p14="http://schemas.microsoft.com/office/powerpoint/2010/main" Requires="p14">
+  <mc:AlternateContent xmlns:mc="http://schemas.openxmlformats.org/markup-compatibility/2006" xmlns:p14="http://schemas.microsoft.com/office/powerpoint/2010/main">
+    <mc:Choice Requires="p14">
       <p:transition spd="med" p14:dur="700">
         <p:fade/>
       </p:transition>
     </mc:Choice>
-    <mc:Fallback>
+    <mc:Fallback xmlns="">
       <p:transition spd="med">
         <p:fade/>
       </p:transition>
@@ -13530,15 +13791,33 @@
                                   </p:childTnLst>
                                 </p:cTn>
                               </p:par>
+                            </p:childTnLst>
+                          </p:cTn>
+                        </p:par>
+                      </p:childTnLst>
+                    </p:cTn>
+                  </p:par>
+                  <p:par>
+                    <p:cTn id="8" fill="hold">
+                      <p:stCondLst>
+                        <p:cond delay="indefinite"/>
+                      </p:stCondLst>
+                      <p:childTnLst>
+                        <p:par>
+                          <p:cTn id="9" fill="hold">
+                            <p:stCondLst>
+                              <p:cond delay="0"/>
+                            </p:stCondLst>
+                            <p:childTnLst>
                               <p:par>
-                                <p:cTn id="8" presetID="10" presetClass="entr" presetSubtype="0" fill="hold" nodeType="withEffect">
+                                <p:cTn id="10" presetID="10" presetClass="entr" presetSubtype="0" fill="hold" nodeType="clickEffect">
                                   <p:stCondLst>
                                     <p:cond delay="0"/>
                                   </p:stCondLst>
                                   <p:childTnLst>
                                     <p:set>
                                       <p:cBhvr>
-                                        <p:cTn id="9" dur="1" fill="hold">
+                                        <p:cTn id="11" dur="1" fill="hold">
                                           <p:stCondLst>
                                             <p:cond delay="0"/>
                                           </p:stCondLst>
@@ -13560,7 +13839,7 @@
                                     </p:set>
                                     <p:animEffect transition="in" filter="fade">
                                       <p:cBhvr>
-                                        <p:cTn id="10" dur="500"/>
+                                        <p:cTn id="12" dur="500"/>
                                         <p:tgtEl>
                                           <p:spTgt spid="3">
                                             <p:txEl>
@@ -13574,14 +13853,14 @@
                                 </p:cTn>
                               </p:par>
                               <p:par>
-                                <p:cTn id="11" presetID="10" presetClass="entr" presetSubtype="0" fill="hold" nodeType="withEffect">
+                                <p:cTn id="13" presetID="10" presetClass="entr" presetSubtype="0" fill="hold" nodeType="withEffect">
                                   <p:stCondLst>
                                     <p:cond delay="0"/>
                                   </p:stCondLst>
                                   <p:childTnLst>
                                     <p:set>
                                       <p:cBhvr>
-                                        <p:cTn id="12" dur="1" fill="hold">
+                                        <p:cTn id="14" dur="1" fill="hold">
                                           <p:stCondLst>
                                             <p:cond delay="0"/>
                                           </p:stCondLst>
@@ -13603,7 +13882,7 @@
                                     </p:set>
                                     <p:animEffect transition="in" filter="fade">
                                       <p:cBhvr>
-                                        <p:cTn id="13" dur="500"/>
+                                        <p:cTn id="15" dur="500"/>
                                         <p:tgtEl>
                                           <p:spTgt spid="3">
                                             <p:txEl>
@@ -13616,26 +13895,8 @@
                                   </p:childTnLst>
                                 </p:cTn>
                               </p:par>
-                            </p:childTnLst>
-                          </p:cTn>
-                        </p:par>
-                      </p:childTnLst>
-                    </p:cTn>
-                  </p:par>
-                  <p:par>
-                    <p:cTn id="14" fill="hold">
-                      <p:stCondLst>
-                        <p:cond delay="indefinite"/>
-                      </p:stCondLst>
-                      <p:childTnLst>
-                        <p:par>
-                          <p:cTn id="15" fill="hold">
-                            <p:stCondLst>
-                              <p:cond delay="0"/>
-                            </p:stCondLst>
-                            <p:childTnLst>
                               <p:par>
-                                <p:cTn id="16" presetID="10" presetClass="entr" presetSubtype="0" fill="hold" nodeType="clickEffect">
+                                <p:cTn id="16" presetID="10" presetClass="entr" presetSubtype="0" fill="hold" nodeType="withEffect">
                                   <p:stCondLst>
                                     <p:cond delay="0"/>
                                   </p:stCondLst>
@@ -13677,15 +13938,33 @@
                                   </p:childTnLst>
                                 </p:cTn>
                               </p:par>
+                            </p:childTnLst>
+                          </p:cTn>
+                        </p:par>
+                      </p:childTnLst>
+                    </p:cTn>
+                  </p:par>
+                  <p:par>
+                    <p:cTn id="19" fill="hold">
+                      <p:stCondLst>
+                        <p:cond delay="indefinite"/>
+                      </p:stCondLst>
+                      <p:childTnLst>
+                        <p:par>
+                          <p:cTn id="20" fill="hold">
+                            <p:stCondLst>
+                              <p:cond delay="0"/>
+                            </p:stCondLst>
+                            <p:childTnLst>
                               <p:par>
-                                <p:cTn id="19" presetID="10" presetClass="entr" presetSubtype="0" fill="hold" nodeType="withEffect">
+                                <p:cTn id="21" presetID="10" presetClass="entr" presetSubtype="0" fill="hold" nodeType="clickEffect">
                                   <p:stCondLst>
                                     <p:cond delay="0"/>
                                   </p:stCondLst>
                                   <p:childTnLst>
                                     <p:set>
                                       <p:cBhvr>
-                                        <p:cTn id="20" dur="1" fill="hold">
+                                        <p:cTn id="22" dur="1" fill="hold">
                                           <p:stCondLst>
                                             <p:cond delay="0"/>
                                           </p:stCondLst>
@@ -13707,7 +13986,7 @@
                                     </p:set>
                                     <p:animEffect transition="in" filter="fade">
                                       <p:cBhvr>
-                                        <p:cTn id="21" dur="500"/>
+                                        <p:cTn id="23" dur="500"/>
                                         <p:tgtEl>
                                           <p:spTgt spid="3">
                                             <p:txEl>
@@ -13721,14 +14000,14 @@
                                 </p:cTn>
                               </p:par>
                               <p:par>
-                                <p:cTn id="22" presetID="10" presetClass="entr" presetSubtype="0" fill="hold" nodeType="withEffect">
+                                <p:cTn id="24" presetID="10" presetClass="entr" presetSubtype="0" fill="hold" nodeType="withEffect">
                                   <p:stCondLst>
                                     <p:cond delay="0"/>
                                   </p:stCondLst>
                                   <p:childTnLst>
                                     <p:set>
                                       <p:cBhvr>
-                                        <p:cTn id="23" dur="1" fill="hold">
+                                        <p:cTn id="25" dur="1" fill="hold">
                                           <p:stCondLst>
                                             <p:cond delay="0"/>
                                           </p:stCondLst>
@@ -13750,7 +14029,7 @@
                                     </p:set>
                                     <p:animEffect transition="in" filter="fade">
                                       <p:cBhvr>
-                                        <p:cTn id="24" dur="500"/>
+                                        <p:cTn id="26" dur="500"/>
                                         <p:tgtEl>
                                           <p:spTgt spid="3">
                                             <p:txEl>
@@ -13764,14 +14043,14 @@
                                 </p:cTn>
                               </p:par>
                               <p:par>
-                                <p:cTn id="25" presetID="10" presetClass="entr" presetSubtype="0" fill="hold" nodeType="withEffect">
+                                <p:cTn id="27" presetID="10" presetClass="entr" presetSubtype="0" fill="hold" nodeType="withEffect">
                                   <p:stCondLst>
                                     <p:cond delay="0"/>
                                   </p:stCondLst>
                                   <p:childTnLst>
                                     <p:set>
                                       <p:cBhvr>
-                                        <p:cTn id="26" dur="1" fill="hold">
+                                        <p:cTn id="28" dur="1" fill="hold">
                                           <p:stCondLst>
                                             <p:cond delay="0"/>
                                           </p:stCondLst>
@@ -13793,7 +14072,7 @@
                                     </p:set>
                                     <p:animEffect transition="in" filter="fade">
                                       <p:cBhvr>
-                                        <p:cTn id="27" dur="500"/>
+                                        <p:cTn id="29" dur="500"/>
                                         <p:tgtEl>
                                           <p:spTgt spid="3">
                                             <p:txEl>
@@ -13807,14 +14086,14 @@
                                 </p:cTn>
                               </p:par>
                               <p:par>
-                                <p:cTn id="28" presetID="10" presetClass="entr" presetSubtype="0" fill="hold" nodeType="withEffect">
+                                <p:cTn id="30" presetID="10" presetClass="entr" presetSubtype="0" fill="hold" nodeType="withEffect">
                                   <p:stCondLst>
                                     <p:cond delay="0"/>
                                   </p:stCondLst>
                                   <p:childTnLst>
                                     <p:set>
                                       <p:cBhvr>
-                                        <p:cTn id="29" dur="1" fill="hold">
+                                        <p:cTn id="31" dur="1" fill="hold">
                                           <p:stCondLst>
                                             <p:cond delay="0"/>
                                           </p:stCondLst>
@@ -13836,7 +14115,7 @@
                                     </p:set>
                                     <p:animEffect transition="in" filter="fade">
                                       <p:cBhvr>
-                                        <p:cTn id="30" dur="500"/>
+                                        <p:cTn id="32" dur="500"/>
                                         <p:tgtEl>
                                           <p:spTgt spid="3">
                                             <p:txEl>
@@ -13849,26 +14128,8 @@
                                   </p:childTnLst>
                                 </p:cTn>
                               </p:par>
-                            </p:childTnLst>
-                          </p:cTn>
-                        </p:par>
-                      </p:childTnLst>
-                    </p:cTn>
-                  </p:par>
-                  <p:par>
-                    <p:cTn id="31" fill="hold">
-                      <p:stCondLst>
-                        <p:cond delay="indefinite"/>
-                      </p:stCondLst>
-                      <p:childTnLst>
-                        <p:par>
-                          <p:cTn id="32" fill="hold">
-                            <p:stCondLst>
-                              <p:cond delay="0"/>
-                            </p:stCondLst>
-                            <p:childTnLst>
                               <p:par>
-                                <p:cTn id="33" presetID="10" presetClass="entr" presetSubtype="0" fill="hold" nodeType="clickEffect">
+                                <p:cTn id="33" presetID="10" presetClass="entr" presetSubtype="0" fill="hold" nodeType="withEffect">
                                   <p:stCondLst>
                                     <p:cond delay="0"/>
                                   </p:stCondLst>
@@ -13910,15 +14171,33 @@
                                   </p:childTnLst>
                                 </p:cTn>
                               </p:par>
+                            </p:childTnLst>
+                          </p:cTn>
+                        </p:par>
+                      </p:childTnLst>
+                    </p:cTn>
+                  </p:par>
+                  <p:par>
+                    <p:cTn id="36" fill="hold">
+                      <p:stCondLst>
+                        <p:cond delay="indefinite"/>
+                      </p:stCondLst>
+                      <p:childTnLst>
+                        <p:par>
+                          <p:cTn id="37" fill="hold">
+                            <p:stCondLst>
+                              <p:cond delay="0"/>
+                            </p:stCondLst>
+                            <p:childTnLst>
                               <p:par>
-                                <p:cTn id="36" presetID="10" presetClass="entr" presetSubtype="0" fill="hold" nodeType="withEffect">
+                                <p:cTn id="38" presetID="10" presetClass="entr" presetSubtype="0" fill="hold" nodeType="clickEffect">
                                   <p:stCondLst>
                                     <p:cond delay="0"/>
                                   </p:stCondLst>
                                   <p:childTnLst>
                                     <p:set>
                                       <p:cBhvr>
-                                        <p:cTn id="37" dur="1" fill="hold">
+                                        <p:cTn id="39" dur="1" fill="hold">
                                           <p:stCondLst>
                                             <p:cond delay="0"/>
                                           </p:stCondLst>
@@ -13940,7 +14219,7 @@
                                     </p:set>
                                     <p:animEffect transition="in" filter="fade">
                                       <p:cBhvr>
-                                        <p:cTn id="38" dur="500"/>
+                                        <p:cTn id="40" dur="500"/>
                                         <p:tgtEl>
                                           <p:spTgt spid="3">
                                             <p:txEl>
@@ -13953,26 +14232,8 @@
                                   </p:childTnLst>
                                 </p:cTn>
                               </p:par>
-                            </p:childTnLst>
-                          </p:cTn>
-                        </p:par>
-                      </p:childTnLst>
-                    </p:cTn>
-                  </p:par>
-                  <p:par>
-                    <p:cTn id="39" fill="hold">
-                      <p:stCondLst>
-                        <p:cond delay="indefinite"/>
-                      </p:stCondLst>
-                      <p:childTnLst>
-                        <p:par>
-                          <p:cTn id="40" fill="hold">
-                            <p:stCondLst>
-                              <p:cond delay="0"/>
-                            </p:stCondLst>
-                            <p:childTnLst>
                               <p:par>
-                                <p:cTn id="41" presetID="10" presetClass="entr" presetSubtype="0" fill="hold" nodeType="clickEffect">
+                                <p:cTn id="41" presetID="10" presetClass="entr" presetSubtype="0" fill="hold" nodeType="withEffect">
                                   <p:stCondLst>
                                     <p:cond delay="0"/>
                                   </p:stCondLst>
@@ -14014,15 +14275,33 @@
                                   </p:childTnLst>
                                 </p:cTn>
                               </p:par>
+                            </p:childTnLst>
+                          </p:cTn>
+                        </p:par>
+                      </p:childTnLst>
+                    </p:cTn>
+                  </p:par>
+                  <p:par>
+                    <p:cTn id="44" fill="hold">
+                      <p:stCondLst>
+                        <p:cond delay="indefinite"/>
+                      </p:stCondLst>
+                      <p:childTnLst>
+                        <p:par>
+                          <p:cTn id="45" fill="hold">
+                            <p:stCondLst>
+                              <p:cond delay="0"/>
+                            </p:stCondLst>
+                            <p:childTnLst>
                               <p:par>
-                                <p:cTn id="44" presetID="10" presetClass="entr" presetSubtype="0" fill="hold" nodeType="withEffect">
+                                <p:cTn id="46" presetID="10" presetClass="entr" presetSubtype="0" fill="hold" nodeType="clickEffect">
                                   <p:stCondLst>
                                     <p:cond delay="0"/>
                                   </p:stCondLst>
                                   <p:childTnLst>
                                     <p:set>
                                       <p:cBhvr>
-                                        <p:cTn id="45" dur="1" fill="hold">
+                                        <p:cTn id="47" dur="1" fill="hold">
                                           <p:stCondLst>
                                             <p:cond delay="0"/>
                                           </p:stCondLst>
@@ -14044,7 +14323,7 @@
                                     </p:set>
                                     <p:animEffect transition="in" filter="fade">
                                       <p:cBhvr>
-                                        <p:cTn id="46" dur="500"/>
+                                        <p:cTn id="48" dur="500"/>
                                         <p:tgtEl>
                                           <p:spTgt spid="3">
                                             <p:txEl>
@@ -14058,14 +14337,14 @@
                                 </p:cTn>
                               </p:par>
                               <p:par>
-                                <p:cTn id="47" presetID="10" presetClass="entr" presetSubtype="0" fill="hold" nodeType="withEffect">
+                                <p:cTn id="49" presetID="10" presetClass="entr" presetSubtype="0" fill="hold" nodeType="withEffect">
                                   <p:stCondLst>
                                     <p:cond delay="0"/>
                                   </p:stCondLst>
                                   <p:childTnLst>
                                     <p:set>
                                       <p:cBhvr>
-                                        <p:cTn id="48" dur="1" fill="hold">
+                                        <p:cTn id="50" dur="1" fill="hold">
                                           <p:stCondLst>
                                             <p:cond delay="0"/>
                                           </p:stCondLst>
@@ -14087,7 +14366,7 @@
                                     </p:set>
                                     <p:animEffect transition="in" filter="fade">
                                       <p:cBhvr>
-                                        <p:cTn id="49" dur="500"/>
+                                        <p:cTn id="51" dur="500"/>
                                         <p:tgtEl>
                                           <p:spTgt spid="3">
                                             <p:txEl>
@@ -14101,14 +14380,14 @@
                                 </p:cTn>
                               </p:par>
                               <p:par>
-                                <p:cTn id="50" presetID="10" presetClass="entr" presetSubtype="0" fill="hold" nodeType="withEffect">
+                                <p:cTn id="52" presetID="10" presetClass="entr" presetSubtype="0" fill="hold" nodeType="withEffect">
                                   <p:stCondLst>
                                     <p:cond delay="0"/>
                                   </p:stCondLst>
                                   <p:childTnLst>
                                     <p:set>
                                       <p:cBhvr>
-                                        <p:cTn id="51" dur="1" fill="hold">
+                                        <p:cTn id="53" dur="1" fill="hold">
                                           <p:stCondLst>
                                             <p:cond delay="0"/>
                                           </p:stCondLst>
@@ -14130,7 +14409,7 @@
                                     </p:set>
                                     <p:animEffect transition="in" filter="fade">
                                       <p:cBhvr>
-                                        <p:cTn id="52" dur="500"/>
+                                        <p:cTn id="54" dur="500"/>
                                         <p:tgtEl>
                                           <p:spTgt spid="3">
                                             <p:txEl>
@@ -14144,14 +14423,14 @@
                                 </p:cTn>
                               </p:par>
                               <p:par>
-                                <p:cTn id="53" presetID="10" presetClass="entr" presetSubtype="0" fill="hold" nodeType="withEffect">
+                                <p:cTn id="55" presetID="10" presetClass="entr" presetSubtype="0" fill="hold" nodeType="withEffect">
                                   <p:stCondLst>
                                     <p:cond delay="0"/>
                                   </p:stCondLst>
                                   <p:childTnLst>
                                     <p:set>
                                       <p:cBhvr>
-                                        <p:cTn id="54" dur="1" fill="hold">
+                                        <p:cTn id="56" dur="1" fill="hold">
                                           <p:stCondLst>
                                             <p:cond delay="0"/>
                                           </p:stCondLst>
@@ -14173,7 +14452,7 @@
                                     </p:set>
                                     <p:animEffect transition="in" filter="fade">
                                       <p:cBhvr>
-                                        <p:cTn id="55" dur="500"/>
+                                        <p:cTn id="57" dur="500"/>
                                         <p:tgtEl>
                                           <p:spTgt spid="3">
                                             <p:txEl>
@@ -14187,14 +14466,14 @@
                                 </p:cTn>
                               </p:par>
                               <p:par>
-                                <p:cTn id="56" presetID="10" presetClass="entr" presetSubtype="0" fill="hold" nodeType="withEffect">
+                                <p:cTn id="58" presetID="10" presetClass="entr" presetSubtype="0" fill="hold" nodeType="withEffect">
                                   <p:stCondLst>
                                     <p:cond delay="0"/>
                                   </p:stCondLst>
                                   <p:childTnLst>
                                     <p:set>
                                       <p:cBhvr>
-                                        <p:cTn id="57" dur="1" fill="hold">
+                                        <p:cTn id="59" dur="1" fill="hold">
                                           <p:stCondLst>
                                             <p:cond delay="0"/>
                                           </p:stCondLst>
@@ -14216,7 +14495,7 @@
                                     </p:set>
                                     <p:animEffect transition="in" filter="fade">
                                       <p:cBhvr>
-                                        <p:cTn id="58" dur="500"/>
+                                        <p:cTn id="60" dur="500"/>
                                         <p:tgtEl>
                                           <p:spTgt spid="3">
                                             <p:txEl>
@@ -14230,14 +14509,14 @@
                                 </p:cTn>
                               </p:par>
                               <p:par>
-                                <p:cTn id="59" presetID="10" presetClass="entr" presetSubtype="0" fill="hold" nodeType="withEffect">
+                                <p:cTn id="61" presetID="10" presetClass="entr" presetSubtype="0" fill="hold" nodeType="withEffect">
                                   <p:stCondLst>
                                     <p:cond delay="0"/>
                                   </p:stCondLst>
                                   <p:childTnLst>
                                     <p:set>
                                       <p:cBhvr>
-                                        <p:cTn id="60" dur="1" fill="hold">
+                                        <p:cTn id="62" dur="1" fill="hold">
                                           <p:stCondLst>
                                             <p:cond delay="0"/>
                                           </p:stCondLst>
@@ -14259,11 +14538,269 @@
                                     </p:set>
                                     <p:animEffect transition="in" filter="fade">
                                       <p:cBhvr>
-                                        <p:cTn id="61" dur="500"/>
+                                        <p:cTn id="63" dur="500"/>
                                         <p:tgtEl>
                                           <p:spTgt spid="3">
                                             <p:txEl>
                                               <p:pRg st="16" end="16"/>
+                                            </p:txEl>
+                                          </p:spTgt>
+                                        </p:tgtEl>
+                                      </p:cBhvr>
+                                    </p:animEffect>
+                                  </p:childTnLst>
+                                </p:cTn>
+                              </p:par>
+                              <p:par>
+                                <p:cTn id="64" presetID="10" presetClass="entr" presetSubtype="0" fill="hold" nodeType="withEffect">
+                                  <p:stCondLst>
+                                    <p:cond delay="0"/>
+                                  </p:stCondLst>
+                                  <p:childTnLst>
+                                    <p:set>
+                                      <p:cBhvr>
+                                        <p:cTn id="65" dur="1" fill="hold">
+                                          <p:stCondLst>
+                                            <p:cond delay="0"/>
+                                          </p:stCondLst>
+                                        </p:cTn>
+                                        <p:tgtEl>
+                                          <p:spTgt spid="3">
+                                            <p:txEl>
+                                              <p:pRg st="17" end="17"/>
+                                            </p:txEl>
+                                          </p:spTgt>
+                                        </p:tgtEl>
+                                        <p:attrNameLst>
+                                          <p:attrName>style.visibility</p:attrName>
+                                        </p:attrNameLst>
+                                      </p:cBhvr>
+                                      <p:to>
+                                        <p:strVal val="visible"/>
+                                      </p:to>
+                                    </p:set>
+                                    <p:animEffect transition="in" filter="fade">
+                                      <p:cBhvr>
+                                        <p:cTn id="66" dur="500"/>
+                                        <p:tgtEl>
+                                          <p:spTgt spid="3">
+                                            <p:txEl>
+                                              <p:pRg st="17" end="17"/>
+                                            </p:txEl>
+                                          </p:spTgt>
+                                        </p:tgtEl>
+                                      </p:cBhvr>
+                                    </p:animEffect>
+                                  </p:childTnLst>
+                                </p:cTn>
+                              </p:par>
+                              <p:par>
+                                <p:cTn id="67" presetID="10" presetClass="entr" presetSubtype="0" fill="hold" nodeType="withEffect">
+                                  <p:stCondLst>
+                                    <p:cond delay="0"/>
+                                  </p:stCondLst>
+                                  <p:childTnLst>
+                                    <p:set>
+                                      <p:cBhvr>
+                                        <p:cTn id="68" dur="1" fill="hold">
+                                          <p:stCondLst>
+                                            <p:cond delay="0"/>
+                                          </p:stCondLst>
+                                        </p:cTn>
+                                        <p:tgtEl>
+                                          <p:spTgt spid="3">
+                                            <p:txEl>
+                                              <p:pRg st="18" end="18"/>
+                                            </p:txEl>
+                                          </p:spTgt>
+                                        </p:tgtEl>
+                                        <p:attrNameLst>
+                                          <p:attrName>style.visibility</p:attrName>
+                                        </p:attrNameLst>
+                                      </p:cBhvr>
+                                      <p:to>
+                                        <p:strVal val="visible"/>
+                                      </p:to>
+                                    </p:set>
+                                    <p:animEffect transition="in" filter="fade">
+                                      <p:cBhvr>
+                                        <p:cTn id="69" dur="500"/>
+                                        <p:tgtEl>
+                                          <p:spTgt spid="3">
+                                            <p:txEl>
+                                              <p:pRg st="18" end="18"/>
+                                            </p:txEl>
+                                          </p:spTgt>
+                                        </p:tgtEl>
+                                      </p:cBhvr>
+                                    </p:animEffect>
+                                  </p:childTnLst>
+                                </p:cTn>
+                              </p:par>
+                              <p:par>
+                                <p:cTn id="70" presetID="10" presetClass="entr" presetSubtype="0" fill="hold" nodeType="withEffect">
+                                  <p:stCondLst>
+                                    <p:cond delay="0"/>
+                                  </p:stCondLst>
+                                  <p:childTnLst>
+                                    <p:set>
+                                      <p:cBhvr>
+                                        <p:cTn id="71" dur="1" fill="hold">
+                                          <p:stCondLst>
+                                            <p:cond delay="0"/>
+                                          </p:stCondLst>
+                                        </p:cTn>
+                                        <p:tgtEl>
+                                          <p:spTgt spid="3">
+                                            <p:txEl>
+                                              <p:pRg st="19" end="19"/>
+                                            </p:txEl>
+                                          </p:spTgt>
+                                        </p:tgtEl>
+                                        <p:attrNameLst>
+                                          <p:attrName>style.visibility</p:attrName>
+                                        </p:attrNameLst>
+                                      </p:cBhvr>
+                                      <p:to>
+                                        <p:strVal val="visible"/>
+                                      </p:to>
+                                    </p:set>
+                                    <p:animEffect transition="in" filter="fade">
+                                      <p:cBhvr>
+                                        <p:cTn id="72" dur="500"/>
+                                        <p:tgtEl>
+                                          <p:spTgt spid="3">
+                                            <p:txEl>
+                                              <p:pRg st="19" end="19"/>
+                                            </p:txEl>
+                                          </p:spTgt>
+                                        </p:tgtEl>
+                                      </p:cBhvr>
+                                    </p:animEffect>
+                                  </p:childTnLst>
+                                </p:cTn>
+                              </p:par>
+                              <p:par>
+                                <p:cTn id="73" presetID="10" presetClass="entr" presetSubtype="0" fill="hold" nodeType="withEffect">
+                                  <p:stCondLst>
+                                    <p:cond delay="0"/>
+                                  </p:stCondLst>
+                                  <p:childTnLst>
+                                    <p:set>
+                                      <p:cBhvr>
+                                        <p:cTn id="74" dur="1" fill="hold">
+                                          <p:stCondLst>
+                                            <p:cond delay="0"/>
+                                          </p:stCondLst>
+                                        </p:cTn>
+                                        <p:tgtEl>
+                                          <p:spTgt spid="3">
+                                            <p:txEl>
+                                              <p:pRg st="20" end="20"/>
+                                            </p:txEl>
+                                          </p:spTgt>
+                                        </p:tgtEl>
+                                        <p:attrNameLst>
+                                          <p:attrName>style.visibility</p:attrName>
+                                        </p:attrNameLst>
+                                      </p:cBhvr>
+                                      <p:to>
+                                        <p:strVal val="visible"/>
+                                      </p:to>
+                                    </p:set>
+                                    <p:animEffect transition="in" filter="fade">
+                                      <p:cBhvr>
+                                        <p:cTn id="75" dur="500"/>
+                                        <p:tgtEl>
+                                          <p:spTgt spid="3">
+                                            <p:txEl>
+                                              <p:pRg st="20" end="20"/>
+                                            </p:txEl>
+                                          </p:spTgt>
+                                        </p:tgtEl>
+                                      </p:cBhvr>
+                                    </p:animEffect>
+                                  </p:childTnLst>
+                                </p:cTn>
+                              </p:par>
+                              <p:par>
+                                <p:cTn id="76" presetID="10" presetClass="entr" presetSubtype="0" fill="hold" nodeType="withEffect">
+                                  <p:stCondLst>
+                                    <p:cond delay="0"/>
+                                  </p:stCondLst>
+                                  <p:childTnLst>
+                                    <p:set>
+                                      <p:cBhvr>
+                                        <p:cTn id="77" dur="1" fill="hold">
+                                          <p:stCondLst>
+                                            <p:cond delay="0"/>
+                                          </p:stCondLst>
+                                        </p:cTn>
+                                        <p:tgtEl>
+                                          <p:spTgt spid="3">
+                                            <p:txEl>
+                                              <p:pRg st="21" end="21"/>
+                                            </p:txEl>
+                                          </p:spTgt>
+                                        </p:tgtEl>
+                                        <p:attrNameLst>
+                                          <p:attrName>style.visibility</p:attrName>
+                                        </p:attrNameLst>
+                                      </p:cBhvr>
+                                      <p:to>
+                                        <p:strVal val="visible"/>
+                                      </p:to>
+                                    </p:set>
+                                    <p:animEffect transition="in" filter="fade">
+                                      <p:cBhvr>
+                                        <p:cTn id="78" dur="500"/>
+                                        <p:tgtEl>
+                                          <p:spTgt spid="3">
+                                            <p:txEl>
+                                              <p:pRg st="21" end="21"/>
+                                            </p:txEl>
+                                          </p:spTgt>
+                                        </p:tgtEl>
+                                      </p:cBhvr>
+                                    </p:animEffect>
+                                  </p:childTnLst>
+                                </p:cTn>
+                              </p:par>
+                              <p:par>
+                                <p:cTn id="79" presetID="10" presetClass="entr" presetSubtype="0" fill="hold" nodeType="withEffect">
+                                  <p:stCondLst>
+                                    <p:cond delay="0"/>
+                                  </p:stCondLst>
+                                  <p:childTnLst>
+                                    <p:set>
+                                      <p:cBhvr>
+                                        <p:cTn id="80" dur="1" fill="hold">
+                                          <p:stCondLst>
+                                            <p:cond delay="0"/>
+                                          </p:stCondLst>
+                                        </p:cTn>
+                                        <p:tgtEl>
+                                          <p:spTgt spid="3">
+                                            <p:txEl>
+                                              <p:pRg st="22" end="22"/>
+                                            </p:txEl>
+                                          </p:spTgt>
+                                        </p:tgtEl>
+                                        <p:attrNameLst>
+                                          <p:attrName>style.visibility</p:attrName>
+                                        </p:attrNameLst>
+                                      </p:cBhvr>
+                                      <p:to>
+                                        <p:strVal val="visible"/>
+                                      </p:to>
+                                    </p:set>
+                                    <p:animEffect transition="in" filter="fade">
+                                      <p:cBhvr>
+                                        <p:cTn id="81" dur="500"/>
+                                        <p:tgtEl>
+                                          <p:spTgt spid="3">
+                                            <p:txEl>
+                                              <p:pRg st="22" end="22"/>
                                             </p:txEl>
                                           </p:spTgt>
                                         </p:tgtEl>
@@ -14364,7 +14901,1676 @@
                 <a:latin typeface="Calibri" panose="020F0502020204030204" pitchFamily="34" charset="0"/>
                 <a:cs typeface="Calibri" panose="020F0502020204030204" pitchFamily="34" charset="0"/>
               </a:rPr>
-              <a:t>The Final Result</a:t>
+              <a:t>Prototyping</a:t>
+            </a:r>
+          </a:p>
+        </p:txBody>
+      </p:sp>
+      <p:sp>
+        <p:nvSpPr>
+          <p:cNvPr id="2" name="TextBox 1">
+            <a:extLst>
+              <a:ext uri="{FF2B5EF4-FFF2-40B4-BE49-F238E27FC236}">
+                <a16:creationId xmlns:a16="http://schemas.microsoft.com/office/drawing/2014/main" id="{FC451BE1-5605-4FF5-B7BC-0AC4C101F623}"/>
+              </a:ext>
+            </a:extLst>
+          </p:cNvPr>
+          <p:cNvSpPr txBox="1"/>
+          <p:nvPr/>
+        </p:nvSpPr>
+        <p:spPr>
+          <a:xfrm>
+            <a:off x="1144988" y="1311965"/>
+            <a:ext cx="8706678" cy="369332"/>
+          </a:xfrm>
+          <a:prstGeom prst="rect">
+            <a:avLst/>
+          </a:prstGeom>
+          <a:noFill/>
+        </p:spPr>
+        <p:txBody>
+          <a:bodyPr wrap="square" rtlCol="0">
+            <a:spAutoFit/>
+          </a:bodyPr>
+          <a:lstStyle/>
+          <a:p>
+            <a:r>
+              <a:rPr lang="en-US"/>
+              <a:t>A quick way to try it out without modifications to Terria…</a:t>
+            </a:r>
+            <a:endParaRPr lang="en-AU"/>
+          </a:p>
+        </p:txBody>
+      </p:sp>
+      <p:sp>
+        <p:nvSpPr>
+          <p:cNvPr id="3" name="TextBox 2">
+            <a:extLst>
+              <a:ext uri="{FF2B5EF4-FFF2-40B4-BE49-F238E27FC236}">
+                <a16:creationId xmlns:a16="http://schemas.microsoft.com/office/drawing/2014/main" id="{B09D08CC-502C-44C5-BBEF-5F2D3290397D}"/>
+              </a:ext>
+            </a:extLst>
+          </p:cNvPr>
+          <p:cNvSpPr txBox="1"/>
+          <p:nvPr/>
+        </p:nvSpPr>
+        <p:spPr>
+          <a:xfrm>
+            <a:off x="1240401" y="1860605"/>
+            <a:ext cx="5971429" cy="3170099"/>
+          </a:xfrm>
+          <a:prstGeom prst="rect">
+            <a:avLst/>
+          </a:prstGeom>
+          <a:noFill/>
+        </p:spPr>
+        <p:txBody>
+          <a:bodyPr wrap="square" rtlCol="0">
+            <a:spAutoFit/>
+          </a:bodyPr>
+          <a:lstStyle/>
+          <a:p>
+            <a:pPr marL="171450" indent="-171450">
+              <a:buFont typeface="Arial" panose="020B0604020202020204" pitchFamily="34" charset="0"/>
+              <a:buChar char="•"/>
+            </a:pPr>
+            <a:r>
+              <a:rPr lang="en-US" sz="1000">
+                <a:latin typeface="Calibri" panose="020F0502020204030204" pitchFamily="34" charset="0"/>
+                <a:cs typeface="Calibri" panose="020F0502020204030204" pitchFamily="34" charset="0"/>
+              </a:rPr>
+              <a:t>Keep everything the same as of now.</a:t>
+            </a:r>
+          </a:p>
+          <a:p>
+            <a:pPr marL="171450" indent="-171450">
+              <a:buFont typeface="Arial" panose="020B0604020202020204" pitchFamily="34" charset="0"/>
+              <a:buChar char="•"/>
+            </a:pPr>
+            <a:r>
+              <a:rPr lang="en-US" sz="1000">
+                <a:latin typeface="Calibri" panose="020F0502020204030204" pitchFamily="34" charset="0"/>
+                <a:cs typeface="Calibri" panose="020F0502020204030204" pitchFamily="34" charset="0"/>
+              </a:rPr>
+              <a:t>Change the ows.go and its packages alone.</a:t>
+            </a:r>
+          </a:p>
+          <a:p>
+            <a:pPr marL="628650" lvl="1" indent="-171450">
+              <a:buFont typeface="Arial" panose="020B0604020202020204" pitchFamily="34" charset="0"/>
+              <a:buChar char="•"/>
+            </a:pPr>
+            <a:r>
+              <a:rPr lang="en-US" sz="1000">
+                <a:latin typeface="Calibri" panose="020F0502020204030204" pitchFamily="34" charset="0"/>
+                <a:cs typeface="Calibri" panose="020F0502020204030204" pitchFamily="34" charset="0"/>
+              </a:rPr>
+              <a:t>Use the ‘request=GetMap’ call from TerriaMap.</a:t>
+            </a:r>
+          </a:p>
+          <a:p>
+            <a:pPr marL="1085850" lvl="2" indent="-171450">
+              <a:buFont typeface="Arial" panose="020B0604020202020204" pitchFamily="34" charset="0"/>
+              <a:buChar char="•"/>
+            </a:pPr>
+            <a:r>
+              <a:rPr lang="en-US" sz="1000">
+                <a:latin typeface="Calibri" panose="020F0502020204030204" pitchFamily="34" charset="0"/>
+                <a:cs typeface="Calibri" panose="020F0502020204030204" pitchFamily="34" charset="0"/>
+              </a:rPr>
+              <a:t>It will send the map data as of now, plus process the results for Thredds.</a:t>
+            </a:r>
+          </a:p>
+          <a:p>
+            <a:pPr marL="628650" lvl="1" indent="-171450">
+              <a:buFont typeface="Arial" panose="020B0604020202020204" pitchFamily="34" charset="0"/>
+              <a:buChar char="•"/>
+            </a:pPr>
+            <a:r>
+              <a:rPr lang="en-US" sz="1000">
+                <a:latin typeface="Calibri" panose="020F0502020204030204" pitchFamily="34" charset="0"/>
+                <a:cs typeface="Calibri" panose="020F0502020204030204" pitchFamily="34" charset="0"/>
+              </a:rPr>
+              <a:t>Parse the results returned from the MAS server to get a file-list.</a:t>
+            </a:r>
+          </a:p>
+          <a:p>
+            <a:pPr marL="628650" lvl="1" indent="-171450">
+              <a:buFont typeface="Arial" panose="020B0604020202020204" pitchFamily="34" charset="0"/>
+              <a:buChar char="•"/>
+            </a:pPr>
+            <a:r>
+              <a:rPr lang="en-US" sz="1000">
+                <a:latin typeface="Calibri" panose="020F0502020204030204" pitchFamily="34" charset="0"/>
+                <a:cs typeface="Calibri" panose="020F0502020204030204" pitchFamily="34" charset="0"/>
+              </a:rPr>
+              <a:t>Create the Thredds catalog and save it somewhere.</a:t>
+            </a:r>
+          </a:p>
+          <a:p>
+            <a:pPr marL="628650" lvl="1" indent="-171450">
+              <a:buFont typeface="Arial" panose="020B0604020202020204" pitchFamily="34" charset="0"/>
+              <a:buChar char="•"/>
+            </a:pPr>
+            <a:r>
+              <a:rPr lang="en-US" sz="1000">
+                <a:latin typeface="Calibri" panose="020F0502020204030204" pitchFamily="34" charset="0"/>
+                <a:cs typeface="Calibri" panose="020F0502020204030204" pitchFamily="34" charset="0"/>
+              </a:rPr>
+              <a:t>Test it manually.</a:t>
+            </a:r>
+          </a:p>
+          <a:p>
+            <a:pPr marL="171450" indent="-171450">
+              <a:buFont typeface="Arial" panose="020B0604020202020204" pitchFamily="34" charset="0"/>
+              <a:buChar char="•"/>
+            </a:pPr>
+            <a:r>
+              <a:rPr lang="en-US" sz="1000">
+                <a:latin typeface="Calibri" panose="020F0502020204030204" pitchFamily="34" charset="0"/>
+                <a:cs typeface="Calibri" panose="020F0502020204030204" pitchFamily="34" charset="0"/>
+              </a:rPr>
+              <a:t>Pre-requisites</a:t>
+            </a:r>
+          </a:p>
+          <a:p>
+            <a:pPr marL="628650" lvl="1" indent="-171450">
+              <a:buFont typeface="Arial" panose="020B0604020202020204" pitchFamily="34" charset="0"/>
+              <a:buChar char="•"/>
+            </a:pPr>
+            <a:r>
+              <a:rPr lang="en-US" sz="1000">
+                <a:latin typeface="Calibri" panose="020F0502020204030204" pitchFamily="34" charset="0"/>
+                <a:cs typeface="Calibri" panose="020F0502020204030204" pitchFamily="34" charset="0"/>
+              </a:rPr>
+              <a:t>Thredds server on the VM.</a:t>
+            </a:r>
+          </a:p>
+          <a:p>
+            <a:pPr marL="171450" indent="-171450">
+              <a:buFont typeface="Arial" panose="020B0604020202020204" pitchFamily="34" charset="0"/>
+              <a:buChar char="•"/>
+            </a:pPr>
+            <a:r>
+              <a:rPr lang="en-US" sz="1000">
+                <a:latin typeface="Calibri" panose="020F0502020204030204" pitchFamily="34" charset="0"/>
+                <a:cs typeface="Calibri" panose="020F0502020204030204" pitchFamily="34" charset="0"/>
+              </a:rPr>
+              <a:t>Benefits</a:t>
+            </a:r>
+          </a:p>
+          <a:p>
+            <a:pPr marL="628650" lvl="1" indent="-171450">
+              <a:buFont typeface="Arial" panose="020B0604020202020204" pitchFamily="34" charset="0"/>
+              <a:buChar char="•"/>
+            </a:pPr>
+            <a:r>
+              <a:rPr lang="en-US" sz="1000">
+                <a:latin typeface="Calibri" panose="020F0502020204030204" pitchFamily="34" charset="0"/>
+                <a:cs typeface="Calibri" panose="020F0502020204030204" pitchFamily="34" charset="0"/>
+              </a:rPr>
+              <a:t>Quick and easy.</a:t>
+            </a:r>
+          </a:p>
+          <a:p>
+            <a:pPr marL="628650" lvl="1" indent="-171450">
+              <a:buFont typeface="Arial" panose="020B0604020202020204" pitchFamily="34" charset="0"/>
+              <a:buChar char="•"/>
+            </a:pPr>
+            <a:r>
+              <a:rPr lang="en-US" sz="1000">
+                <a:latin typeface="Calibri" panose="020F0502020204030204" pitchFamily="34" charset="0"/>
+                <a:cs typeface="Calibri" panose="020F0502020204030204" pitchFamily="34" charset="0"/>
+              </a:rPr>
+              <a:t>Can work out bugs and pitfalls.</a:t>
+            </a:r>
+          </a:p>
+          <a:p>
+            <a:pPr marL="628650" lvl="1" indent="-171450">
+              <a:buFont typeface="Arial" panose="020B0604020202020204" pitchFamily="34" charset="0"/>
+              <a:buChar char="•"/>
+            </a:pPr>
+            <a:r>
+              <a:rPr lang="en-US" sz="1000">
+                <a:latin typeface="Calibri" panose="020F0502020204030204" pitchFamily="34" charset="0"/>
+                <a:cs typeface="Calibri" panose="020F0502020204030204" pitchFamily="34" charset="0"/>
+              </a:rPr>
+              <a:t>No interference with third party software (Terria).</a:t>
+            </a:r>
+          </a:p>
+          <a:p>
+            <a:pPr marL="171450" indent="-171450">
+              <a:buFont typeface="Arial" panose="020B0604020202020204" pitchFamily="34" charset="0"/>
+              <a:buChar char="•"/>
+            </a:pPr>
+            <a:r>
+              <a:rPr lang="en-US" sz="1000">
+                <a:latin typeface="Calibri" panose="020F0502020204030204" pitchFamily="34" charset="0"/>
+                <a:cs typeface="Calibri" panose="020F0502020204030204" pitchFamily="34" charset="0"/>
+              </a:rPr>
+              <a:t>Next steps</a:t>
+            </a:r>
+          </a:p>
+          <a:p>
+            <a:pPr marL="628650" lvl="1" indent="-171450">
+              <a:buFont typeface="Arial" panose="020B0604020202020204" pitchFamily="34" charset="0"/>
+              <a:buChar char="•"/>
+            </a:pPr>
+            <a:r>
+              <a:rPr lang="en-US" sz="1000">
+                <a:latin typeface="Calibri" panose="020F0502020204030204" pitchFamily="34" charset="0"/>
+                <a:cs typeface="Calibri" panose="020F0502020204030204" pitchFamily="34" charset="0"/>
+              </a:rPr>
+              <a:t>Install Terria on the VM.</a:t>
+            </a:r>
+          </a:p>
+          <a:p>
+            <a:pPr marL="628650" lvl="1" indent="-171450">
+              <a:buFont typeface="Arial" panose="020B0604020202020204" pitchFamily="34" charset="0"/>
+              <a:buChar char="•"/>
+            </a:pPr>
+            <a:r>
+              <a:rPr lang="en-US" sz="1000">
+                <a:latin typeface="Calibri" panose="020F0502020204030204" pitchFamily="34" charset="0"/>
+                <a:cs typeface="Calibri" panose="020F0502020204030204" pitchFamily="34" charset="0"/>
+              </a:rPr>
+              <a:t>Modify Terria code to just add a link to view the Thredds catalog.</a:t>
+            </a:r>
+          </a:p>
+          <a:p>
+            <a:pPr marL="1085850" lvl="2" indent="-171450">
+              <a:buFont typeface="Arial" panose="020B0604020202020204" pitchFamily="34" charset="0"/>
+              <a:buChar char="•"/>
+            </a:pPr>
+            <a:r>
+              <a:rPr lang="en-US" sz="1000">
+                <a:latin typeface="Calibri" panose="020F0502020204030204" pitchFamily="34" charset="0"/>
+                <a:cs typeface="Calibri" panose="020F0502020204030204" pitchFamily="34" charset="0"/>
+              </a:rPr>
+              <a:t>It can be like the ‘Export’ link, but using a Thredds URL.</a:t>
+            </a:r>
+          </a:p>
+          <a:p>
+            <a:pPr marL="1085850" lvl="2" indent="-171450">
+              <a:buFont typeface="Arial" panose="020B0604020202020204" pitchFamily="34" charset="0"/>
+              <a:buChar char="•"/>
+            </a:pPr>
+            <a:r>
+              <a:rPr lang="en-US" sz="1000">
+                <a:latin typeface="Calibri" panose="020F0502020204030204" pitchFamily="34" charset="0"/>
+                <a:cs typeface="Calibri" panose="020F0502020204030204" pitchFamily="34" charset="0"/>
+              </a:rPr>
+              <a:t>It should take only minimal changes (I hope) in Terria.</a:t>
+            </a:r>
+          </a:p>
+          <a:p>
+            <a:pPr marL="628650" lvl="1" indent="-171450">
+              <a:buFont typeface="Arial" panose="020B0604020202020204" pitchFamily="34" charset="0"/>
+              <a:buChar char="•"/>
+            </a:pPr>
+            <a:r>
+              <a:rPr lang="en-US" sz="1000">
+                <a:latin typeface="Calibri" panose="020F0502020204030204" pitchFamily="34" charset="0"/>
+                <a:cs typeface="Calibri" panose="020F0502020204030204" pitchFamily="34" charset="0"/>
+              </a:rPr>
+              <a:t>Work out a way to push the catalog to the NCI Thredds server.</a:t>
+            </a:r>
+          </a:p>
+          <a:p>
+            <a:pPr marL="1085850" lvl="2" indent="-171450">
+              <a:buFont typeface="Arial" panose="020B0604020202020204" pitchFamily="34" charset="0"/>
+              <a:buChar char="•"/>
+            </a:pPr>
+            <a:r>
+              <a:rPr lang="en-US" sz="1000">
+                <a:latin typeface="Calibri" panose="020F0502020204030204" pitchFamily="34" charset="0"/>
+                <a:cs typeface="Calibri" panose="020F0502020204030204" pitchFamily="34" charset="0"/>
+              </a:rPr>
+              <a:t>Must also be able to delete the catalog after the user session ends.</a:t>
+            </a:r>
+          </a:p>
+        </p:txBody>
+      </p:sp>
+    </p:spTree>
+    <p:custDataLst>
+      <p:tags r:id="rId1"/>
+    </p:custDataLst>
+    <p:extLst>
+      <p:ext uri="{BB962C8B-B14F-4D97-AF65-F5344CB8AC3E}">
+        <p14:creationId xmlns:p14="http://schemas.microsoft.com/office/powerpoint/2010/main" val="2651735585"/>
+      </p:ext>
+    </p:extLst>
+  </p:cSld>
+  <p:clrMapOvr>
+    <a:masterClrMapping/>
+  </p:clrMapOvr>
+  <mc:AlternateContent xmlns:mc="http://schemas.openxmlformats.org/markup-compatibility/2006" xmlns:p14="http://schemas.microsoft.com/office/powerpoint/2010/main">
+    <mc:Choice Requires="p14">
+      <p:transition spd="med" p14:dur="700">
+        <p:fade/>
+      </p:transition>
+    </mc:Choice>
+    <mc:Fallback xmlns="">
+      <p:transition spd="med">
+        <p:fade/>
+      </p:transition>
+    </mc:Fallback>
+  </mc:AlternateContent>
+  <p:timing>
+    <p:tnLst>
+      <p:par>
+        <p:cTn id="1" dur="indefinite" restart="never" nodeType="tmRoot">
+          <p:childTnLst>
+            <p:seq concurrent="1" nextAc="seek">
+              <p:cTn id="2" dur="indefinite" nodeType="mainSeq">
+                <p:childTnLst>
+                  <p:par>
+                    <p:cTn id="3" fill="hold">
+                      <p:stCondLst>
+                        <p:cond delay="indefinite"/>
+                      </p:stCondLst>
+                      <p:childTnLst>
+                        <p:par>
+                          <p:cTn id="4" fill="hold">
+                            <p:stCondLst>
+                              <p:cond delay="0"/>
+                            </p:stCondLst>
+                            <p:childTnLst>
+                              <p:par>
+                                <p:cTn id="5" presetID="10" presetClass="entr" presetSubtype="0" fill="hold" nodeType="clickEffect">
+                                  <p:stCondLst>
+                                    <p:cond delay="0"/>
+                                  </p:stCondLst>
+                                  <p:childTnLst>
+                                    <p:set>
+                                      <p:cBhvr>
+                                        <p:cTn id="6" dur="1" fill="hold">
+                                          <p:stCondLst>
+                                            <p:cond delay="0"/>
+                                          </p:stCondLst>
+                                        </p:cTn>
+                                        <p:tgtEl>
+                                          <p:spTgt spid="3">
+                                            <p:txEl>
+                                              <p:pRg st="0" end="0"/>
+                                            </p:txEl>
+                                          </p:spTgt>
+                                        </p:tgtEl>
+                                        <p:attrNameLst>
+                                          <p:attrName>style.visibility</p:attrName>
+                                        </p:attrNameLst>
+                                      </p:cBhvr>
+                                      <p:to>
+                                        <p:strVal val="visible"/>
+                                      </p:to>
+                                    </p:set>
+                                    <p:animEffect transition="in" filter="fade">
+                                      <p:cBhvr>
+                                        <p:cTn id="7" dur="500"/>
+                                        <p:tgtEl>
+                                          <p:spTgt spid="3">
+                                            <p:txEl>
+                                              <p:pRg st="0" end="0"/>
+                                            </p:txEl>
+                                          </p:spTgt>
+                                        </p:tgtEl>
+                                      </p:cBhvr>
+                                    </p:animEffect>
+                                  </p:childTnLst>
+                                </p:cTn>
+                              </p:par>
+                            </p:childTnLst>
+                          </p:cTn>
+                        </p:par>
+                      </p:childTnLst>
+                    </p:cTn>
+                  </p:par>
+                  <p:par>
+                    <p:cTn id="8" fill="hold">
+                      <p:stCondLst>
+                        <p:cond delay="indefinite"/>
+                      </p:stCondLst>
+                      <p:childTnLst>
+                        <p:par>
+                          <p:cTn id="9" fill="hold">
+                            <p:stCondLst>
+                              <p:cond delay="0"/>
+                            </p:stCondLst>
+                            <p:childTnLst>
+                              <p:par>
+                                <p:cTn id="10" presetID="10" presetClass="entr" presetSubtype="0" fill="hold" nodeType="clickEffect">
+                                  <p:stCondLst>
+                                    <p:cond delay="0"/>
+                                  </p:stCondLst>
+                                  <p:childTnLst>
+                                    <p:set>
+                                      <p:cBhvr>
+                                        <p:cTn id="11" dur="1" fill="hold">
+                                          <p:stCondLst>
+                                            <p:cond delay="0"/>
+                                          </p:stCondLst>
+                                        </p:cTn>
+                                        <p:tgtEl>
+                                          <p:spTgt spid="3">
+                                            <p:txEl>
+                                              <p:pRg st="1" end="1"/>
+                                            </p:txEl>
+                                          </p:spTgt>
+                                        </p:tgtEl>
+                                        <p:attrNameLst>
+                                          <p:attrName>style.visibility</p:attrName>
+                                        </p:attrNameLst>
+                                      </p:cBhvr>
+                                      <p:to>
+                                        <p:strVal val="visible"/>
+                                      </p:to>
+                                    </p:set>
+                                    <p:animEffect transition="in" filter="fade">
+                                      <p:cBhvr>
+                                        <p:cTn id="12" dur="500"/>
+                                        <p:tgtEl>
+                                          <p:spTgt spid="3">
+                                            <p:txEl>
+                                              <p:pRg st="1" end="1"/>
+                                            </p:txEl>
+                                          </p:spTgt>
+                                        </p:tgtEl>
+                                      </p:cBhvr>
+                                    </p:animEffect>
+                                  </p:childTnLst>
+                                </p:cTn>
+                              </p:par>
+                            </p:childTnLst>
+                          </p:cTn>
+                        </p:par>
+                      </p:childTnLst>
+                    </p:cTn>
+                  </p:par>
+                  <p:par>
+                    <p:cTn id="13" fill="hold">
+                      <p:stCondLst>
+                        <p:cond delay="indefinite"/>
+                      </p:stCondLst>
+                      <p:childTnLst>
+                        <p:par>
+                          <p:cTn id="14" fill="hold">
+                            <p:stCondLst>
+                              <p:cond delay="0"/>
+                            </p:stCondLst>
+                            <p:childTnLst>
+                              <p:par>
+                                <p:cTn id="15" presetID="10" presetClass="entr" presetSubtype="0" fill="hold" nodeType="clickEffect">
+                                  <p:stCondLst>
+                                    <p:cond delay="0"/>
+                                  </p:stCondLst>
+                                  <p:childTnLst>
+                                    <p:set>
+                                      <p:cBhvr>
+                                        <p:cTn id="16" dur="1" fill="hold">
+                                          <p:stCondLst>
+                                            <p:cond delay="0"/>
+                                          </p:stCondLst>
+                                        </p:cTn>
+                                        <p:tgtEl>
+                                          <p:spTgt spid="3">
+                                            <p:txEl>
+                                              <p:pRg st="2" end="2"/>
+                                            </p:txEl>
+                                          </p:spTgt>
+                                        </p:tgtEl>
+                                        <p:attrNameLst>
+                                          <p:attrName>style.visibility</p:attrName>
+                                        </p:attrNameLst>
+                                      </p:cBhvr>
+                                      <p:to>
+                                        <p:strVal val="visible"/>
+                                      </p:to>
+                                    </p:set>
+                                    <p:animEffect transition="in" filter="fade">
+                                      <p:cBhvr>
+                                        <p:cTn id="17" dur="500"/>
+                                        <p:tgtEl>
+                                          <p:spTgt spid="3">
+                                            <p:txEl>
+                                              <p:pRg st="2" end="2"/>
+                                            </p:txEl>
+                                          </p:spTgt>
+                                        </p:tgtEl>
+                                      </p:cBhvr>
+                                    </p:animEffect>
+                                  </p:childTnLst>
+                                </p:cTn>
+                              </p:par>
+                            </p:childTnLst>
+                          </p:cTn>
+                        </p:par>
+                      </p:childTnLst>
+                    </p:cTn>
+                  </p:par>
+                  <p:par>
+                    <p:cTn id="18" fill="hold">
+                      <p:stCondLst>
+                        <p:cond delay="indefinite"/>
+                      </p:stCondLst>
+                      <p:childTnLst>
+                        <p:par>
+                          <p:cTn id="19" fill="hold">
+                            <p:stCondLst>
+                              <p:cond delay="0"/>
+                            </p:stCondLst>
+                            <p:childTnLst>
+                              <p:par>
+                                <p:cTn id="20" presetID="10" presetClass="entr" presetSubtype="0" fill="hold" nodeType="clickEffect">
+                                  <p:stCondLst>
+                                    <p:cond delay="0"/>
+                                  </p:stCondLst>
+                                  <p:childTnLst>
+                                    <p:set>
+                                      <p:cBhvr>
+                                        <p:cTn id="21" dur="1" fill="hold">
+                                          <p:stCondLst>
+                                            <p:cond delay="0"/>
+                                          </p:stCondLst>
+                                        </p:cTn>
+                                        <p:tgtEl>
+                                          <p:spTgt spid="3">
+                                            <p:txEl>
+                                              <p:pRg st="3" end="3"/>
+                                            </p:txEl>
+                                          </p:spTgt>
+                                        </p:tgtEl>
+                                        <p:attrNameLst>
+                                          <p:attrName>style.visibility</p:attrName>
+                                        </p:attrNameLst>
+                                      </p:cBhvr>
+                                      <p:to>
+                                        <p:strVal val="visible"/>
+                                      </p:to>
+                                    </p:set>
+                                    <p:animEffect transition="in" filter="fade">
+                                      <p:cBhvr>
+                                        <p:cTn id="22" dur="500"/>
+                                        <p:tgtEl>
+                                          <p:spTgt spid="3">
+                                            <p:txEl>
+                                              <p:pRg st="3" end="3"/>
+                                            </p:txEl>
+                                          </p:spTgt>
+                                        </p:tgtEl>
+                                      </p:cBhvr>
+                                    </p:animEffect>
+                                  </p:childTnLst>
+                                </p:cTn>
+                              </p:par>
+                            </p:childTnLst>
+                          </p:cTn>
+                        </p:par>
+                      </p:childTnLst>
+                    </p:cTn>
+                  </p:par>
+                  <p:par>
+                    <p:cTn id="23" fill="hold">
+                      <p:stCondLst>
+                        <p:cond delay="indefinite"/>
+                      </p:stCondLst>
+                      <p:childTnLst>
+                        <p:par>
+                          <p:cTn id="24" fill="hold">
+                            <p:stCondLst>
+                              <p:cond delay="0"/>
+                            </p:stCondLst>
+                            <p:childTnLst>
+                              <p:par>
+                                <p:cTn id="25" presetID="10" presetClass="entr" presetSubtype="0" fill="hold" nodeType="clickEffect">
+                                  <p:stCondLst>
+                                    <p:cond delay="0"/>
+                                  </p:stCondLst>
+                                  <p:childTnLst>
+                                    <p:set>
+                                      <p:cBhvr>
+                                        <p:cTn id="26" dur="1" fill="hold">
+                                          <p:stCondLst>
+                                            <p:cond delay="0"/>
+                                          </p:stCondLst>
+                                        </p:cTn>
+                                        <p:tgtEl>
+                                          <p:spTgt spid="3">
+                                            <p:txEl>
+                                              <p:pRg st="4" end="4"/>
+                                            </p:txEl>
+                                          </p:spTgt>
+                                        </p:tgtEl>
+                                        <p:attrNameLst>
+                                          <p:attrName>style.visibility</p:attrName>
+                                        </p:attrNameLst>
+                                      </p:cBhvr>
+                                      <p:to>
+                                        <p:strVal val="visible"/>
+                                      </p:to>
+                                    </p:set>
+                                    <p:animEffect transition="in" filter="fade">
+                                      <p:cBhvr>
+                                        <p:cTn id="27" dur="500"/>
+                                        <p:tgtEl>
+                                          <p:spTgt spid="3">
+                                            <p:txEl>
+                                              <p:pRg st="4" end="4"/>
+                                            </p:txEl>
+                                          </p:spTgt>
+                                        </p:tgtEl>
+                                      </p:cBhvr>
+                                    </p:animEffect>
+                                  </p:childTnLst>
+                                </p:cTn>
+                              </p:par>
+                            </p:childTnLst>
+                          </p:cTn>
+                        </p:par>
+                      </p:childTnLst>
+                    </p:cTn>
+                  </p:par>
+                  <p:par>
+                    <p:cTn id="28" fill="hold">
+                      <p:stCondLst>
+                        <p:cond delay="indefinite"/>
+                      </p:stCondLst>
+                      <p:childTnLst>
+                        <p:par>
+                          <p:cTn id="29" fill="hold">
+                            <p:stCondLst>
+                              <p:cond delay="0"/>
+                            </p:stCondLst>
+                            <p:childTnLst>
+                              <p:par>
+                                <p:cTn id="30" presetID="10" presetClass="entr" presetSubtype="0" fill="hold" nodeType="clickEffect">
+                                  <p:stCondLst>
+                                    <p:cond delay="0"/>
+                                  </p:stCondLst>
+                                  <p:childTnLst>
+                                    <p:set>
+                                      <p:cBhvr>
+                                        <p:cTn id="31" dur="1" fill="hold">
+                                          <p:stCondLst>
+                                            <p:cond delay="0"/>
+                                          </p:stCondLst>
+                                        </p:cTn>
+                                        <p:tgtEl>
+                                          <p:spTgt spid="3">
+                                            <p:txEl>
+                                              <p:pRg st="5" end="5"/>
+                                            </p:txEl>
+                                          </p:spTgt>
+                                        </p:tgtEl>
+                                        <p:attrNameLst>
+                                          <p:attrName>style.visibility</p:attrName>
+                                        </p:attrNameLst>
+                                      </p:cBhvr>
+                                      <p:to>
+                                        <p:strVal val="visible"/>
+                                      </p:to>
+                                    </p:set>
+                                    <p:animEffect transition="in" filter="fade">
+                                      <p:cBhvr>
+                                        <p:cTn id="32" dur="500"/>
+                                        <p:tgtEl>
+                                          <p:spTgt spid="3">
+                                            <p:txEl>
+                                              <p:pRg st="5" end="5"/>
+                                            </p:txEl>
+                                          </p:spTgt>
+                                        </p:tgtEl>
+                                      </p:cBhvr>
+                                    </p:animEffect>
+                                  </p:childTnLst>
+                                </p:cTn>
+                              </p:par>
+                            </p:childTnLst>
+                          </p:cTn>
+                        </p:par>
+                      </p:childTnLst>
+                    </p:cTn>
+                  </p:par>
+                  <p:par>
+                    <p:cTn id="33" fill="hold">
+                      <p:stCondLst>
+                        <p:cond delay="indefinite"/>
+                      </p:stCondLst>
+                      <p:childTnLst>
+                        <p:par>
+                          <p:cTn id="34" fill="hold">
+                            <p:stCondLst>
+                              <p:cond delay="0"/>
+                            </p:stCondLst>
+                            <p:childTnLst>
+                              <p:par>
+                                <p:cTn id="35" presetID="10" presetClass="entr" presetSubtype="0" fill="hold" nodeType="clickEffect">
+                                  <p:stCondLst>
+                                    <p:cond delay="0"/>
+                                  </p:stCondLst>
+                                  <p:childTnLst>
+                                    <p:set>
+                                      <p:cBhvr>
+                                        <p:cTn id="36" dur="1" fill="hold">
+                                          <p:stCondLst>
+                                            <p:cond delay="0"/>
+                                          </p:stCondLst>
+                                        </p:cTn>
+                                        <p:tgtEl>
+                                          <p:spTgt spid="3">
+                                            <p:txEl>
+                                              <p:pRg st="6" end="6"/>
+                                            </p:txEl>
+                                          </p:spTgt>
+                                        </p:tgtEl>
+                                        <p:attrNameLst>
+                                          <p:attrName>style.visibility</p:attrName>
+                                        </p:attrNameLst>
+                                      </p:cBhvr>
+                                      <p:to>
+                                        <p:strVal val="visible"/>
+                                      </p:to>
+                                    </p:set>
+                                    <p:animEffect transition="in" filter="fade">
+                                      <p:cBhvr>
+                                        <p:cTn id="37" dur="500"/>
+                                        <p:tgtEl>
+                                          <p:spTgt spid="3">
+                                            <p:txEl>
+                                              <p:pRg st="6" end="6"/>
+                                            </p:txEl>
+                                          </p:spTgt>
+                                        </p:tgtEl>
+                                      </p:cBhvr>
+                                    </p:animEffect>
+                                  </p:childTnLst>
+                                </p:cTn>
+                              </p:par>
+                            </p:childTnLst>
+                          </p:cTn>
+                        </p:par>
+                      </p:childTnLst>
+                    </p:cTn>
+                  </p:par>
+                  <p:par>
+                    <p:cTn id="38" fill="hold">
+                      <p:stCondLst>
+                        <p:cond delay="indefinite"/>
+                      </p:stCondLst>
+                      <p:childTnLst>
+                        <p:par>
+                          <p:cTn id="39" fill="hold">
+                            <p:stCondLst>
+                              <p:cond delay="0"/>
+                            </p:stCondLst>
+                            <p:childTnLst>
+                              <p:par>
+                                <p:cTn id="40" presetID="10" presetClass="entr" presetSubtype="0" fill="hold" nodeType="clickEffect">
+                                  <p:stCondLst>
+                                    <p:cond delay="0"/>
+                                  </p:stCondLst>
+                                  <p:childTnLst>
+                                    <p:set>
+                                      <p:cBhvr>
+                                        <p:cTn id="41" dur="1" fill="hold">
+                                          <p:stCondLst>
+                                            <p:cond delay="0"/>
+                                          </p:stCondLst>
+                                        </p:cTn>
+                                        <p:tgtEl>
+                                          <p:spTgt spid="3">
+                                            <p:txEl>
+                                              <p:pRg st="7" end="7"/>
+                                            </p:txEl>
+                                          </p:spTgt>
+                                        </p:tgtEl>
+                                        <p:attrNameLst>
+                                          <p:attrName>style.visibility</p:attrName>
+                                        </p:attrNameLst>
+                                      </p:cBhvr>
+                                      <p:to>
+                                        <p:strVal val="visible"/>
+                                      </p:to>
+                                    </p:set>
+                                    <p:animEffect transition="in" filter="fade">
+                                      <p:cBhvr>
+                                        <p:cTn id="42" dur="500"/>
+                                        <p:tgtEl>
+                                          <p:spTgt spid="3">
+                                            <p:txEl>
+                                              <p:pRg st="7" end="7"/>
+                                            </p:txEl>
+                                          </p:spTgt>
+                                        </p:tgtEl>
+                                      </p:cBhvr>
+                                    </p:animEffect>
+                                  </p:childTnLst>
+                                </p:cTn>
+                              </p:par>
+                            </p:childTnLst>
+                          </p:cTn>
+                        </p:par>
+                      </p:childTnLst>
+                    </p:cTn>
+                  </p:par>
+                  <p:par>
+                    <p:cTn id="43" fill="hold">
+                      <p:stCondLst>
+                        <p:cond delay="indefinite"/>
+                      </p:stCondLst>
+                      <p:childTnLst>
+                        <p:par>
+                          <p:cTn id="44" fill="hold">
+                            <p:stCondLst>
+                              <p:cond delay="0"/>
+                            </p:stCondLst>
+                            <p:childTnLst>
+                              <p:par>
+                                <p:cTn id="45" presetID="10" presetClass="entr" presetSubtype="0" fill="hold" nodeType="clickEffect">
+                                  <p:stCondLst>
+                                    <p:cond delay="0"/>
+                                  </p:stCondLst>
+                                  <p:childTnLst>
+                                    <p:set>
+                                      <p:cBhvr>
+                                        <p:cTn id="46" dur="1" fill="hold">
+                                          <p:stCondLst>
+                                            <p:cond delay="0"/>
+                                          </p:stCondLst>
+                                        </p:cTn>
+                                        <p:tgtEl>
+                                          <p:spTgt spid="3">
+                                            <p:txEl>
+                                              <p:pRg st="8" end="8"/>
+                                            </p:txEl>
+                                          </p:spTgt>
+                                        </p:tgtEl>
+                                        <p:attrNameLst>
+                                          <p:attrName>style.visibility</p:attrName>
+                                        </p:attrNameLst>
+                                      </p:cBhvr>
+                                      <p:to>
+                                        <p:strVal val="visible"/>
+                                      </p:to>
+                                    </p:set>
+                                    <p:animEffect transition="in" filter="fade">
+                                      <p:cBhvr>
+                                        <p:cTn id="47" dur="500"/>
+                                        <p:tgtEl>
+                                          <p:spTgt spid="3">
+                                            <p:txEl>
+                                              <p:pRg st="8" end="8"/>
+                                            </p:txEl>
+                                          </p:spTgt>
+                                        </p:tgtEl>
+                                      </p:cBhvr>
+                                    </p:animEffect>
+                                  </p:childTnLst>
+                                </p:cTn>
+                              </p:par>
+                            </p:childTnLst>
+                          </p:cTn>
+                        </p:par>
+                      </p:childTnLst>
+                    </p:cTn>
+                  </p:par>
+                  <p:par>
+                    <p:cTn id="48" fill="hold">
+                      <p:stCondLst>
+                        <p:cond delay="indefinite"/>
+                      </p:stCondLst>
+                      <p:childTnLst>
+                        <p:par>
+                          <p:cTn id="49" fill="hold">
+                            <p:stCondLst>
+                              <p:cond delay="0"/>
+                            </p:stCondLst>
+                            <p:childTnLst>
+                              <p:par>
+                                <p:cTn id="50" presetID="10" presetClass="entr" presetSubtype="0" fill="hold" nodeType="clickEffect">
+                                  <p:stCondLst>
+                                    <p:cond delay="0"/>
+                                  </p:stCondLst>
+                                  <p:childTnLst>
+                                    <p:set>
+                                      <p:cBhvr>
+                                        <p:cTn id="51" dur="1" fill="hold">
+                                          <p:stCondLst>
+                                            <p:cond delay="0"/>
+                                          </p:stCondLst>
+                                        </p:cTn>
+                                        <p:tgtEl>
+                                          <p:spTgt spid="3">
+                                            <p:txEl>
+                                              <p:pRg st="9" end="9"/>
+                                            </p:txEl>
+                                          </p:spTgt>
+                                        </p:tgtEl>
+                                        <p:attrNameLst>
+                                          <p:attrName>style.visibility</p:attrName>
+                                        </p:attrNameLst>
+                                      </p:cBhvr>
+                                      <p:to>
+                                        <p:strVal val="visible"/>
+                                      </p:to>
+                                    </p:set>
+                                    <p:animEffect transition="in" filter="fade">
+                                      <p:cBhvr>
+                                        <p:cTn id="52" dur="500"/>
+                                        <p:tgtEl>
+                                          <p:spTgt spid="3">
+                                            <p:txEl>
+                                              <p:pRg st="9" end="9"/>
+                                            </p:txEl>
+                                          </p:spTgt>
+                                        </p:tgtEl>
+                                      </p:cBhvr>
+                                    </p:animEffect>
+                                  </p:childTnLst>
+                                </p:cTn>
+                              </p:par>
+                            </p:childTnLst>
+                          </p:cTn>
+                        </p:par>
+                      </p:childTnLst>
+                    </p:cTn>
+                  </p:par>
+                  <p:par>
+                    <p:cTn id="53" fill="hold">
+                      <p:stCondLst>
+                        <p:cond delay="indefinite"/>
+                      </p:stCondLst>
+                      <p:childTnLst>
+                        <p:par>
+                          <p:cTn id="54" fill="hold">
+                            <p:stCondLst>
+                              <p:cond delay="0"/>
+                            </p:stCondLst>
+                            <p:childTnLst>
+                              <p:par>
+                                <p:cTn id="55" presetID="10" presetClass="entr" presetSubtype="0" fill="hold" nodeType="clickEffect">
+                                  <p:stCondLst>
+                                    <p:cond delay="0"/>
+                                  </p:stCondLst>
+                                  <p:childTnLst>
+                                    <p:set>
+                                      <p:cBhvr>
+                                        <p:cTn id="56" dur="1" fill="hold">
+                                          <p:stCondLst>
+                                            <p:cond delay="0"/>
+                                          </p:stCondLst>
+                                        </p:cTn>
+                                        <p:tgtEl>
+                                          <p:spTgt spid="3">
+                                            <p:txEl>
+                                              <p:pRg st="10" end="10"/>
+                                            </p:txEl>
+                                          </p:spTgt>
+                                        </p:tgtEl>
+                                        <p:attrNameLst>
+                                          <p:attrName>style.visibility</p:attrName>
+                                        </p:attrNameLst>
+                                      </p:cBhvr>
+                                      <p:to>
+                                        <p:strVal val="visible"/>
+                                      </p:to>
+                                    </p:set>
+                                    <p:animEffect transition="in" filter="fade">
+                                      <p:cBhvr>
+                                        <p:cTn id="57" dur="500"/>
+                                        <p:tgtEl>
+                                          <p:spTgt spid="3">
+                                            <p:txEl>
+                                              <p:pRg st="10" end="10"/>
+                                            </p:txEl>
+                                          </p:spTgt>
+                                        </p:tgtEl>
+                                      </p:cBhvr>
+                                    </p:animEffect>
+                                  </p:childTnLst>
+                                </p:cTn>
+                              </p:par>
+                            </p:childTnLst>
+                          </p:cTn>
+                        </p:par>
+                      </p:childTnLst>
+                    </p:cTn>
+                  </p:par>
+                  <p:par>
+                    <p:cTn id="58" fill="hold">
+                      <p:stCondLst>
+                        <p:cond delay="indefinite"/>
+                      </p:stCondLst>
+                      <p:childTnLst>
+                        <p:par>
+                          <p:cTn id="59" fill="hold">
+                            <p:stCondLst>
+                              <p:cond delay="0"/>
+                            </p:stCondLst>
+                            <p:childTnLst>
+                              <p:par>
+                                <p:cTn id="60" presetID="10" presetClass="entr" presetSubtype="0" fill="hold" nodeType="clickEffect">
+                                  <p:stCondLst>
+                                    <p:cond delay="0"/>
+                                  </p:stCondLst>
+                                  <p:childTnLst>
+                                    <p:set>
+                                      <p:cBhvr>
+                                        <p:cTn id="61" dur="1" fill="hold">
+                                          <p:stCondLst>
+                                            <p:cond delay="0"/>
+                                          </p:stCondLst>
+                                        </p:cTn>
+                                        <p:tgtEl>
+                                          <p:spTgt spid="3">
+                                            <p:txEl>
+                                              <p:pRg st="11" end="11"/>
+                                            </p:txEl>
+                                          </p:spTgt>
+                                        </p:tgtEl>
+                                        <p:attrNameLst>
+                                          <p:attrName>style.visibility</p:attrName>
+                                        </p:attrNameLst>
+                                      </p:cBhvr>
+                                      <p:to>
+                                        <p:strVal val="visible"/>
+                                      </p:to>
+                                    </p:set>
+                                    <p:animEffect transition="in" filter="fade">
+                                      <p:cBhvr>
+                                        <p:cTn id="62" dur="500"/>
+                                        <p:tgtEl>
+                                          <p:spTgt spid="3">
+                                            <p:txEl>
+                                              <p:pRg st="11" end="11"/>
+                                            </p:txEl>
+                                          </p:spTgt>
+                                        </p:tgtEl>
+                                      </p:cBhvr>
+                                    </p:animEffect>
+                                  </p:childTnLst>
+                                </p:cTn>
+                              </p:par>
+                            </p:childTnLst>
+                          </p:cTn>
+                        </p:par>
+                      </p:childTnLst>
+                    </p:cTn>
+                  </p:par>
+                  <p:par>
+                    <p:cTn id="63" fill="hold">
+                      <p:stCondLst>
+                        <p:cond delay="indefinite"/>
+                      </p:stCondLst>
+                      <p:childTnLst>
+                        <p:par>
+                          <p:cTn id="64" fill="hold">
+                            <p:stCondLst>
+                              <p:cond delay="0"/>
+                            </p:stCondLst>
+                            <p:childTnLst>
+                              <p:par>
+                                <p:cTn id="65" presetID="10" presetClass="entr" presetSubtype="0" fill="hold" nodeType="clickEffect">
+                                  <p:stCondLst>
+                                    <p:cond delay="0"/>
+                                  </p:stCondLst>
+                                  <p:childTnLst>
+                                    <p:set>
+                                      <p:cBhvr>
+                                        <p:cTn id="66" dur="1" fill="hold">
+                                          <p:stCondLst>
+                                            <p:cond delay="0"/>
+                                          </p:stCondLst>
+                                        </p:cTn>
+                                        <p:tgtEl>
+                                          <p:spTgt spid="3">
+                                            <p:txEl>
+                                              <p:pRg st="12" end="12"/>
+                                            </p:txEl>
+                                          </p:spTgt>
+                                        </p:tgtEl>
+                                        <p:attrNameLst>
+                                          <p:attrName>style.visibility</p:attrName>
+                                        </p:attrNameLst>
+                                      </p:cBhvr>
+                                      <p:to>
+                                        <p:strVal val="visible"/>
+                                      </p:to>
+                                    </p:set>
+                                    <p:animEffect transition="in" filter="fade">
+                                      <p:cBhvr>
+                                        <p:cTn id="67" dur="500"/>
+                                        <p:tgtEl>
+                                          <p:spTgt spid="3">
+                                            <p:txEl>
+                                              <p:pRg st="12" end="12"/>
+                                            </p:txEl>
+                                          </p:spTgt>
+                                        </p:tgtEl>
+                                      </p:cBhvr>
+                                    </p:animEffect>
+                                  </p:childTnLst>
+                                </p:cTn>
+                              </p:par>
+                            </p:childTnLst>
+                          </p:cTn>
+                        </p:par>
+                      </p:childTnLst>
+                    </p:cTn>
+                  </p:par>
+                  <p:par>
+                    <p:cTn id="68" fill="hold">
+                      <p:stCondLst>
+                        <p:cond delay="indefinite"/>
+                      </p:stCondLst>
+                      <p:childTnLst>
+                        <p:par>
+                          <p:cTn id="69" fill="hold">
+                            <p:stCondLst>
+                              <p:cond delay="0"/>
+                            </p:stCondLst>
+                            <p:childTnLst>
+                              <p:par>
+                                <p:cTn id="70" presetID="10" presetClass="entr" presetSubtype="0" fill="hold" nodeType="clickEffect">
+                                  <p:stCondLst>
+                                    <p:cond delay="0"/>
+                                  </p:stCondLst>
+                                  <p:childTnLst>
+                                    <p:set>
+                                      <p:cBhvr>
+                                        <p:cTn id="71" dur="1" fill="hold">
+                                          <p:stCondLst>
+                                            <p:cond delay="0"/>
+                                          </p:stCondLst>
+                                        </p:cTn>
+                                        <p:tgtEl>
+                                          <p:spTgt spid="3">
+                                            <p:txEl>
+                                              <p:pRg st="13" end="13"/>
+                                            </p:txEl>
+                                          </p:spTgt>
+                                        </p:tgtEl>
+                                        <p:attrNameLst>
+                                          <p:attrName>style.visibility</p:attrName>
+                                        </p:attrNameLst>
+                                      </p:cBhvr>
+                                      <p:to>
+                                        <p:strVal val="visible"/>
+                                      </p:to>
+                                    </p:set>
+                                    <p:animEffect transition="in" filter="fade">
+                                      <p:cBhvr>
+                                        <p:cTn id="72" dur="500"/>
+                                        <p:tgtEl>
+                                          <p:spTgt spid="3">
+                                            <p:txEl>
+                                              <p:pRg st="13" end="13"/>
+                                            </p:txEl>
+                                          </p:spTgt>
+                                        </p:tgtEl>
+                                      </p:cBhvr>
+                                    </p:animEffect>
+                                  </p:childTnLst>
+                                </p:cTn>
+                              </p:par>
+                            </p:childTnLst>
+                          </p:cTn>
+                        </p:par>
+                      </p:childTnLst>
+                    </p:cTn>
+                  </p:par>
+                  <p:par>
+                    <p:cTn id="73" fill="hold">
+                      <p:stCondLst>
+                        <p:cond delay="indefinite"/>
+                      </p:stCondLst>
+                      <p:childTnLst>
+                        <p:par>
+                          <p:cTn id="74" fill="hold">
+                            <p:stCondLst>
+                              <p:cond delay="0"/>
+                            </p:stCondLst>
+                            <p:childTnLst>
+                              <p:par>
+                                <p:cTn id="75" presetID="10" presetClass="entr" presetSubtype="0" fill="hold" nodeType="clickEffect">
+                                  <p:stCondLst>
+                                    <p:cond delay="0"/>
+                                  </p:stCondLst>
+                                  <p:childTnLst>
+                                    <p:set>
+                                      <p:cBhvr>
+                                        <p:cTn id="76" dur="1" fill="hold">
+                                          <p:stCondLst>
+                                            <p:cond delay="0"/>
+                                          </p:stCondLst>
+                                        </p:cTn>
+                                        <p:tgtEl>
+                                          <p:spTgt spid="3">
+                                            <p:txEl>
+                                              <p:pRg st="14" end="14"/>
+                                            </p:txEl>
+                                          </p:spTgt>
+                                        </p:tgtEl>
+                                        <p:attrNameLst>
+                                          <p:attrName>style.visibility</p:attrName>
+                                        </p:attrNameLst>
+                                      </p:cBhvr>
+                                      <p:to>
+                                        <p:strVal val="visible"/>
+                                      </p:to>
+                                    </p:set>
+                                    <p:animEffect transition="in" filter="fade">
+                                      <p:cBhvr>
+                                        <p:cTn id="77" dur="500"/>
+                                        <p:tgtEl>
+                                          <p:spTgt spid="3">
+                                            <p:txEl>
+                                              <p:pRg st="14" end="14"/>
+                                            </p:txEl>
+                                          </p:spTgt>
+                                        </p:tgtEl>
+                                      </p:cBhvr>
+                                    </p:animEffect>
+                                  </p:childTnLst>
+                                </p:cTn>
+                              </p:par>
+                            </p:childTnLst>
+                          </p:cTn>
+                        </p:par>
+                      </p:childTnLst>
+                    </p:cTn>
+                  </p:par>
+                  <p:par>
+                    <p:cTn id="78" fill="hold">
+                      <p:stCondLst>
+                        <p:cond delay="indefinite"/>
+                      </p:stCondLst>
+                      <p:childTnLst>
+                        <p:par>
+                          <p:cTn id="79" fill="hold">
+                            <p:stCondLst>
+                              <p:cond delay="0"/>
+                            </p:stCondLst>
+                            <p:childTnLst>
+                              <p:par>
+                                <p:cTn id="80" presetID="10" presetClass="entr" presetSubtype="0" fill="hold" nodeType="clickEffect">
+                                  <p:stCondLst>
+                                    <p:cond delay="0"/>
+                                  </p:stCondLst>
+                                  <p:childTnLst>
+                                    <p:set>
+                                      <p:cBhvr>
+                                        <p:cTn id="81" dur="1" fill="hold">
+                                          <p:stCondLst>
+                                            <p:cond delay="0"/>
+                                          </p:stCondLst>
+                                        </p:cTn>
+                                        <p:tgtEl>
+                                          <p:spTgt spid="3">
+                                            <p:txEl>
+                                              <p:pRg st="15" end="15"/>
+                                            </p:txEl>
+                                          </p:spTgt>
+                                        </p:tgtEl>
+                                        <p:attrNameLst>
+                                          <p:attrName>style.visibility</p:attrName>
+                                        </p:attrNameLst>
+                                      </p:cBhvr>
+                                      <p:to>
+                                        <p:strVal val="visible"/>
+                                      </p:to>
+                                    </p:set>
+                                    <p:animEffect transition="in" filter="fade">
+                                      <p:cBhvr>
+                                        <p:cTn id="82" dur="500"/>
+                                        <p:tgtEl>
+                                          <p:spTgt spid="3">
+                                            <p:txEl>
+                                              <p:pRg st="15" end="15"/>
+                                            </p:txEl>
+                                          </p:spTgt>
+                                        </p:tgtEl>
+                                      </p:cBhvr>
+                                    </p:animEffect>
+                                  </p:childTnLst>
+                                </p:cTn>
+                              </p:par>
+                            </p:childTnLst>
+                          </p:cTn>
+                        </p:par>
+                      </p:childTnLst>
+                    </p:cTn>
+                  </p:par>
+                  <p:par>
+                    <p:cTn id="83" fill="hold">
+                      <p:stCondLst>
+                        <p:cond delay="indefinite"/>
+                      </p:stCondLst>
+                      <p:childTnLst>
+                        <p:par>
+                          <p:cTn id="84" fill="hold">
+                            <p:stCondLst>
+                              <p:cond delay="0"/>
+                            </p:stCondLst>
+                            <p:childTnLst>
+                              <p:par>
+                                <p:cTn id="85" presetID="10" presetClass="entr" presetSubtype="0" fill="hold" nodeType="clickEffect">
+                                  <p:stCondLst>
+                                    <p:cond delay="0"/>
+                                  </p:stCondLst>
+                                  <p:childTnLst>
+                                    <p:set>
+                                      <p:cBhvr>
+                                        <p:cTn id="86" dur="1" fill="hold">
+                                          <p:stCondLst>
+                                            <p:cond delay="0"/>
+                                          </p:stCondLst>
+                                        </p:cTn>
+                                        <p:tgtEl>
+                                          <p:spTgt spid="3">
+                                            <p:txEl>
+                                              <p:pRg st="16" end="16"/>
+                                            </p:txEl>
+                                          </p:spTgt>
+                                        </p:tgtEl>
+                                        <p:attrNameLst>
+                                          <p:attrName>style.visibility</p:attrName>
+                                        </p:attrNameLst>
+                                      </p:cBhvr>
+                                      <p:to>
+                                        <p:strVal val="visible"/>
+                                      </p:to>
+                                    </p:set>
+                                    <p:animEffect transition="in" filter="fade">
+                                      <p:cBhvr>
+                                        <p:cTn id="87" dur="500"/>
+                                        <p:tgtEl>
+                                          <p:spTgt spid="3">
+                                            <p:txEl>
+                                              <p:pRg st="16" end="16"/>
+                                            </p:txEl>
+                                          </p:spTgt>
+                                        </p:tgtEl>
+                                      </p:cBhvr>
+                                    </p:animEffect>
+                                  </p:childTnLst>
+                                </p:cTn>
+                              </p:par>
+                            </p:childTnLst>
+                          </p:cTn>
+                        </p:par>
+                      </p:childTnLst>
+                    </p:cTn>
+                  </p:par>
+                  <p:par>
+                    <p:cTn id="88" fill="hold">
+                      <p:stCondLst>
+                        <p:cond delay="indefinite"/>
+                      </p:stCondLst>
+                      <p:childTnLst>
+                        <p:par>
+                          <p:cTn id="89" fill="hold">
+                            <p:stCondLst>
+                              <p:cond delay="0"/>
+                            </p:stCondLst>
+                            <p:childTnLst>
+                              <p:par>
+                                <p:cTn id="90" presetID="10" presetClass="entr" presetSubtype="0" fill="hold" nodeType="clickEffect">
+                                  <p:stCondLst>
+                                    <p:cond delay="0"/>
+                                  </p:stCondLst>
+                                  <p:childTnLst>
+                                    <p:set>
+                                      <p:cBhvr>
+                                        <p:cTn id="91" dur="1" fill="hold">
+                                          <p:stCondLst>
+                                            <p:cond delay="0"/>
+                                          </p:stCondLst>
+                                        </p:cTn>
+                                        <p:tgtEl>
+                                          <p:spTgt spid="3">
+                                            <p:txEl>
+                                              <p:pRg st="17" end="17"/>
+                                            </p:txEl>
+                                          </p:spTgt>
+                                        </p:tgtEl>
+                                        <p:attrNameLst>
+                                          <p:attrName>style.visibility</p:attrName>
+                                        </p:attrNameLst>
+                                      </p:cBhvr>
+                                      <p:to>
+                                        <p:strVal val="visible"/>
+                                      </p:to>
+                                    </p:set>
+                                    <p:animEffect transition="in" filter="fade">
+                                      <p:cBhvr>
+                                        <p:cTn id="92" dur="500"/>
+                                        <p:tgtEl>
+                                          <p:spTgt spid="3">
+                                            <p:txEl>
+                                              <p:pRg st="17" end="17"/>
+                                            </p:txEl>
+                                          </p:spTgt>
+                                        </p:tgtEl>
+                                      </p:cBhvr>
+                                    </p:animEffect>
+                                  </p:childTnLst>
+                                </p:cTn>
+                              </p:par>
+                            </p:childTnLst>
+                          </p:cTn>
+                        </p:par>
+                      </p:childTnLst>
+                    </p:cTn>
+                  </p:par>
+                  <p:par>
+                    <p:cTn id="93" fill="hold">
+                      <p:stCondLst>
+                        <p:cond delay="indefinite"/>
+                      </p:stCondLst>
+                      <p:childTnLst>
+                        <p:par>
+                          <p:cTn id="94" fill="hold">
+                            <p:stCondLst>
+                              <p:cond delay="0"/>
+                            </p:stCondLst>
+                            <p:childTnLst>
+                              <p:par>
+                                <p:cTn id="95" presetID="10" presetClass="entr" presetSubtype="0" fill="hold" nodeType="clickEffect">
+                                  <p:stCondLst>
+                                    <p:cond delay="0"/>
+                                  </p:stCondLst>
+                                  <p:childTnLst>
+                                    <p:set>
+                                      <p:cBhvr>
+                                        <p:cTn id="96" dur="1" fill="hold">
+                                          <p:stCondLst>
+                                            <p:cond delay="0"/>
+                                          </p:stCondLst>
+                                        </p:cTn>
+                                        <p:tgtEl>
+                                          <p:spTgt spid="3">
+                                            <p:txEl>
+                                              <p:pRg st="18" end="18"/>
+                                            </p:txEl>
+                                          </p:spTgt>
+                                        </p:tgtEl>
+                                        <p:attrNameLst>
+                                          <p:attrName>style.visibility</p:attrName>
+                                        </p:attrNameLst>
+                                      </p:cBhvr>
+                                      <p:to>
+                                        <p:strVal val="visible"/>
+                                      </p:to>
+                                    </p:set>
+                                    <p:animEffect transition="in" filter="fade">
+                                      <p:cBhvr>
+                                        <p:cTn id="97" dur="500"/>
+                                        <p:tgtEl>
+                                          <p:spTgt spid="3">
+                                            <p:txEl>
+                                              <p:pRg st="18" end="18"/>
+                                            </p:txEl>
+                                          </p:spTgt>
+                                        </p:tgtEl>
+                                      </p:cBhvr>
+                                    </p:animEffect>
+                                  </p:childTnLst>
+                                </p:cTn>
+                              </p:par>
+                            </p:childTnLst>
+                          </p:cTn>
+                        </p:par>
+                      </p:childTnLst>
+                    </p:cTn>
+                  </p:par>
+                  <p:par>
+                    <p:cTn id="98" fill="hold">
+                      <p:stCondLst>
+                        <p:cond delay="indefinite"/>
+                      </p:stCondLst>
+                      <p:childTnLst>
+                        <p:par>
+                          <p:cTn id="99" fill="hold">
+                            <p:stCondLst>
+                              <p:cond delay="0"/>
+                            </p:stCondLst>
+                            <p:childTnLst>
+                              <p:par>
+                                <p:cTn id="100" presetID="10" presetClass="entr" presetSubtype="0" fill="hold" nodeType="clickEffect">
+                                  <p:stCondLst>
+                                    <p:cond delay="0"/>
+                                  </p:stCondLst>
+                                  <p:childTnLst>
+                                    <p:set>
+                                      <p:cBhvr>
+                                        <p:cTn id="101" dur="1" fill="hold">
+                                          <p:stCondLst>
+                                            <p:cond delay="0"/>
+                                          </p:stCondLst>
+                                        </p:cTn>
+                                        <p:tgtEl>
+                                          <p:spTgt spid="3">
+                                            <p:txEl>
+                                              <p:pRg st="19" end="19"/>
+                                            </p:txEl>
+                                          </p:spTgt>
+                                        </p:tgtEl>
+                                        <p:attrNameLst>
+                                          <p:attrName>style.visibility</p:attrName>
+                                        </p:attrNameLst>
+                                      </p:cBhvr>
+                                      <p:to>
+                                        <p:strVal val="visible"/>
+                                      </p:to>
+                                    </p:set>
+                                    <p:animEffect transition="in" filter="fade">
+                                      <p:cBhvr>
+                                        <p:cTn id="102" dur="500"/>
+                                        <p:tgtEl>
+                                          <p:spTgt spid="3">
+                                            <p:txEl>
+                                              <p:pRg st="19" end="19"/>
+                                            </p:txEl>
+                                          </p:spTgt>
+                                        </p:tgtEl>
+                                      </p:cBhvr>
+                                    </p:animEffect>
+                                  </p:childTnLst>
+                                </p:cTn>
+                              </p:par>
+                            </p:childTnLst>
+                          </p:cTn>
+                        </p:par>
+                      </p:childTnLst>
+                    </p:cTn>
+                  </p:par>
+                </p:childTnLst>
+              </p:cTn>
+              <p:prevCondLst>
+                <p:cond evt="onPrev" delay="0">
+                  <p:tgtEl>
+                    <p:sldTgt/>
+                  </p:tgtEl>
+                </p:cond>
+              </p:prevCondLst>
+              <p:nextCondLst>
+                <p:cond evt="onNext" delay="0">
+                  <p:tgtEl>
+                    <p:sldTgt/>
+                  </p:tgtEl>
+                </p:cond>
+              </p:nextCondLst>
+            </p:seq>
+          </p:childTnLst>
+        </p:cTn>
+      </p:par>
+    </p:tnLst>
+  </p:timing>
+</p:sld>
+</file>
+
+<file path=ppt/slides/slide7.xml><?xml version="1.0" encoding="utf-8"?>
+<p:sld xmlns:a="http://schemas.openxmlformats.org/drawingml/2006/main" xmlns:r="http://schemas.openxmlformats.org/officeDocument/2006/relationships" xmlns:p="http://schemas.openxmlformats.org/presentationml/2006/main">
+  <p:cSld>
+    <p:spTree>
+      <p:nvGrpSpPr>
+        <p:cNvPr id="1" name=""/>
+        <p:cNvGrpSpPr/>
+        <p:nvPr/>
+      </p:nvGrpSpPr>
+      <p:grpSpPr>
+        <a:xfrm>
+          <a:off x="0" y="0"/>
+          <a:ext cx="0" cy="0"/>
+          <a:chOff x="0" y="0"/>
+          <a:chExt cx="0" cy="0"/>
+        </a:xfrm>
+      </p:grpSpPr>
+      <p:sp>
+        <p:nvSpPr>
+          <p:cNvPr id="54" name="TextBox 53">
+            <a:extLst>
+              <a:ext uri="{FF2B5EF4-FFF2-40B4-BE49-F238E27FC236}">
+                <a16:creationId xmlns:a16="http://schemas.microsoft.com/office/drawing/2014/main" id="{F95EE0D8-2A93-4697-B99B-8060F8234D7C}"/>
+              </a:ext>
+            </a:extLst>
+          </p:cNvPr>
+          <p:cNvSpPr txBox="1"/>
+          <p:nvPr/>
+        </p:nvSpPr>
+        <p:spPr>
+          <a:xfrm>
+            <a:off x="2037840" y="182880"/>
+            <a:ext cx="7221803" cy="646331"/>
+          </a:xfrm>
+          <a:prstGeom prst="rect">
+            <a:avLst/>
+          </a:prstGeom>
+          <a:noFill/>
+        </p:spPr>
+        <p:txBody>
+          <a:bodyPr wrap="square" rtlCol="0">
+            <a:spAutoFit/>
+          </a:bodyPr>
+          <a:lstStyle/>
+          <a:p>
+            <a:pPr algn="ctr"/>
+            <a:r>
+              <a:rPr lang="en-US" sz="3600" b="1">
+                <a:ln w="0"/>
+                <a:solidFill>
+                  <a:schemeClr val="accent4">
+                    <a:lumMod val="60000"/>
+                    <a:lumOff val="40000"/>
+                  </a:schemeClr>
+                </a:solidFill>
+                <a:effectLst>
+                  <a:reflection blurRad="6350" stA="53000" endA="300" endPos="35500" dir="5400000" sy="-90000" algn="bl" rotWithShape="0"/>
+                </a:effectLst>
+                <a:latin typeface="Calibri" panose="020F0502020204030204" pitchFamily="34" charset="0"/>
+                <a:cs typeface="Calibri" panose="020F0502020204030204" pitchFamily="34" charset="0"/>
+              </a:rPr>
+              <a:t>Outcome</a:t>
             </a:r>
           </a:p>
         </p:txBody>
@@ -14479,7 +16685,7 @@
         </p:nvSpPr>
         <p:spPr>
           <a:xfrm>
-            <a:off x="1304013" y="2088687"/>
+            <a:off x="1304013" y="2048932"/>
             <a:ext cx="4214191" cy="369332"/>
           </a:xfrm>
           <a:prstGeom prst="homePlate">
@@ -14642,20 +16848,17 @@
                 <a:latin typeface="Calibri" panose="020F0502020204030204" pitchFamily="34" charset="0"/>
                 <a:cs typeface="Calibri" panose="020F0502020204030204" pitchFamily="34" charset="0"/>
               </a:rPr>
-              <a:t>Pass the </a:t>
-            </a:r>
-            <a:r>
-              <a:rPr lang="en-US" sz="1400">
+              <a:t>Pass the ‘</a:t>
+            </a:r>
+            <a:r>
+              <a:rPr lang="en-US" sz="1400" i="1">
                 <a:solidFill>
                   <a:schemeClr val="tx1"/>
                 </a:solidFill>
-                <a:highlight>
-                  <a:srgbClr val="FFFF00"/>
-                </a:highlight>
                 <a:latin typeface="Calibri" panose="020F0502020204030204" pitchFamily="34" charset="0"/>
                 <a:cs typeface="Calibri" panose="020F0502020204030204" pitchFamily="34" charset="0"/>
               </a:rPr>
-              <a:t>request=GetThredds </a:t>
+              <a:t>request=GetThredds</a:t>
             </a:r>
             <a:r>
               <a:rPr lang="en-US" sz="1400">
@@ -14665,7 +16868,7 @@
                 <a:latin typeface="Calibri" panose="020F0502020204030204" pitchFamily="34" charset="0"/>
                 <a:cs typeface="Calibri" panose="020F0502020204030204" pitchFamily="34" charset="0"/>
               </a:rPr>
-              <a:t>to GSKY by Terria</a:t>
+              <a:t>’ to GSKY by Terria</a:t>
             </a:r>
             <a:endParaRPr lang="en-AU" sz="1400">
               <a:solidFill>
@@ -14715,7 +16918,7 @@
                 <a:latin typeface="Calibri" panose="020F0502020204030204" pitchFamily="34" charset="0"/>
                 <a:cs typeface="Calibri" panose="020F0502020204030204" pitchFamily="34" charset="0"/>
               </a:rPr>
-              <a:t>http://130.56.242.15/ows/geoglam?time=2... &amp;service=WMS&amp;</a:t>
+              <a:t>http://130.56.242.15/ows/geoglam?time=2... &amp;service=WMS&amp;request=</a:t>
             </a:r>
             <a:r>
               <a:rPr lang="en-US" sz="900" i="1">
@@ -14725,7 +16928,7 @@
                 <a:latin typeface="Calibri" panose="020F0502020204030204" pitchFamily="34" charset="0"/>
                 <a:cs typeface="Calibri" panose="020F0502020204030204" pitchFamily="34" charset="0"/>
               </a:rPr>
-              <a:t>request=GetThredds</a:t>
+              <a:t>GetThredds</a:t>
             </a:r>
             <a:r>
               <a:rPr lang="en-US" sz="900" i="1">
@@ -14796,7 +16999,7 @@
                 <a:latin typeface="Calibri" panose="020F0502020204030204" pitchFamily="34" charset="0"/>
                 <a:cs typeface="Calibri" panose="020F0502020204030204" pitchFamily="34" charset="0"/>
               </a:rPr>
-              <a:t>Get the list of files in GSKY code</a:t>
+              <a:t>Get the list of files</a:t>
             </a:r>
             <a:endParaRPr lang="en-AU" sz="1400">
               <a:solidFill>
@@ -14869,579 +17072,620 @@
           </a:p>
         </p:txBody>
       </p:sp>
-      <p:sp>
-        <p:nvSpPr>
-          <p:cNvPr id="14" name="Callout: Down Arrow 13">
+      <p:grpSp>
+        <p:nvGrpSpPr>
+          <p:cNvPr id="30" name="Group 29">
             <a:extLst>
               <a:ext uri="{FF2B5EF4-FFF2-40B4-BE49-F238E27FC236}">
-                <a16:creationId xmlns:a16="http://schemas.microsoft.com/office/drawing/2014/main" id="{2EF3F417-C15E-4AF4-98B2-09D4FFAAAE6A}"/>
+                <a16:creationId xmlns:a16="http://schemas.microsoft.com/office/drawing/2014/main" id="{216A56CC-A18C-4399-84DD-CBE0EFEC9FE9}"/>
               </a:ext>
             </a:extLst>
           </p:cNvPr>
-          <p:cNvSpPr/>
+          <p:cNvGrpSpPr/>
           <p:nvPr/>
-        </p:nvSpPr>
-        <p:spPr>
+        </p:nvGrpSpPr>
+        <p:grpSpPr>
           <a:xfrm>
-            <a:off x="1296058" y="3517310"/>
-            <a:ext cx="4635610" cy="369332"/>
+            <a:off x="1280157" y="3517310"/>
+            <a:ext cx="7054816" cy="1281655"/>
+            <a:chOff x="1280157" y="3517310"/>
+            <a:chExt cx="6235551" cy="1281655"/>
           </a:xfrm>
-          <a:prstGeom prst="downArrowCallout">
-            <a:avLst/>
-          </a:prstGeom>
-          <a:noFill/>
-        </p:spPr>
-        <p:style>
-          <a:lnRef idx="2">
-            <a:schemeClr val="accent1">
-              <a:shade val="50000"/>
-            </a:schemeClr>
-          </a:lnRef>
-          <a:fillRef idx="1">
-            <a:schemeClr val="accent1"/>
-          </a:fillRef>
-          <a:effectRef idx="0">
-            <a:schemeClr val="accent1"/>
-          </a:effectRef>
-          <a:fontRef idx="minor">
-            <a:schemeClr val="lt1"/>
-          </a:fontRef>
-        </p:style>
-        <p:txBody>
-          <a:bodyPr rot="0" spcFirstLastPara="0" vertOverflow="overflow" horzOverflow="overflow" vert="horz" wrap="square" lIns="91440" tIns="45720" rIns="91440" bIns="45720" numCol="1" spcCol="0" rtlCol="0" fromWordArt="0" anchor="ctr" anchorCtr="0" forceAA="0" compatLnSpc="1">
-            <a:prstTxWarp prst="textNoShape">
+        </p:grpSpPr>
+        <p:sp>
+          <p:nvSpPr>
+            <p:cNvPr id="14" name="Callout: Down Arrow 13">
+              <a:extLst>
+                <a:ext uri="{FF2B5EF4-FFF2-40B4-BE49-F238E27FC236}">
+                  <a16:creationId xmlns:a16="http://schemas.microsoft.com/office/drawing/2014/main" id="{2EF3F417-C15E-4AF4-98B2-09D4FFAAAE6A}"/>
+                </a:ext>
+              </a:extLst>
+            </p:cNvPr>
+            <p:cNvSpPr/>
+            <p:nvPr/>
+          </p:nvSpPr>
+          <p:spPr>
+            <a:xfrm>
+              <a:off x="1296057" y="3517310"/>
+              <a:ext cx="6219651" cy="369332"/>
+            </a:xfrm>
+            <a:prstGeom prst="downArrowCallout">
               <a:avLst/>
-            </a:prstTxWarp>
-            <a:noAutofit/>
-          </a:bodyPr>
-          <a:lstStyle/>
-          <a:p>
-            <a:pPr marL="342900" indent="-342900">
-              <a:buFont typeface="Arial" panose="020B0604020202020204" pitchFamily="34" charset="0"/>
-              <a:buChar char="•"/>
-            </a:pPr>
-            <a:r>
-              <a:rPr lang="en-US" sz="1400">
+            </a:prstGeom>
+            <a:noFill/>
+          </p:spPr>
+          <p:style>
+            <a:lnRef idx="2">
+              <a:schemeClr val="accent1">
+                <a:shade val="50000"/>
+              </a:schemeClr>
+            </a:lnRef>
+            <a:fillRef idx="1">
+              <a:schemeClr val="accent1"/>
+            </a:fillRef>
+            <a:effectRef idx="0">
+              <a:schemeClr val="accent1"/>
+            </a:effectRef>
+            <a:fontRef idx="minor">
+              <a:schemeClr val="lt1"/>
+            </a:fontRef>
+          </p:style>
+          <p:txBody>
+            <a:bodyPr rot="0" spcFirstLastPara="0" vertOverflow="overflow" horzOverflow="overflow" vert="horz" wrap="square" lIns="91440" tIns="45720" rIns="91440" bIns="45720" numCol="1" spcCol="0" rtlCol="0" fromWordArt="0" anchor="ctr" anchorCtr="0" forceAA="0" compatLnSpc="1">
+              <a:prstTxWarp prst="textNoShape">
+                <a:avLst/>
+              </a:prstTxWarp>
+              <a:noAutofit/>
+            </a:bodyPr>
+            <a:lstStyle/>
+            <a:p>
+              <a:pPr marL="342900" indent="-342900">
+                <a:buFont typeface="Arial" panose="020B0604020202020204" pitchFamily="34" charset="0"/>
+                <a:buChar char="•"/>
+              </a:pPr>
+              <a:r>
+                <a:rPr lang="en-US" sz="1400">
+                  <a:solidFill>
+                    <a:schemeClr val="tx1"/>
+                  </a:solidFill>
+                  <a:latin typeface="Calibri" panose="020F0502020204030204" pitchFamily="34" charset="0"/>
+                  <a:cs typeface="Calibri" panose="020F0502020204030204" pitchFamily="34" charset="0"/>
+                </a:rPr>
+                <a:t>Create a Thredds catalog, with multiple datasets, and save as ‘</a:t>
+              </a:r>
+              <a:r>
+                <a:rPr lang="en-US" sz="1400" i="1">
+                  <a:solidFill>
+                    <a:schemeClr val="tx1"/>
+                  </a:solidFill>
+                  <a:latin typeface="Calibri" panose="020F0502020204030204" pitchFamily="34" charset="0"/>
+                  <a:cs typeface="Calibri" panose="020F0502020204030204" pitchFamily="34" charset="0"/>
+                </a:rPr>
+                <a:t>sessionID.xml’</a:t>
+              </a:r>
+              <a:endParaRPr lang="en-AU" sz="1400" i="1">
                 <a:solidFill>
                   <a:schemeClr val="tx1"/>
                 </a:solidFill>
                 <a:latin typeface="Calibri" panose="020F0502020204030204" pitchFamily="34" charset="0"/>
                 <a:cs typeface="Calibri" panose="020F0502020204030204" pitchFamily="34" charset="0"/>
-              </a:rPr>
-              <a:t>Create a Thredds catalog and save in a temp directory</a:t>
-            </a:r>
-            <a:endParaRPr lang="en-AU" sz="1400">
+              </a:endParaRPr>
+            </a:p>
+          </p:txBody>
+        </p:sp>
+        <p:sp>
+          <p:nvSpPr>
+            <p:cNvPr id="17" name="Rectangle 3">
+              <a:extLst>
+                <a:ext uri="{FF2B5EF4-FFF2-40B4-BE49-F238E27FC236}">
+                  <a16:creationId xmlns:a16="http://schemas.microsoft.com/office/drawing/2014/main" id="{34DE53DA-538B-443C-B259-80EDD5249CB6}"/>
+                </a:ext>
+              </a:extLst>
+            </p:cNvPr>
+            <p:cNvSpPr>
+              <a:spLocks noChangeArrowheads="1"/>
+            </p:cNvSpPr>
+            <p:nvPr/>
+          </p:nvSpPr>
+          <p:spPr bwMode="auto">
+            <a:xfrm>
+              <a:off x="1280157" y="3932101"/>
+              <a:ext cx="6219651" cy="866864"/>
+            </a:xfrm>
+            <a:prstGeom prst="rect">
+              <a:avLst/>
+            </a:prstGeom>
+            <a:solidFill>
+              <a:srgbClr val="FAF8F0"/>
+            </a:solidFill>
+            <a:ln w="9525">
               <a:solidFill>
                 <a:schemeClr val="tx1"/>
               </a:solidFill>
-              <a:latin typeface="Calibri" panose="020F0502020204030204" pitchFamily="34" charset="0"/>
-              <a:cs typeface="Calibri" panose="020F0502020204030204" pitchFamily="34" charset="0"/>
-            </a:endParaRPr>
-          </a:p>
-        </p:txBody>
-      </p:sp>
-      <p:sp>
-        <p:nvSpPr>
-          <p:cNvPr id="17" name="Rectangle 3">
+              <a:miter lim="800000"/>
+              <a:headEnd/>
+              <a:tailEnd/>
+            </a:ln>
+            <a:effectLst/>
             <a:extLst>
-              <a:ext uri="{FF2B5EF4-FFF2-40B4-BE49-F238E27FC236}">
-                <a16:creationId xmlns:a16="http://schemas.microsoft.com/office/drawing/2014/main" id="{34DE53DA-538B-443C-B259-80EDD5249CB6}"/>
+              <a:ext uri="{AF507438-7753-43E0-B8FC-AC1667EBCBE1}">
+                <a14:hiddenEffects xmlns:a14="http://schemas.microsoft.com/office/drawing/2010/main">
+                  <a:effectLst>
+                    <a:outerShdw dist="35921" dir="2700000" algn="ctr" rotWithShape="0">
+                      <a:schemeClr val="bg2"/>
+                    </a:outerShdw>
+                  </a:effectLst>
+                </a14:hiddenEffects>
               </a:ext>
             </a:extLst>
-          </p:cNvPr>
-          <p:cNvSpPr>
-            <a:spLocks noChangeArrowheads="1"/>
-          </p:cNvSpPr>
-          <p:nvPr/>
-        </p:nvSpPr>
-        <p:spPr bwMode="auto">
-          <a:xfrm>
-            <a:off x="1280157" y="3909788"/>
-            <a:ext cx="7054816" cy="959197"/>
-          </a:xfrm>
-          <a:prstGeom prst="rect">
-            <a:avLst/>
-          </a:prstGeom>
-          <a:solidFill>
-            <a:srgbClr val="FAF8F0"/>
-          </a:solidFill>
-          <a:ln w="9525">
-            <a:solidFill>
-              <a:schemeClr val="tx1"/>
-            </a:solidFill>
-            <a:miter lim="800000"/>
-            <a:headEnd/>
-            <a:tailEnd/>
-          </a:ln>
-          <a:effectLst/>
-          <a:extLst>
-            <a:ext uri="{AF507438-7753-43E0-B8FC-AC1667EBCBE1}">
-              <a14:hiddenEffects xmlns:a14="http://schemas.microsoft.com/office/drawing/2010/main">
-                <a:effectLst>
-                  <a:outerShdw dist="35921" dir="2700000" algn="ctr" rotWithShape="0">
-                    <a:schemeClr val="bg2"/>
-                  </a:outerShdw>
-                </a:effectLst>
-              </a14:hiddenEffects>
-            </a:ext>
-          </a:extLst>
-        </p:spPr>
-        <p:txBody>
-          <a:bodyPr vert="horz" wrap="none" lIns="0" tIns="0" rIns="0" bIns="126960" numCol="1" anchor="ctr" anchorCtr="0" compatLnSpc="1">
-            <a:prstTxWarp prst="textNoShape">
-              <a:avLst/>
-            </a:prstTxWarp>
-            <a:spAutoFit/>
-          </a:bodyPr>
-          <a:lstStyle/>
-          <a:p>
-            <a:pPr marL="0" marR="0" lvl="0" indent="0" algn="l" defTabSz="914400" rtl="0" eaLnBrk="0" fontAlgn="base" latinLnBrk="0" hangingPunct="0">
-              <a:lnSpc>
-                <a:spcPct val="100000"/>
-              </a:lnSpc>
-              <a:spcBef>
-                <a:spcPct val="0"/>
-              </a:spcBef>
-              <a:spcAft>
-                <a:spcPct val="0"/>
-              </a:spcAft>
-              <a:buClrTx/>
-              <a:buSzTx/>
-              <a:buFontTx/>
-              <a:buNone/>
-              <a:tabLst/>
-            </a:pPr>
-            <a:r>
-              <a:rPr kumimoji="0" lang="en-US" altLang="en-US" sz="900" b="0" i="0" u="none" strike="noStrike" cap="none" normalizeH="0" baseline="0">
-                <a:ln>
-                  <a:noFill/>
-                </a:ln>
-                <a:solidFill>
-                  <a:srgbClr val="333333"/>
-                </a:solidFill>
-                <a:effectLst/>
-                <a:latin typeface="Lucida Console" panose="020B0609040504020204" pitchFamily="49" charset="0"/>
-              </a:rPr>
-              <a:t>&lt;?xml version="1.0" ?&gt; </a:t>
-            </a:r>
-          </a:p>
-          <a:p>
-            <a:pPr lvl="0" defTabSz="914400" eaLnBrk="0" fontAlgn="base" hangingPunct="0">
-              <a:spcBef>
-                <a:spcPct val="0"/>
-              </a:spcBef>
-              <a:spcAft>
-                <a:spcPct val="0"/>
-              </a:spcAft>
-            </a:pPr>
-            <a:r>
-              <a:rPr kumimoji="0" lang="en-US" altLang="en-US" sz="900" b="0" i="0" u="none" strike="noStrike" cap="none" normalizeH="0" baseline="0">
-                <a:ln>
-                  <a:noFill/>
-                </a:ln>
-                <a:solidFill>
-                  <a:srgbClr val="333333"/>
-                </a:solidFill>
-                <a:effectLst/>
-                <a:latin typeface="Lucida Console" panose="020B0609040504020204" pitchFamily="49" charset="0"/>
-              </a:rPr>
-              <a:t> &lt;</a:t>
-            </a:r>
-            <a:r>
-              <a:rPr kumimoji="0" lang="en-US" altLang="en-US" sz="900" b="1" i="0" u="none" strike="noStrike" cap="none" normalizeH="0" baseline="0">
-                <a:ln>
-                  <a:noFill/>
-                </a:ln>
-                <a:solidFill>
-                  <a:srgbClr val="333333"/>
-                </a:solidFill>
-                <a:effectLst/>
-                <a:latin typeface="Lucida Console" panose="020B0609040504020204" pitchFamily="49" charset="0"/>
-              </a:rPr>
-              <a:t>catalog</a:t>
-            </a:r>
-            <a:r>
-              <a:rPr kumimoji="0" lang="en-US" altLang="en-US" sz="900" b="0" i="0" u="none" strike="noStrike" cap="none" normalizeH="0" baseline="0">
-                <a:ln>
-                  <a:noFill/>
-                </a:ln>
-                <a:solidFill>
-                  <a:srgbClr val="333333"/>
-                </a:solidFill>
-                <a:effectLst/>
-                <a:latin typeface="Lucida Console" panose="020B0609040504020204" pitchFamily="49" charset="0"/>
-              </a:rPr>
-              <a:t> </a:t>
-            </a:r>
-            <a:r>
-              <a:rPr kumimoji="0" lang="en-US" altLang="en-US" sz="900" b="1" i="0" u="none" strike="noStrike" cap="none" normalizeH="0" baseline="0">
-                <a:ln>
-                  <a:noFill/>
-                </a:ln>
-                <a:solidFill>
-                  <a:srgbClr val="333333"/>
-                </a:solidFill>
-                <a:effectLst/>
-                <a:latin typeface="Lucida Console" panose="020B0609040504020204" pitchFamily="49" charset="0"/>
-              </a:rPr>
-              <a:t>xmlns</a:t>
-            </a:r>
-            <a:r>
-              <a:rPr kumimoji="0" lang="en-US" altLang="en-US" sz="900" b="0" i="0" u="none" strike="noStrike" cap="none" normalizeH="0" baseline="0">
-                <a:ln>
-                  <a:noFill/>
-                </a:ln>
-                <a:solidFill>
-                  <a:srgbClr val="333333"/>
-                </a:solidFill>
-                <a:effectLst/>
-                <a:latin typeface="Lucida Console" panose="020B0609040504020204" pitchFamily="49" charset="0"/>
-              </a:rPr>
-              <a:t>="http://</a:t>
-            </a:r>
-            <a:r>
-              <a:rPr lang="en-AU" sz="900"/>
-              <a:t>dap.nci.org.au</a:t>
-            </a:r>
-            <a:r>
-              <a:rPr kumimoji="0" lang="en-US" altLang="en-US" sz="900" b="0" i="0" u="none" strike="noStrike" cap="none" normalizeH="0" baseline="0">
-                <a:ln>
-                  <a:noFill/>
-                </a:ln>
-                <a:solidFill>
-                  <a:srgbClr val="333333"/>
-                </a:solidFill>
-                <a:effectLst/>
-                <a:latin typeface="Lucida Console" panose="020B0609040504020204" pitchFamily="49" charset="0"/>
-              </a:rPr>
-              <a:t>/namespaces/thredds/InvCatalog/v1.0" &gt; </a:t>
-            </a:r>
-          </a:p>
-          <a:p>
-            <a:pPr marL="0" marR="0" lvl="0" indent="0" algn="l" defTabSz="914400" rtl="0" eaLnBrk="0" fontAlgn="base" latinLnBrk="0" hangingPunct="0">
-              <a:lnSpc>
-                <a:spcPct val="100000"/>
-              </a:lnSpc>
-              <a:spcBef>
-                <a:spcPct val="0"/>
-              </a:spcBef>
-              <a:spcAft>
-                <a:spcPct val="0"/>
-              </a:spcAft>
-              <a:buClrTx/>
-              <a:buSzTx/>
-              <a:buFontTx/>
-              <a:buNone/>
-              <a:tabLst/>
-            </a:pPr>
-            <a:r>
-              <a:rPr kumimoji="0" lang="en-US" altLang="en-US" sz="900" b="0" i="0" u="none" strike="noStrike" cap="none" normalizeH="0" baseline="0">
-                <a:ln>
-                  <a:noFill/>
-                </a:ln>
-                <a:solidFill>
-                  <a:srgbClr val="333333"/>
-                </a:solidFill>
-                <a:effectLst/>
-                <a:latin typeface="Lucida Console" panose="020B0609040504020204" pitchFamily="49" charset="0"/>
-              </a:rPr>
-              <a:t>  &lt;</a:t>
-            </a:r>
-            <a:r>
-              <a:rPr kumimoji="0" lang="en-US" altLang="en-US" sz="900" b="1" i="0" u="none" strike="noStrike" cap="none" normalizeH="0" baseline="0">
-                <a:ln>
-                  <a:noFill/>
-                </a:ln>
-                <a:solidFill>
-                  <a:srgbClr val="333333"/>
-                </a:solidFill>
-                <a:effectLst/>
-                <a:latin typeface="Lucida Console" panose="020B0609040504020204" pitchFamily="49" charset="0"/>
-              </a:rPr>
-              <a:t>service</a:t>
-            </a:r>
-            <a:r>
-              <a:rPr kumimoji="0" lang="en-US" altLang="en-US" sz="900" b="0" i="0" u="none" strike="noStrike" cap="none" normalizeH="0" baseline="0">
-                <a:ln>
-                  <a:noFill/>
-                </a:ln>
-                <a:solidFill>
-                  <a:srgbClr val="333333"/>
-                </a:solidFill>
-                <a:effectLst/>
-                <a:latin typeface="Lucida Console" panose="020B0609040504020204" pitchFamily="49" charset="0"/>
-              </a:rPr>
-              <a:t> name="</a:t>
-            </a:r>
-            <a:r>
-              <a:rPr kumimoji="0" lang="en-US" altLang="en-US" sz="900" b="1" i="0" u="none" strike="noStrike" cap="none" normalizeH="0" baseline="0">
-                <a:ln>
-                  <a:noFill/>
-                </a:ln>
-                <a:solidFill>
-                  <a:srgbClr val="333333"/>
-                </a:solidFill>
-                <a:effectLst/>
-                <a:latin typeface="Lucida Console" panose="020B0609040504020204" pitchFamily="49" charset="0"/>
-              </a:rPr>
-              <a:t>odap</a:t>
-            </a:r>
-            <a:r>
-              <a:rPr kumimoji="0" lang="en-US" altLang="en-US" sz="900" b="0" i="0" u="none" strike="noStrike" cap="none" normalizeH="0" baseline="0">
-                <a:ln>
-                  <a:noFill/>
-                </a:ln>
-                <a:solidFill>
-                  <a:srgbClr val="333333"/>
-                </a:solidFill>
-                <a:effectLst/>
-                <a:latin typeface="Lucida Console" panose="020B0609040504020204" pitchFamily="49" charset="0"/>
-              </a:rPr>
-              <a:t>" serviceType="</a:t>
-            </a:r>
-            <a:r>
-              <a:rPr kumimoji="0" lang="en-US" altLang="en-US" sz="900" b="1" i="0" u="none" strike="noStrike" cap="none" normalizeH="0" baseline="0">
-                <a:ln>
-                  <a:noFill/>
-                </a:ln>
-                <a:solidFill>
-                  <a:srgbClr val="333333"/>
-                </a:solidFill>
-                <a:effectLst/>
-                <a:latin typeface="Lucida Console" panose="020B0609040504020204" pitchFamily="49" charset="0"/>
-              </a:rPr>
-              <a:t>OpenDAP</a:t>
-            </a:r>
-            <a:r>
-              <a:rPr kumimoji="0" lang="en-US" altLang="en-US" sz="900" b="0" i="0" u="none" strike="noStrike" cap="none" normalizeH="0" baseline="0">
-                <a:ln>
-                  <a:noFill/>
-                </a:ln>
-                <a:solidFill>
-                  <a:srgbClr val="333333"/>
-                </a:solidFill>
-                <a:effectLst/>
-                <a:latin typeface="Lucida Console" panose="020B0609040504020204" pitchFamily="49" charset="0"/>
-              </a:rPr>
-              <a:t>" base="/geoglam/user/" /&gt; </a:t>
-            </a:r>
-          </a:p>
-          <a:p>
-            <a:pPr lvl="0" defTabSz="914400" eaLnBrk="0" fontAlgn="base" hangingPunct="0">
-              <a:spcBef>
-                <a:spcPct val="0"/>
-              </a:spcBef>
-              <a:spcAft>
-                <a:spcPct val="0"/>
-              </a:spcAft>
-            </a:pPr>
-            <a:r>
-              <a:rPr lang="en-US" altLang="en-US" sz="900">
-                <a:solidFill>
-                  <a:srgbClr val="333333"/>
-                </a:solidFill>
-                <a:latin typeface="Lucida Console" panose="020B0609040504020204" pitchFamily="49" charset="0"/>
-              </a:rPr>
-              <a:t> </a:t>
-            </a:r>
-            <a:r>
-              <a:rPr kumimoji="0" lang="en-US" altLang="en-US" sz="900" b="0" i="0" u="none" strike="noStrike" cap="none" normalizeH="0" baseline="0">
-                <a:ln>
-                  <a:noFill/>
-                </a:ln>
-                <a:solidFill>
-                  <a:srgbClr val="333333"/>
-                </a:solidFill>
-                <a:effectLst/>
-                <a:latin typeface="Lucida Console" panose="020B0609040504020204" pitchFamily="49" charset="0"/>
-              </a:rPr>
-              <a:t> &lt;</a:t>
-            </a:r>
-            <a:r>
-              <a:rPr kumimoji="0" lang="en-US" altLang="en-US" sz="900" b="1" i="0" u="none" strike="noStrike" cap="none" normalizeH="0" baseline="0">
-                <a:ln>
-                  <a:noFill/>
-                </a:ln>
-                <a:solidFill>
-                  <a:srgbClr val="333333"/>
-                </a:solidFill>
-                <a:effectLst/>
-                <a:latin typeface="Lucida Console" panose="020B0609040504020204" pitchFamily="49" charset="0"/>
-              </a:rPr>
-              <a:t>dataset</a:t>
-            </a:r>
-            <a:r>
-              <a:rPr kumimoji="0" lang="en-US" altLang="en-US" sz="900" b="0" i="0" u="none" strike="noStrike" cap="none" normalizeH="0" baseline="0">
-                <a:ln>
-                  <a:noFill/>
-                </a:ln>
-                <a:solidFill>
-                  <a:srgbClr val="333333"/>
-                </a:solidFill>
-                <a:effectLst/>
-                <a:latin typeface="Lucida Console" panose="020B0609040504020204" pitchFamily="49" charset="0"/>
-              </a:rPr>
-              <a:t> name="</a:t>
-            </a:r>
-            <a:r>
-              <a:rPr lang="en-US" altLang="en-US" sz="900" b="1">
-                <a:solidFill>
-                  <a:srgbClr val="333333"/>
-                </a:solidFill>
-                <a:latin typeface="Lucida Console" panose="020B0609040504020204" pitchFamily="49" charset="0"/>
-              </a:rPr>
-              <a:t> GEOGLAM Anomaly Fractional Cover C6 </a:t>
-            </a:r>
-            <a:r>
-              <a:rPr kumimoji="0" lang="en-US" altLang="en-US" sz="900" b="0" i="0" u="none" strike="noStrike" cap="none" normalizeH="0" baseline="0">
-                <a:ln>
-                  <a:noFill/>
-                </a:ln>
-                <a:solidFill>
-                  <a:srgbClr val="333333"/>
-                </a:solidFill>
-                <a:effectLst/>
-                <a:latin typeface="Lucida Console" panose="020B0609040504020204" pitchFamily="49" charset="0"/>
-              </a:rPr>
-              <a:t>" serviceName="</a:t>
-            </a:r>
-            <a:r>
-              <a:rPr kumimoji="0" lang="en-US" altLang="en-US" sz="900" b="1" i="0" u="none" strike="noStrike" cap="none" normalizeH="0" baseline="0">
-                <a:ln>
-                  <a:noFill/>
-                </a:ln>
-                <a:solidFill>
-                  <a:srgbClr val="333333"/>
-                </a:solidFill>
-                <a:effectLst/>
-                <a:latin typeface="Lucida Console" panose="020B0609040504020204" pitchFamily="49" charset="0"/>
-              </a:rPr>
-              <a:t>odap</a:t>
-            </a:r>
-            <a:r>
-              <a:rPr kumimoji="0" lang="en-US" altLang="en-US" sz="900" b="0" i="0" u="none" strike="noStrike" cap="none" normalizeH="0" baseline="0">
-                <a:ln>
-                  <a:noFill/>
-                </a:ln>
-                <a:solidFill>
-                  <a:srgbClr val="333333"/>
-                </a:solidFill>
-                <a:effectLst/>
-                <a:latin typeface="Lucida Console" panose="020B0609040504020204" pitchFamily="49" charset="0"/>
-              </a:rPr>
-              <a:t>" </a:t>
-            </a:r>
-          </a:p>
-          <a:p>
-            <a:pPr lvl="0" defTabSz="914400" eaLnBrk="0" fontAlgn="base" hangingPunct="0">
-              <a:spcBef>
-                <a:spcPct val="0"/>
-              </a:spcBef>
-              <a:spcAft>
-                <a:spcPct val="0"/>
-              </a:spcAft>
-            </a:pPr>
-            <a:r>
-              <a:rPr lang="en-US" altLang="en-US" sz="900">
-                <a:solidFill>
-                  <a:srgbClr val="333333"/>
-                </a:solidFill>
-                <a:latin typeface="Lucida Console" panose="020B0609040504020204" pitchFamily="49" charset="0"/>
-              </a:rPr>
-              <a:t>    </a:t>
-            </a:r>
-            <a:r>
-              <a:rPr kumimoji="0" lang="en-US" altLang="en-US" sz="900" b="0" i="0" u="none" strike="noStrike" cap="none" normalizeH="0" baseline="0">
-                <a:ln>
-                  <a:noFill/>
-                </a:ln>
-                <a:solidFill>
-                  <a:srgbClr val="333333"/>
-                </a:solidFill>
-                <a:effectLst/>
-                <a:latin typeface="Lucida Console" panose="020B0609040504020204" pitchFamily="49" charset="0"/>
-              </a:rPr>
-              <a:t>urlPath=“</a:t>
-            </a:r>
-            <a:r>
-              <a:rPr lang="en-US" sz="900" i="1">
-                <a:latin typeface="Calibri" panose="020F0502020204030204" pitchFamily="34" charset="0"/>
-                <a:cs typeface="Calibri" panose="020F0502020204030204" pitchFamily="34" charset="0"/>
-              </a:rPr>
-              <a:t>/tc43/modis-fc/v310/tiles/monthly/anomalies/FC_Mean_Diff.v310.MCD43A4.h31v10.2018.006.nc</a:t>
-            </a:r>
-            <a:r>
-              <a:rPr kumimoji="0" lang="en-US" altLang="en-US" sz="900" b="0" i="0" u="none" strike="noStrike" cap="none" normalizeH="0" baseline="0">
-                <a:ln>
-                  <a:noFill/>
-                </a:ln>
-                <a:solidFill>
-                  <a:srgbClr val="333333"/>
-                </a:solidFill>
-                <a:effectLst/>
-                <a:latin typeface="Lucida Console" panose="020B0609040504020204" pitchFamily="49" charset="0"/>
-              </a:rPr>
-              <a:t>" ID=“20181212.nc"/&gt; </a:t>
-            </a:r>
-          </a:p>
-          <a:p>
-            <a:pPr marL="0" marR="0" lvl="0" indent="0" algn="l" defTabSz="914400" rtl="0" eaLnBrk="0" fontAlgn="base" latinLnBrk="0" hangingPunct="0">
-              <a:lnSpc>
-                <a:spcPct val="100000"/>
-              </a:lnSpc>
-              <a:spcBef>
-                <a:spcPct val="0"/>
-              </a:spcBef>
-              <a:spcAft>
-                <a:spcPct val="0"/>
-              </a:spcAft>
-              <a:buClrTx/>
-              <a:buSzTx/>
-              <a:buFontTx/>
-              <a:buNone/>
-              <a:tabLst/>
-            </a:pPr>
-            <a:r>
-              <a:rPr kumimoji="0" lang="en-US" altLang="en-US" sz="900" b="0" i="0" u="none" strike="noStrike" cap="none" normalizeH="0" baseline="0">
-                <a:ln>
-                  <a:noFill/>
-                </a:ln>
-                <a:solidFill>
-                  <a:srgbClr val="333333"/>
-                </a:solidFill>
-                <a:effectLst/>
-                <a:latin typeface="Lucida Console" panose="020B0609040504020204" pitchFamily="49" charset="0"/>
-              </a:rPr>
-              <a:t> &lt;/</a:t>
-            </a:r>
-            <a:r>
-              <a:rPr kumimoji="0" lang="en-US" altLang="en-US" sz="900" b="1" i="0" u="none" strike="noStrike" cap="none" normalizeH="0" baseline="0">
-                <a:ln>
-                  <a:noFill/>
-                </a:ln>
-                <a:solidFill>
-                  <a:srgbClr val="333333"/>
-                </a:solidFill>
-                <a:effectLst/>
-                <a:latin typeface="Lucida Console" panose="020B0609040504020204" pitchFamily="49" charset="0"/>
-              </a:rPr>
-              <a:t>catalog</a:t>
-            </a:r>
-            <a:r>
-              <a:rPr kumimoji="0" lang="en-US" altLang="en-US" sz="900" b="0" i="0" u="none" strike="noStrike" cap="none" normalizeH="0" baseline="0">
-                <a:ln>
-                  <a:noFill/>
-                </a:ln>
-                <a:solidFill>
-                  <a:srgbClr val="333333"/>
-                </a:solidFill>
-                <a:effectLst/>
-                <a:latin typeface="Lucida Console" panose="020B0609040504020204" pitchFamily="49" charset="0"/>
-              </a:rPr>
-              <a:t>&gt;</a:t>
-            </a:r>
-            <a:r>
-              <a:rPr kumimoji="0" lang="en-US" altLang="en-US" sz="800" b="0" i="0" u="none" strike="noStrike" cap="none" normalizeH="0" baseline="0">
+          </p:spPr>
+          <p:txBody>
+            <a:bodyPr vert="horz" wrap="none" lIns="0" tIns="0" rIns="0" bIns="126960" numCol="1" anchor="ctr" anchorCtr="0" compatLnSpc="1">
+              <a:prstTxWarp prst="textNoShape">
+                <a:avLst/>
+              </a:prstTxWarp>
+              <a:spAutoFit/>
+            </a:bodyPr>
+            <a:lstStyle/>
+            <a:p>
+              <a:pPr marL="0" marR="0" lvl="0" indent="0" algn="l" defTabSz="914400" rtl="0" eaLnBrk="0" fontAlgn="base" latinLnBrk="0" hangingPunct="0">
+                <a:lnSpc>
+                  <a:spcPct val="100000"/>
+                </a:lnSpc>
+                <a:spcBef>
+                  <a:spcPct val="0"/>
+                </a:spcBef>
+                <a:spcAft>
+                  <a:spcPct val="0"/>
+                </a:spcAft>
+                <a:buClrTx/>
+                <a:buSzTx/>
+                <a:buFontTx/>
+                <a:buNone/>
+                <a:tabLst/>
+              </a:pPr>
+              <a:r>
+                <a:rPr kumimoji="0" lang="en-US" altLang="en-US" sz="800" b="0" i="0" u="none" strike="noStrike" cap="none" normalizeH="0" baseline="0">
+                  <a:ln>
+                    <a:noFill/>
+                  </a:ln>
+                  <a:solidFill>
+                    <a:srgbClr val="333333"/>
+                  </a:solidFill>
+                  <a:effectLst/>
+                  <a:latin typeface="Lucida Console" panose="020B0609040504020204" pitchFamily="49" charset="0"/>
+                </a:rPr>
+                <a:t>&lt;?xml version="1.0" ?&gt; </a:t>
+              </a:r>
+            </a:p>
+            <a:p>
+              <a:pPr lvl="0" defTabSz="914400" eaLnBrk="0" fontAlgn="base" hangingPunct="0">
+                <a:spcBef>
+                  <a:spcPct val="0"/>
+                </a:spcBef>
+                <a:spcAft>
+                  <a:spcPct val="0"/>
+                </a:spcAft>
+              </a:pPr>
+              <a:r>
+                <a:rPr kumimoji="0" lang="en-US" altLang="en-US" sz="800" b="0" i="0" u="none" strike="noStrike" cap="none" normalizeH="0" baseline="0">
+                  <a:ln>
+                    <a:noFill/>
+                  </a:ln>
+                  <a:solidFill>
+                    <a:srgbClr val="333333"/>
+                  </a:solidFill>
+                  <a:effectLst/>
+                  <a:latin typeface="Lucida Console" panose="020B0609040504020204" pitchFamily="49" charset="0"/>
+                </a:rPr>
+                <a:t> &lt;</a:t>
+              </a:r>
+              <a:r>
+                <a:rPr kumimoji="0" lang="en-US" altLang="en-US" sz="800" b="1" i="0" u="none" strike="noStrike" cap="none" normalizeH="0" baseline="0">
+                  <a:ln>
+                    <a:noFill/>
+                  </a:ln>
+                  <a:solidFill>
+                    <a:srgbClr val="333333"/>
+                  </a:solidFill>
+                  <a:effectLst/>
+                  <a:latin typeface="Lucida Console" panose="020B0609040504020204" pitchFamily="49" charset="0"/>
+                </a:rPr>
+                <a:t>catalog</a:t>
+              </a:r>
+              <a:r>
+                <a:rPr kumimoji="0" lang="en-US" altLang="en-US" sz="800" b="0" i="0" u="none" strike="noStrike" cap="none" normalizeH="0" baseline="0">
+                  <a:ln>
+                    <a:noFill/>
+                  </a:ln>
+                  <a:solidFill>
+                    <a:srgbClr val="333333"/>
+                  </a:solidFill>
+                  <a:effectLst/>
+                  <a:latin typeface="Lucida Console" panose="020B0609040504020204" pitchFamily="49" charset="0"/>
+                </a:rPr>
+                <a:t> </a:t>
+              </a:r>
+              <a:r>
+                <a:rPr kumimoji="0" lang="en-US" altLang="en-US" sz="800" b="1" i="0" u="none" strike="noStrike" cap="none" normalizeH="0" baseline="0">
+                  <a:ln>
+                    <a:noFill/>
+                  </a:ln>
+                  <a:solidFill>
+                    <a:srgbClr val="333333"/>
+                  </a:solidFill>
+                  <a:effectLst/>
+                  <a:latin typeface="Lucida Console" panose="020B0609040504020204" pitchFamily="49" charset="0"/>
+                </a:rPr>
+                <a:t>xmlns</a:t>
+              </a:r>
+              <a:r>
+                <a:rPr kumimoji="0" lang="en-US" altLang="en-US" sz="800" b="0" i="0" u="none" strike="noStrike" cap="none" normalizeH="0" baseline="0">
+                  <a:ln>
+                    <a:noFill/>
+                  </a:ln>
+                  <a:solidFill>
+                    <a:srgbClr val="333333"/>
+                  </a:solidFill>
+                  <a:effectLst/>
+                  <a:latin typeface="Lucida Console" panose="020B0609040504020204" pitchFamily="49" charset="0"/>
+                </a:rPr>
+                <a:t>="http://</a:t>
+              </a:r>
+              <a:r>
+                <a:rPr lang="en-AU" sz="800"/>
+                <a:t>dap.nci.org.au</a:t>
+              </a:r>
+              <a:r>
+                <a:rPr kumimoji="0" lang="en-US" altLang="en-US" sz="800" b="0" i="0" u="none" strike="noStrike" cap="none" normalizeH="0" baseline="0">
+                  <a:ln>
+                    <a:noFill/>
+                  </a:ln>
+                  <a:solidFill>
+                    <a:srgbClr val="333333"/>
+                  </a:solidFill>
+                  <a:effectLst/>
+                  <a:latin typeface="Lucida Console" panose="020B0609040504020204" pitchFamily="49" charset="0"/>
+                </a:rPr>
+                <a:t>/namespaces/thredds/InvCatalog/v1.0" &gt; </a:t>
+              </a:r>
+            </a:p>
+            <a:p>
+              <a:pPr marL="0" marR="0" lvl="0" indent="0" algn="l" defTabSz="914400" rtl="0" eaLnBrk="0" fontAlgn="base" latinLnBrk="0" hangingPunct="0">
+                <a:lnSpc>
+                  <a:spcPct val="100000"/>
+                </a:lnSpc>
+                <a:spcBef>
+                  <a:spcPct val="0"/>
+                </a:spcBef>
+                <a:spcAft>
+                  <a:spcPct val="0"/>
+                </a:spcAft>
+                <a:buClrTx/>
+                <a:buSzTx/>
+                <a:buFontTx/>
+                <a:buNone/>
+                <a:tabLst/>
+              </a:pPr>
+              <a:r>
+                <a:rPr kumimoji="0" lang="en-US" altLang="en-US" sz="800" b="0" i="0" u="none" strike="noStrike" cap="none" normalizeH="0" baseline="0">
+                  <a:ln>
+                    <a:noFill/>
+                  </a:ln>
+                  <a:solidFill>
+                    <a:srgbClr val="333333"/>
+                  </a:solidFill>
+                  <a:effectLst/>
+                  <a:latin typeface="Lucida Console" panose="020B0609040504020204" pitchFamily="49" charset="0"/>
+                </a:rPr>
+                <a:t>  &lt;</a:t>
+              </a:r>
+              <a:r>
+                <a:rPr kumimoji="0" lang="en-US" altLang="en-US" sz="800" b="1" i="0" u="none" strike="noStrike" cap="none" normalizeH="0" baseline="0">
+                  <a:ln>
+                    <a:noFill/>
+                  </a:ln>
+                  <a:solidFill>
+                    <a:srgbClr val="333333"/>
+                  </a:solidFill>
+                  <a:effectLst/>
+                  <a:latin typeface="Lucida Console" panose="020B0609040504020204" pitchFamily="49" charset="0"/>
+                </a:rPr>
+                <a:t>service</a:t>
+              </a:r>
+              <a:r>
+                <a:rPr kumimoji="0" lang="en-US" altLang="en-US" sz="800" b="0" i="0" u="none" strike="noStrike" cap="none" normalizeH="0" baseline="0">
+                  <a:ln>
+                    <a:noFill/>
+                  </a:ln>
+                  <a:solidFill>
+                    <a:srgbClr val="333333"/>
+                  </a:solidFill>
+                  <a:effectLst/>
+                  <a:latin typeface="Lucida Console" panose="020B0609040504020204" pitchFamily="49" charset="0"/>
+                </a:rPr>
+                <a:t> name="</a:t>
+              </a:r>
+              <a:r>
+                <a:rPr kumimoji="0" lang="en-US" altLang="en-US" sz="800" b="1" i="0" u="none" strike="noStrike" cap="none" normalizeH="0" baseline="0">
+                  <a:ln>
+                    <a:noFill/>
+                  </a:ln>
+                  <a:solidFill>
+                    <a:srgbClr val="333333"/>
+                  </a:solidFill>
+                  <a:effectLst/>
+                  <a:latin typeface="Lucida Console" panose="020B0609040504020204" pitchFamily="49" charset="0"/>
+                </a:rPr>
+                <a:t>odap</a:t>
+              </a:r>
+              <a:r>
+                <a:rPr kumimoji="0" lang="en-US" altLang="en-US" sz="800" b="0" i="0" u="none" strike="noStrike" cap="none" normalizeH="0" baseline="0">
+                  <a:ln>
+                    <a:noFill/>
+                  </a:ln>
+                  <a:solidFill>
+                    <a:srgbClr val="333333"/>
+                  </a:solidFill>
+                  <a:effectLst/>
+                  <a:latin typeface="Lucida Console" panose="020B0609040504020204" pitchFamily="49" charset="0"/>
+                </a:rPr>
+                <a:t>" serviceType="</a:t>
+              </a:r>
+              <a:r>
+                <a:rPr kumimoji="0" lang="en-US" altLang="en-US" sz="800" b="1" i="0" u="none" strike="noStrike" cap="none" normalizeH="0" baseline="0">
+                  <a:ln>
+                    <a:noFill/>
+                  </a:ln>
+                  <a:solidFill>
+                    <a:srgbClr val="333333"/>
+                  </a:solidFill>
+                  <a:effectLst/>
+                  <a:latin typeface="Lucida Console" panose="020B0609040504020204" pitchFamily="49" charset="0"/>
+                </a:rPr>
+                <a:t>OpenDAP</a:t>
+              </a:r>
+              <a:r>
+                <a:rPr kumimoji="0" lang="en-US" altLang="en-US" sz="800" b="0" i="0" u="none" strike="noStrike" cap="none" normalizeH="0" baseline="0">
+                  <a:ln>
+                    <a:noFill/>
+                  </a:ln>
+                  <a:solidFill>
+                    <a:srgbClr val="333333"/>
+                  </a:solidFill>
+                  <a:effectLst/>
+                  <a:latin typeface="Lucida Console" panose="020B0609040504020204" pitchFamily="49" charset="0"/>
+                </a:rPr>
+                <a:t>" base="/geoglam/user/" /&gt; </a:t>
+              </a:r>
+            </a:p>
+            <a:p>
+              <a:pPr lvl="0" defTabSz="914400" eaLnBrk="0" fontAlgn="base" hangingPunct="0">
+                <a:spcBef>
+                  <a:spcPct val="0"/>
+                </a:spcBef>
+                <a:spcAft>
+                  <a:spcPct val="0"/>
+                </a:spcAft>
+              </a:pPr>
+              <a:r>
+                <a:rPr lang="en-US" altLang="en-US" sz="800">
+                  <a:solidFill>
+                    <a:srgbClr val="333333"/>
+                  </a:solidFill>
+                  <a:latin typeface="Lucida Console" panose="020B0609040504020204" pitchFamily="49" charset="0"/>
+                </a:rPr>
+                <a:t> </a:t>
+              </a:r>
+              <a:r>
+                <a:rPr kumimoji="0" lang="en-US" altLang="en-US" sz="800" b="0" i="0" u="none" strike="noStrike" cap="none" normalizeH="0" baseline="0">
+                  <a:ln>
+                    <a:noFill/>
+                  </a:ln>
+                  <a:solidFill>
+                    <a:srgbClr val="333333"/>
+                  </a:solidFill>
+                  <a:effectLst/>
+                  <a:latin typeface="Lucida Console" panose="020B0609040504020204" pitchFamily="49" charset="0"/>
+                </a:rPr>
+                <a:t> &lt;</a:t>
+              </a:r>
+              <a:r>
+                <a:rPr kumimoji="0" lang="en-US" altLang="en-US" sz="800" b="1" i="0" u="none" strike="noStrike" cap="none" normalizeH="0" baseline="0">
+                  <a:ln>
+                    <a:noFill/>
+                  </a:ln>
+                  <a:solidFill>
+                    <a:srgbClr val="333333"/>
+                  </a:solidFill>
+                  <a:effectLst/>
+                  <a:latin typeface="Lucida Console" panose="020B0609040504020204" pitchFamily="49" charset="0"/>
+                </a:rPr>
+                <a:t>dataset</a:t>
+              </a:r>
+              <a:r>
+                <a:rPr kumimoji="0" lang="en-US" altLang="en-US" sz="800" b="0" i="0" u="none" strike="noStrike" cap="none" normalizeH="0" baseline="0">
+                  <a:ln>
+                    <a:noFill/>
+                  </a:ln>
+                  <a:solidFill>
+                    <a:srgbClr val="333333"/>
+                  </a:solidFill>
+                  <a:effectLst/>
+                  <a:latin typeface="Lucida Console" panose="020B0609040504020204" pitchFamily="49" charset="0"/>
+                </a:rPr>
+                <a:t> name="</a:t>
+              </a:r>
+              <a:r>
+                <a:rPr lang="en-US" altLang="en-US" sz="800" b="1">
+                  <a:solidFill>
+                    <a:srgbClr val="333333"/>
+                  </a:solidFill>
+                  <a:latin typeface="Lucida Console" panose="020B0609040504020204" pitchFamily="49" charset="0"/>
+                </a:rPr>
+                <a:t>GEOGLAM Anomaly Fractional Cover C6</a:t>
+              </a:r>
+              <a:r>
+                <a:rPr kumimoji="0" lang="en-US" altLang="en-US" sz="800" b="0" i="0" u="none" strike="noStrike" cap="none" normalizeH="0" baseline="0">
+                  <a:ln>
+                    <a:noFill/>
+                  </a:ln>
+                  <a:solidFill>
+                    <a:srgbClr val="333333"/>
+                  </a:solidFill>
+                  <a:effectLst/>
+                  <a:latin typeface="Lucida Console" panose="020B0609040504020204" pitchFamily="49" charset="0"/>
+                </a:rPr>
+                <a:t>" serviceName="</a:t>
+              </a:r>
+              <a:r>
+                <a:rPr kumimoji="0" lang="en-US" altLang="en-US" sz="800" b="1" i="0" u="none" strike="noStrike" cap="none" normalizeH="0" baseline="0">
+                  <a:ln>
+                    <a:noFill/>
+                  </a:ln>
+                  <a:solidFill>
+                    <a:srgbClr val="333333"/>
+                  </a:solidFill>
+                  <a:effectLst/>
+                  <a:latin typeface="Lucida Console" panose="020B0609040504020204" pitchFamily="49" charset="0"/>
+                </a:rPr>
+                <a:t>odap</a:t>
+              </a:r>
+              <a:r>
+                <a:rPr kumimoji="0" lang="en-US" altLang="en-US" sz="800" b="0" i="0" u="none" strike="noStrike" cap="none" normalizeH="0" baseline="0">
+                  <a:ln>
+                    <a:noFill/>
+                  </a:ln>
+                  <a:solidFill>
+                    <a:srgbClr val="333333"/>
+                  </a:solidFill>
+                  <a:effectLst/>
+                  <a:latin typeface="Lucida Console" panose="020B0609040504020204" pitchFamily="49" charset="0"/>
+                </a:rPr>
+                <a:t>" </a:t>
+              </a:r>
+            </a:p>
+            <a:p>
+              <a:pPr lvl="0" defTabSz="914400" eaLnBrk="0" fontAlgn="base" hangingPunct="0">
+                <a:spcBef>
+                  <a:spcPct val="0"/>
+                </a:spcBef>
+                <a:spcAft>
+                  <a:spcPct val="0"/>
+                </a:spcAft>
+              </a:pPr>
+              <a:r>
+                <a:rPr lang="en-US" altLang="en-US" sz="800">
+                  <a:solidFill>
+                    <a:srgbClr val="333333"/>
+                  </a:solidFill>
+                  <a:latin typeface="Lucida Console" panose="020B0609040504020204" pitchFamily="49" charset="0"/>
+                </a:rPr>
+                <a:t>    </a:t>
+              </a:r>
+              <a:r>
+                <a:rPr kumimoji="0" lang="en-US" altLang="en-US" sz="800" b="0" i="0" u="none" strike="noStrike" cap="none" normalizeH="0" baseline="0">
+                  <a:ln>
+                    <a:noFill/>
+                  </a:ln>
+                  <a:solidFill>
+                    <a:srgbClr val="333333"/>
+                  </a:solidFill>
+                  <a:effectLst/>
+                  <a:latin typeface="Lucida Console" panose="020B0609040504020204" pitchFamily="49" charset="0"/>
+                </a:rPr>
+                <a:t>urlPath=“</a:t>
+              </a:r>
+              <a:r>
+                <a:rPr lang="en-US" sz="800" i="1">
+                  <a:latin typeface="Calibri" panose="020F0502020204030204" pitchFamily="34" charset="0"/>
+                  <a:cs typeface="Calibri" panose="020F0502020204030204" pitchFamily="34" charset="0"/>
+                </a:rPr>
+                <a:t>/tc43/modis-fc/v310/tiles/monthly/anomalies/FC_Mean_Diff.v310.MCD43A4.h31v10.2018.006.nc</a:t>
+              </a:r>
+              <a:r>
+                <a:rPr kumimoji="0" lang="en-US" altLang="en-US" sz="800" b="0" i="0" u="none" strike="noStrike" cap="none" normalizeH="0" baseline="0">
+                  <a:ln>
+                    <a:noFill/>
+                  </a:ln>
+                  <a:solidFill>
+                    <a:srgbClr val="333333"/>
+                  </a:solidFill>
+                  <a:effectLst/>
+                  <a:latin typeface="Lucida Console" panose="020B0609040504020204" pitchFamily="49" charset="0"/>
+                </a:rPr>
+                <a:t>" ID=“20181212.nc"/&gt; </a:t>
+              </a:r>
+            </a:p>
+            <a:p>
+              <a:pPr marL="0" marR="0" lvl="0" indent="0" algn="l" defTabSz="914400" rtl="0" eaLnBrk="0" fontAlgn="base" latinLnBrk="0" hangingPunct="0">
+                <a:lnSpc>
+                  <a:spcPct val="100000"/>
+                </a:lnSpc>
+                <a:spcBef>
+                  <a:spcPct val="0"/>
+                </a:spcBef>
+                <a:spcAft>
+                  <a:spcPct val="0"/>
+                </a:spcAft>
+                <a:buClrTx/>
+                <a:buSzTx/>
+                <a:buFontTx/>
+                <a:buNone/>
+                <a:tabLst/>
+              </a:pPr>
+              <a:r>
+                <a:rPr kumimoji="0" lang="en-US" altLang="en-US" sz="800" b="0" i="0" u="none" strike="noStrike" cap="none" normalizeH="0" baseline="0">
+                  <a:ln>
+                    <a:noFill/>
+                  </a:ln>
+                  <a:solidFill>
+                    <a:srgbClr val="333333"/>
+                  </a:solidFill>
+                  <a:effectLst/>
+                  <a:latin typeface="Lucida Console" panose="020B0609040504020204" pitchFamily="49" charset="0"/>
+                </a:rPr>
+                <a:t> &lt;/</a:t>
+              </a:r>
+              <a:r>
+                <a:rPr kumimoji="0" lang="en-US" altLang="en-US" sz="800" b="1" i="0" u="none" strike="noStrike" cap="none" normalizeH="0" baseline="0">
+                  <a:ln>
+                    <a:noFill/>
+                  </a:ln>
+                  <a:solidFill>
+                    <a:srgbClr val="333333"/>
+                  </a:solidFill>
+                  <a:effectLst/>
+                  <a:latin typeface="Lucida Console" panose="020B0609040504020204" pitchFamily="49" charset="0"/>
+                </a:rPr>
+                <a:t>catalog</a:t>
+              </a:r>
+              <a:r>
+                <a:rPr kumimoji="0" lang="en-US" altLang="en-US" sz="800" b="0" i="0" u="none" strike="noStrike" cap="none" normalizeH="0" baseline="0">
+                  <a:ln>
+                    <a:noFill/>
+                  </a:ln>
+                  <a:solidFill>
+                    <a:srgbClr val="333333"/>
+                  </a:solidFill>
+                  <a:effectLst/>
+                  <a:latin typeface="Lucida Console" panose="020B0609040504020204" pitchFamily="49" charset="0"/>
+                </a:rPr>
+                <a:t>&gt;</a:t>
+              </a:r>
+              <a:r>
+                <a:rPr kumimoji="0" lang="en-US" altLang="en-US" sz="700" b="0" i="0" u="none" strike="noStrike" cap="none" normalizeH="0" baseline="0">
+                  <a:ln>
+                    <a:noFill/>
+                  </a:ln>
+                  <a:solidFill>
+                    <a:schemeClr val="tx1"/>
+                  </a:solidFill>
+                  <a:effectLst/>
+                </a:rPr>
+                <a:t> </a:t>
+              </a:r>
+              <a:endParaRPr kumimoji="0" lang="en-US" altLang="en-US" sz="1600" b="0" i="0" u="none" strike="noStrike" cap="none" normalizeH="0" baseline="0">
                 <a:ln>
                   <a:noFill/>
                 </a:ln>
@@ -15449,237 +17693,276 @@
                   <a:schemeClr val="tx1"/>
                 </a:solidFill>
                 <a:effectLst/>
-              </a:rPr>
-              <a:t> </a:t>
-            </a:r>
-            <a:endParaRPr kumimoji="0" lang="en-US" altLang="en-US" sz="1800" b="0" i="0" u="none" strike="noStrike" cap="none" normalizeH="0" baseline="0">
-              <a:ln>
-                <a:noFill/>
-              </a:ln>
-              <a:solidFill>
-                <a:schemeClr val="tx1"/>
-              </a:solidFill>
-              <a:effectLst/>
-              <a:latin typeface="Arial" panose="020B0604020202020204" pitchFamily="34" charset="0"/>
-            </a:endParaRPr>
-          </a:p>
-        </p:txBody>
-      </p:sp>
-      <p:sp>
-        <p:nvSpPr>
-          <p:cNvPr id="19" name="Arrow: Pentagon 18">
+                <a:latin typeface="Arial" panose="020B0604020202020204" pitchFamily="34" charset="0"/>
+              </a:endParaRPr>
+            </a:p>
+          </p:txBody>
+        </p:sp>
+      </p:grpSp>
+      <p:grpSp>
+        <p:nvGrpSpPr>
+          <p:cNvPr id="31" name="Group 30">
             <a:extLst>
               <a:ext uri="{FF2B5EF4-FFF2-40B4-BE49-F238E27FC236}">
-                <a16:creationId xmlns:a16="http://schemas.microsoft.com/office/drawing/2014/main" id="{1AD2EC76-13DB-4AE9-919A-4A393F7C508E}"/>
+                <a16:creationId xmlns:a16="http://schemas.microsoft.com/office/drawing/2014/main" id="{5090A16C-A089-4A7F-A01F-815331B90940}"/>
               </a:ext>
             </a:extLst>
           </p:cNvPr>
-          <p:cNvSpPr/>
+          <p:cNvGrpSpPr/>
           <p:nvPr/>
-        </p:nvSpPr>
-        <p:spPr>
+        </p:nvGrpSpPr>
+        <p:grpSpPr>
           <a:xfrm>
             <a:off x="1284135" y="4920511"/>
-            <a:ext cx="4214191" cy="369332"/>
+            <a:ext cx="7050838" cy="369332"/>
+            <a:chOff x="1284135" y="4920511"/>
+            <a:chExt cx="7050838" cy="369332"/>
           </a:xfrm>
-          <a:prstGeom prst="homePlate">
-            <a:avLst/>
-          </a:prstGeom>
-          <a:noFill/>
-        </p:spPr>
-        <p:style>
-          <a:lnRef idx="2">
-            <a:schemeClr val="accent1">
-              <a:shade val="50000"/>
-            </a:schemeClr>
-          </a:lnRef>
-          <a:fillRef idx="1">
-            <a:schemeClr val="accent1"/>
-          </a:fillRef>
-          <a:effectRef idx="0">
-            <a:schemeClr val="accent1"/>
-          </a:effectRef>
-          <a:fontRef idx="minor">
-            <a:schemeClr val="lt1"/>
-          </a:fontRef>
-        </p:style>
-        <p:txBody>
-          <a:bodyPr rot="0" spcFirstLastPara="0" vertOverflow="overflow" horzOverflow="overflow" vert="horz" wrap="square" lIns="91440" tIns="45720" rIns="91440" bIns="45720" numCol="1" spcCol="0" rtlCol="0" fromWordArt="0" anchor="ctr" anchorCtr="0" forceAA="0" compatLnSpc="1">
-            <a:prstTxWarp prst="textNoShape">
+        </p:grpSpPr>
+        <p:sp>
+          <p:nvSpPr>
+            <p:cNvPr id="19" name="Arrow: Pentagon 18">
+              <a:extLst>
+                <a:ext uri="{FF2B5EF4-FFF2-40B4-BE49-F238E27FC236}">
+                  <a16:creationId xmlns:a16="http://schemas.microsoft.com/office/drawing/2014/main" id="{1AD2EC76-13DB-4AE9-919A-4A393F7C508E}"/>
+                </a:ext>
+              </a:extLst>
+            </p:cNvPr>
+            <p:cNvSpPr/>
+            <p:nvPr/>
+          </p:nvSpPr>
+          <p:spPr>
+            <a:xfrm>
+              <a:off x="1284135" y="4920511"/>
+              <a:ext cx="4214191" cy="369332"/>
+            </a:xfrm>
+            <a:prstGeom prst="homePlate">
               <a:avLst/>
-            </a:prstTxWarp>
-            <a:noAutofit/>
-          </a:bodyPr>
-          <a:lstStyle/>
-          <a:p>
-            <a:pPr marL="342900" indent="-342900">
-              <a:buFont typeface="Arial" panose="020B0604020202020204" pitchFamily="34" charset="0"/>
-              <a:buChar char="•"/>
-            </a:pPr>
-            <a:r>
-              <a:rPr lang="en-US" sz="1400">
+            </a:prstGeom>
+            <a:noFill/>
+          </p:spPr>
+          <p:style>
+            <a:lnRef idx="2">
+              <a:schemeClr val="accent1">
+                <a:shade val="50000"/>
+              </a:schemeClr>
+            </a:lnRef>
+            <a:fillRef idx="1">
+              <a:schemeClr val="accent1"/>
+            </a:fillRef>
+            <a:effectRef idx="0">
+              <a:schemeClr val="accent1"/>
+            </a:effectRef>
+            <a:fontRef idx="minor">
+              <a:schemeClr val="lt1"/>
+            </a:fontRef>
+          </p:style>
+          <p:txBody>
+            <a:bodyPr rot="0" spcFirstLastPara="0" vertOverflow="overflow" horzOverflow="overflow" vert="horz" wrap="square" lIns="91440" tIns="45720" rIns="91440" bIns="45720" numCol="1" spcCol="0" rtlCol="0" fromWordArt="0" anchor="ctr" anchorCtr="0" forceAA="0" compatLnSpc="1">
+              <a:prstTxWarp prst="textNoShape">
+                <a:avLst/>
+              </a:prstTxWarp>
+              <a:noAutofit/>
+            </a:bodyPr>
+            <a:lstStyle/>
+            <a:p>
+              <a:pPr marL="342900" indent="-342900">
+                <a:buFont typeface="Arial" panose="020B0604020202020204" pitchFamily="34" charset="0"/>
+                <a:buChar char="•"/>
+              </a:pPr>
+              <a:r>
+                <a:rPr lang="en-US" sz="1400">
+                  <a:solidFill>
+                    <a:schemeClr val="tx1"/>
+                  </a:solidFill>
+                  <a:latin typeface="Calibri" panose="020F0502020204030204" pitchFamily="34" charset="0"/>
+                  <a:cs typeface="Calibri" panose="020F0502020204030204" pitchFamily="34" charset="0"/>
+                </a:rPr>
+                <a:t>Construct a URL</a:t>
+              </a:r>
+              <a:endParaRPr lang="en-AU" sz="1400">
                 <a:solidFill>
                   <a:schemeClr val="tx1"/>
                 </a:solidFill>
                 <a:latin typeface="Calibri" panose="020F0502020204030204" pitchFamily="34" charset="0"/>
                 <a:cs typeface="Calibri" panose="020F0502020204030204" pitchFamily="34" charset="0"/>
-              </a:rPr>
-              <a:t>Construct a URL (with multiple datasets)</a:t>
-            </a:r>
-            <a:endParaRPr lang="en-AU" sz="1400">
+              </a:endParaRPr>
+            </a:p>
+          </p:txBody>
+        </p:sp>
+        <p:sp>
+          <p:nvSpPr>
+            <p:cNvPr id="20" name="TextBox 19">
+              <a:extLst>
+                <a:ext uri="{FF2B5EF4-FFF2-40B4-BE49-F238E27FC236}">
+                  <a16:creationId xmlns:a16="http://schemas.microsoft.com/office/drawing/2014/main" id="{7F6BE84B-8FF5-47B9-B1B1-8642FB8B751E}"/>
+                </a:ext>
+              </a:extLst>
+            </p:cNvPr>
+            <p:cNvSpPr txBox="1"/>
+            <p:nvPr/>
+          </p:nvSpPr>
+          <p:spPr>
+            <a:xfrm>
+              <a:off x="5593082" y="4946051"/>
+              <a:ext cx="2741891" cy="307777"/>
+            </a:xfrm>
+            <a:prstGeom prst="rect">
+              <a:avLst/>
+            </a:prstGeom>
+            <a:noFill/>
+            <a:ln w="3175">
               <a:solidFill>
                 <a:schemeClr val="tx1"/>
               </a:solidFill>
-              <a:latin typeface="Calibri" panose="020F0502020204030204" pitchFamily="34" charset="0"/>
-              <a:cs typeface="Calibri" panose="020F0502020204030204" pitchFamily="34" charset="0"/>
-            </a:endParaRPr>
-          </a:p>
-        </p:txBody>
-      </p:sp>
-      <p:sp>
-        <p:nvSpPr>
-          <p:cNvPr id="20" name="TextBox 19">
+            </a:ln>
+          </p:spPr>
+          <p:txBody>
+            <a:bodyPr wrap="square" rtlCol="0">
+              <a:spAutoFit/>
+            </a:bodyPr>
+            <a:lstStyle/>
+            <a:p>
+              <a:r>
+                <a:rPr lang="en-AU" sz="700">
+                  <a:latin typeface="Calibri" panose="020F0502020204030204" pitchFamily="34" charset="0"/>
+                  <a:cs typeface="Calibri" panose="020F0502020204030204" pitchFamily="34" charset="0"/>
+                </a:rPr>
+                <a:t>http://dap.nci.org.au/thredds/remoteCatalogService?catalog=http://dapds00.nci.org.au/thredds/catalogs/gsky/</a:t>
+              </a:r>
+              <a:r>
+                <a:rPr lang="en-AU" sz="700" i="1">
+                  <a:latin typeface="Calibri" panose="020F0502020204030204" pitchFamily="34" charset="0"/>
+                  <a:cs typeface="Calibri" panose="020F0502020204030204" pitchFamily="34" charset="0"/>
+                </a:rPr>
+                <a:t>sessionID.xml</a:t>
+              </a:r>
+            </a:p>
+          </p:txBody>
+        </p:sp>
+      </p:grpSp>
+      <p:grpSp>
+        <p:nvGrpSpPr>
+          <p:cNvPr id="32" name="Group 31">
             <a:extLst>
               <a:ext uri="{FF2B5EF4-FFF2-40B4-BE49-F238E27FC236}">
-                <a16:creationId xmlns:a16="http://schemas.microsoft.com/office/drawing/2014/main" id="{7F6BE84B-8FF5-47B9-B1B1-8642FB8B751E}"/>
+                <a16:creationId xmlns:a16="http://schemas.microsoft.com/office/drawing/2014/main" id="{23CD2A88-0181-46C6-88B0-CC6FFB5F531E}"/>
               </a:ext>
             </a:extLst>
           </p:cNvPr>
-          <p:cNvSpPr txBox="1"/>
+          <p:cNvGrpSpPr/>
           <p:nvPr/>
-        </p:nvSpPr>
-        <p:spPr>
-          <a:xfrm>
-            <a:off x="5593082" y="4993757"/>
-            <a:ext cx="2741891" cy="215444"/>
-          </a:xfrm>
-          <a:prstGeom prst="rect">
-            <a:avLst/>
-          </a:prstGeom>
-          <a:noFill/>
-          <a:ln w="3175">
-            <a:solidFill>
-              <a:schemeClr val="tx1"/>
-            </a:solidFill>
-          </a:ln>
-        </p:spPr>
-        <p:txBody>
-          <a:bodyPr wrap="square" rtlCol="0">
-            <a:spAutoFit/>
-          </a:bodyPr>
-          <a:lstStyle/>
-          <a:p>
-            <a:r>
-              <a:rPr lang="en-AU" sz="800" b="1">
-                <a:latin typeface="Calibri" panose="020F0502020204030204" pitchFamily="34" charset="0"/>
-                <a:cs typeface="Calibri" panose="020F0502020204030204" pitchFamily="34" charset="0"/>
-              </a:rPr>
-              <a:t>http://dap.nci.org.au/gsky/thredds/geoglam/user/..006.nc</a:t>
-            </a:r>
-          </a:p>
-        </p:txBody>
-      </p:sp>
-      <p:sp>
-        <p:nvSpPr>
-          <p:cNvPr id="21" name="Arrow: Pentagon 20">
-            <a:extLst>
-              <a:ext uri="{FF2B5EF4-FFF2-40B4-BE49-F238E27FC236}">
-                <a16:creationId xmlns:a16="http://schemas.microsoft.com/office/drawing/2014/main" id="{6039C4D1-9C85-4A5E-9417-F7DB61AED612}"/>
-              </a:ext>
-            </a:extLst>
-          </p:cNvPr>
-          <p:cNvSpPr/>
-          <p:nvPr/>
-        </p:nvSpPr>
-        <p:spPr>
+        </p:nvGrpSpPr>
+        <p:grpSpPr>
           <a:xfrm>
             <a:off x="1280157" y="5329310"/>
-            <a:ext cx="4214191" cy="369332"/>
+            <a:ext cx="7054816" cy="428625"/>
+            <a:chOff x="1280157" y="5329310"/>
+            <a:chExt cx="7054816" cy="428625"/>
           </a:xfrm>
-          <a:prstGeom prst="homePlate">
-            <a:avLst/>
-          </a:prstGeom>
-          <a:noFill/>
-        </p:spPr>
-        <p:style>
-          <a:lnRef idx="2">
-            <a:schemeClr val="accent1">
-              <a:shade val="50000"/>
-            </a:schemeClr>
-          </a:lnRef>
-          <a:fillRef idx="1">
-            <a:schemeClr val="accent1"/>
-          </a:fillRef>
-          <a:effectRef idx="0">
-            <a:schemeClr val="accent1"/>
-          </a:effectRef>
-          <a:fontRef idx="minor">
-            <a:schemeClr val="lt1"/>
-          </a:fontRef>
-        </p:style>
-        <p:txBody>
-          <a:bodyPr rot="0" spcFirstLastPara="0" vertOverflow="overflow" horzOverflow="overflow" vert="horz" wrap="square" lIns="91440" tIns="45720" rIns="91440" bIns="45720" numCol="1" spcCol="0" rtlCol="0" fromWordArt="0" anchor="ctr" anchorCtr="0" forceAA="0" compatLnSpc="1">
-            <a:prstTxWarp prst="textNoShape">
+        </p:grpSpPr>
+        <p:sp>
+          <p:nvSpPr>
+            <p:cNvPr id="21" name="Arrow: Pentagon 20">
+              <a:extLst>
+                <a:ext uri="{FF2B5EF4-FFF2-40B4-BE49-F238E27FC236}">
+                  <a16:creationId xmlns:a16="http://schemas.microsoft.com/office/drawing/2014/main" id="{6039C4D1-9C85-4A5E-9417-F7DB61AED612}"/>
+                </a:ext>
+              </a:extLst>
+            </p:cNvPr>
+            <p:cNvSpPr/>
+            <p:nvPr/>
+          </p:nvSpPr>
+          <p:spPr>
+            <a:xfrm>
+              <a:off x="1280157" y="5329310"/>
+              <a:ext cx="4214191" cy="369332"/>
+            </a:xfrm>
+            <a:prstGeom prst="homePlate">
               <a:avLst/>
-            </a:prstTxWarp>
-            <a:noAutofit/>
-          </a:bodyPr>
-          <a:lstStyle/>
-          <a:p>
-            <a:pPr marL="342900" indent="-342900">
-              <a:buFont typeface="Arial" panose="020B0604020202020204" pitchFamily="34" charset="0"/>
-              <a:buChar char="•"/>
-            </a:pPr>
-            <a:r>
-              <a:rPr lang="en-US" sz="1400">
+            </a:prstGeom>
+            <a:noFill/>
+          </p:spPr>
+          <p:style>
+            <a:lnRef idx="2">
+              <a:schemeClr val="accent1">
+                <a:shade val="50000"/>
+              </a:schemeClr>
+            </a:lnRef>
+            <a:fillRef idx="1">
+              <a:schemeClr val="accent1"/>
+            </a:fillRef>
+            <a:effectRef idx="0">
+              <a:schemeClr val="accent1"/>
+            </a:effectRef>
+            <a:fontRef idx="minor">
+              <a:schemeClr val="lt1"/>
+            </a:fontRef>
+          </p:style>
+          <p:txBody>
+            <a:bodyPr rot="0" spcFirstLastPara="0" vertOverflow="overflow" horzOverflow="overflow" vert="horz" wrap="square" lIns="91440" tIns="45720" rIns="91440" bIns="45720" numCol="1" spcCol="0" rtlCol="0" fromWordArt="0" anchor="ctr" anchorCtr="0" forceAA="0" compatLnSpc="1">
+              <a:prstTxWarp prst="textNoShape">
+                <a:avLst/>
+              </a:prstTxWarp>
+              <a:noAutofit/>
+            </a:bodyPr>
+            <a:lstStyle/>
+            <a:p>
+              <a:pPr marL="342900" indent="-342900">
+                <a:buFont typeface="Arial" panose="020B0604020202020204" pitchFamily="34" charset="0"/>
+                <a:buChar char="•"/>
+              </a:pPr>
+              <a:r>
+                <a:rPr lang="en-US" sz="1400">
+                  <a:solidFill>
+                    <a:schemeClr val="tx1"/>
+                  </a:solidFill>
+                  <a:latin typeface="Calibri" panose="020F0502020204030204" pitchFamily="34" charset="0"/>
+                  <a:cs typeface="Calibri" panose="020F0502020204030204" pitchFamily="34" charset="0"/>
+                </a:rPr>
+                <a:t>Send the URL back to Terria</a:t>
+              </a:r>
+              <a:endParaRPr lang="en-AU" sz="1400">
                 <a:solidFill>
                   <a:schemeClr val="tx1"/>
                 </a:solidFill>
                 <a:latin typeface="Calibri" panose="020F0502020204030204" pitchFamily="34" charset="0"/>
                 <a:cs typeface="Calibri" panose="020F0502020204030204" pitchFamily="34" charset="0"/>
-              </a:rPr>
-              <a:t>Send the URL back to Terria</a:t>
-            </a:r>
-            <a:endParaRPr lang="en-AU" sz="1400">
-              <a:solidFill>
-                <a:schemeClr val="tx1"/>
-              </a:solidFill>
-              <a:latin typeface="Calibri" panose="020F0502020204030204" pitchFamily="34" charset="0"/>
-              <a:cs typeface="Calibri" panose="020F0502020204030204" pitchFamily="34" charset="0"/>
-            </a:endParaRPr>
-          </a:p>
-        </p:txBody>
-      </p:sp>
-      <p:pic>
-        <p:nvPicPr>
-          <p:cNvPr id="18" name="Picture 17">
-            <a:extLst>
-              <a:ext uri="{FF2B5EF4-FFF2-40B4-BE49-F238E27FC236}">
-                <a16:creationId xmlns:a16="http://schemas.microsoft.com/office/drawing/2014/main" id="{4EEA3EAC-5BAA-4655-871C-CB0FAC84E82B}"/>
-              </a:ext>
-            </a:extLst>
-          </p:cNvPr>
-          <p:cNvPicPr>
-            <a:picLocks noChangeAspect="1"/>
-          </p:cNvPicPr>
-          <p:nvPr/>
-        </p:nvPicPr>
-        <p:blipFill>
-          <a:blip r:embed="rId4"/>
-          <a:stretch>
-            <a:fillRect/>
-          </a:stretch>
-        </p:blipFill>
-        <p:spPr>
-          <a:xfrm>
-            <a:off x="5593082" y="5329310"/>
-            <a:ext cx="2741891" cy="428625"/>
-          </a:xfrm>
-          <a:prstGeom prst="rect">
-            <a:avLst/>
-          </a:prstGeom>
-        </p:spPr>
-      </p:pic>
+              </a:endParaRPr>
+            </a:p>
+          </p:txBody>
+        </p:sp>
+        <p:pic>
+          <p:nvPicPr>
+            <p:cNvPr id="18" name="Picture 17">
+              <a:extLst>
+                <a:ext uri="{FF2B5EF4-FFF2-40B4-BE49-F238E27FC236}">
+                  <a16:creationId xmlns:a16="http://schemas.microsoft.com/office/drawing/2014/main" id="{4EEA3EAC-5BAA-4655-871C-CB0FAC84E82B}"/>
+                </a:ext>
+              </a:extLst>
+            </p:cNvPr>
+            <p:cNvPicPr>
+              <a:picLocks noChangeAspect="1"/>
+            </p:cNvPicPr>
+            <p:nvPr/>
+          </p:nvPicPr>
+          <p:blipFill>
+            <a:blip r:embed="rId4"/>
+            <a:stretch>
+              <a:fillRect/>
+            </a:stretch>
+          </p:blipFill>
+          <p:spPr>
+            <a:xfrm>
+              <a:off x="5593082" y="5329310"/>
+              <a:ext cx="2741891" cy="428625"/>
+            </a:xfrm>
+            <a:prstGeom prst="rect">
+              <a:avLst/>
+            </a:prstGeom>
+          </p:spPr>
+        </p:pic>
+      </p:grpSp>
       <p:sp>
         <p:nvSpPr>
           <p:cNvPr id="22" name="Rectangle 21">
@@ -15817,10 +18100,10 @@
         </p:nvGrpSpPr>
         <p:grpSpPr>
           <a:xfrm>
-            <a:off x="1280156" y="3909788"/>
-            <a:ext cx="9748303" cy="2218478"/>
-            <a:chOff x="1280156" y="3909788"/>
-            <a:chExt cx="9748303" cy="2218478"/>
+            <a:off x="1280156" y="3512888"/>
+            <a:ext cx="9748303" cy="2599476"/>
+            <a:chOff x="1280156" y="3512888"/>
+            <a:chExt cx="9748303" cy="2599476"/>
           </a:xfrm>
         </p:grpSpPr>
         <p:pic>
@@ -15845,8 +18128,8 @@
           </p:blipFill>
           <p:spPr>
             <a:xfrm>
-              <a:off x="8429729" y="3909788"/>
-              <a:ext cx="2598730" cy="1848147"/>
+              <a:off x="8429729" y="3512888"/>
+              <a:ext cx="2598730" cy="2245048"/>
             </a:xfrm>
             <a:prstGeom prst="rect">
               <a:avLst/>
@@ -15872,7 +18155,7 @@
           </p:nvSpPr>
           <p:spPr>
             <a:xfrm>
-              <a:off x="1280156" y="5758934"/>
+              <a:off x="1280156" y="5743032"/>
               <a:ext cx="4214191" cy="369332"/>
             </a:xfrm>
             <a:prstGeom prst="homePlate">
@@ -15944,8 +18227,8 @@
         </p:nvSpPr>
         <p:spPr>
           <a:xfrm>
-            <a:off x="6814268" y="5783913"/>
-            <a:ext cx="4214191" cy="369332"/>
+            <a:off x="5593082" y="5783913"/>
+            <a:ext cx="5435377" cy="369332"/>
           </a:xfrm>
           <a:prstGeom prst="rect">
             <a:avLst/>
@@ -16001,6 +18284,75 @@
           </a:p>
         </p:txBody>
       </p:sp>
+      <p:sp>
+        <p:nvSpPr>
+          <p:cNvPr id="2" name="TextBox 1">
+            <a:extLst>
+              <a:ext uri="{FF2B5EF4-FFF2-40B4-BE49-F238E27FC236}">
+                <a16:creationId xmlns:a16="http://schemas.microsoft.com/office/drawing/2014/main" id="{36045821-CC21-4E9A-8EBD-E3BB10F1BB10}"/>
+              </a:ext>
+            </a:extLst>
+          </p:cNvPr>
+          <p:cNvSpPr txBox="1"/>
+          <p:nvPr/>
+        </p:nvSpPr>
+        <p:spPr>
+          <a:xfrm>
+            <a:off x="7651262" y="1486899"/>
+            <a:ext cx="3377197" cy="553998"/>
+          </a:xfrm>
+          <a:prstGeom prst="rect">
+            <a:avLst/>
+          </a:prstGeom>
+          <a:noFill/>
+          <a:ln w="3175">
+            <a:solidFill>
+              <a:schemeClr val="tx1"/>
+            </a:solidFill>
+          </a:ln>
+        </p:spPr>
+        <p:txBody>
+          <a:bodyPr wrap="square" rtlCol="0">
+            <a:spAutoFit/>
+          </a:bodyPr>
+          <a:lstStyle/>
+          <a:p>
+            <a:r>
+              <a:rPr lang="en-US" sz="1000" b="1">
+                <a:latin typeface="Calibri" panose="020F0502020204030204" pitchFamily="34" charset="0"/>
+                <a:cs typeface="Calibri" panose="020F0502020204030204" pitchFamily="34" charset="0"/>
+              </a:rPr>
+              <a:t>Time estimates (if plan is approved)</a:t>
+            </a:r>
+          </a:p>
+          <a:p>
+            <a:pPr marL="171450" indent="-171450">
+              <a:buFont typeface="Arial" panose="020B0604020202020204" pitchFamily="34" charset="0"/>
+              <a:buChar char="•"/>
+            </a:pPr>
+            <a:r>
+              <a:rPr lang="en-US" sz="1000">
+                <a:latin typeface="Calibri" panose="020F0502020204030204" pitchFamily="34" charset="0"/>
+                <a:cs typeface="Calibri" panose="020F0502020204030204" pitchFamily="34" charset="0"/>
+              </a:rPr>
+              <a:t>5 working days for the prototype.</a:t>
+            </a:r>
+          </a:p>
+          <a:p>
+            <a:pPr marL="171450" indent="-171450">
+              <a:buFont typeface="Arial" panose="020B0604020202020204" pitchFamily="34" charset="0"/>
+              <a:buChar char="•"/>
+            </a:pPr>
+            <a:r>
+              <a:rPr lang="en-US" sz="1000">
+                <a:latin typeface="Calibri" panose="020F0502020204030204" pitchFamily="34" charset="0"/>
+                <a:cs typeface="Calibri" panose="020F0502020204030204" pitchFamily="34" charset="0"/>
+              </a:rPr>
+              <a:t>10 more days to the deployment of v1.0.0</a:t>
+            </a:r>
+          </a:p>
+        </p:txBody>
+      </p:sp>
     </p:spTree>
     <p:custDataLst>
       <p:tags r:id="rId1"/>
@@ -16014,13 +18366,13 @@
   <p:clrMapOvr>
     <a:masterClrMapping/>
   </p:clrMapOvr>
-  <mc:AlternateContent xmlns:mc="http://schemas.openxmlformats.org/markup-compatibility/2006">
-    <mc:Choice xmlns:p14="http://schemas.microsoft.com/office/powerpoint/2010/main" Requires="p14">
+  <mc:AlternateContent xmlns:mc="http://schemas.openxmlformats.org/markup-compatibility/2006" xmlns:p14="http://schemas.microsoft.com/office/powerpoint/2010/main">
+    <mc:Choice Requires="p14">
       <p:transition spd="med" p14:dur="700">
         <p:fade/>
       </p:transition>
     </mc:Choice>
-    <mc:Fallback>
+    <mc:Fallback xmlns="">
       <p:transition spd="med">
         <p:fade/>
       </p:transition>
@@ -16275,7 +18627,7 @@
                             </p:stCondLst>
                             <p:childTnLst>
                               <p:par>
-                                <p:cTn id="23" presetID="26" presetClass="entr" presetSubtype="0" fill="hold" grpId="0" nodeType="clickEffect">
+                                <p:cTn id="23" presetID="10" presetClass="entr" presetSubtype="0" fill="hold" grpId="0" nodeType="clickEffect">
                                   <p:stCondLst>
                                     <p:cond delay="0"/>
                                   </p:stCondLst>
@@ -16298,257 +18650,14 @@
                                         <p:strVal val="visible"/>
                                       </p:to>
                                     </p:set>
-                                    <p:animEffect transition="in" filter="wipe(down)">
+                                    <p:animEffect transition="in" filter="fade">
                                       <p:cBhvr>
-                                        <p:cTn id="25" dur="870">
-                                          <p:stCondLst>
-                                            <p:cond delay="0"/>
-                                          </p:stCondLst>
-                                        </p:cTn>
+                                        <p:cTn id="25" dur="500"/>
                                         <p:tgtEl>
                                           <p:spTgt spid="6"/>
                                         </p:tgtEl>
                                       </p:cBhvr>
                                     </p:animEffect>
-                                    <p:anim calcmode="lin" valueType="num">
-                                      <p:cBhvr>
-                                        <p:cTn id="26" dur="2733" tmFilter="0,0; 0.14,0.36; 0.43,0.73; 0.71,0.91; 1.0,1.0">
-                                          <p:stCondLst>
-                                            <p:cond delay="0"/>
-                                          </p:stCondLst>
-                                        </p:cTn>
-                                        <p:tgtEl>
-                                          <p:spTgt spid="6"/>
-                                        </p:tgtEl>
-                                        <p:attrNameLst>
-                                          <p:attrName>ppt_x</p:attrName>
-                                        </p:attrNameLst>
-                                      </p:cBhvr>
-                                      <p:tavLst>
-                                        <p:tav tm="0">
-                                          <p:val>
-                                            <p:strVal val="#ppt_x-0.25"/>
-                                          </p:val>
-                                        </p:tav>
-                                        <p:tav tm="100000">
-                                          <p:val>
-                                            <p:strVal val="#ppt_x"/>
-                                          </p:val>
-                                        </p:tav>
-                                      </p:tavLst>
-                                    </p:anim>
-                                    <p:anim calcmode="lin" valueType="num">
-                                      <p:cBhvr>
-                                        <p:cTn id="27" dur="996" tmFilter="0.0,0.0; 0.25,0.07; 0.50,0.2; 0.75,0.467; 1.0,1.0">
-                                          <p:stCondLst>
-                                            <p:cond delay="0"/>
-                                          </p:stCondLst>
-                                        </p:cTn>
-                                        <p:tgtEl>
-                                          <p:spTgt spid="6"/>
-                                        </p:tgtEl>
-                                        <p:attrNameLst>
-                                          <p:attrName>ppt_y</p:attrName>
-                                        </p:attrNameLst>
-                                      </p:cBhvr>
-                                      <p:tavLst>
-                                        <p:tav tm="0" fmla="#ppt_y-sin(pi*$)/3">
-                                          <p:val>
-                                            <p:fltVal val="0.5"/>
-                                          </p:val>
-                                        </p:tav>
-                                        <p:tav tm="100000">
-                                          <p:val>
-                                            <p:fltVal val="1"/>
-                                          </p:val>
-                                        </p:tav>
-                                      </p:tavLst>
-                                    </p:anim>
-                                    <p:anim calcmode="lin" valueType="num">
-                                      <p:cBhvr>
-                                        <p:cTn id="28" dur="996" tmFilter="0, 0; 0.125,0.2665; 0.25,0.4; 0.375,0.465; 0.5,0.5;  0.625,0.535; 0.75,0.6; 0.875,0.7335; 1,1">
-                                          <p:stCondLst>
-                                            <p:cond delay="996"/>
-                                          </p:stCondLst>
-                                        </p:cTn>
-                                        <p:tgtEl>
-                                          <p:spTgt spid="6"/>
-                                        </p:tgtEl>
-                                        <p:attrNameLst>
-                                          <p:attrName>ppt_y</p:attrName>
-                                        </p:attrNameLst>
-                                      </p:cBhvr>
-                                      <p:tavLst>
-                                        <p:tav tm="0" fmla="#ppt_y-sin(pi*$)/9">
-                                          <p:val>
-                                            <p:fltVal val="0"/>
-                                          </p:val>
-                                        </p:tav>
-                                        <p:tav tm="100000">
-                                          <p:val>
-                                            <p:fltVal val="1"/>
-                                          </p:val>
-                                        </p:tav>
-                                      </p:tavLst>
-                                    </p:anim>
-                                    <p:anim calcmode="lin" valueType="num">
-                                      <p:cBhvr>
-                                        <p:cTn id="29" dur="498" tmFilter="0, 0; 0.125,0.2665; 0.25,0.4; 0.375,0.465; 0.5,0.5;  0.625,0.535; 0.75,0.6; 0.875,0.7335; 1,1">
-                                          <p:stCondLst>
-                                            <p:cond delay="1986"/>
-                                          </p:stCondLst>
-                                        </p:cTn>
-                                        <p:tgtEl>
-                                          <p:spTgt spid="6"/>
-                                        </p:tgtEl>
-                                        <p:attrNameLst>
-                                          <p:attrName>ppt_y</p:attrName>
-                                        </p:attrNameLst>
-                                      </p:cBhvr>
-                                      <p:tavLst>
-                                        <p:tav tm="0" fmla="#ppt_y-sin(pi*$)/27">
-                                          <p:val>
-                                            <p:fltVal val="0"/>
-                                          </p:val>
-                                        </p:tav>
-                                        <p:tav tm="100000">
-                                          <p:val>
-                                            <p:fltVal val="1"/>
-                                          </p:val>
-                                        </p:tav>
-                                      </p:tavLst>
-                                    </p:anim>
-                                    <p:anim calcmode="lin" valueType="num">
-                                      <p:cBhvr>
-                                        <p:cTn id="30" dur="246" tmFilter="0, 0; 0.125,0.2665; 0.25,0.4; 0.375,0.465; 0.5,0.5;  0.625,0.535; 0.75,0.6; 0.875,0.7335; 1,1">
-                                          <p:stCondLst>
-                                            <p:cond delay="2484"/>
-                                          </p:stCondLst>
-                                        </p:cTn>
-                                        <p:tgtEl>
-                                          <p:spTgt spid="6"/>
-                                        </p:tgtEl>
-                                        <p:attrNameLst>
-                                          <p:attrName>ppt_y</p:attrName>
-                                        </p:attrNameLst>
-                                      </p:cBhvr>
-                                      <p:tavLst>
-                                        <p:tav tm="0" fmla="#ppt_y-sin(pi*$)/81">
-                                          <p:val>
-                                            <p:fltVal val="0"/>
-                                          </p:val>
-                                        </p:tav>
-                                        <p:tav tm="100000">
-                                          <p:val>
-                                            <p:fltVal val="1"/>
-                                          </p:val>
-                                        </p:tav>
-                                      </p:tavLst>
-                                    </p:anim>
-                                    <p:animScale>
-                                      <p:cBhvr>
-                                        <p:cTn id="31" dur="39">
-                                          <p:stCondLst>
-                                            <p:cond delay="975"/>
-                                          </p:stCondLst>
-                                        </p:cTn>
-                                        <p:tgtEl>
-                                          <p:spTgt spid="6"/>
-                                        </p:tgtEl>
-                                      </p:cBhvr>
-                                      <p:to x="100000" y="60000"/>
-                                    </p:animScale>
-                                    <p:animScale>
-                                      <p:cBhvr>
-                                        <p:cTn id="32" dur="249" decel="50000">
-                                          <p:stCondLst>
-                                            <p:cond delay="1014"/>
-                                          </p:stCondLst>
-                                        </p:cTn>
-                                        <p:tgtEl>
-                                          <p:spTgt spid="6"/>
-                                        </p:tgtEl>
-                                      </p:cBhvr>
-                                      <p:to x="100000" y="100000"/>
-                                    </p:animScale>
-                                    <p:animScale>
-                                      <p:cBhvr>
-                                        <p:cTn id="33" dur="39">
-                                          <p:stCondLst>
-                                            <p:cond delay="1968"/>
-                                          </p:stCondLst>
-                                        </p:cTn>
-                                        <p:tgtEl>
-                                          <p:spTgt spid="6"/>
-                                        </p:tgtEl>
-                                      </p:cBhvr>
-                                      <p:to x="100000" y="80000"/>
-                                    </p:animScale>
-                                    <p:animScale>
-                                      <p:cBhvr>
-                                        <p:cTn id="34" dur="249" decel="50000">
-                                          <p:stCondLst>
-                                            <p:cond delay="2007"/>
-                                          </p:stCondLst>
-                                        </p:cTn>
-                                        <p:tgtEl>
-                                          <p:spTgt spid="6"/>
-                                        </p:tgtEl>
-                                      </p:cBhvr>
-                                      <p:to x="100000" y="100000"/>
-                                    </p:animScale>
-                                    <p:animScale>
-                                      <p:cBhvr>
-                                        <p:cTn id="35" dur="39">
-                                          <p:stCondLst>
-                                            <p:cond delay="2463"/>
-                                          </p:stCondLst>
-                                        </p:cTn>
-                                        <p:tgtEl>
-                                          <p:spTgt spid="6"/>
-                                        </p:tgtEl>
-                                      </p:cBhvr>
-                                      <p:to x="100000" y="90000"/>
-                                    </p:animScale>
-                                    <p:animScale>
-                                      <p:cBhvr>
-                                        <p:cTn id="36" dur="249" decel="50000">
-                                          <p:stCondLst>
-                                            <p:cond delay="2502"/>
-                                          </p:stCondLst>
-                                        </p:cTn>
-                                        <p:tgtEl>
-                                          <p:spTgt spid="6"/>
-                                        </p:tgtEl>
-                                      </p:cBhvr>
-                                      <p:to x="100000" y="100000"/>
-                                    </p:animScale>
-                                    <p:animScale>
-                                      <p:cBhvr>
-                                        <p:cTn id="37" dur="39">
-                                          <p:stCondLst>
-                                            <p:cond delay="2712"/>
-                                          </p:stCondLst>
-                                        </p:cTn>
-                                        <p:tgtEl>
-                                          <p:spTgt spid="6"/>
-                                        </p:tgtEl>
-                                      </p:cBhvr>
-                                      <p:to x="100000" y="95000"/>
-                                    </p:animScale>
-                                    <p:animScale>
-                                      <p:cBhvr>
-                                        <p:cTn id="38" dur="249" decel="50000">
-                                          <p:stCondLst>
-                                            <p:cond delay="2751"/>
-                                          </p:stCondLst>
-                                        </p:cTn>
-                                        <p:tgtEl>
-                                          <p:spTgt spid="6"/>
-                                        </p:tgtEl>
-                                      </p:cBhvr>
-                                      <p:to x="100000" y="100000"/>
-                                    </p:animScale>
                                   </p:childTnLst>
                                 </p:cTn>
                               </p:par>
@@ -16559,26 +18668,26 @@
                     </p:cTn>
                   </p:par>
                   <p:par>
-                    <p:cTn id="39" fill="hold">
+                    <p:cTn id="26" fill="hold">
                       <p:stCondLst>
                         <p:cond delay="indefinite"/>
                       </p:stCondLst>
                       <p:childTnLst>
                         <p:par>
-                          <p:cTn id="40" fill="hold">
+                          <p:cTn id="27" fill="hold">
                             <p:stCondLst>
                               <p:cond delay="0"/>
                             </p:stCondLst>
                             <p:childTnLst>
                               <p:par>
-                                <p:cTn id="41" presetID="10" presetClass="entr" presetSubtype="0" fill="hold" grpId="0" nodeType="clickEffect">
+                                <p:cTn id="28" presetID="10" presetClass="entr" presetSubtype="0" fill="hold" grpId="0" nodeType="clickEffect">
                                   <p:stCondLst>
                                     <p:cond delay="0"/>
                                   </p:stCondLst>
                                   <p:childTnLst>
                                     <p:set>
                                       <p:cBhvr>
-                                        <p:cTn id="42" dur="1" fill="hold">
+                                        <p:cTn id="29" dur="1" fill="hold">
                                           <p:stCondLst>
                                             <p:cond delay="0"/>
                                           </p:stCondLst>
@@ -16596,7 +18705,7 @@
                                     </p:set>
                                     <p:animEffect transition="in" filter="fade">
                                       <p:cBhvr>
-                                        <p:cTn id="43" dur="3000"/>
+                                        <p:cTn id="30" dur="3000"/>
                                         <p:tgtEl>
                                           <p:spTgt spid="9"/>
                                         </p:tgtEl>
@@ -16606,14 +18715,14 @@
                                 </p:cTn>
                               </p:par>
                               <p:par>
-                                <p:cTn id="44" presetID="10" presetClass="entr" presetSubtype="0" fill="hold" grpId="0" nodeType="withEffect">
+                                <p:cTn id="31" presetID="10" presetClass="entr" presetSubtype="0" fill="hold" grpId="0" nodeType="withEffect">
                                   <p:stCondLst>
                                     <p:cond delay="0"/>
                                   </p:stCondLst>
                                   <p:childTnLst>
                                     <p:set>
                                       <p:cBhvr>
-                                        <p:cTn id="45" dur="1" fill="hold">
+                                        <p:cTn id="32" dur="1" fill="hold">
                                           <p:stCondLst>
                                             <p:cond delay="0"/>
                                           </p:stCondLst>
@@ -16631,9 +18740,150 @@
                                     </p:set>
                                     <p:animEffect transition="in" filter="fade">
                                       <p:cBhvr>
-                                        <p:cTn id="46" dur="3000"/>
+                                        <p:cTn id="33" dur="3000"/>
                                         <p:tgtEl>
                                           <p:spTgt spid="10"/>
+                                        </p:tgtEl>
+                                      </p:cBhvr>
+                                    </p:animEffect>
+                                  </p:childTnLst>
+                                </p:cTn>
+                              </p:par>
+                            </p:childTnLst>
+                          </p:cTn>
+                        </p:par>
+                      </p:childTnLst>
+                    </p:cTn>
+                  </p:par>
+                  <p:par>
+                    <p:cTn id="34" fill="hold">
+                      <p:stCondLst>
+                        <p:cond delay="indefinite"/>
+                      </p:stCondLst>
+                      <p:childTnLst>
+                        <p:par>
+                          <p:cTn id="35" fill="hold">
+                            <p:stCondLst>
+                              <p:cond delay="0"/>
+                            </p:stCondLst>
+                            <p:childTnLst>
+                              <p:par>
+                                <p:cTn id="36" presetID="10" presetClass="entr" presetSubtype="0" fill="hold" grpId="0" nodeType="clickEffect">
+                                  <p:stCondLst>
+                                    <p:cond delay="0"/>
+                                  </p:stCondLst>
+                                  <p:childTnLst>
+                                    <p:set>
+                                      <p:cBhvr>
+                                        <p:cTn id="37" dur="1" fill="hold">
+                                          <p:stCondLst>
+                                            <p:cond delay="0"/>
+                                          </p:stCondLst>
+                                        </p:cTn>
+                                        <p:tgtEl>
+                                          <p:spTgt spid="12"/>
+                                        </p:tgtEl>
+                                        <p:attrNameLst>
+                                          <p:attrName>style.visibility</p:attrName>
+                                        </p:attrNameLst>
+                                      </p:cBhvr>
+                                      <p:to>
+                                        <p:strVal val="visible"/>
+                                      </p:to>
+                                    </p:set>
+                                    <p:animEffect transition="in" filter="fade">
+                                      <p:cBhvr>
+                                        <p:cTn id="38" dur="3000"/>
+                                        <p:tgtEl>
+                                          <p:spTgt spid="12"/>
+                                        </p:tgtEl>
+                                      </p:cBhvr>
+                                    </p:animEffect>
+                                  </p:childTnLst>
+                                </p:cTn>
+                              </p:par>
+                              <p:par>
+                                <p:cTn id="39" presetID="10" presetClass="entr" presetSubtype="0" fill="hold" grpId="0" nodeType="withEffect">
+                                  <p:stCondLst>
+                                    <p:cond delay="0"/>
+                                  </p:stCondLst>
+                                  <p:childTnLst>
+                                    <p:set>
+                                      <p:cBhvr>
+                                        <p:cTn id="40" dur="1" fill="hold">
+                                          <p:stCondLst>
+                                            <p:cond delay="0"/>
+                                          </p:stCondLst>
+                                        </p:cTn>
+                                        <p:tgtEl>
+                                          <p:spTgt spid="13"/>
+                                        </p:tgtEl>
+                                        <p:attrNameLst>
+                                          <p:attrName>style.visibility</p:attrName>
+                                        </p:attrNameLst>
+                                      </p:cBhvr>
+                                      <p:to>
+                                        <p:strVal val="visible"/>
+                                      </p:to>
+                                    </p:set>
+                                    <p:animEffect transition="in" filter="fade">
+                                      <p:cBhvr>
+                                        <p:cTn id="41" dur="3000"/>
+                                        <p:tgtEl>
+                                          <p:spTgt spid="13"/>
+                                        </p:tgtEl>
+                                      </p:cBhvr>
+                                    </p:animEffect>
+                                  </p:childTnLst>
+                                </p:cTn>
+                              </p:par>
+                            </p:childTnLst>
+                          </p:cTn>
+                        </p:par>
+                      </p:childTnLst>
+                    </p:cTn>
+                  </p:par>
+                  <p:par>
+                    <p:cTn id="42" fill="hold">
+                      <p:stCondLst>
+                        <p:cond delay="indefinite"/>
+                      </p:stCondLst>
+                      <p:childTnLst>
+                        <p:par>
+                          <p:cTn id="43" fill="hold">
+                            <p:stCondLst>
+                              <p:cond delay="0"/>
+                            </p:stCondLst>
+                            <p:childTnLst>
+                              <p:par>
+                                <p:cTn id="44" presetID="10" presetClass="entr" presetSubtype="0" fill="hold" nodeType="clickEffect">
+                                  <p:stCondLst>
+                                    <p:cond delay="0"/>
+                                  </p:stCondLst>
+                                  <p:childTnLst>
+                                    <p:set>
+                                      <p:cBhvr>
+                                        <p:cTn id="45" dur="1" fill="hold">
+                                          <p:stCondLst>
+                                            <p:cond delay="0"/>
+                                          </p:stCondLst>
+                                        </p:cTn>
+                                        <p:tgtEl>
+                                          <p:spTgt spid="30"/>
+                                        </p:tgtEl>
+                                        <p:attrNameLst>
+                                          <p:attrName>style.visibility</p:attrName>
+                                        </p:attrNameLst>
+                                      </p:cBhvr>
+                                      <p:to>
+                                        <p:strVal val="visible"/>
+                                      </p:to>
+                                    </p:set>
+                                    <p:animEffect transition="in" filter="fade">
+                                      <p:cBhvr>
+                                        <p:cTn id="46" dur="500"/>
+                                        <p:tgtEl>
+                                          <p:spTgt spid="30"/>
                                         </p:tgtEl>
                                       </p:cBhvr>
                                     </p:animEffect>
@@ -16659,7 +18909,7 @@
                             </p:stCondLst>
                             <p:childTnLst>
                               <p:par>
-                                <p:cTn id="49" presetID="10" presetClass="entr" presetSubtype="0" fill="hold" grpId="0" nodeType="clickEffect">
+                                <p:cTn id="49" presetID="10" presetClass="entr" presetSubtype="0" fill="hold" nodeType="clickEffect">
                                   <p:stCondLst>
                                     <p:cond delay="0"/>
                                   </p:stCondLst>
@@ -16672,7 +18922,7 @@
                                           </p:stCondLst>
                                         </p:cTn>
                                         <p:tgtEl>
-                                          <p:spTgt spid="12"/>
+                                          <p:spTgt spid="31"/>
                                         </p:tgtEl>
                                         <p:attrNameLst>
                                           <p:attrName>style.visibility</p:attrName>
@@ -16684,44 +18934,9 @@
                                     </p:set>
                                     <p:animEffect transition="in" filter="fade">
                                       <p:cBhvr>
-                                        <p:cTn id="51" dur="3000"/>
+                                        <p:cTn id="51" dur="500"/>
                                         <p:tgtEl>
-                                          <p:spTgt spid="12"/>
-                                        </p:tgtEl>
-                                      </p:cBhvr>
-                                    </p:animEffect>
-                                  </p:childTnLst>
-                                </p:cTn>
-                              </p:par>
-                              <p:par>
-                                <p:cTn id="52" presetID="10" presetClass="entr" presetSubtype="0" fill="hold" grpId="0" nodeType="withEffect">
-                                  <p:stCondLst>
-                                    <p:cond delay="0"/>
-                                  </p:stCondLst>
-                                  <p:childTnLst>
-                                    <p:set>
-                                      <p:cBhvr>
-                                        <p:cTn id="53" dur="1" fill="hold">
-                                          <p:stCondLst>
-                                            <p:cond delay="0"/>
-                                          </p:stCondLst>
-                                        </p:cTn>
-                                        <p:tgtEl>
-                                          <p:spTgt spid="13"/>
-                                        </p:tgtEl>
-                                        <p:attrNameLst>
-                                          <p:attrName>style.visibility</p:attrName>
-                                        </p:attrNameLst>
-                                      </p:cBhvr>
-                                      <p:to>
-                                        <p:strVal val="visible"/>
-                                      </p:to>
-                                    </p:set>
-                                    <p:animEffect transition="in" filter="fade">
-                                      <p:cBhvr>
-                                        <p:cTn id="54" dur="3000"/>
-                                        <p:tgtEl>
-                                          <p:spTgt spid="13"/>
+                                          <p:spTgt spid="31"/>
                                         </p:tgtEl>
                                       </p:cBhvr>
                                     </p:animEffect>
@@ -16735,32 +18950,32 @@
                     </p:cTn>
                   </p:par>
                   <p:par>
-                    <p:cTn id="55" fill="hold">
+                    <p:cTn id="52" fill="hold">
                       <p:stCondLst>
                         <p:cond delay="indefinite"/>
                       </p:stCondLst>
                       <p:childTnLst>
                         <p:par>
-                          <p:cTn id="56" fill="hold">
+                          <p:cTn id="53" fill="hold">
                             <p:stCondLst>
                               <p:cond delay="0"/>
                             </p:stCondLst>
                             <p:childTnLst>
                               <p:par>
-                                <p:cTn id="57" presetID="10" presetClass="entr" presetSubtype="0" fill="hold" grpId="0" nodeType="clickEffect">
+                                <p:cTn id="54" presetID="10" presetClass="entr" presetSubtype="0" fill="hold" nodeType="clickEffect">
                                   <p:stCondLst>
                                     <p:cond delay="0"/>
                                   </p:stCondLst>
                                   <p:childTnLst>
                                     <p:set>
                                       <p:cBhvr>
-                                        <p:cTn id="58" dur="1" fill="hold">
+                                        <p:cTn id="55" dur="1" fill="hold">
                                           <p:stCondLst>
                                             <p:cond delay="0"/>
                                           </p:stCondLst>
                                         </p:cTn>
                                         <p:tgtEl>
-                                          <p:spTgt spid="14"/>
+                                          <p:spTgt spid="32"/>
                                         </p:tgtEl>
                                         <p:attrNameLst>
                                           <p:attrName>style.visibility</p:attrName>
@@ -16772,9 +18987,9 @@
                                     </p:set>
                                     <p:animEffect transition="in" filter="fade">
                                       <p:cBhvr>
-                                        <p:cTn id="59" dur="3000"/>
+                                        <p:cTn id="56" dur="500"/>
                                         <p:tgtEl>
-                                          <p:spTgt spid="14"/>
+                                          <p:spTgt spid="32"/>
                                         </p:tgtEl>
                                       </p:cBhvr>
                                     </p:animEffect>
@@ -16788,291 +19003,26 @@
                     </p:cTn>
                   </p:par>
                   <p:par>
-                    <p:cTn id="60" fill="hold">
+                    <p:cTn id="57" fill="hold">
                       <p:stCondLst>
                         <p:cond delay="indefinite"/>
                       </p:stCondLst>
                       <p:childTnLst>
                         <p:par>
-                          <p:cTn id="61" fill="hold">
+                          <p:cTn id="58" fill="hold">
                             <p:stCondLst>
                               <p:cond delay="0"/>
                             </p:stCondLst>
                             <p:childTnLst>
                               <p:par>
-                                <p:cTn id="62" presetID="10" presetClass="entr" presetSubtype="0" fill="hold" grpId="0" nodeType="clickEffect">
+                                <p:cTn id="59" presetID="45" presetClass="entr" presetSubtype="0" fill="hold" grpId="0" nodeType="clickEffect">
                                   <p:stCondLst>
                                     <p:cond delay="0"/>
                                   </p:stCondLst>
                                   <p:childTnLst>
                                     <p:set>
                                       <p:cBhvr>
-                                        <p:cTn id="63" dur="1" fill="hold">
-                                          <p:stCondLst>
-                                            <p:cond delay="0"/>
-                                          </p:stCondLst>
-                                        </p:cTn>
-                                        <p:tgtEl>
-                                          <p:spTgt spid="17"/>
-                                        </p:tgtEl>
-                                        <p:attrNameLst>
-                                          <p:attrName>style.visibility</p:attrName>
-                                        </p:attrNameLst>
-                                      </p:cBhvr>
-                                      <p:to>
-                                        <p:strVal val="visible"/>
-                                      </p:to>
-                                    </p:set>
-                                    <p:animEffect transition="in" filter="fade">
-                                      <p:cBhvr>
-                                        <p:cTn id="64" dur="3000"/>
-                                        <p:tgtEl>
-                                          <p:spTgt spid="17"/>
-                                        </p:tgtEl>
-                                      </p:cBhvr>
-                                    </p:animEffect>
-                                  </p:childTnLst>
-                                </p:cTn>
-                              </p:par>
-                            </p:childTnLst>
-                          </p:cTn>
-                        </p:par>
-                      </p:childTnLst>
-                    </p:cTn>
-                  </p:par>
-                  <p:par>
-                    <p:cTn id="65" fill="hold">
-                      <p:stCondLst>
-                        <p:cond delay="indefinite"/>
-                      </p:stCondLst>
-                      <p:childTnLst>
-                        <p:par>
-                          <p:cTn id="66" fill="hold">
-                            <p:stCondLst>
-                              <p:cond delay="0"/>
-                            </p:stCondLst>
-                            <p:childTnLst>
-                              <p:par>
-                                <p:cTn id="67" presetID="10" presetClass="entr" presetSubtype="0" fill="hold" grpId="0" nodeType="clickEffect">
-                                  <p:stCondLst>
-                                    <p:cond delay="0"/>
-                                  </p:stCondLst>
-                                  <p:childTnLst>
-                                    <p:set>
-                                      <p:cBhvr>
-                                        <p:cTn id="68" dur="1" fill="hold">
-                                          <p:stCondLst>
-                                            <p:cond delay="0"/>
-                                          </p:stCondLst>
-                                        </p:cTn>
-                                        <p:tgtEl>
-                                          <p:spTgt spid="19"/>
-                                        </p:tgtEl>
-                                        <p:attrNameLst>
-                                          <p:attrName>style.visibility</p:attrName>
-                                        </p:attrNameLst>
-                                      </p:cBhvr>
-                                      <p:to>
-                                        <p:strVal val="visible"/>
-                                      </p:to>
-                                    </p:set>
-                                    <p:animEffect transition="in" filter="fade">
-                                      <p:cBhvr>
-                                        <p:cTn id="69" dur="3000"/>
-                                        <p:tgtEl>
-                                          <p:spTgt spid="19"/>
-                                        </p:tgtEl>
-                                      </p:cBhvr>
-                                    </p:animEffect>
-                                  </p:childTnLst>
-                                </p:cTn>
-                              </p:par>
-                            </p:childTnLst>
-                          </p:cTn>
-                        </p:par>
-                      </p:childTnLst>
-                    </p:cTn>
-                  </p:par>
-                  <p:par>
-                    <p:cTn id="70" fill="hold">
-                      <p:stCondLst>
-                        <p:cond delay="indefinite"/>
-                      </p:stCondLst>
-                      <p:childTnLst>
-                        <p:par>
-                          <p:cTn id="71" fill="hold">
-                            <p:stCondLst>
-                              <p:cond delay="0"/>
-                            </p:stCondLst>
-                            <p:childTnLst>
-                              <p:par>
-                                <p:cTn id="72" presetID="10" presetClass="entr" presetSubtype="0" fill="hold" grpId="0" nodeType="clickEffect">
-                                  <p:stCondLst>
-                                    <p:cond delay="0"/>
-                                  </p:stCondLst>
-                                  <p:childTnLst>
-                                    <p:set>
-                                      <p:cBhvr>
-                                        <p:cTn id="73" dur="1" fill="hold">
-                                          <p:stCondLst>
-                                            <p:cond delay="0"/>
-                                          </p:stCondLst>
-                                        </p:cTn>
-                                        <p:tgtEl>
-                                          <p:spTgt spid="20"/>
-                                        </p:tgtEl>
-                                        <p:attrNameLst>
-                                          <p:attrName>style.visibility</p:attrName>
-                                        </p:attrNameLst>
-                                      </p:cBhvr>
-                                      <p:to>
-                                        <p:strVal val="visible"/>
-                                      </p:to>
-                                    </p:set>
-                                    <p:animEffect transition="in" filter="fade">
-                                      <p:cBhvr>
-                                        <p:cTn id="74" dur="3000"/>
-                                        <p:tgtEl>
-                                          <p:spTgt spid="20"/>
-                                        </p:tgtEl>
-                                      </p:cBhvr>
-                                    </p:animEffect>
-                                  </p:childTnLst>
-                                </p:cTn>
-                              </p:par>
-                            </p:childTnLst>
-                          </p:cTn>
-                        </p:par>
-                      </p:childTnLst>
-                    </p:cTn>
-                  </p:par>
-                  <p:par>
-                    <p:cTn id="75" fill="hold">
-                      <p:stCondLst>
-                        <p:cond delay="indefinite"/>
-                      </p:stCondLst>
-                      <p:childTnLst>
-                        <p:par>
-                          <p:cTn id="76" fill="hold">
-                            <p:stCondLst>
-                              <p:cond delay="0"/>
-                            </p:stCondLst>
-                            <p:childTnLst>
-                              <p:par>
-                                <p:cTn id="77" presetID="10" presetClass="entr" presetSubtype="0" fill="hold" grpId="0" nodeType="clickEffect">
-                                  <p:stCondLst>
-                                    <p:cond delay="0"/>
-                                  </p:stCondLst>
-                                  <p:childTnLst>
-                                    <p:set>
-                                      <p:cBhvr>
-                                        <p:cTn id="78" dur="1" fill="hold">
-                                          <p:stCondLst>
-                                            <p:cond delay="0"/>
-                                          </p:stCondLst>
-                                        </p:cTn>
-                                        <p:tgtEl>
-                                          <p:spTgt spid="21"/>
-                                        </p:tgtEl>
-                                        <p:attrNameLst>
-                                          <p:attrName>style.visibility</p:attrName>
-                                        </p:attrNameLst>
-                                      </p:cBhvr>
-                                      <p:to>
-                                        <p:strVal val="visible"/>
-                                      </p:to>
-                                    </p:set>
-                                    <p:animEffect transition="in" filter="fade">
-                                      <p:cBhvr>
-                                        <p:cTn id="79" dur="3000"/>
-                                        <p:tgtEl>
-                                          <p:spTgt spid="21"/>
-                                        </p:tgtEl>
-                                      </p:cBhvr>
-                                    </p:animEffect>
-                                  </p:childTnLst>
-                                </p:cTn>
-                              </p:par>
-                            </p:childTnLst>
-                          </p:cTn>
-                        </p:par>
-                      </p:childTnLst>
-                    </p:cTn>
-                  </p:par>
-                  <p:par>
-                    <p:cTn id="80" fill="hold">
-                      <p:stCondLst>
-                        <p:cond delay="indefinite"/>
-                      </p:stCondLst>
-                      <p:childTnLst>
-                        <p:par>
-                          <p:cTn id="81" fill="hold">
-                            <p:stCondLst>
-                              <p:cond delay="0"/>
-                            </p:stCondLst>
-                            <p:childTnLst>
-                              <p:par>
-                                <p:cTn id="82" presetID="10" presetClass="entr" presetSubtype="0" fill="hold" nodeType="clickEffect">
-                                  <p:stCondLst>
-                                    <p:cond delay="0"/>
-                                  </p:stCondLst>
-                                  <p:childTnLst>
-                                    <p:set>
-                                      <p:cBhvr>
-                                        <p:cTn id="83" dur="1" fill="hold">
-                                          <p:stCondLst>
-                                            <p:cond delay="0"/>
-                                          </p:stCondLst>
-                                        </p:cTn>
-                                        <p:tgtEl>
-                                          <p:spTgt spid="18"/>
-                                        </p:tgtEl>
-                                        <p:attrNameLst>
-                                          <p:attrName>style.visibility</p:attrName>
-                                        </p:attrNameLst>
-                                      </p:cBhvr>
-                                      <p:to>
-                                        <p:strVal val="visible"/>
-                                      </p:to>
-                                    </p:set>
-                                    <p:animEffect transition="in" filter="fade">
-                                      <p:cBhvr>
-                                        <p:cTn id="84" dur="3000"/>
-                                        <p:tgtEl>
-                                          <p:spTgt spid="18"/>
-                                        </p:tgtEl>
-                                      </p:cBhvr>
-                                    </p:animEffect>
-                                  </p:childTnLst>
-                                </p:cTn>
-                              </p:par>
-                            </p:childTnLst>
-                          </p:cTn>
-                        </p:par>
-                      </p:childTnLst>
-                    </p:cTn>
-                  </p:par>
-                  <p:par>
-                    <p:cTn id="85" fill="hold">
-                      <p:stCondLst>
-                        <p:cond delay="indefinite"/>
-                      </p:stCondLst>
-                      <p:childTnLst>
-                        <p:par>
-                          <p:cTn id="86" fill="hold">
-                            <p:stCondLst>
-                              <p:cond delay="0"/>
-                            </p:stCondLst>
-                            <p:childTnLst>
-                              <p:par>
-                                <p:cTn id="87" presetID="45" presetClass="entr" presetSubtype="0" fill="hold" grpId="0" nodeType="clickEffect">
-                                  <p:stCondLst>
-                                    <p:cond delay="0"/>
-                                  </p:stCondLst>
-                                  <p:childTnLst>
-                                    <p:set>
-                                      <p:cBhvr>
-                                        <p:cTn id="88" dur="1" fill="hold">
+                                        <p:cTn id="60" dur="1" fill="hold">
                                           <p:stCondLst>
                                             <p:cond delay="0"/>
                                           </p:stCondLst>
@@ -17090,7 +19040,7 @@
                                     </p:set>
                                     <p:animEffect transition="in" filter="fade">
                                       <p:cBhvr>
-                                        <p:cTn id="89" dur="3000"/>
+                                        <p:cTn id="61" dur="3000"/>
                                         <p:tgtEl>
                                           <p:spTgt spid="22"/>
                                         </p:tgtEl>
@@ -17098,7 +19048,7 @@
                                     </p:animEffect>
                                     <p:anim calcmode="lin" valueType="num">
                                       <p:cBhvr>
-                                        <p:cTn id="90" dur="3000" fill="hold"/>
+                                        <p:cTn id="62" dur="3000" fill="hold"/>
                                         <p:tgtEl>
                                           <p:spTgt spid="22"/>
                                         </p:tgtEl>
@@ -17121,7 +19071,7 @@
                                     </p:anim>
                                     <p:anim calcmode="lin" valueType="num">
                                       <p:cBhvr>
-                                        <p:cTn id="91" dur="3000" fill="hold"/>
+                                        <p:cTn id="63" dur="3000" fill="hold"/>
                                         <p:tgtEl>
                                           <p:spTgt spid="22"/>
                                         </p:tgtEl>
@@ -17152,26 +19102,26 @@
                     </p:cTn>
                   </p:par>
                   <p:par>
-                    <p:cTn id="92" fill="hold">
+                    <p:cTn id="64" fill="hold">
                       <p:stCondLst>
                         <p:cond delay="indefinite"/>
                       </p:stCondLst>
                       <p:childTnLst>
                         <p:par>
-                          <p:cTn id="93" fill="hold">
+                          <p:cTn id="65" fill="hold">
                             <p:stCondLst>
                               <p:cond delay="0"/>
                             </p:stCondLst>
                             <p:childTnLst>
                               <p:par>
-                                <p:cTn id="94" presetID="10" presetClass="entr" presetSubtype="0" fill="hold" nodeType="clickEffect">
+                                <p:cTn id="66" presetID="10" presetClass="entr" presetSubtype="0" fill="hold" nodeType="clickEffect">
                                   <p:stCondLst>
                                     <p:cond delay="0"/>
                                   </p:stCondLst>
                                   <p:childTnLst>
                                     <p:set>
                                       <p:cBhvr>
-                                        <p:cTn id="95" dur="1" fill="hold">
+                                        <p:cTn id="67" dur="1" fill="hold">
                                           <p:stCondLst>
                                             <p:cond delay="0"/>
                                           </p:stCondLst>
@@ -17189,7 +19139,7 @@
                                     </p:set>
                                     <p:animEffect transition="in" filter="fade">
                                       <p:cBhvr>
-                                        <p:cTn id="96" dur="500"/>
+                                        <p:cTn id="68" dur="500"/>
                                         <p:tgtEl>
                                           <p:spTgt spid="28"/>
                                         </p:tgtEl>
@@ -17205,26 +19155,26 @@
                     </p:cTn>
                   </p:par>
                   <p:par>
-                    <p:cTn id="97" fill="hold">
+                    <p:cTn id="69" fill="hold">
                       <p:stCondLst>
                         <p:cond delay="indefinite"/>
                       </p:stCondLst>
                       <p:childTnLst>
                         <p:par>
-                          <p:cTn id="98" fill="hold">
+                          <p:cTn id="70" fill="hold">
                             <p:stCondLst>
                               <p:cond delay="0"/>
                             </p:stCondLst>
                             <p:childTnLst>
                               <p:par>
-                                <p:cTn id="99" presetID="10" presetClass="entr" presetSubtype="0" fill="hold" grpId="0" nodeType="clickEffect">
+                                <p:cTn id="71" presetID="10" presetClass="entr" presetSubtype="0" fill="hold" grpId="0" nodeType="clickEffect">
                                   <p:stCondLst>
                                     <p:cond delay="0"/>
                                   </p:stCondLst>
                                   <p:childTnLst>
                                     <p:set>
                                       <p:cBhvr>
-                                        <p:cTn id="100" dur="1" fill="hold">
+                                        <p:cTn id="72" dur="1" fill="hold">
                                           <p:stCondLst>
                                             <p:cond delay="0"/>
                                           </p:stCondLst>
@@ -17242,9 +19192,62 @@
                                     </p:set>
                                     <p:animEffect transition="in" filter="fade">
                                       <p:cBhvr>
-                                        <p:cTn id="101" dur="500"/>
+                                        <p:cTn id="73" dur="500"/>
                                         <p:tgtEl>
                                           <p:spTgt spid="29"/>
+                                        </p:tgtEl>
+                                      </p:cBhvr>
+                                    </p:animEffect>
+                                  </p:childTnLst>
+                                </p:cTn>
+                              </p:par>
+                            </p:childTnLst>
+                          </p:cTn>
+                        </p:par>
+                      </p:childTnLst>
+                    </p:cTn>
+                  </p:par>
+                  <p:par>
+                    <p:cTn id="74" fill="hold">
+                      <p:stCondLst>
+                        <p:cond delay="indefinite"/>
+                      </p:stCondLst>
+                      <p:childTnLst>
+                        <p:par>
+                          <p:cTn id="75" fill="hold">
+                            <p:stCondLst>
+                              <p:cond delay="0"/>
+                            </p:stCondLst>
+                            <p:childTnLst>
+                              <p:par>
+                                <p:cTn id="76" presetID="10" presetClass="entr" presetSubtype="0" fill="hold" grpId="0" nodeType="clickEffect">
+                                  <p:stCondLst>
+                                    <p:cond delay="0"/>
+                                  </p:stCondLst>
+                                  <p:childTnLst>
+                                    <p:set>
+                                      <p:cBhvr>
+                                        <p:cTn id="77" dur="1" fill="hold">
+                                          <p:stCondLst>
+                                            <p:cond delay="0"/>
+                                          </p:stCondLst>
+                                        </p:cTn>
+                                        <p:tgtEl>
+                                          <p:spTgt spid="2"/>
+                                        </p:tgtEl>
+                                        <p:attrNameLst>
+                                          <p:attrName>style.visibility</p:attrName>
+                                        </p:attrNameLst>
+                                      </p:cBhvr>
+                                      <p:to>
+                                        <p:strVal val="visible"/>
+                                      </p:to>
+                                    </p:set>
+                                    <p:animEffect transition="in" filter="fade">
+                                      <p:cBhvr>
+                                        <p:cTn id="78" dur="500"/>
+                                        <p:tgtEl>
+                                          <p:spTgt spid="2"/>
                                         </p:tgtEl>
                                       </p:cBhvr>
                                     </p:animEffect>
@@ -17286,19 +19289,15 @@
       <p:bldP spid="10" grpId="0" animBg="1"/>
       <p:bldP spid="12" grpId="0" animBg="1"/>
       <p:bldP spid="13" grpId="0" animBg="1"/>
-      <p:bldP spid="14" grpId="0" animBg="1"/>
-      <p:bldP spid="17" grpId="0" animBg="1"/>
-      <p:bldP spid="19" grpId="0" animBg="1"/>
-      <p:bldP spid="20" grpId="0" animBg="1"/>
-      <p:bldP spid="21" grpId="0" animBg="1"/>
       <p:bldP spid="22" grpId="0" animBg="1"/>
       <p:bldP spid="29" grpId="0" animBg="1"/>
+      <p:bldP spid="2" grpId="0"/>
     </p:bldLst>
   </p:timing>
 </p:sld>
 </file>
 
-<file path=ppt/slides/slide7.xml><?xml version="1.0" encoding="utf-8"?>
+<file path=ppt/slides/slide8.xml><?xml version="1.0" encoding="utf-8"?>
 <p:sld xmlns:a="http://schemas.openxmlformats.org/drawingml/2006/main" xmlns:r="http://schemas.openxmlformats.org/officeDocument/2006/relationships" xmlns:p="http://schemas.openxmlformats.org/presentationml/2006/main">
   <p:cSld>
     <p:spTree>
@@ -17745,13 +19744,13 @@
   <p:clrMapOvr>
     <a:masterClrMapping/>
   </p:clrMapOvr>
-  <mc:AlternateContent xmlns:mc="http://schemas.openxmlformats.org/markup-compatibility/2006">
-    <mc:Choice xmlns:p14="http://schemas.microsoft.com/office/powerpoint/2010/main" Requires="p14">
+  <mc:AlternateContent xmlns:mc="http://schemas.openxmlformats.org/markup-compatibility/2006" xmlns:p14="http://schemas.microsoft.com/office/powerpoint/2010/main">
+    <mc:Choice Requires="p14">
       <p:transition spd="med" p14:dur="700">
         <p:fade/>
       </p:transition>
     </mc:Choice>
-    <mc:Fallback>
+    <mc:Fallback xmlns="">
       <p:transition spd="med">
         <p:fade/>
       </p:transition>
@@ -17785,6 +19784,12 @@
 </file>
 
 <file path=ppt/tags/tag5.xml><?xml version="1.0" encoding="utf-8"?>
+<p:tagLst xmlns:a="http://schemas.openxmlformats.org/drawingml/2006/main" xmlns:r="http://schemas.openxmlformats.org/officeDocument/2006/relationships" xmlns:p="http://schemas.openxmlformats.org/presentationml/2006/main">
+  <p:tag name="TIMING" val="|0.5|10.3|5.2|4.1|5"/>
+</p:tagLst>
+</file>
+
+<file path=ppt/tags/tag6.xml><?xml version="1.0" encoding="utf-8"?>
 <p:tagLst xmlns:a="http://schemas.openxmlformats.org/drawingml/2006/main" xmlns:r="http://schemas.openxmlformats.org/officeDocument/2006/relationships" xmlns:p="http://schemas.openxmlformats.org/presentationml/2006/main">
   <p:tag name="TIMING" val="|0.5|10.3|5.2|4.1|5"/>
 </p:tagLst>

--- a/Documents/ows/GSKY-Thredds_Integration.pptx
+++ b/Documents/ows/GSKY-Thredds_Integration.pptx
@@ -10285,7 +10285,7 @@
         <p:spPr>
           <a:xfrm>
             <a:off x="993913" y="906450"/>
-            <a:ext cx="10487770" cy="5478423"/>
+            <a:ext cx="10487770" cy="5324535"/>
           </a:xfrm>
           <a:prstGeom prst="rect">
             <a:avLst/>
@@ -10299,58 +10299,66 @@
           <a:lstStyle/>
           <a:p>
             <a:r>
+              <a:rPr lang="en-US" sz="1000" b="1">
+                <a:latin typeface="Calibri" panose="020F0502020204030204" pitchFamily="34" charset="0"/>
+                <a:cs typeface="Calibri" panose="020F0502020204030204" pitchFamily="34" charset="0"/>
+              </a:rPr>
+              <a:t>This is the content of email from Kelsey on 5 Dec., 2018.</a:t>
+            </a:r>
+            <a:endParaRPr lang="en-AU" sz="1000" b="1">
+              <a:latin typeface="Calibri" panose="020F0502020204030204" pitchFamily="34" charset="0"/>
+              <a:cs typeface="Calibri" panose="020F0502020204030204" pitchFamily="34" charset="0"/>
+            </a:endParaRPr>
+          </a:p>
+          <a:p>
+            <a:r>
+              <a:rPr lang="en-AU" sz="1000">
+                <a:latin typeface="Calibri" panose="020F0502020204030204" pitchFamily="34" charset="0"/>
+                <a:cs typeface="Calibri" panose="020F0502020204030204" pitchFamily="34" charset="0"/>
+              </a:rPr>
+              <a:t>(Ref: </a:t>
+            </a:r>
+            <a:r>
+              <a:rPr lang="en-AU" sz="1000" i="1">
+                <a:latin typeface="Calibri" panose="020F0502020204030204" pitchFamily="34" charset="0"/>
+                <a:cs typeface="Calibri" panose="020F0502020204030204" pitchFamily="34" charset="0"/>
+              </a:rPr>
+              <a:t>Email from Kelsey on 5/12/2018: </a:t>
+            </a:r>
+            <a:r>
+              <a:rPr lang="en-US" sz="1000" i="1">
+                <a:latin typeface="Calibri" panose="020F0502020204030204" pitchFamily="34" charset="0"/>
+                <a:cs typeface="Calibri" panose="020F0502020204030204" pitchFamily="34" charset="0"/>
+              </a:rPr>
+              <a:t>Subject: “GSKY OPeNDAP/Subsetting thoughts”</a:t>
+            </a:r>
+            <a:r>
+              <a:rPr lang="en-US" sz="1000">
+                <a:latin typeface="Calibri" panose="020F0502020204030204" pitchFamily="34" charset="0"/>
+                <a:cs typeface="Calibri" panose="020F0502020204030204" pitchFamily="34" charset="0"/>
+              </a:rPr>
+              <a:t>)</a:t>
+            </a:r>
+            <a:endParaRPr lang="en-AU" sz="1000">
+              <a:latin typeface="Calibri" panose="020F0502020204030204" pitchFamily="34" charset="0"/>
+              <a:cs typeface="Calibri" panose="020F0502020204030204" pitchFamily="34" charset="0"/>
+            </a:endParaRPr>
+          </a:p>
+          <a:p>
+            <a:pPr lvl="0"/>
+            <a:endParaRPr lang="en-US" sz="1000">
+              <a:latin typeface="Calibri" panose="020F0502020204030204" pitchFamily="34" charset="0"/>
+              <a:cs typeface="Calibri" panose="020F0502020204030204" pitchFamily="34" charset="0"/>
+            </a:endParaRPr>
+          </a:p>
+          <a:p>
+            <a:r>
               <a:rPr lang="en-AU" sz="1000" b="1">
                 <a:latin typeface="Calibri" panose="020F0502020204030204" pitchFamily="34" charset="0"/>
                 <a:cs typeface="Calibri" panose="020F0502020204030204" pitchFamily="34" charset="0"/>
               </a:rPr>
               <a:t>Summary around DAP-like gsky service: </a:t>
             </a:r>
-            <a:r>
-              <a:rPr lang="en-AU" sz="1000">
-                <a:latin typeface="Calibri" panose="020F0502020204030204" pitchFamily="34" charset="0"/>
-                <a:cs typeface="Calibri" panose="020F0502020204030204" pitchFamily="34" charset="0"/>
-              </a:rPr>
-              <a:t>(</a:t>
-            </a:r>
-            <a:r>
-              <a:rPr lang="en-AU" sz="1000" b="1">
-                <a:latin typeface="Calibri" panose="020F0502020204030204" pitchFamily="34" charset="0"/>
-                <a:cs typeface="Calibri" panose="020F0502020204030204" pitchFamily="34" charset="0"/>
-              </a:rPr>
-              <a:t>Ref</a:t>
-            </a:r>
-            <a:r>
-              <a:rPr lang="en-AU" sz="1000">
-                <a:latin typeface="Calibri" panose="020F0502020204030204" pitchFamily="34" charset="0"/>
-                <a:cs typeface="Calibri" panose="020F0502020204030204" pitchFamily="34" charset="0"/>
-              </a:rPr>
-              <a:t>: </a:t>
-            </a:r>
-            <a:r>
-              <a:rPr lang="en-AU" sz="1000" i="1">
-                <a:latin typeface="Calibri" panose="020F0502020204030204" pitchFamily="34" charset="0"/>
-                <a:cs typeface="Calibri" panose="020F0502020204030204" pitchFamily="34" charset="0"/>
-              </a:rPr>
-              <a:t>Email from Kelsey on 5/12/2018: </a:t>
-            </a:r>
-            <a:r>
-              <a:rPr lang="en-US" sz="1000" i="1">
-                <a:latin typeface="Calibri" panose="020F0502020204030204" pitchFamily="34" charset="0"/>
-                <a:cs typeface="Calibri" panose="020F0502020204030204" pitchFamily="34" charset="0"/>
-              </a:rPr>
-              <a:t>Fwd: GSKY OPeNDAP/Subsetting thoughts</a:t>
-            </a:r>
-            <a:r>
-              <a:rPr lang="en-US" sz="1000">
-                <a:latin typeface="Calibri" panose="020F0502020204030204" pitchFamily="34" charset="0"/>
-                <a:cs typeface="Calibri" panose="020F0502020204030204" pitchFamily="34" charset="0"/>
-              </a:rPr>
-              <a:t>)</a:t>
-            </a:r>
-            <a:endParaRPr lang="en-AU" sz="1000">
-              <a:latin typeface="Calibri" panose="020F0502020204030204" pitchFamily="34" charset="0"/>
-              <a:cs typeface="Calibri" panose="020F0502020204030204" pitchFamily="34" charset="0"/>
-            </a:endParaRPr>
           </a:p>
           <a:p>
             <a:pPr lvl="0"/>
@@ -10589,12 +10597,10 @@
             </a:r>
           </a:p>
           <a:p>
-            <a:br>
-              <a:rPr lang="en-AU" sz="1000">
-                <a:latin typeface="Calibri" panose="020F0502020204030204" pitchFamily="34" charset="0"/>
-                <a:cs typeface="Calibri" panose="020F0502020204030204" pitchFamily="34" charset="0"/>
-              </a:rPr>
-            </a:br>
+            <a:pPr marL="171450" indent="-171450">
+              <a:buFont typeface="Arial" panose="020B0604020202020204" pitchFamily="34" charset="0"/>
+              <a:buChar char="•"/>
+            </a:pPr>
             <a:r>
               <a:rPr lang="en-AU" sz="1000">
                 <a:latin typeface="Calibri" panose="020F0502020204030204" pitchFamily="34" charset="0"/>
@@ -10602,18 +10608,12 @@
               </a:rPr>
               <a:t>Some additional Python versions of these services: </a:t>
             </a:r>
-            <a:br>
-              <a:rPr lang="en-AU" sz="1000">
-                <a:latin typeface="Calibri" panose="020F0502020204030204" pitchFamily="34" charset="0"/>
-                <a:cs typeface="Calibri" panose="020F0502020204030204" pitchFamily="34" charset="0"/>
-              </a:rPr>
-            </a:br>
-            <a:br>
-              <a:rPr lang="en-AU" sz="1000">
-                <a:latin typeface="Calibri" panose="020F0502020204030204" pitchFamily="34" charset="0"/>
-                <a:cs typeface="Calibri" panose="020F0502020204030204" pitchFamily="34" charset="0"/>
-              </a:rPr>
-            </a:br>
+          </a:p>
+          <a:p>
+            <a:pPr marL="628650" lvl="1" indent="-171450">
+              <a:buFont typeface="Arial" panose="020B0604020202020204" pitchFamily="34" charset="0"/>
+              <a:buChar char="•"/>
+            </a:pPr>
             <a:r>
               <a:rPr lang="en-AU" sz="1000" u="sng">
                 <a:latin typeface="Calibri" panose="020F0502020204030204" pitchFamily="34" charset="0"/>
@@ -10622,12 +10622,16 @@
               </a:rPr>
               <a:t>https://nbviewer.jupyter.org/github/nci/Data-Training/blob/master/NCI_Autumn_Training/05_Python_Data_Examples_I/Python_Siphon_I.ipynb</a:t>
             </a:r>
-            <a:br>
-              <a:rPr lang="en-AU" sz="1000">
-                <a:latin typeface="Calibri" panose="020F0502020204030204" pitchFamily="34" charset="0"/>
-                <a:cs typeface="Calibri" panose="020F0502020204030204" pitchFamily="34" charset="0"/>
-              </a:rPr>
-            </a:br>
+            <a:endParaRPr lang="en-AU" sz="1000" u="sng">
+              <a:latin typeface="Calibri" panose="020F0502020204030204" pitchFamily="34" charset="0"/>
+              <a:cs typeface="Calibri" panose="020F0502020204030204" pitchFamily="34" charset="0"/>
+            </a:endParaRPr>
+          </a:p>
+          <a:p>
+            <a:pPr marL="628650" lvl="1" indent="-171450">
+              <a:buFont typeface="Arial" panose="020B0604020202020204" pitchFamily="34" charset="0"/>
+              <a:buChar char="•"/>
+            </a:pPr>
             <a:r>
               <a:rPr lang="en-AU" sz="1000" u="sng">
                 <a:latin typeface="Calibri" panose="020F0502020204030204" pitchFamily="34" charset="0"/>
@@ -10636,18 +10640,6 @@
               </a:rPr>
               <a:t>https://nbviewer.jupyter.org/github/nci/Data-Training/blob/master/NCI_Autumn_Training/05_Python_Data_Examples_I/Python_NetcdfSubset_Examples.ipynb</a:t>
             </a:r>
-            <a:endParaRPr lang="en-AU" sz="1000">
-              <a:latin typeface="Calibri" panose="020F0502020204030204" pitchFamily="34" charset="0"/>
-              <a:cs typeface="Calibri" panose="020F0502020204030204" pitchFamily="34" charset="0"/>
-            </a:endParaRPr>
-          </a:p>
-          <a:p>
-            <a:br>
-              <a:rPr lang="en-AU" sz="1000">
-                <a:latin typeface="Calibri" panose="020F0502020204030204" pitchFamily="34" charset="0"/>
-                <a:cs typeface="Calibri" panose="020F0502020204030204" pitchFamily="34" charset="0"/>
-              </a:rPr>
-            </a:br>
             <a:endParaRPr lang="en-AU" sz="1000">
               <a:latin typeface="Calibri" panose="020F0502020204030204" pitchFamily="34" charset="0"/>
               <a:cs typeface="Calibri" panose="020F0502020204030204" pitchFamily="34" charset="0"/>
@@ -10680,6 +10672,814 @@
       </p:transition>
     </mc:Fallback>
   </mc:AlternateContent>
+  <p:timing>
+    <p:tnLst>
+      <p:par>
+        <p:cTn id="1" dur="indefinite" restart="never" nodeType="tmRoot">
+          <p:childTnLst>
+            <p:seq concurrent="1" nextAc="seek">
+              <p:cTn id="2" dur="indefinite" nodeType="mainSeq">
+                <p:childTnLst>
+                  <p:par>
+                    <p:cTn id="3" fill="hold">
+                      <p:stCondLst>
+                        <p:cond delay="indefinite"/>
+                      </p:stCondLst>
+                      <p:childTnLst>
+                        <p:par>
+                          <p:cTn id="4" fill="hold">
+                            <p:stCondLst>
+                              <p:cond delay="0"/>
+                            </p:stCondLst>
+                            <p:childTnLst>
+                              <p:par>
+                                <p:cTn id="5" presetID="10" presetClass="entr" presetSubtype="0" fill="hold" nodeType="clickEffect">
+                                  <p:stCondLst>
+                                    <p:cond delay="0"/>
+                                  </p:stCondLst>
+                                  <p:childTnLst>
+                                    <p:set>
+                                      <p:cBhvr>
+                                        <p:cTn id="6" dur="1" fill="hold">
+                                          <p:stCondLst>
+                                            <p:cond delay="0"/>
+                                          </p:stCondLst>
+                                        </p:cTn>
+                                        <p:tgtEl>
+                                          <p:spTgt spid="2">
+                                            <p:txEl>
+                                              <p:pRg st="5" end="5"/>
+                                            </p:txEl>
+                                          </p:spTgt>
+                                        </p:tgtEl>
+                                        <p:attrNameLst>
+                                          <p:attrName>style.visibility</p:attrName>
+                                        </p:attrNameLst>
+                                      </p:cBhvr>
+                                      <p:to>
+                                        <p:strVal val="visible"/>
+                                      </p:to>
+                                    </p:set>
+                                    <p:animEffect transition="in" filter="fade">
+                                      <p:cBhvr>
+                                        <p:cTn id="7" dur="500"/>
+                                        <p:tgtEl>
+                                          <p:spTgt spid="2">
+                                            <p:txEl>
+                                              <p:pRg st="5" end="5"/>
+                                            </p:txEl>
+                                          </p:spTgt>
+                                        </p:tgtEl>
+                                      </p:cBhvr>
+                                    </p:animEffect>
+                                  </p:childTnLst>
+                                </p:cTn>
+                              </p:par>
+                            </p:childTnLst>
+                          </p:cTn>
+                        </p:par>
+                      </p:childTnLst>
+                    </p:cTn>
+                  </p:par>
+                  <p:par>
+                    <p:cTn id="8" fill="hold">
+                      <p:stCondLst>
+                        <p:cond delay="indefinite"/>
+                      </p:stCondLst>
+                      <p:childTnLst>
+                        <p:par>
+                          <p:cTn id="9" fill="hold">
+                            <p:stCondLst>
+                              <p:cond delay="0"/>
+                            </p:stCondLst>
+                            <p:childTnLst>
+                              <p:par>
+                                <p:cTn id="10" presetID="10" presetClass="entr" presetSubtype="0" fill="hold" nodeType="clickEffect">
+                                  <p:stCondLst>
+                                    <p:cond delay="0"/>
+                                  </p:stCondLst>
+                                  <p:childTnLst>
+                                    <p:set>
+                                      <p:cBhvr>
+                                        <p:cTn id="11" dur="1" fill="hold">
+                                          <p:stCondLst>
+                                            <p:cond delay="0"/>
+                                          </p:stCondLst>
+                                        </p:cTn>
+                                        <p:tgtEl>
+                                          <p:spTgt spid="2">
+                                            <p:txEl>
+                                              <p:pRg st="6" end="6"/>
+                                            </p:txEl>
+                                          </p:spTgt>
+                                        </p:tgtEl>
+                                        <p:attrNameLst>
+                                          <p:attrName>style.visibility</p:attrName>
+                                        </p:attrNameLst>
+                                      </p:cBhvr>
+                                      <p:to>
+                                        <p:strVal val="visible"/>
+                                      </p:to>
+                                    </p:set>
+                                    <p:animEffect transition="in" filter="fade">
+                                      <p:cBhvr>
+                                        <p:cTn id="12" dur="500"/>
+                                        <p:tgtEl>
+                                          <p:spTgt spid="2">
+                                            <p:txEl>
+                                              <p:pRg st="6" end="6"/>
+                                            </p:txEl>
+                                          </p:spTgt>
+                                        </p:tgtEl>
+                                      </p:cBhvr>
+                                    </p:animEffect>
+                                  </p:childTnLst>
+                                </p:cTn>
+                              </p:par>
+                              <p:par>
+                                <p:cTn id="13" presetID="10" presetClass="entr" presetSubtype="0" fill="hold" nodeType="withEffect">
+                                  <p:stCondLst>
+                                    <p:cond delay="0"/>
+                                  </p:stCondLst>
+                                  <p:childTnLst>
+                                    <p:set>
+                                      <p:cBhvr>
+                                        <p:cTn id="14" dur="1" fill="hold">
+                                          <p:stCondLst>
+                                            <p:cond delay="0"/>
+                                          </p:stCondLst>
+                                        </p:cTn>
+                                        <p:tgtEl>
+                                          <p:spTgt spid="2">
+                                            <p:txEl>
+                                              <p:pRg st="8" end="8"/>
+                                            </p:txEl>
+                                          </p:spTgt>
+                                        </p:tgtEl>
+                                        <p:attrNameLst>
+                                          <p:attrName>style.visibility</p:attrName>
+                                        </p:attrNameLst>
+                                      </p:cBhvr>
+                                      <p:to>
+                                        <p:strVal val="visible"/>
+                                      </p:to>
+                                    </p:set>
+                                    <p:animEffect transition="in" filter="fade">
+                                      <p:cBhvr>
+                                        <p:cTn id="15" dur="500"/>
+                                        <p:tgtEl>
+                                          <p:spTgt spid="2">
+                                            <p:txEl>
+                                              <p:pRg st="8" end="8"/>
+                                            </p:txEl>
+                                          </p:spTgt>
+                                        </p:tgtEl>
+                                      </p:cBhvr>
+                                    </p:animEffect>
+                                  </p:childTnLst>
+                                </p:cTn>
+                              </p:par>
+                              <p:par>
+                                <p:cTn id="16" presetID="10" presetClass="entr" presetSubtype="0" fill="hold" nodeType="withEffect">
+                                  <p:stCondLst>
+                                    <p:cond delay="0"/>
+                                  </p:stCondLst>
+                                  <p:childTnLst>
+                                    <p:set>
+                                      <p:cBhvr>
+                                        <p:cTn id="17" dur="1" fill="hold">
+                                          <p:stCondLst>
+                                            <p:cond delay="0"/>
+                                          </p:stCondLst>
+                                        </p:cTn>
+                                        <p:tgtEl>
+                                          <p:spTgt spid="2">
+                                            <p:txEl>
+                                              <p:pRg st="9" end="9"/>
+                                            </p:txEl>
+                                          </p:spTgt>
+                                        </p:tgtEl>
+                                        <p:attrNameLst>
+                                          <p:attrName>style.visibility</p:attrName>
+                                        </p:attrNameLst>
+                                      </p:cBhvr>
+                                      <p:to>
+                                        <p:strVal val="visible"/>
+                                      </p:to>
+                                    </p:set>
+                                    <p:animEffect transition="in" filter="fade">
+                                      <p:cBhvr>
+                                        <p:cTn id="18" dur="500"/>
+                                        <p:tgtEl>
+                                          <p:spTgt spid="2">
+                                            <p:txEl>
+                                              <p:pRg st="9" end="9"/>
+                                            </p:txEl>
+                                          </p:spTgt>
+                                        </p:tgtEl>
+                                      </p:cBhvr>
+                                    </p:animEffect>
+                                  </p:childTnLst>
+                                </p:cTn>
+                              </p:par>
+                              <p:par>
+                                <p:cTn id="19" presetID="10" presetClass="entr" presetSubtype="0" fill="hold" nodeType="withEffect">
+                                  <p:stCondLst>
+                                    <p:cond delay="0"/>
+                                  </p:stCondLst>
+                                  <p:childTnLst>
+                                    <p:set>
+                                      <p:cBhvr>
+                                        <p:cTn id="20" dur="1" fill="hold">
+                                          <p:stCondLst>
+                                            <p:cond delay="0"/>
+                                          </p:stCondLst>
+                                        </p:cTn>
+                                        <p:tgtEl>
+                                          <p:spTgt spid="2">
+                                            <p:txEl>
+                                              <p:pRg st="10" end="10"/>
+                                            </p:txEl>
+                                          </p:spTgt>
+                                        </p:tgtEl>
+                                        <p:attrNameLst>
+                                          <p:attrName>style.visibility</p:attrName>
+                                        </p:attrNameLst>
+                                      </p:cBhvr>
+                                      <p:to>
+                                        <p:strVal val="visible"/>
+                                      </p:to>
+                                    </p:set>
+                                    <p:animEffect transition="in" filter="fade">
+                                      <p:cBhvr>
+                                        <p:cTn id="21" dur="500"/>
+                                        <p:tgtEl>
+                                          <p:spTgt spid="2">
+                                            <p:txEl>
+                                              <p:pRg st="10" end="10"/>
+                                            </p:txEl>
+                                          </p:spTgt>
+                                        </p:tgtEl>
+                                      </p:cBhvr>
+                                    </p:animEffect>
+                                  </p:childTnLst>
+                                </p:cTn>
+                              </p:par>
+                              <p:par>
+                                <p:cTn id="22" presetID="10" presetClass="entr" presetSubtype="0" fill="hold" nodeType="withEffect">
+                                  <p:stCondLst>
+                                    <p:cond delay="0"/>
+                                  </p:stCondLst>
+                                  <p:childTnLst>
+                                    <p:set>
+                                      <p:cBhvr>
+                                        <p:cTn id="23" dur="1" fill="hold">
+                                          <p:stCondLst>
+                                            <p:cond delay="0"/>
+                                          </p:stCondLst>
+                                        </p:cTn>
+                                        <p:tgtEl>
+                                          <p:spTgt spid="2">
+                                            <p:txEl>
+                                              <p:pRg st="7" end="7"/>
+                                            </p:txEl>
+                                          </p:spTgt>
+                                        </p:tgtEl>
+                                        <p:attrNameLst>
+                                          <p:attrName>style.visibility</p:attrName>
+                                        </p:attrNameLst>
+                                      </p:cBhvr>
+                                      <p:to>
+                                        <p:strVal val="visible"/>
+                                      </p:to>
+                                    </p:set>
+                                    <p:animEffect transition="in" filter="fade">
+                                      <p:cBhvr>
+                                        <p:cTn id="24" dur="500"/>
+                                        <p:tgtEl>
+                                          <p:spTgt spid="2">
+                                            <p:txEl>
+                                              <p:pRg st="7" end="7"/>
+                                            </p:txEl>
+                                          </p:spTgt>
+                                        </p:tgtEl>
+                                      </p:cBhvr>
+                                    </p:animEffect>
+                                  </p:childTnLst>
+                                </p:cTn>
+                              </p:par>
+                              <p:par>
+                                <p:cTn id="25" presetID="10" presetClass="entr" presetSubtype="0" fill="hold" nodeType="withEffect">
+                                  <p:stCondLst>
+                                    <p:cond delay="0"/>
+                                  </p:stCondLst>
+                                  <p:childTnLst>
+                                    <p:set>
+                                      <p:cBhvr>
+                                        <p:cTn id="26" dur="1" fill="hold">
+                                          <p:stCondLst>
+                                            <p:cond delay="0"/>
+                                          </p:stCondLst>
+                                        </p:cTn>
+                                        <p:tgtEl>
+                                          <p:spTgt spid="2">
+                                            <p:txEl>
+                                              <p:pRg st="11" end="11"/>
+                                            </p:txEl>
+                                          </p:spTgt>
+                                        </p:tgtEl>
+                                        <p:attrNameLst>
+                                          <p:attrName>style.visibility</p:attrName>
+                                        </p:attrNameLst>
+                                      </p:cBhvr>
+                                      <p:to>
+                                        <p:strVal val="visible"/>
+                                      </p:to>
+                                    </p:set>
+                                    <p:animEffect transition="in" filter="fade">
+                                      <p:cBhvr>
+                                        <p:cTn id="27" dur="500"/>
+                                        <p:tgtEl>
+                                          <p:spTgt spid="2">
+                                            <p:txEl>
+                                              <p:pRg st="11" end="11"/>
+                                            </p:txEl>
+                                          </p:spTgt>
+                                        </p:tgtEl>
+                                      </p:cBhvr>
+                                    </p:animEffect>
+                                  </p:childTnLst>
+                                </p:cTn>
+                              </p:par>
+                              <p:par>
+                                <p:cTn id="28" presetID="10" presetClass="entr" presetSubtype="0" fill="hold" nodeType="withEffect">
+                                  <p:stCondLst>
+                                    <p:cond delay="0"/>
+                                  </p:stCondLst>
+                                  <p:childTnLst>
+                                    <p:set>
+                                      <p:cBhvr>
+                                        <p:cTn id="29" dur="1" fill="hold">
+                                          <p:stCondLst>
+                                            <p:cond delay="0"/>
+                                          </p:stCondLst>
+                                        </p:cTn>
+                                        <p:tgtEl>
+                                          <p:spTgt spid="2">
+                                            <p:txEl>
+                                              <p:pRg st="12" end="12"/>
+                                            </p:txEl>
+                                          </p:spTgt>
+                                        </p:tgtEl>
+                                        <p:attrNameLst>
+                                          <p:attrName>style.visibility</p:attrName>
+                                        </p:attrNameLst>
+                                      </p:cBhvr>
+                                      <p:to>
+                                        <p:strVal val="visible"/>
+                                      </p:to>
+                                    </p:set>
+                                    <p:animEffect transition="in" filter="fade">
+                                      <p:cBhvr>
+                                        <p:cTn id="30" dur="500"/>
+                                        <p:tgtEl>
+                                          <p:spTgt spid="2">
+                                            <p:txEl>
+                                              <p:pRg st="12" end="12"/>
+                                            </p:txEl>
+                                          </p:spTgt>
+                                        </p:tgtEl>
+                                      </p:cBhvr>
+                                    </p:animEffect>
+                                  </p:childTnLst>
+                                </p:cTn>
+                              </p:par>
+                            </p:childTnLst>
+                          </p:cTn>
+                        </p:par>
+                      </p:childTnLst>
+                    </p:cTn>
+                  </p:par>
+                  <p:par>
+                    <p:cTn id="31" fill="hold">
+                      <p:stCondLst>
+                        <p:cond delay="indefinite"/>
+                      </p:stCondLst>
+                      <p:childTnLst>
+                        <p:par>
+                          <p:cTn id="32" fill="hold">
+                            <p:stCondLst>
+                              <p:cond delay="0"/>
+                            </p:stCondLst>
+                            <p:childTnLst>
+                              <p:par>
+                                <p:cTn id="33" presetID="10" presetClass="entr" presetSubtype="0" fill="hold" nodeType="clickEffect">
+                                  <p:stCondLst>
+                                    <p:cond delay="0"/>
+                                  </p:stCondLst>
+                                  <p:childTnLst>
+                                    <p:set>
+                                      <p:cBhvr>
+                                        <p:cTn id="34" dur="1" fill="hold">
+                                          <p:stCondLst>
+                                            <p:cond delay="0"/>
+                                          </p:stCondLst>
+                                        </p:cTn>
+                                        <p:tgtEl>
+                                          <p:spTgt spid="2">
+                                            <p:txEl>
+                                              <p:pRg st="13" end="13"/>
+                                            </p:txEl>
+                                          </p:spTgt>
+                                        </p:tgtEl>
+                                        <p:attrNameLst>
+                                          <p:attrName>style.visibility</p:attrName>
+                                        </p:attrNameLst>
+                                      </p:cBhvr>
+                                      <p:to>
+                                        <p:strVal val="visible"/>
+                                      </p:to>
+                                    </p:set>
+                                    <p:animEffect transition="in" filter="fade">
+                                      <p:cBhvr>
+                                        <p:cTn id="35" dur="500"/>
+                                        <p:tgtEl>
+                                          <p:spTgt spid="2">
+                                            <p:txEl>
+                                              <p:pRg st="13" end="13"/>
+                                            </p:txEl>
+                                          </p:spTgt>
+                                        </p:tgtEl>
+                                      </p:cBhvr>
+                                    </p:animEffect>
+                                  </p:childTnLst>
+                                </p:cTn>
+                              </p:par>
+                              <p:par>
+                                <p:cTn id="36" presetID="10" presetClass="entr" presetSubtype="0" fill="hold" nodeType="withEffect">
+                                  <p:stCondLst>
+                                    <p:cond delay="0"/>
+                                  </p:stCondLst>
+                                  <p:childTnLst>
+                                    <p:set>
+                                      <p:cBhvr>
+                                        <p:cTn id="37" dur="1" fill="hold">
+                                          <p:stCondLst>
+                                            <p:cond delay="0"/>
+                                          </p:stCondLst>
+                                        </p:cTn>
+                                        <p:tgtEl>
+                                          <p:spTgt spid="2">
+                                            <p:txEl>
+                                              <p:pRg st="14" end="14"/>
+                                            </p:txEl>
+                                          </p:spTgt>
+                                        </p:tgtEl>
+                                        <p:attrNameLst>
+                                          <p:attrName>style.visibility</p:attrName>
+                                        </p:attrNameLst>
+                                      </p:cBhvr>
+                                      <p:to>
+                                        <p:strVal val="visible"/>
+                                      </p:to>
+                                    </p:set>
+                                    <p:animEffect transition="in" filter="fade">
+                                      <p:cBhvr>
+                                        <p:cTn id="38" dur="500"/>
+                                        <p:tgtEl>
+                                          <p:spTgt spid="2">
+                                            <p:txEl>
+                                              <p:pRg st="14" end="14"/>
+                                            </p:txEl>
+                                          </p:spTgt>
+                                        </p:tgtEl>
+                                      </p:cBhvr>
+                                    </p:animEffect>
+                                  </p:childTnLst>
+                                </p:cTn>
+                              </p:par>
+                              <p:par>
+                                <p:cTn id="39" presetID="10" presetClass="entr" presetSubtype="0" fill="hold" nodeType="withEffect">
+                                  <p:stCondLst>
+                                    <p:cond delay="0"/>
+                                  </p:stCondLst>
+                                  <p:childTnLst>
+                                    <p:set>
+                                      <p:cBhvr>
+                                        <p:cTn id="40" dur="1" fill="hold">
+                                          <p:stCondLst>
+                                            <p:cond delay="0"/>
+                                          </p:stCondLst>
+                                        </p:cTn>
+                                        <p:tgtEl>
+                                          <p:spTgt spid="2">
+                                            <p:txEl>
+                                              <p:pRg st="15" end="15"/>
+                                            </p:txEl>
+                                          </p:spTgt>
+                                        </p:tgtEl>
+                                        <p:attrNameLst>
+                                          <p:attrName>style.visibility</p:attrName>
+                                        </p:attrNameLst>
+                                      </p:cBhvr>
+                                      <p:to>
+                                        <p:strVal val="visible"/>
+                                      </p:to>
+                                    </p:set>
+                                    <p:animEffect transition="in" filter="fade">
+                                      <p:cBhvr>
+                                        <p:cTn id="41" dur="500"/>
+                                        <p:tgtEl>
+                                          <p:spTgt spid="2">
+                                            <p:txEl>
+                                              <p:pRg st="15" end="15"/>
+                                            </p:txEl>
+                                          </p:spTgt>
+                                        </p:tgtEl>
+                                      </p:cBhvr>
+                                    </p:animEffect>
+                                  </p:childTnLst>
+                                </p:cTn>
+                              </p:par>
+                              <p:par>
+                                <p:cTn id="42" presetID="10" presetClass="entr" presetSubtype="0" fill="hold" nodeType="withEffect">
+                                  <p:stCondLst>
+                                    <p:cond delay="0"/>
+                                  </p:stCondLst>
+                                  <p:childTnLst>
+                                    <p:set>
+                                      <p:cBhvr>
+                                        <p:cTn id="43" dur="1" fill="hold">
+                                          <p:stCondLst>
+                                            <p:cond delay="0"/>
+                                          </p:stCondLst>
+                                        </p:cTn>
+                                        <p:tgtEl>
+                                          <p:spTgt spid="2">
+                                            <p:txEl>
+                                              <p:pRg st="16" end="16"/>
+                                            </p:txEl>
+                                          </p:spTgt>
+                                        </p:tgtEl>
+                                        <p:attrNameLst>
+                                          <p:attrName>style.visibility</p:attrName>
+                                        </p:attrNameLst>
+                                      </p:cBhvr>
+                                      <p:to>
+                                        <p:strVal val="visible"/>
+                                      </p:to>
+                                    </p:set>
+                                    <p:animEffect transition="in" filter="fade">
+                                      <p:cBhvr>
+                                        <p:cTn id="44" dur="500"/>
+                                        <p:tgtEl>
+                                          <p:spTgt spid="2">
+                                            <p:txEl>
+                                              <p:pRg st="16" end="16"/>
+                                            </p:txEl>
+                                          </p:spTgt>
+                                        </p:tgtEl>
+                                      </p:cBhvr>
+                                    </p:animEffect>
+                                  </p:childTnLst>
+                                </p:cTn>
+                              </p:par>
+                            </p:childTnLst>
+                          </p:cTn>
+                        </p:par>
+                      </p:childTnLst>
+                    </p:cTn>
+                  </p:par>
+                  <p:par>
+                    <p:cTn id="45" fill="hold">
+                      <p:stCondLst>
+                        <p:cond delay="indefinite"/>
+                      </p:stCondLst>
+                      <p:childTnLst>
+                        <p:par>
+                          <p:cTn id="46" fill="hold">
+                            <p:stCondLst>
+                              <p:cond delay="0"/>
+                            </p:stCondLst>
+                            <p:childTnLst>
+                              <p:par>
+                                <p:cTn id="47" presetID="10" presetClass="entr" presetSubtype="0" fill="hold" nodeType="clickEffect">
+                                  <p:stCondLst>
+                                    <p:cond delay="0"/>
+                                  </p:stCondLst>
+                                  <p:childTnLst>
+                                    <p:set>
+                                      <p:cBhvr>
+                                        <p:cTn id="48" dur="1" fill="hold">
+                                          <p:stCondLst>
+                                            <p:cond delay="0"/>
+                                          </p:stCondLst>
+                                        </p:cTn>
+                                        <p:tgtEl>
+                                          <p:spTgt spid="2">
+                                            <p:txEl>
+                                              <p:pRg st="17" end="17"/>
+                                            </p:txEl>
+                                          </p:spTgt>
+                                        </p:tgtEl>
+                                        <p:attrNameLst>
+                                          <p:attrName>style.visibility</p:attrName>
+                                        </p:attrNameLst>
+                                      </p:cBhvr>
+                                      <p:to>
+                                        <p:strVal val="visible"/>
+                                      </p:to>
+                                    </p:set>
+                                    <p:animEffect transition="in" filter="fade">
+                                      <p:cBhvr>
+                                        <p:cTn id="49" dur="500"/>
+                                        <p:tgtEl>
+                                          <p:spTgt spid="2">
+                                            <p:txEl>
+                                              <p:pRg st="17" end="17"/>
+                                            </p:txEl>
+                                          </p:spTgt>
+                                        </p:tgtEl>
+                                      </p:cBhvr>
+                                    </p:animEffect>
+                                  </p:childTnLst>
+                                </p:cTn>
+                              </p:par>
+                            </p:childTnLst>
+                          </p:cTn>
+                        </p:par>
+                      </p:childTnLst>
+                    </p:cTn>
+                  </p:par>
+                  <p:par>
+                    <p:cTn id="50" fill="hold">
+                      <p:stCondLst>
+                        <p:cond delay="indefinite"/>
+                      </p:stCondLst>
+                      <p:childTnLst>
+                        <p:par>
+                          <p:cTn id="51" fill="hold">
+                            <p:stCondLst>
+                              <p:cond delay="0"/>
+                            </p:stCondLst>
+                            <p:childTnLst>
+                              <p:par>
+                                <p:cTn id="52" presetID="10" presetClass="entr" presetSubtype="0" fill="hold" nodeType="clickEffect">
+                                  <p:stCondLst>
+                                    <p:cond delay="0"/>
+                                  </p:stCondLst>
+                                  <p:childTnLst>
+                                    <p:set>
+                                      <p:cBhvr>
+                                        <p:cTn id="53" dur="1" fill="hold">
+                                          <p:stCondLst>
+                                            <p:cond delay="0"/>
+                                          </p:stCondLst>
+                                        </p:cTn>
+                                        <p:tgtEl>
+                                          <p:spTgt spid="2">
+                                            <p:txEl>
+                                              <p:pRg st="18" end="18"/>
+                                            </p:txEl>
+                                          </p:spTgt>
+                                        </p:tgtEl>
+                                        <p:attrNameLst>
+                                          <p:attrName>style.visibility</p:attrName>
+                                        </p:attrNameLst>
+                                      </p:cBhvr>
+                                      <p:to>
+                                        <p:strVal val="visible"/>
+                                      </p:to>
+                                    </p:set>
+                                    <p:animEffect transition="in" filter="fade">
+                                      <p:cBhvr>
+                                        <p:cTn id="54" dur="500"/>
+                                        <p:tgtEl>
+                                          <p:spTgt spid="2">
+                                            <p:txEl>
+                                              <p:pRg st="18" end="18"/>
+                                            </p:txEl>
+                                          </p:spTgt>
+                                        </p:tgtEl>
+                                      </p:cBhvr>
+                                    </p:animEffect>
+                                  </p:childTnLst>
+                                </p:cTn>
+                              </p:par>
+                              <p:par>
+                                <p:cTn id="55" presetID="10" presetClass="entr" presetSubtype="0" fill="hold" nodeType="withEffect">
+                                  <p:stCondLst>
+                                    <p:cond delay="0"/>
+                                  </p:stCondLst>
+                                  <p:childTnLst>
+                                    <p:set>
+                                      <p:cBhvr>
+                                        <p:cTn id="56" dur="1" fill="hold">
+                                          <p:stCondLst>
+                                            <p:cond delay="0"/>
+                                          </p:stCondLst>
+                                        </p:cTn>
+                                        <p:tgtEl>
+                                          <p:spTgt spid="2">
+                                            <p:txEl>
+                                              <p:pRg st="19" end="19"/>
+                                            </p:txEl>
+                                          </p:spTgt>
+                                        </p:tgtEl>
+                                        <p:attrNameLst>
+                                          <p:attrName>style.visibility</p:attrName>
+                                        </p:attrNameLst>
+                                      </p:cBhvr>
+                                      <p:to>
+                                        <p:strVal val="visible"/>
+                                      </p:to>
+                                    </p:set>
+                                    <p:animEffect transition="in" filter="fade">
+                                      <p:cBhvr>
+                                        <p:cTn id="57" dur="500"/>
+                                        <p:tgtEl>
+                                          <p:spTgt spid="2">
+                                            <p:txEl>
+                                              <p:pRg st="19" end="19"/>
+                                            </p:txEl>
+                                          </p:spTgt>
+                                        </p:tgtEl>
+                                      </p:cBhvr>
+                                    </p:animEffect>
+                                  </p:childTnLst>
+                                </p:cTn>
+                              </p:par>
+                              <p:par>
+                                <p:cTn id="58" presetID="10" presetClass="entr" presetSubtype="0" fill="hold" nodeType="withEffect">
+                                  <p:stCondLst>
+                                    <p:cond delay="0"/>
+                                  </p:stCondLst>
+                                  <p:childTnLst>
+                                    <p:set>
+                                      <p:cBhvr>
+                                        <p:cTn id="59" dur="1" fill="hold">
+                                          <p:stCondLst>
+                                            <p:cond delay="0"/>
+                                          </p:stCondLst>
+                                        </p:cTn>
+                                        <p:tgtEl>
+                                          <p:spTgt spid="2">
+                                            <p:txEl>
+                                              <p:pRg st="20" end="20"/>
+                                            </p:txEl>
+                                          </p:spTgt>
+                                        </p:tgtEl>
+                                        <p:attrNameLst>
+                                          <p:attrName>style.visibility</p:attrName>
+                                        </p:attrNameLst>
+                                      </p:cBhvr>
+                                      <p:to>
+                                        <p:strVal val="visible"/>
+                                      </p:to>
+                                    </p:set>
+                                    <p:animEffect transition="in" filter="fade">
+                                      <p:cBhvr>
+                                        <p:cTn id="60" dur="500"/>
+                                        <p:tgtEl>
+                                          <p:spTgt spid="2">
+                                            <p:txEl>
+                                              <p:pRg st="20" end="20"/>
+                                            </p:txEl>
+                                          </p:spTgt>
+                                        </p:tgtEl>
+                                      </p:cBhvr>
+                                    </p:animEffect>
+                                  </p:childTnLst>
+                                </p:cTn>
+                              </p:par>
+                            </p:childTnLst>
+                          </p:cTn>
+                        </p:par>
+                      </p:childTnLst>
+                    </p:cTn>
+                  </p:par>
+                </p:childTnLst>
+              </p:cTn>
+              <p:prevCondLst>
+                <p:cond evt="onPrev" delay="0">
+                  <p:tgtEl>
+                    <p:sldTgt/>
+                  </p:tgtEl>
+                </p:cond>
+              </p:prevCondLst>
+              <p:nextCondLst>
+                <p:cond evt="onNext" delay="0">
+                  <p:tgtEl>
+                    <p:sldTgt/>
+                  </p:tgtEl>
+                </p:cond>
+              </p:nextCondLst>
+            </p:seq>
+          </p:childTnLst>
+        </p:cTn>
+      </p:par>
+    </p:tnLst>
+  </p:timing>
 </p:sld>
 </file>
 
@@ -11034,7 +11834,7 @@
                 <a:latin typeface="Calibri" panose="020F0502020204030204" pitchFamily="34" charset="0"/>
                 <a:cs typeface="Calibri" panose="020F0502020204030204" pitchFamily="34" charset="0"/>
               </a:rPr>
-              <a:t>conversation after studying the codes for both. It appears that minimal changes in TerriaMap and GSKY codes will enable us to get the list of files that go into the aggregate map. TerriaMap is open source. I have played with it and believe that after sorting out some server issues it can be installed locally and then be able to change the code to suit. This, however, has not been tested. I am reasonably confident to change the GSKY code to achieve our aim. My current knowledge about Thredds is minimal too and, hence, there may be logical errors in the proposal.</a:t>
+              <a:t>conversation after studying the codes for both. It appears that minimal changes in TerriaJS and GSKY codes will enable us to get the list of files that go into the aggregate map. TerriaJS is open source, but perhaps TerriaMap is copyrighted. I have played with TerriaJS and believe that after sorting out some server issues it can be installed locally and then be able to change the code to suit. This, however, has not been tested. I am reasonably confident to change the GSKY code. My current knowledge about Thredds is minimal too and, hence, there may be logical errors in the proposal.</a:t>
             </a:r>
             <a:endParaRPr lang="en-AU" sz="800">
               <a:latin typeface="Calibri" panose="020F0502020204030204" pitchFamily="34" charset="0"/>
@@ -13791,6 +14591,1516 @@
                                   </p:childTnLst>
                                 </p:cTn>
                               </p:par>
+                              <p:par>
+                                <p:cTn id="8" presetID="10" presetClass="entr" presetSubtype="0" fill="hold" nodeType="withEffect">
+                                  <p:stCondLst>
+                                    <p:cond delay="0"/>
+                                  </p:stCondLst>
+                                  <p:childTnLst>
+                                    <p:set>
+                                      <p:cBhvr>
+                                        <p:cTn id="9" dur="1" fill="hold">
+                                          <p:stCondLst>
+                                            <p:cond delay="0"/>
+                                          </p:stCondLst>
+                                        </p:cTn>
+                                        <p:tgtEl>
+                                          <p:spTgt spid="3">
+                                            <p:txEl>
+                                              <p:pRg st="1" end="1"/>
+                                            </p:txEl>
+                                          </p:spTgt>
+                                        </p:tgtEl>
+                                        <p:attrNameLst>
+                                          <p:attrName>style.visibility</p:attrName>
+                                        </p:attrNameLst>
+                                      </p:cBhvr>
+                                      <p:to>
+                                        <p:strVal val="visible"/>
+                                      </p:to>
+                                    </p:set>
+                                    <p:animEffect transition="in" filter="fade">
+                                      <p:cBhvr>
+                                        <p:cTn id="10" dur="500"/>
+                                        <p:tgtEl>
+                                          <p:spTgt spid="3">
+                                            <p:txEl>
+                                              <p:pRg st="1" end="1"/>
+                                            </p:txEl>
+                                          </p:spTgt>
+                                        </p:tgtEl>
+                                      </p:cBhvr>
+                                    </p:animEffect>
+                                  </p:childTnLst>
+                                </p:cTn>
+                              </p:par>
+                              <p:par>
+                                <p:cTn id="11" presetID="10" presetClass="entr" presetSubtype="0" fill="hold" nodeType="withEffect">
+                                  <p:stCondLst>
+                                    <p:cond delay="0"/>
+                                  </p:stCondLst>
+                                  <p:childTnLst>
+                                    <p:set>
+                                      <p:cBhvr>
+                                        <p:cTn id="12" dur="1" fill="hold">
+                                          <p:stCondLst>
+                                            <p:cond delay="0"/>
+                                          </p:stCondLst>
+                                        </p:cTn>
+                                        <p:tgtEl>
+                                          <p:spTgt spid="3">
+                                            <p:txEl>
+                                              <p:pRg st="2" end="2"/>
+                                            </p:txEl>
+                                          </p:spTgt>
+                                        </p:tgtEl>
+                                        <p:attrNameLst>
+                                          <p:attrName>style.visibility</p:attrName>
+                                        </p:attrNameLst>
+                                      </p:cBhvr>
+                                      <p:to>
+                                        <p:strVal val="visible"/>
+                                      </p:to>
+                                    </p:set>
+                                    <p:animEffect transition="in" filter="fade">
+                                      <p:cBhvr>
+                                        <p:cTn id="13" dur="500"/>
+                                        <p:tgtEl>
+                                          <p:spTgt spid="3">
+                                            <p:txEl>
+                                              <p:pRg st="2" end="2"/>
+                                            </p:txEl>
+                                          </p:spTgt>
+                                        </p:tgtEl>
+                                      </p:cBhvr>
+                                    </p:animEffect>
+                                  </p:childTnLst>
+                                </p:cTn>
+                              </p:par>
+                              <p:par>
+                                <p:cTn id="14" presetID="10" presetClass="entr" presetSubtype="0" fill="hold" nodeType="withEffect">
+                                  <p:stCondLst>
+                                    <p:cond delay="0"/>
+                                  </p:stCondLst>
+                                  <p:childTnLst>
+                                    <p:set>
+                                      <p:cBhvr>
+                                        <p:cTn id="15" dur="1" fill="hold">
+                                          <p:stCondLst>
+                                            <p:cond delay="0"/>
+                                          </p:stCondLst>
+                                        </p:cTn>
+                                        <p:tgtEl>
+                                          <p:spTgt spid="3">
+                                            <p:txEl>
+                                              <p:pRg st="3" end="3"/>
+                                            </p:txEl>
+                                          </p:spTgt>
+                                        </p:tgtEl>
+                                        <p:attrNameLst>
+                                          <p:attrName>style.visibility</p:attrName>
+                                        </p:attrNameLst>
+                                      </p:cBhvr>
+                                      <p:to>
+                                        <p:strVal val="visible"/>
+                                      </p:to>
+                                    </p:set>
+                                    <p:animEffect transition="in" filter="fade">
+                                      <p:cBhvr>
+                                        <p:cTn id="16" dur="500"/>
+                                        <p:tgtEl>
+                                          <p:spTgt spid="3">
+                                            <p:txEl>
+                                              <p:pRg st="3" end="3"/>
+                                            </p:txEl>
+                                          </p:spTgt>
+                                        </p:tgtEl>
+                                      </p:cBhvr>
+                                    </p:animEffect>
+                                  </p:childTnLst>
+                                </p:cTn>
+                              </p:par>
+                            </p:childTnLst>
+                          </p:cTn>
+                        </p:par>
+                      </p:childTnLst>
+                    </p:cTn>
+                  </p:par>
+                  <p:par>
+                    <p:cTn id="17" fill="hold">
+                      <p:stCondLst>
+                        <p:cond delay="indefinite"/>
+                      </p:stCondLst>
+                      <p:childTnLst>
+                        <p:par>
+                          <p:cTn id="18" fill="hold">
+                            <p:stCondLst>
+                              <p:cond delay="0"/>
+                            </p:stCondLst>
+                            <p:childTnLst>
+                              <p:par>
+                                <p:cTn id="19" presetID="10" presetClass="entr" presetSubtype="0" fill="hold" nodeType="clickEffect">
+                                  <p:stCondLst>
+                                    <p:cond delay="0"/>
+                                  </p:stCondLst>
+                                  <p:childTnLst>
+                                    <p:set>
+                                      <p:cBhvr>
+                                        <p:cTn id="20" dur="1" fill="hold">
+                                          <p:stCondLst>
+                                            <p:cond delay="0"/>
+                                          </p:stCondLst>
+                                        </p:cTn>
+                                        <p:tgtEl>
+                                          <p:spTgt spid="3">
+                                            <p:txEl>
+                                              <p:pRg st="4" end="4"/>
+                                            </p:txEl>
+                                          </p:spTgt>
+                                        </p:tgtEl>
+                                        <p:attrNameLst>
+                                          <p:attrName>style.visibility</p:attrName>
+                                        </p:attrNameLst>
+                                      </p:cBhvr>
+                                      <p:to>
+                                        <p:strVal val="visible"/>
+                                      </p:to>
+                                    </p:set>
+                                    <p:animEffect transition="in" filter="fade">
+                                      <p:cBhvr>
+                                        <p:cTn id="21" dur="500"/>
+                                        <p:tgtEl>
+                                          <p:spTgt spid="3">
+                                            <p:txEl>
+                                              <p:pRg st="4" end="4"/>
+                                            </p:txEl>
+                                          </p:spTgt>
+                                        </p:tgtEl>
+                                      </p:cBhvr>
+                                    </p:animEffect>
+                                  </p:childTnLst>
+                                </p:cTn>
+                              </p:par>
+                              <p:par>
+                                <p:cTn id="22" presetID="10" presetClass="entr" presetSubtype="0" fill="hold" nodeType="withEffect">
+                                  <p:stCondLst>
+                                    <p:cond delay="0"/>
+                                  </p:stCondLst>
+                                  <p:childTnLst>
+                                    <p:set>
+                                      <p:cBhvr>
+                                        <p:cTn id="23" dur="1" fill="hold">
+                                          <p:stCondLst>
+                                            <p:cond delay="0"/>
+                                          </p:stCondLst>
+                                        </p:cTn>
+                                        <p:tgtEl>
+                                          <p:spTgt spid="3">
+                                            <p:txEl>
+                                              <p:pRg st="5" end="5"/>
+                                            </p:txEl>
+                                          </p:spTgt>
+                                        </p:tgtEl>
+                                        <p:attrNameLst>
+                                          <p:attrName>style.visibility</p:attrName>
+                                        </p:attrNameLst>
+                                      </p:cBhvr>
+                                      <p:to>
+                                        <p:strVal val="visible"/>
+                                      </p:to>
+                                    </p:set>
+                                    <p:animEffect transition="in" filter="fade">
+                                      <p:cBhvr>
+                                        <p:cTn id="24" dur="500"/>
+                                        <p:tgtEl>
+                                          <p:spTgt spid="3">
+                                            <p:txEl>
+                                              <p:pRg st="5" end="5"/>
+                                            </p:txEl>
+                                          </p:spTgt>
+                                        </p:tgtEl>
+                                      </p:cBhvr>
+                                    </p:animEffect>
+                                  </p:childTnLst>
+                                </p:cTn>
+                              </p:par>
+                              <p:par>
+                                <p:cTn id="25" presetID="10" presetClass="entr" presetSubtype="0" fill="hold" nodeType="withEffect">
+                                  <p:stCondLst>
+                                    <p:cond delay="0"/>
+                                  </p:stCondLst>
+                                  <p:childTnLst>
+                                    <p:set>
+                                      <p:cBhvr>
+                                        <p:cTn id="26" dur="1" fill="hold">
+                                          <p:stCondLst>
+                                            <p:cond delay="0"/>
+                                          </p:stCondLst>
+                                        </p:cTn>
+                                        <p:tgtEl>
+                                          <p:spTgt spid="3">
+                                            <p:txEl>
+                                              <p:pRg st="6" end="6"/>
+                                            </p:txEl>
+                                          </p:spTgt>
+                                        </p:tgtEl>
+                                        <p:attrNameLst>
+                                          <p:attrName>style.visibility</p:attrName>
+                                        </p:attrNameLst>
+                                      </p:cBhvr>
+                                      <p:to>
+                                        <p:strVal val="visible"/>
+                                      </p:to>
+                                    </p:set>
+                                    <p:animEffect transition="in" filter="fade">
+                                      <p:cBhvr>
+                                        <p:cTn id="27" dur="500"/>
+                                        <p:tgtEl>
+                                          <p:spTgt spid="3">
+                                            <p:txEl>
+                                              <p:pRg st="6" end="6"/>
+                                            </p:txEl>
+                                          </p:spTgt>
+                                        </p:tgtEl>
+                                      </p:cBhvr>
+                                    </p:animEffect>
+                                  </p:childTnLst>
+                                </p:cTn>
+                              </p:par>
+                              <p:par>
+                                <p:cTn id="28" presetID="10" presetClass="entr" presetSubtype="0" fill="hold" nodeType="withEffect">
+                                  <p:stCondLst>
+                                    <p:cond delay="0"/>
+                                  </p:stCondLst>
+                                  <p:childTnLst>
+                                    <p:set>
+                                      <p:cBhvr>
+                                        <p:cTn id="29" dur="1" fill="hold">
+                                          <p:stCondLst>
+                                            <p:cond delay="0"/>
+                                          </p:stCondLst>
+                                        </p:cTn>
+                                        <p:tgtEl>
+                                          <p:spTgt spid="3">
+                                            <p:txEl>
+                                              <p:pRg st="7" end="7"/>
+                                            </p:txEl>
+                                          </p:spTgt>
+                                        </p:tgtEl>
+                                        <p:attrNameLst>
+                                          <p:attrName>style.visibility</p:attrName>
+                                        </p:attrNameLst>
+                                      </p:cBhvr>
+                                      <p:to>
+                                        <p:strVal val="visible"/>
+                                      </p:to>
+                                    </p:set>
+                                    <p:animEffect transition="in" filter="fade">
+                                      <p:cBhvr>
+                                        <p:cTn id="30" dur="500"/>
+                                        <p:tgtEl>
+                                          <p:spTgt spid="3">
+                                            <p:txEl>
+                                              <p:pRg st="7" end="7"/>
+                                            </p:txEl>
+                                          </p:spTgt>
+                                        </p:tgtEl>
+                                      </p:cBhvr>
+                                    </p:animEffect>
+                                  </p:childTnLst>
+                                </p:cTn>
+                              </p:par>
+                              <p:par>
+                                <p:cTn id="31" presetID="10" presetClass="entr" presetSubtype="0" fill="hold" nodeType="withEffect">
+                                  <p:stCondLst>
+                                    <p:cond delay="0"/>
+                                  </p:stCondLst>
+                                  <p:childTnLst>
+                                    <p:set>
+                                      <p:cBhvr>
+                                        <p:cTn id="32" dur="1" fill="hold">
+                                          <p:stCondLst>
+                                            <p:cond delay="0"/>
+                                          </p:stCondLst>
+                                        </p:cTn>
+                                        <p:tgtEl>
+                                          <p:spTgt spid="3">
+                                            <p:txEl>
+                                              <p:pRg st="8" end="8"/>
+                                            </p:txEl>
+                                          </p:spTgt>
+                                        </p:tgtEl>
+                                        <p:attrNameLst>
+                                          <p:attrName>style.visibility</p:attrName>
+                                        </p:attrNameLst>
+                                      </p:cBhvr>
+                                      <p:to>
+                                        <p:strVal val="visible"/>
+                                      </p:to>
+                                    </p:set>
+                                    <p:animEffect transition="in" filter="fade">
+                                      <p:cBhvr>
+                                        <p:cTn id="33" dur="500"/>
+                                        <p:tgtEl>
+                                          <p:spTgt spid="3">
+                                            <p:txEl>
+                                              <p:pRg st="8" end="8"/>
+                                            </p:txEl>
+                                          </p:spTgt>
+                                        </p:tgtEl>
+                                      </p:cBhvr>
+                                    </p:animEffect>
+                                  </p:childTnLst>
+                                </p:cTn>
+                              </p:par>
+                            </p:childTnLst>
+                          </p:cTn>
+                        </p:par>
+                      </p:childTnLst>
+                    </p:cTn>
+                  </p:par>
+                  <p:par>
+                    <p:cTn id="34" fill="hold">
+                      <p:stCondLst>
+                        <p:cond delay="indefinite"/>
+                      </p:stCondLst>
+                      <p:childTnLst>
+                        <p:par>
+                          <p:cTn id="35" fill="hold">
+                            <p:stCondLst>
+                              <p:cond delay="0"/>
+                            </p:stCondLst>
+                            <p:childTnLst>
+                              <p:par>
+                                <p:cTn id="36" presetID="10" presetClass="entr" presetSubtype="0" fill="hold" nodeType="clickEffect">
+                                  <p:stCondLst>
+                                    <p:cond delay="0"/>
+                                  </p:stCondLst>
+                                  <p:childTnLst>
+                                    <p:set>
+                                      <p:cBhvr>
+                                        <p:cTn id="37" dur="1" fill="hold">
+                                          <p:stCondLst>
+                                            <p:cond delay="0"/>
+                                          </p:stCondLst>
+                                        </p:cTn>
+                                        <p:tgtEl>
+                                          <p:spTgt spid="3">
+                                            <p:txEl>
+                                              <p:pRg st="9" end="9"/>
+                                            </p:txEl>
+                                          </p:spTgt>
+                                        </p:tgtEl>
+                                        <p:attrNameLst>
+                                          <p:attrName>style.visibility</p:attrName>
+                                        </p:attrNameLst>
+                                      </p:cBhvr>
+                                      <p:to>
+                                        <p:strVal val="visible"/>
+                                      </p:to>
+                                    </p:set>
+                                    <p:animEffect transition="in" filter="fade">
+                                      <p:cBhvr>
+                                        <p:cTn id="38" dur="500"/>
+                                        <p:tgtEl>
+                                          <p:spTgt spid="3">
+                                            <p:txEl>
+                                              <p:pRg st="9" end="9"/>
+                                            </p:txEl>
+                                          </p:spTgt>
+                                        </p:tgtEl>
+                                      </p:cBhvr>
+                                    </p:animEffect>
+                                  </p:childTnLst>
+                                </p:cTn>
+                              </p:par>
+                              <p:par>
+                                <p:cTn id="39" presetID="10" presetClass="entr" presetSubtype="0" fill="hold" nodeType="withEffect">
+                                  <p:stCondLst>
+                                    <p:cond delay="0"/>
+                                  </p:stCondLst>
+                                  <p:childTnLst>
+                                    <p:set>
+                                      <p:cBhvr>
+                                        <p:cTn id="40" dur="1" fill="hold">
+                                          <p:stCondLst>
+                                            <p:cond delay="0"/>
+                                          </p:stCondLst>
+                                        </p:cTn>
+                                        <p:tgtEl>
+                                          <p:spTgt spid="3">
+                                            <p:txEl>
+                                              <p:pRg st="10" end="10"/>
+                                            </p:txEl>
+                                          </p:spTgt>
+                                        </p:tgtEl>
+                                        <p:attrNameLst>
+                                          <p:attrName>style.visibility</p:attrName>
+                                        </p:attrNameLst>
+                                      </p:cBhvr>
+                                      <p:to>
+                                        <p:strVal val="visible"/>
+                                      </p:to>
+                                    </p:set>
+                                    <p:animEffect transition="in" filter="fade">
+                                      <p:cBhvr>
+                                        <p:cTn id="41" dur="500"/>
+                                        <p:tgtEl>
+                                          <p:spTgt spid="3">
+                                            <p:txEl>
+                                              <p:pRg st="10" end="10"/>
+                                            </p:txEl>
+                                          </p:spTgt>
+                                        </p:tgtEl>
+                                      </p:cBhvr>
+                                    </p:animEffect>
+                                  </p:childTnLst>
+                                </p:cTn>
+                              </p:par>
+                            </p:childTnLst>
+                          </p:cTn>
+                        </p:par>
+                      </p:childTnLst>
+                    </p:cTn>
+                  </p:par>
+                  <p:par>
+                    <p:cTn id="42" fill="hold">
+                      <p:stCondLst>
+                        <p:cond delay="indefinite"/>
+                      </p:stCondLst>
+                      <p:childTnLst>
+                        <p:par>
+                          <p:cTn id="43" fill="hold">
+                            <p:stCondLst>
+                              <p:cond delay="0"/>
+                            </p:stCondLst>
+                            <p:childTnLst>
+                              <p:par>
+                                <p:cTn id="44" presetID="10" presetClass="entr" presetSubtype="0" fill="hold" nodeType="clickEffect">
+                                  <p:stCondLst>
+                                    <p:cond delay="0"/>
+                                  </p:stCondLst>
+                                  <p:childTnLst>
+                                    <p:set>
+                                      <p:cBhvr>
+                                        <p:cTn id="45" dur="1" fill="hold">
+                                          <p:stCondLst>
+                                            <p:cond delay="0"/>
+                                          </p:stCondLst>
+                                        </p:cTn>
+                                        <p:tgtEl>
+                                          <p:spTgt spid="3">
+                                            <p:txEl>
+                                              <p:pRg st="11" end="11"/>
+                                            </p:txEl>
+                                          </p:spTgt>
+                                        </p:tgtEl>
+                                        <p:attrNameLst>
+                                          <p:attrName>style.visibility</p:attrName>
+                                        </p:attrNameLst>
+                                      </p:cBhvr>
+                                      <p:to>
+                                        <p:strVal val="visible"/>
+                                      </p:to>
+                                    </p:set>
+                                    <p:animEffect transition="in" filter="fade">
+                                      <p:cBhvr>
+                                        <p:cTn id="46" dur="500"/>
+                                        <p:tgtEl>
+                                          <p:spTgt spid="3">
+                                            <p:txEl>
+                                              <p:pRg st="11" end="11"/>
+                                            </p:txEl>
+                                          </p:spTgt>
+                                        </p:tgtEl>
+                                      </p:cBhvr>
+                                    </p:animEffect>
+                                  </p:childTnLst>
+                                </p:cTn>
+                              </p:par>
+                              <p:par>
+                                <p:cTn id="47" presetID="10" presetClass="entr" presetSubtype="0" fill="hold" nodeType="withEffect">
+                                  <p:stCondLst>
+                                    <p:cond delay="0"/>
+                                  </p:stCondLst>
+                                  <p:childTnLst>
+                                    <p:set>
+                                      <p:cBhvr>
+                                        <p:cTn id="48" dur="1" fill="hold">
+                                          <p:stCondLst>
+                                            <p:cond delay="0"/>
+                                          </p:stCondLst>
+                                        </p:cTn>
+                                        <p:tgtEl>
+                                          <p:spTgt spid="3">
+                                            <p:txEl>
+                                              <p:pRg st="12" end="12"/>
+                                            </p:txEl>
+                                          </p:spTgt>
+                                        </p:tgtEl>
+                                        <p:attrNameLst>
+                                          <p:attrName>style.visibility</p:attrName>
+                                        </p:attrNameLst>
+                                      </p:cBhvr>
+                                      <p:to>
+                                        <p:strVal val="visible"/>
+                                      </p:to>
+                                    </p:set>
+                                    <p:animEffect transition="in" filter="fade">
+                                      <p:cBhvr>
+                                        <p:cTn id="49" dur="500"/>
+                                        <p:tgtEl>
+                                          <p:spTgt spid="3">
+                                            <p:txEl>
+                                              <p:pRg st="12" end="12"/>
+                                            </p:txEl>
+                                          </p:spTgt>
+                                        </p:tgtEl>
+                                      </p:cBhvr>
+                                    </p:animEffect>
+                                  </p:childTnLst>
+                                </p:cTn>
+                              </p:par>
+                              <p:par>
+                                <p:cTn id="50" presetID="10" presetClass="entr" presetSubtype="0" fill="hold" nodeType="withEffect">
+                                  <p:stCondLst>
+                                    <p:cond delay="0"/>
+                                  </p:stCondLst>
+                                  <p:childTnLst>
+                                    <p:set>
+                                      <p:cBhvr>
+                                        <p:cTn id="51" dur="1" fill="hold">
+                                          <p:stCondLst>
+                                            <p:cond delay="0"/>
+                                          </p:stCondLst>
+                                        </p:cTn>
+                                        <p:tgtEl>
+                                          <p:spTgt spid="3">
+                                            <p:txEl>
+                                              <p:pRg st="13" end="13"/>
+                                            </p:txEl>
+                                          </p:spTgt>
+                                        </p:tgtEl>
+                                        <p:attrNameLst>
+                                          <p:attrName>style.visibility</p:attrName>
+                                        </p:attrNameLst>
+                                      </p:cBhvr>
+                                      <p:to>
+                                        <p:strVal val="visible"/>
+                                      </p:to>
+                                    </p:set>
+                                    <p:animEffect transition="in" filter="fade">
+                                      <p:cBhvr>
+                                        <p:cTn id="52" dur="500"/>
+                                        <p:tgtEl>
+                                          <p:spTgt spid="3">
+                                            <p:txEl>
+                                              <p:pRg st="13" end="13"/>
+                                            </p:txEl>
+                                          </p:spTgt>
+                                        </p:tgtEl>
+                                      </p:cBhvr>
+                                    </p:animEffect>
+                                  </p:childTnLst>
+                                </p:cTn>
+                              </p:par>
+                              <p:par>
+                                <p:cTn id="53" presetID="10" presetClass="entr" presetSubtype="0" fill="hold" nodeType="withEffect">
+                                  <p:stCondLst>
+                                    <p:cond delay="0"/>
+                                  </p:stCondLst>
+                                  <p:childTnLst>
+                                    <p:set>
+                                      <p:cBhvr>
+                                        <p:cTn id="54" dur="1" fill="hold">
+                                          <p:stCondLst>
+                                            <p:cond delay="0"/>
+                                          </p:stCondLst>
+                                        </p:cTn>
+                                        <p:tgtEl>
+                                          <p:spTgt spid="3">
+                                            <p:txEl>
+                                              <p:pRg st="14" end="14"/>
+                                            </p:txEl>
+                                          </p:spTgt>
+                                        </p:tgtEl>
+                                        <p:attrNameLst>
+                                          <p:attrName>style.visibility</p:attrName>
+                                        </p:attrNameLst>
+                                      </p:cBhvr>
+                                      <p:to>
+                                        <p:strVal val="visible"/>
+                                      </p:to>
+                                    </p:set>
+                                    <p:animEffect transition="in" filter="fade">
+                                      <p:cBhvr>
+                                        <p:cTn id="55" dur="500"/>
+                                        <p:tgtEl>
+                                          <p:spTgt spid="3">
+                                            <p:txEl>
+                                              <p:pRg st="14" end="14"/>
+                                            </p:txEl>
+                                          </p:spTgt>
+                                        </p:tgtEl>
+                                      </p:cBhvr>
+                                    </p:animEffect>
+                                  </p:childTnLst>
+                                </p:cTn>
+                              </p:par>
+                              <p:par>
+                                <p:cTn id="56" presetID="10" presetClass="entr" presetSubtype="0" fill="hold" nodeType="withEffect">
+                                  <p:stCondLst>
+                                    <p:cond delay="0"/>
+                                  </p:stCondLst>
+                                  <p:childTnLst>
+                                    <p:set>
+                                      <p:cBhvr>
+                                        <p:cTn id="57" dur="1" fill="hold">
+                                          <p:stCondLst>
+                                            <p:cond delay="0"/>
+                                          </p:stCondLst>
+                                        </p:cTn>
+                                        <p:tgtEl>
+                                          <p:spTgt spid="3">
+                                            <p:txEl>
+                                              <p:pRg st="15" end="15"/>
+                                            </p:txEl>
+                                          </p:spTgt>
+                                        </p:tgtEl>
+                                        <p:attrNameLst>
+                                          <p:attrName>style.visibility</p:attrName>
+                                        </p:attrNameLst>
+                                      </p:cBhvr>
+                                      <p:to>
+                                        <p:strVal val="visible"/>
+                                      </p:to>
+                                    </p:set>
+                                    <p:animEffect transition="in" filter="fade">
+                                      <p:cBhvr>
+                                        <p:cTn id="58" dur="500"/>
+                                        <p:tgtEl>
+                                          <p:spTgt spid="3">
+                                            <p:txEl>
+                                              <p:pRg st="15" end="15"/>
+                                            </p:txEl>
+                                          </p:spTgt>
+                                        </p:tgtEl>
+                                      </p:cBhvr>
+                                    </p:animEffect>
+                                  </p:childTnLst>
+                                </p:cTn>
+                              </p:par>
+                              <p:par>
+                                <p:cTn id="59" presetID="10" presetClass="entr" presetSubtype="0" fill="hold" nodeType="withEffect">
+                                  <p:stCondLst>
+                                    <p:cond delay="0"/>
+                                  </p:stCondLst>
+                                  <p:childTnLst>
+                                    <p:set>
+                                      <p:cBhvr>
+                                        <p:cTn id="60" dur="1" fill="hold">
+                                          <p:stCondLst>
+                                            <p:cond delay="0"/>
+                                          </p:stCondLst>
+                                        </p:cTn>
+                                        <p:tgtEl>
+                                          <p:spTgt spid="3">
+                                            <p:txEl>
+                                              <p:pRg st="16" end="16"/>
+                                            </p:txEl>
+                                          </p:spTgt>
+                                        </p:tgtEl>
+                                        <p:attrNameLst>
+                                          <p:attrName>style.visibility</p:attrName>
+                                        </p:attrNameLst>
+                                      </p:cBhvr>
+                                      <p:to>
+                                        <p:strVal val="visible"/>
+                                      </p:to>
+                                    </p:set>
+                                    <p:animEffect transition="in" filter="fade">
+                                      <p:cBhvr>
+                                        <p:cTn id="61" dur="500"/>
+                                        <p:tgtEl>
+                                          <p:spTgt spid="3">
+                                            <p:txEl>
+                                              <p:pRg st="16" end="16"/>
+                                            </p:txEl>
+                                          </p:spTgt>
+                                        </p:tgtEl>
+                                      </p:cBhvr>
+                                    </p:animEffect>
+                                  </p:childTnLst>
+                                </p:cTn>
+                              </p:par>
+                              <p:par>
+                                <p:cTn id="62" presetID="10" presetClass="entr" presetSubtype="0" fill="hold" nodeType="withEffect">
+                                  <p:stCondLst>
+                                    <p:cond delay="0"/>
+                                  </p:stCondLst>
+                                  <p:childTnLst>
+                                    <p:set>
+                                      <p:cBhvr>
+                                        <p:cTn id="63" dur="1" fill="hold">
+                                          <p:stCondLst>
+                                            <p:cond delay="0"/>
+                                          </p:stCondLst>
+                                        </p:cTn>
+                                        <p:tgtEl>
+                                          <p:spTgt spid="3">
+                                            <p:txEl>
+                                              <p:pRg st="17" end="17"/>
+                                            </p:txEl>
+                                          </p:spTgt>
+                                        </p:tgtEl>
+                                        <p:attrNameLst>
+                                          <p:attrName>style.visibility</p:attrName>
+                                        </p:attrNameLst>
+                                      </p:cBhvr>
+                                      <p:to>
+                                        <p:strVal val="visible"/>
+                                      </p:to>
+                                    </p:set>
+                                    <p:animEffect transition="in" filter="fade">
+                                      <p:cBhvr>
+                                        <p:cTn id="64" dur="500"/>
+                                        <p:tgtEl>
+                                          <p:spTgt spid="3">
+                                            <p:txEl>
+                                              <p:pRg st="17" end="17"/>
+                                            </p:txEl>
+                                          </p:spTgt>
+                                        </p:tgtEl>
+                                      </p:cBhvr>
+                                    </p:animEffect>
+                                  </p:childTnLst>
+                                </p:cTn>
+                              </p:par>
+                              <p:par>
+                                <p:cTn id="65" presetID="10" presetClass="entr" presetSubtype="0" fill="hold" nodeType="withEffect">
+                                  <p:stCondLst>
+                                    <p:cond delay="0"/>
+                                  </p:stCondLst>
+                                  <p:childTnLst>
+                                    <p:set>
+                                      <p:cBhvr>
+                                        <p:cTn id="66" dur="1" fill="hold">
+                                          <p:stCondLst>
+                                            <p:cond delay="0"/>
+                                          </p:stCondLst>
+                                        </p:cTn>
+                                        <p:tgtEl>
+                                          <p:spTgt spid="3">
+                                            <p:txEl>
+                                              <p:pRg st="18" end="18"/>
+                                            </p:txEl>
+                                          </p:spTgt>
+                                        </p:tgtEl>
+                                        <p:attrNameLst>
+                                          <p:attrName>style.visibility</p:attrName>
+                                        </p:attrNameLst>
+                                      </p:cBhvr>
+                                      <p:to>
+                                        <p:strVal val="visible"/>
+                                      </p:to>
+                                    </p:set>
+                                    <p:animEffect transition="in" filter="fade">
+                                      <p:cBhvr>
+                                        <p:cTn id="67" dur="500"/>
+                                        <p:tgtEl>
+                                          <p:spTgt spid="3">
+                                            <p:txEl>
+                                              <p:pRg st="18" end="18"/>
+                                            </p:txEl>
+                                          </p:spTgt>
+                                        </p:tgtEl>
+                                      </p:cBhvr>
+                                    </p:animEffect>
+                                  </p:childTnLst>
+                                </p:cTn>
+                              </p:par>
+                              <p:par>
+                                <p:cTn id="68" presetID="10" presetClass="entr" presetSubtype="0" fill="hold" nodeType="withEffect">
+                                  <p:stCondLst>
+                                    <p:cond delay="0"/>
+                                  </p:stCondLst>
+                                  <p:childTnLst>
+                                    <p:set>
+                                      <p:cBhvr>
+                                        <p:cTn id="69" dur="1" fill="hold">
+                                          <p:stCondLst>
+                                            <p:cond delay="0"/>
+                                          </p:stCondLst>
+                                        </p:cTn>
+                                        <p:tgtEl>
+                                          <p:spTgt spid="3">
+                                            <p:txEl>
+                                              <p:pRg st="19" end="19"/>
+                                            </p:txEl>
+                                          </p:spTgt>
+                                        </p:tgtEl>
+                                        <p:attrNameLst>
+                                          <p:attrName>style.visibility</p:attrName>
+                                        </p:attrNameLst>
+                                      </p:cBhvr>
+                                      <p:to>
+                                        <p:strVal val="visible"/>
+                                      </p:to>
+                                    </p:set>
+                                    <p:animEffect transition="in" filter="fade">
+                                      <p:cBhvr>
+                                        <p:cTn id="70" dur="500"/>
+                                        <p:tgtEl>
+                                          <p:spTgt spid="3">
+                                            <p:txEl>
+                                              <p:pRg st="19" end="19"/>
+                                            </p:txEl>
+                                          </p:spTgt>
+                                        </p:tgtEl>
+                                      </p:cBhvr>
+                                    </p:animEffect>
+                                  </p:childTnLst>
+                                </p:cTn>
+                              </p:par>
+                              <p:par>
+                                <p:cTn id="71" presetID="10" presetClass="entr" presetSubtype="0" fill="hold" nodeType="withEffect">
+                                  <p:stCondLst>
+                                    <p:cond delay="0"/>
+                                  </p:stCondLst>
+                                  <p:childTnLst>
+                                    <p:set>
+                                      <p:cBhvr>
+                                        <p:cTn id="72" dur="1" fill="hold">
+                                          <p:stCondLst>
+                                            <p:cond delay="0"/>
+                                          </p:stCondLst>
+                                        </p:cTn>
+                                        <p:tgtEl>
+                                          <p:spTgt spid="3">
+                                            <p:txEl>
+                                              <p:pRg st="20" end="20"/>
+                                            </p:txEl>
+                                          </p:spTgt>
+                                        </p:tgtEl>
+                                        <p:attrNameLst>
+                                          <p:attrName>style.visibility</p:attrName>
+                                        </p:attrNameLst>
+                                      </p:cBhvr>
+                                      <p:to>
+                                        <p:strVal val="visible"/>
+                                      </p:to>
+                                    </p:set>
+                                    <p:animEffect transition="in" filter="fade">
+                                      <p:cBhvr>
+                                        <p:cTn id="73" dur="500"/>
+                                        <p:tgtEl>
+                                          <p:spTgt spid="3">
+                                            <p:txEl>
+                                              <p:pRg st="20" end="20"/>
+                                            </p:txEl>
+                                          </p:spTgt>
+                                        </p:tgtEl>
+                                      </p:cBhvr>
+                                    </p:animEffect>
+                                  </p:childTnLst>
+                                </p:cTn>
+                              </p:par>
+                              <p:par>
+                                <p:cTn id="74" presetID="10" presetClass="entr" presetSubtype="0" fill="hold" nodeType="withEffect">
+                                  <p:stCondLst>
+                                    <p:cond delay="0"/>
+                                  </p:stCondLst>
+                                  <p:childTnLst>
+                                    <p:set>
+                                      <p:cBhvr>
+                                        <p:cTn id="75" dur="1" fill="hold">
+                                          <p:stCondLst>
+                                            <p:cond delay="0"/>
+                                          </p:stCondLst>
+                                        </p:cTn>
+                                        <p:tgtEl>
+                                          <p:spTgt spid="3">
+                                            <p:txEl>
+                                              <p:pRg st="21" end="21"/>
+                                            </p:txEl>
+                                          </p:spTgt>
+                                        </p:tgtEl>
+                                        <p:attrNameLst>
+                                          <p:attrName>style.visibility</p:attrName>
+                                        </p:attrNameLst>
+                                      </p:cBhvr>
+                                      <p:to>
+                                        <p:strVal val="visible"/>
+                                      </p:to>
+                                    </p:set>
+                                    <p:animEffect transition="in" filter="fade">
+                                      <p:cBhvr>
+                                        <p:cTn id="76" dur="500"/>
+                                        <p:tgtEl>
+                                          <p:spTgt spid="3">
+                                            <p:txEl>
+                                              <p:pRg st="21" end="21"/>
+                                            </p:txEl>
+                                          </p:spTgt>
+                                        </p:tgtEl>
+                                      </p:cBhvr>
+                                    </p:animEffect>
+                                  </p:childTnLst>
+                                </p:cTn>
+                              </p:par>
+                              <p:par>
+                                <p:cTn id="77" presetID="10" presetClass="entr" presetSubtype="0" fill="hold" nodeType="withEffect">
+                                  <p:stCondLst>
+                                    <p:cond delay="0"/>
+                                  </p:stCondLst>
+                                  <p:childTnLst>
+                                    <p:set>
+                                      <p:cBhvr>
+                                        <p:cTn id="78" dur="1" fill="hold">
+                                          <p:stCondLst>
+                                            <p:cond delay="0"/>
+                                          </p:stCondLst>
+                                        </p:cTn>
+                                        <p:tgtEl>
+                                          <p:spTgt spid="3">
+                                            <p:txEl>
+                                              <p:pRg st="22" end="22"/>
+                                            </p:txEl>
+                                          </p:spTgt>
+                                        </p:tgtEl>
+                                        <p:attrNameLst>
+                                          <p:attrName>style.visibility</p:attrName>
+                                        </p:attrNameLst>
+                                      </p:cBhvr>
+                                      <p:to>
+                                        <p:strVal val="visible"/>
+                                      </p:to>
+                                    </p:set>
+                                    <p:animEffect transition="in" filter="fade">
+                                      <p:cBhvr>
+                                        <p:cTn id="79" dur="500"/>
+                                        <p:tgtEl>
+                                          <p:spTgt spid="3">
+                                            <p:txEl>
+                                              <p:pRg st="22" end="22"/>
+                                            </p:txEl>
+                                          </p:spTgt>
+                                        </p:tgtEl>
+                                      </p:cBhvr>
+                                    </p:animEffect>
+                                  </p:childTnLst>
+                                </p:cTn>
+                              </p:par>
+                            </p:childTnLst>
+                          </p:cTn>
+                        </p:par>
+                      </p:childTnLst>
+                    </p:cTn>
+                  </p:par>
+                </p:childTnLst>
+              </p:cTn>
+              <p:prevCondLst>
+                <p:cond evt="onPrev" delay="0">
+                  <p:tgtEl>
+                    <p:sldTgt/>
+                  </p:tgtEl>
+                </p:cond>
+              </p:prevCondLst>
+              <p:nextCondLst>
+                <p:cond evt="onNext" delay="0">
+                  <p:tgtEl>
+                    <p:sldTgt/>
+                  </p:tgtEl>
+                </p:cond>
+              </p:nextCondLst>
+            </p:seq>
+          </p:childTnLst>
+        </p:cTn>
+      </p:par>
+    </p:tnLst>
+  </p:timing>
+</p:sld>
+</file>
+
+<file path=ppt/slides/slide6.xml><?xml version="1.0" encoding="utf-8"?>
+<p:sld xmlns:a="http://schemas.openxmlformats.org/drawingml/2006/main" xmlns:r="http://schemas.openxmlformats.org/officeDocument/2006/relationships" xmlns:p="http://schemas.openxmlformats.org/presentationml/2006/main">
+  <p:cSld>
+    <p:spTree>
+      <p:nvGrpSpPr>
+        <p:cNvPr id="1" name=""/>
+        <p:cNvGrpSpPr/>
+        <p:nvPr/>
+      </p:nvGrpSpPr>
+      <p:grpSpPr>
+        <a:xfrm>
+          <a:off x="0" y="0"/>
+          <a:ext cx="0" cy="0"/>
+          <a:chOff x="0" y="0"/>
+          <a:chExt cx="0" cy="0"/>
+        </a:xfrm>
+      </p:grpSpPr>
+      <p:sp>
+        <p:nvSpPr>
+          <p:cNvPr id="54" name="TextBox 53">
+            <a:extLst>
+              <a:ext uri="{FF2B5EF4-FFF2-40B4-BE49-F238E27FC236}">
+                <a16:creationId xmlns:a16="http://schemas.microsoft.com/office/drawing/2014/main" id="{F95EE0D8-2A93-4697-B99B-8060F8234D7C}"/>
+              </a:ext>
+            </a:extLst>
+          </p:cNvPr>
+          <p:cNvSpPr txBox="1"/>
+          <p:nvPr/>
+        </p:nvSpPr>
+        <p:spPr>
+          <a:xfrm>
+            <a:off x="2037840" y="182880"/>
+            <a:ext cx="7221803" cy="646331"/>
+          </a:xfrm>
+          <a:prstGeom prst="rect">
+            <a:avLst/>
+          </a:prstGeom>
+          <a:noFill/>
+        </p:spPr>
+        <p:txBody>
+          <a:bodyPr wrap="square" rtlCol="0">
+            <a:spAutoFit/>
+          </a:bodyPr>
+          <a:lstStyle/>
+          <a:p>
+            <a:pPr algn="ctr"/>
+            <a:r>
+              <a:rPr lang="en-US" sz="3600" b="1">
+                <a:ln w="0"/>
+                <a:solidFill>
+                  <a:schemeClr val="accent4">
+                    <a:lumMod val="60000"/>
+                    <a:lumOff val="40000"/>
+                  </a:schemeClr>
+                </a:solidFill>
+                <a:effectLst>
+                  <a:reflection blurRad="6350" stA="53000" endA="300" endPos="35500" dir="5400000" sy="-90000" algn="bl" rotWithShape="0"/>
+                </a:effectLst>
+                <a:latin typeface="Calibri" panose="020F0502020204030204" pitchFamily="34" charset="0"/>
+                <a:cs typeface="Calibri" panose="020F0502020204030204" pitchFamily="34" charset="0"/>
+              </a:rPr>
+              <a:t>Prototyping</a:t>
+            </a:r>
+          </a:p>
+        </p:txBody>
+      </p:sp>
+      <p:sp>
+        <p:nvSpPr>
+          <p:cNvPr id="2" name="TextBox 1">
+            <a:extLst>
+              <a:ext uri="{FF2B5EF4-FFF2-40B4-BE49-F238E27FC236}">
+                <a16:creationId xmlns:a16="http://schemas.microsoft.com/office/drawing/2014/main" id="{FC451BE1-5605-4FF5-B7BC-0AC4C101F623}"/>
+              </a:ext>
+            </a:extLst>
+          </p:cNvPr>
+          <p:cNvSpPr txBox="1"/>
+          <p:nvPr/>
+        </p:nvSpPr>
+        <p:spPr>
+          <a:xfrm>
+            <a:off x="1144988" y="1311965"/>
+            <a:ext cx="8706678" cy="369332"/>
+          </a:xfrm>
+          <a:prstGeom prst="rect">
+            <a:avLst/>
+          </a:prstGeom>
+          <a:noFill/>
+        </p:spPr>
+        <p:txBody>
+          <a:bodyPr wrap="square" rtlCol="0">
+            <a:spAutoFit/>
+          </a:bodyPr>
+          <a:lstStyle/>
+          <a:p>
+            <a:r>
+              <a:rPr lang="en-US"/>
+              <a:t>A quick way to try it out without modifications to Terria…</a:t>
+            </a:r>
+            <a:endParaRPr lang="en-AU"/>
+          </a:p>
+        </p:txBody>
+      </p:sp>
+      <p:sp>
+        <p:nvSpPr>
+          <p:cNvPr id="3" name="TextBox 2">
+            <a:extLst>
+              <a:ext uri="{FF2B5EF4-FFF2-40B4-BE49-F238E27FC236}">
+                <a16:creationId xmlns:a16="http://schemas.microsoft.com/office/drawing/2014/main" id="{B09D08CC-502C-44C5-BBEF-5F2D3290397D}"/>
+              </a:ext>
+            </a:extLst>
+          </p:cNvPr>
+          <p:cNvSpPr txBox="1"/>
+          <p:nvPr/>
+        </p:nvSpPr>
+        <p:spPr>
+          <a:xfrm>
+            <a:off x="1240401" y="1860605"/>
+            <a:ext cx="5971429" cy="3170099"/>
+          </a:xfrm>
+          <a:prstGeom prst="rect">
+            <a:avLst/>
+          </a:prstGeom>
+          <a:noFill/>
+        </p:spPr>
+        <p:txBody>
+          <a:bodyPr wrap="square" rtlCol="0">
+            <a:spAutoFit/>
+          </a:bodyPr>
+          <a:lstStyle/>
+          <a:p>
+            <a:pPr marL="171450" indent="-171450">
+              <a:buFont typeface="Arial" panose="020B0604020202020204" pitchFamily="34" charset="0"/>
+              <a:buChar char="•"/>
+            </a:pPr>
+            <a:r>
+              <a:rPr lang="en-US" sz="1000">
+                <a:latin typeface="Calibri" panose="020F0502020204030204" pitchFamily="34" charset="0"/>
+                <a:cs typeface="Calibri" panose="020F0502020204030204" pitchFamily="34" charset="0"/>
+              </a:rPr>
+              <a:t>Keep everything the same as of now.</a:t>
+            </a:r>
+          </a:p>
+          <a:p>
+            <a:pPr marL="171450" indent="-171450">
+              <a:buFont typeface="Arial" panose="020B0604020202020204" pitchFamily="34" charset="0"/>
+              <a:buChar char="•"/>
+            </a:pPr>
+            <a:r>
+              <a:rPr lang="en-US" sz="1000">
+                <a:latin typeface="Calibri" panose="020F0502020204030204" pitchFamily="34" charset="0"/>
+                <a:cs typeface="Calibri" panose="020F0502020204030204" pitchFamily="34" charset="0"/>
+              </a:rPr>
+              <a:t>Change the ows.go and its packages alone.</a:t>
+            </a:r>
+          </a:p>
+          <a:p>
+            <a:pPr marL="628650" lvl="1" indent="-171450">
+              <a:buFont typeface="Arial" panose="020B0604020202020204" pitchFamily="34" charset="0"/>
+              <a:buChar char="•"/>
+            </a:pPr>
+            <a:r>
+              <a:rPr lang="en-US" sz="1000">
+                <a:latin typeface="Calibri" panose="020F0502020204030204" pitchFamily="34" charset="0"/>
+                <a:cs typeface="Calibri" panose="020F0502020204030204" pitchFamily="34" charset="0"/>
+              </a:rPr>
+              <a:t>Use the ‘request=GetMap’ call from TerriaMap.</a:t>
+            </a:r>
+          </a:p>
+          <a:p>
+            <a:pPr marL="1085850" lvl="2" indent="-171450">
+              <a:buFont typeface="Arial" panose="020B0604020202020204" pitchFamily="34" charset="0"/>
+              <a:buChar char="•"/>
+            </a:pPr>
+            <a:r>
+              <a:rPr lang="en-US" sz="1000">
+                <a:latin typeface="Calibri" panose="020F0502020204030204" pitchFamily="34" charset="0"/>
+                <a:cs typeface="Calibri" panose="020F0502020204030204" pitchFamily="34" charset="0"/>
+              </a:rPr>
+              <a:t>It will send the map data as of now, plus process the results for Thredds.</a:t>
+            </a:r>
+          </a:p>
+          <a:p>
+            <a:pPr marL="628650" lvl="1" indent="-171450">
+              <a:buFont typeface="Arial" panose="020B0604020202020204" pitchFamily="34" charset="0"/>
+              <a:buChar char="•"/>
+            </a:pPr>
+            <a:r>
+              <a:rPr lang="en-US" sz="1000">
+                <a:latin typeface="Calibri" panose="020F0502020204030204" pitchFamily="34" charset="0"/>
+                <a:cs typeface="Calibri" panose="020F0502020204030204" pitchFamily="34" charset="0"/>
+              </a:rPr>
+              <a:t>Parse the results returned from the MAS server to get a file-list.</a:t>
+            </a:r>
+          </a:p>
+          <a:p>
+            <a:pPr marL="628650" lvl="1" indent="-171450">
+              <a:buFont typeface="Arial" panose="020B0604020202020204" pitchFamily="34" charset="0"/>
+              <a:buChar char="•"/>
+            </a:pPr>
+            <a:r>
+              <a:rPr lang="en-US" sz="1000">
+                <a:latin typeface="Calibri" panose="020F0502020204030204" pitchFamily="34" charset="0"/>
+                <a:cs typeface="Calibri" panose="020F0502020204030204" pitchFamily="34" charset="0"/>
+              </a:rPr>
+              <a:t>Create the Thredds catalog and save it somewhere.</a:t>
+            </a:r>
+          </a:p>
+          <a:p>
+            <a:pPr marL="628650" lvl="1" indent="-171450">
+              <a:buFont typeface="Arial" panose="020B0604020202020204" pitchFamily="34" charset="0"/>
+              <a:buChar char="•"/>
+            </a:pPr>
+            <a:r>
+              <a:rPr lang="en-US" sz="1000">
+                <a:latin typeface="Calibri" panose="020F0502020204030204" pitchFamily="34" charset="0"/>
+                <a:cs typeface="Calibri" panose="020F0502020204030204" pitchFamily="34" charset="0"/>
+              </a:rPr>
+              <a:t>Test it manually.</a:t>
+            </a:r>
+          </a:p>
+          <a:p>
+            <a:pPr marL="171450" indent="-171450">
+              <a:buFont typeface="Arial" panose="020B0604020202020204" pitchFamily="34" charset="0"/>
+              <a:buChar char="•"/>
+            </a:pPr>
+            <a:r>
+              <a:rPr lang="en-US" sz="1000">
+                <a:latin typeface="Calibri" panose="020F0502020204030204" pitchFamily="34" charset="0"/>
+                <a:cs typeface="Calibri" panose="020F0502020204030204" pitchFamily="34" charset="0"/>
+              </a:rPr>
+              <a:t>Pre-requisites</a:t>
+            </a:r>
+          </a:p>
+          <a:p>
+            <a:pPr marL="628650" lvl="1" indent="-171450">
+              <a:buFont typeface="Arial" panose="020B0604020202020204" pitchFamily="34" charset="0"/>
+              <a:buChar char="•"/>
+            </a:pPr>
+            <a:r>
+              <a:rPr lang="en-US" sz="1000">
+                <a:latin typeface="Calibri" panose="020F0502020204030204" pitchFamily="34" charset="0"/>
+                <a:cs typeface="Calibri" panose="020F0502020204030204" pitchFamily="34" charset="0"/>
+              </a:rPr>
+              <a:t>Thredds server on the VM.</a:t>
+            </a:r>
+          </a:p>
+          <a:p>
+            <a:pPr marL="171450" indent="-171450">
+              <a:buFont typeface="Arial" panose="020B0604020202020204" pitchFamily="34" charset="0"/>
+              <a:buChar char="•"/>
+            </a:pPr>
+            <a:r>
+              <a:rPr lang="en-US" sz="1000">
+                <a:latin typeface="Calibri" panose="020F0502020204030204" pitchFamily="34" charset="0"/>
+                <a:cs typeface="Calibri" panose="020F0502020204030204" pitchFamily="34" charset="0"/>
+              </a:rPr>
+              <a:t>Benefits</a:t>
+            </a:r>
+          </a:p>
+          <a:p>
+            <a:pPr marL="628650" lvl="1" indent="-171450">
+              <a:buFont typeface="Arial" panose="020B0604020202020204" pitchFamily="34" charset="0"/>
+              <a:buChar char="•"/>
+            </a:pPr>
+            <a:r>
+              <a:rPr lang="en-US" sz="1000">
+                <a:latin typeface="Calibri" panose="020F0502020204030204" pitchFamily="34" charset="0"/>
+                <a:cs typeface="Calibri" panose="020F0502020204030204" pitchFamily="34" charset="0"/>
+              </a:rPr>
+              <a:t>Quick and easy.</a:t>
+            </a:r>
+          </a:p>
+          <a:p>
+            <a:pPr marL="628650" lvl="1" indent="-171450">
+              <a:buFont typeface="Arial" panose="020B0604020202020204" pitchFamily="34" charset="0"/>
+              <a:buChar char="•"/>
+            </a:pPr>
+            <a:r>
+              <a:rPr lang="en-US" sz="1000">
+                <a:latin typeface="Calibri" panose="020F0502020204030204" pitchFamily="34" charset="0"/>
+                <a:cs typeface="Calibri" panose="020F0502020204030204" pitchFamily="34" charset="0"/>
+              </a:rPr>
+              <a:t>Can work out bugs and pitfalls.</a:t>
+            </a:r>
+          </a:p>
+          <a:p>
+            <a:pPr marL="628650" lvl="1" indent="-171450">
+              <a:buFont typeface="Arial" panose="020B0604020202020204" pitchFamily="34" charset="0"/>
+              <a:buChar char="•"/>
+            </a:pPr>
+            <a:r>
+              <a:rPr lang="en-US" sz="1000">
+                <a:latin typeface="Calibri" panose="020F0502020204030204" pitchFamily="34" charset="0"/>
+                <a:cs typeface="Calibri" panose="020F0502020204030204" pitchFamily="34" charset="0"/>
+              </a:rPr>
+              <a:t>No interference with third party software (Terria).</a:t>
+            </a:r>
+          </a:p>
+          <a:p>
+            <a:pPr marL="171450" indent="-171450">
+              <a:buFont typeface="Arial" panose="020B0604020202020204" pitchFamily="34" charset="0"/>
+              <a:buChar char="•"/>
+            </a:pPr>
+            <a:r>
+              <a:rPr lang="en-US" sz="1000">
+                <a:latin typeface="Calibri" panose="020F0502020204030204" pitchFamily="34" charset="0"/>
+                <a:cs typeface="Calibri" panose="020F0502020204030204" pitchFamily="34" charset="0"/>
+              </a:rPr>
+              <a:t>Next steps</a:t>
+            </a:r>
+          </a:p>
+          <a:p>
+            <a:pPr marL="628650" lvl="1" indent="-171450">
+              <a:buFont typeface="Arial" panose="020B0604020202020204" pitchFamily="34" charset="0"/>
+              <a:buChar char="•"/>
+            </a:pPr>
+            <a:r>
+              <a:rPr lang="en-US" sz="1000">
+                <a:latin typeface="Calibri" panose="020F0502020204030204" pitchFamily="34" charset="0"/>
+                <a:cs typeface="Calibri" panose="020F0502020204030204" pitchFamily="34" charset="0"/>
+              </a:rPr>
+              <a:t>Install Terria on the VM.</a:t>
+            </a:r>
+          </a:p>
+          <a:p>
+            <a:pPr marL="628650" lvl="1" indent="-171450">
+              <a:buFont typeface="Arial" panose="020B0604020202020204" pitchFamily="34" charset="0"/>
+              <a:buChar char="•"/>
+            </a:pPr>
+            <a:r>
+              <a:rPr lang="en-US" sz="1000">
+                <a:latin typeface="Calibri" panose="020F0502020204030204" pitchFamily="34" charset="0"/>
+                <a:cs typeface="Calibri" panose="020F0502020204030204" pitchFamily="34" charset="0"/>
+              </a:rPr>
+              <a:t>Modify Terria code to just add a link to view the Thredds catalog.</a:t>
+            </a:r>
+          </a:p>
+          <a:p>
+            <a:pPr marL="1085850" lvl="2" indent="-171450">
+              <a:buFont typeface="Arial" panose="020B0604020202020204" pitchFamily="34" charset="0"/>
+              <a:buChar char="•"/>
+            </a:pPr>
+            <a:r>
+              <a:rPr lang="en-US" sz="1000">
+                <a:latin typeface="Calibri" panose="020F0502020204030204" pitchFamily="34" charset="0"/>
+                <a:cs typeface="Calibri" panose="020F0502020204030204" pitchFamily="34" charset="0"/>
+              </a:rPr>
+              <a:t>It can be like the ‘Export’ link, but using a Thredds URL.</a:t>
+            </a:r>
+          </a:p>
+          <a:p>
+            <a:pPr marL="1085850" lvl="2" indent="-171450">
+              <a:buFont typeface="Arial" panose="020B0604020202020204" pitchFamily="34" charset="0"/>
+              <a:buChar char="•"/>
+            </a:pPr>
+            <a:r>
+              <a:rPr lang="en-US" sz="1000">
+                <a:latin typeface="Calibri" panose="020F0502020204030204" pitchFamily="34" charset="0"/>
+                <a:cs typeface="Calibri" panose="020F0502020204030204" pitchFamily="34" charset="0"/>
+              </a:rPr>
+              <a:t>It should take only minimal changes (I hope) in Terria.</a:t>
+            </a:r>
+          </a:p>
+          <a:p>
+            <a:pPr marL="628650" lvl="1" indent="-171450">
+              <a:buFont typeface="Arial" panose="020B0604020202020204" pitchFamily="34" charset="0"/>
+              <a:buChar char="•"/>
+            </a:pPr>
+            <a:r>
+              <a:rPr lang="en-US" sz="1000">
+                <a:latin typeface="Calibri" panose="020F0502020204030204" pitchFamily="34" charset="0"/>
+                <a:cs typeface="Calibri" panose="020F0502020204030204" pitchFamily="34" charset="0"/>
+              </a:rPr>
+              <a:t>Work out a way to push the catalog to the NCI Thredds server.</a:t>
+            </a:r>
+          </a:p>
+          <a:p>
+            <a:pPr marL="1085850" lvl="2" indent="-171450">
+              <a:buFont typeface="Arial" panose="020B0604020202020204" pitchFamily="34" charset="0"/>
+              <a:buChar char="•"/>
+            </a:pPr>
+            <a:r>
+              <a:rPr lang="en-US" sz="1000">
+                <a:latin typeface="Calibri" panose="020F0502020204030204" pitchFamily="34" charset="0"/>
+                <a:cs typeface="Calibri" panose="020F0502020204030204" pitchFamily="34" charset="0"/>
+              </a:rPr>
+              <a:t>Must also be able to delete the catalog after the user session ends.</a:t>
+            </a:r>
+          </a:p>
+        </p:txBody>
+      </p:sp>
+    </p:spTree>
+    <p:custDataLst>
+      <p:tags r:id="rId1"/>
+    </p:custDataLst>
+    <p:extLst>
+      <p:ext uri="{BB962C8B-B14F-4D97-AF65-F5344CB8AC3E}">
+        <p14:creationId xmlns:p14="http://schemas.microsoft.com/office/powerpoint/2010/main" val="2651735585"/>
+      </p:ext>
+    </p:extLst>
+  </p:cSld>
+  <p:clrMapOvr>
+    <a:masterClrMapping/>
+  </p:clrMapOvr>
+  <mc:AlternateContent xmlns:mc="http://schemas.openxmlformats.org/markup-compatibility/2006" xmlns:p14="http://schemas.microsoft.com/office/powerpoint/2010/main">
+    <mc:Choice Requires="p14">
+      <p:transition spd="med" p14:dur="700">
+        <p:fade/>
+      </p:transition>
+    </mc:Choice>
+    <mc:Fallback xmlns="">
+      <p:transition spd="med">
+        <p:fade/>
+      </p:transition>
+    </mc:Fallback>
+  </mc:AlternateContent>
+  <p:timing>
+    <p:tnLst>
+      <p:par>
+        <p:cTn id="1" dur="indefinite" restart="never" nodeType="tmRoot">
+          <p:childTnLst>
+            <p:seq concurrent="1" nextAc="seek">
+              <p:cTn id="2" dur="indefinite" nodeType="mainSeq">
+                <p:childTnLst>
+                  <p:par>
+                    <p:cTn id="3" fill="hold">
+                      <p:stCondLst>
+                        <p:cond delay="indefinite"/>
+                      </p:stCondLst>
+                      <p:childTnLst>
+                        <p:par>
+                          <p:cTn id="4" fill="hold">
+                            <p:stCondLst>
+                              <p:cond delay="0"/>
+                            </p:stCondLst>
+                            <p:childTnLst>
+                              <p:par>
+                                <p:cTn id="5" presetID="10" presetClass="entr" presetSubtype="0" fill="hold" nodeType="clickEffect">
+                                  <p:stCondLst>
+                                    <p:cond delay="0"/>
+                                  </p:stCondLst>
+                                  <p:childTnLst>
+                                    <p:set>
+                                      <p:cBhvr>
+                                        <p:cTn id="6" dur="1" fill="hold">
+                                          <p:stCondLst>
+                                            <p:cond delay="0"/>
+                                          </p:stCondLst>
+                                        </p:cTn>
+                                        <p:tgtEl>
+                                          <p:spTgt spid="3">
+                                            <p:txEl>
+                                              <p:pRg st="0" end="0"/>
+                                            </p:txEl>
+                                          </p:spTgt>
+                                        </p:tgtEl>
+                                        <p:attrNameLst>
+                                          <p:attrName>style.visibility</p:attrName>
+                                        </p:attrNameLst>
+                                      </p:cBhvr>
+                                      <p:to>
+                                        <p:strVal val="visible"/>
+                                      </p:to>
+                                    </p:set>
+                                    <p:animEffect transition="in" filter="fade">
+                                      <p:cBhvr>
+                                        <p:cTn id="7" dur="500"/>
+                                        <p:tgtEl>
+                                          <p:spTgt spid="3">
+                                            <p:txEl>
+                                              <p:pRg st="0" end="0"/>
+                                            </p:txEl>
+                                          </p:spTgt>
+                                        </p:tgtEl>
+                                      </p:cBhvr>
+                                    </p:animEffect>
+                                  </p:childTnLst>
+                                </p:cTn>
+                              </p:par>
                             </p:childTnLst>
                           </p:cTn>
                         </p:par>
@@ -13938,33 +16248,15 @@
                                   </p:childTnLst>
                                 </p:cTn>
                               </p:par>
-                            </p:childTnLst>
-                          </p:cTn>
-                        </p:par>
-                      </p:childTnLst>
-                    </p:cTn>
-                  </p:par>
-                  <p:par>
-                    <p:cTn id="19" fill="hold">
-                      <p:stCondLst>
-                        <p:cond delay="indefinite"/>
-                      </p:stCondLst>
-                      <p:childTnLst>
-                        <p:par>
-                          <p:cTn id="20" fill="hold">
-                            <p:stCondLst>
-                              <p:cond delay="0"/>
-                            </p:stCondLst>
-                            <p:childTnLst>
                               <p:par>
-                                <p:cTn id="21" presetID="10" presetClass="entr" presetSubtype="0" fill="hold" nodeType="clickEffect">
+                                <p:cTn id="19" presetID="10" presetClass="entr" presetSubtype="0" fill="hold" nodeType="withEffect">
                                   <p:stCondLst>
                                     <p:cond delay="0"/>
                                   </p:stCondLst>
                                   <p:childTnLst>
                                     <p:set>
                                       <p:cBhvr>
-                                        <p:cTn id="22" dur="1" fill="hold">
+                                        <p:cTn id="20" dur="1" fill="hold">
                                           <p:stCondLst>
                                             <p:cond delay="0"/>
                                           </p:stCondLst>
@@ -13986,7 +16278,7 @@
                                     </p:set>
                                     <p:animEffect transition="in" filter="fade">
                                       <p:cBhvr>
-                                        <p:cTn id="23" dur="500"/>
+                                        <p:cTn id="21" dur="500"/>
                                         <p:tgtEl>
                                           <p:spTgt spid="3">
                                             <p:txEl>
@@ -14000,14 +16292,14 @@
                                 </p:cTn>
                               </p:par>
                               <p:par>
-                                <p:cTn id="24" presetID="10" presetClass="entr" presetSubtype="0" fill="hold" nodeType="withEffect">
+                                <p:cTn id="22" presetID="10" presetClass="entr" presetSubtype="0" fill="hold" nodeType="withEffect">
                                   <p:stCondLst>
                                     <p:cond delay="0"/>
                                   </p:stCondLst>
                                   <p:childTnLst>
                                     <p:set>
                                       <p:cBhvr>
-                                        <p:cTn id="25" dur="1" fill="hold">
+                                        <p:cTn id="23" dur="1" fill="hold">
                                           <p:stCondLst>
                                             <p:cond delay="0"/>
                                           </p:stCondLst>
@@ -14029,7 +16321,7 @@
                                     </p:set>
                                     <p:animEffect transition="in" filter="fade">
                                       <p:cBhvr>
-                                        <p:cTn id="26" dur="500"/>
+                                        <p:cTn id="24" dur="500"/>
                                         <p:tgtEl>
                                           <p:spTgt spid="3">
                                             <p:txEl>
@@ -14043,14 +16335,14 @@
                                 </p:cTn>
                               </p:par>
                               <p:par>
-                                <p:cTn id="27" presetID="10" presetClass="entr" presetSubtype="0" fill="hold" nodeType="withEffect">
+                                <p:cTn id="25" presetID="10" presetClass="entr" presetSubtype="0" fill="hold" nodeType="withEffect">
                                   <p:stCondLst>
                                     <p:cond delay="0"/>
                                   </p:stCondLst>
                                   <p:childTnLst>
                                     <p:set>
                                       <p:cBhvr>
-                                        <p:cTn id="28" dur="1" fill="hold">
+                                        <p:cTn id="26" dur="1" fill="hold">
                                           <p:stCondLst>
                                             <p:cond delay="0"/>
                                           </p:stCondLst>
@@ -14072,7 +16364,7 @@
                                     </p:set>
                                     <p:animEffect transition="in" filter="fade">
                                       <p:cBhvr>
-                                        <p:cTn id="29" dur="500"/>
+                                        <p:cTn id="27" dur="500"/>
                                         <p:tgtEl>
                                           <p:spTgt spid="3">
                                             <p:txEl>
@@ -14085,8 +16377,26 @@
                                   </p:childTnLst>
                                 </p:cTn>
                               </p:par>
+                            </p:childTnLst>
+                          </p:cTn>
+                        </p:par>
+                      </p:childTnLst>
+                    </p:cTn>
+                  </p:par>
+                  <p:par>
+                    <p:cTn id="28" fill="hold">
+                      <p:stCondLst>
+                        <p:cond delay="indefinite"/>
+                      </p:stCondLst>
+                      <p:childTnLst>
+                        <p:par>
+                          <p:cTn id="29" fill="hold">
+                            <p:stCondLst>
+                              <p:cond delay="0"/>
+                            </p:stCondLst>
+                            <p:childTnLst>
                               <p:par>
-                                <p:cTn id="30" presetID="10" presetClass="entr" presetSubtype="0" fill="hold" nodeType="withEffect">
+                                <p:cTn id="30" presetID="10" presetClass="entr" presetSubtype="0" fill="hold" nodeType="clickEffect">
                                   <p:stCondLst>
                                     <p:cond delay="0"/>
                                   </p:stCondLst>
@@ -14275,33 +16585,15 @@
                                   </p:childTnLst>
                                 </p:cTn>
                               </p:par>
-                            </p:childTnLst>
-                          </p:cTn>
-                        </p:par>
-                      </p:childTnLst>
-                    </p:cTn>
-                  </p:par>
-                  <p:par>
-                    <p:cTn id="44" fill="hold">
-                      <p:stCondLst>
-                        <p:cond delay="indefinite"/>
-                      </p:stCondLst>
-                      <p:childTnLst>
-                        <p:par>
-                          <p:cTn id="45" fill="hold">
-                            <p:stCondLst>
-                              <p:cond delay="0"/>
-                            </p:stCondLst>
-                            <p:childTnLst>
                               <p:par>
-                                <p:cTn id="46" presetID="10" presetClass="entr" presetSubtype="0" fill="hold" nodeType="clickEffect">
+                                <p:cTn id="44" presetID="10" presetClass="entr" presetSubtype="0" fill="hold" nodeType="withEffect">
                                   <p:stCondLst>
                                     <p:cond delay="0"/>
                                   </p:stCondLst>
                                   <p:childTnLst>
                                     <p:set>
                                       <p:cBhvr>
-                                        <p:cTn id="47" dur="1" fill="hold">
+                                        <p:cTn id="45" dur="1" fill="hold">
                                           <p:stCondLst>
                                             <p:cond delay="0"/>
                                           </p:stCondLst>
@@ -14323,7 +16615,7 @@
                                     </p:set>
                                     <p:animEffect transition="in" filter="fade">
                                       <p:cBhvr>
-                                        <p:cTn id="48" dur="500"/>
+                                        <p:cTn id="46" dur="500"/>
                                         <p:tgtEl>
                                           <p:spTgt spid="3">
                                             <p:txEl>
@@ -14337,14 +16629,14 @@
                                 </p:cTn>
                               </p:par>
                               <p:par>
-                                <p:cTn id="49" presetID="10" presetClass="entr" presetSubtype="0" fill="hold" nodeType="withEffect">
+                                <p:cTn id="47" presetID="10" presetClass="entr" presetSubtype="0" fill="hold" nodeType="withEffect">
                                   <p:stCondLst>
                                     <p:cond delay="0"/>
                                   </p:stCondLst>
                                   <p:childTnLst>
                                     <p:set>
                                       <p:cBhvr>
-                                        <p:cTn id="50" dur="1" fill="hold">
+                                        <p:cTn id="48" dur="1" fill="hold">
                                           <p:stCondLst>
                                             <p:cond delay="0"/>
                                           </p:stCondLst>
@@ -14366,7 +16658,7 @@
                                     </p:set>
                                     <p:animEffect transition="in" filter="fade">
                                       <p:cBhvr>
-                                        <p:cTn id="51" dur="500"/>
+                                        <p:cTn id="49" dur="500"/>
                                         <p:tgtEl>
                                           <p:spTgt spid="3">
                                             <p:txEl>
@@ -14379,8 +16671,26 @@
                                   </p:childTnLst>
                                 </p:cTn>
                               </p:par>
+                            </p:childTnLst>
+                          </p:cTn>
+                        </p:par>
+                      </p:childTnLst>
+                    </p:cTn>
+                  </p:par>
+                  <p:par>
+                    <p:cTn id="50" fill="hold">
+                      <p:stCondLst>
+                        <p:cond delay="indefinite"/>
+                      </p:stCondLst>
+                      <p:childTnLst>
+                        <p:par>
+                          <p:cTn id="51" fill="hold">
+                            <p:stCondLst>
+                              <p:cond delay="0"/>
+                            </p:stCondLst>
+                            <p:childTnLst>
                               <p:par>
-                                <p:cTn id="52" presetID="10" presetClass="entr" presetSubtype="0" fill="hold" nodeType="withEffect">
+                                <p:cTn id="52" presetID="10" presetClass="entr" presetSubtype="0" fill="hold" nodeType="clickEffect">
                                   <p:stCondLst>
                                     <p:cond delay="0"/>
                                   </p:stCondLst>
@@ -14680,1804 +16990,6 @@
                                   </p:childTnLst>
                                 </p:cTn>
                               </p:par>
-                              <p:par>
-                                <p:cTn id="73" presetID="10" presetClass="entr" presetSubtype="0" fill="hold" nodeType="withEffect">
-                                  <p:stCondLst>
-                                    <p:cond delay="0"/>
-                                  </p:stCondLst>
-                                  <p:childTnLst>
-                                    <p:set>
-                                      <p:cBhvr>
-                                        <p:cTn id="74" dur="1" fill="hold">
-                                          <p:stCondLst>
-                                            <p:cond delay="0"/>
-                                          </p:stCondLst>
-                                        </p:cTn>
-                                        <p:tgtEl>
-                                          <p:spTgt spid="3">
-                                            <p:txEl>
-                                              <p:pRg st="20" end="20"/>
-                                            </p:txEl>
-                                          </p:spTgt>
-                                        </p:tgtEl>
-                                        <p:attrNameLst>
-                                          <p:attrName>style.visibility</p:attrName>
-                                        </p:attrNameLst>
-                                      </p:cBhvr>
-                                      <p:to>
-                                        <p:strVal val="visible"/>
-                                      </p:to>
-                                    </p:set>
-                                    <p:animEffect transition="in" filter="fade">
-                                      <p:cBhvr>
-                                        <p:cTn id="75" dur="500"/>
-                                        <p:tgtEl>
-                                          <p:spTgt spid="3">
-                                            <p:txEl>
-                                              <p:pRg st="20" end="20"/>
-                                            </p:txEl>
-                                          </p:spTgt>
-                                        </p:tgtEl>
-                                      </p:cBhvr>
-                                    </p:animEffect>
-                                  </p:childTnLst>
-                                </p:cTn>
-                              </p:par>
-                              <p:par>
-                                <p:cTn id="76" presetID="10" presetClass="entr" presetSubtype="0" fill="hold" nodeType="withEffect">
-                                  <p:stCondLst>
-                                    <p:cond delay="0"/>
-                                  </p:stCondLst>
-                                  <p:childTnLst>
-                                    <p:set>
-                                      <p:cBhvr>
-                                        <p:cTn id="77" dur="1" fill="hold">
-                                          <p:stCondLst>
-                                            <p:cond delay="0"/>
-                                          </p:stCondLst>
-                                        </p:cTn>
-                                        <p:tgtEl>
-                                          <p:spTgt spid="3">
-                                            <p:txEl>
-                                              <p:pRg st="21" end="21"/>
-                                            </p:txEl>
-                                          </p:spTgt>
-                                        </p:tgtEl>
-                                        <p:attrNameLst>
-                                          <p:attrName>style.visibility</p:attrName>
-                                        </p:attrNameLst>
-                                      </p:cBhvr>
-                                      <p:to>
-                                        <p:strVal val="visible"/>
-                                      </p:to>
-                                    </p:set>
-                                    <p:animEffect transition="in" filter="fade">
-                                      <p:cBhvr>
-                                        <p:cTn id="78" dur="500"/>
-                                        <p:tgtEl>
-                                          <p:spTgt spid="3">
-                                            <p:txEl>
-                                              <p:pRg st="21" end="21"/>
-                                            </p:txEl>
-                                          </p:spTgt>
-                                        </p:tgtEl>
-                                      </p:cBhvr>
-                                    </p:animEffect>
-                                  </p:childTnLst>
-                                </p:cTn>
-                              </p:par>
-                              <p:par>
-                                <p:cTn id="79" presetID="10" presetClass="entr" presetSubtype="0" fill="hold" nodeType="withEffect">
-                                  <p:stCondLst>
-                                    <p:cond delay="0"/>
-                                  </p:stCondLst>
-                                  <p:childTnLst>
-                                    <p:set>
-                                      <p:cBhvr>
-                                        <p:cTn id="80" dur="1" fill="hold">
-                                          <p:stCondLst>
-                                            <p:cond delay="0"/>
-                                          </p:stCondLst>
-                                        </p:cTn>
-                                        <p:tgtEl>
-                                          <p:spTgt spid="3">
-                                            <p:txEl>
-                                              <p:pRg st="22" end="22"/>
-                                            </p:txEl>
-                                          </p:spTgt>
-                                        </p:tgtEl>
-                                        <p:attrNameLst>
-                                          <p:attrName>style.visibility</p:attrName>
-                                        </p:attrNameLst>
-                                      </p:cBhvr>
-                                      <p:to>
-                                        <p:strVal val="visible"/>
-                                      </p:to>
-                                    </p:set>
-                                    <p:animEffect transition="in" filter="fade">
-                                      <p:cBhvr>
-                                        <p:cTn id="81" dur="500"/>
-                                        <p:tgtEl>
-                                          <p:spTgt spid="3">
-                                            <p:txEl>
-                                              <p:pRg st="22" end="22"/>
-                                            </p:txEl>
-                                          </p:spTgt>
-                                        </p:tgtEl>
-                                      </p:cBhvr>
-                                    </p:animEffect>
-                                  </p:childTnLst>
-                                </p:cTn>
-                              </p:par>
-                            </p:childTnLst>
-                          </p:cTn>
-                        </p:par>
-                      </p:childTnLst>
-                    </p:cTn>
-                  </p:par>
-                </p:childTnLst>
-              </p:cTn>
-              <p:prevCondLst>
-                <p:cond evt="onPrev" delay="0">
-                  <p:tgtEl>
-                    <p:sldTgt/>
-                  </p:tgtEl>
-                </p:cond>
-              </p:prevCondLst>
-              <p:nextCondLst>
-                <p:cond evt="onNext" delay="0">
-                  <p:tgtEl>
-                    <p:sldTgt/>
-                  </p:tgtEl>
-                </p:cond>
-              </p:nextCondLst>
-            </p:seq>
-          </p:childTnLst>
-        </p:cTn>
-      </p:par>
-    </p:tnLst>
-  </p:timing>
-</p:sld>
-</file>
-
-<file path=ppt/slides/slide6.xml><?xml version="1.0" encoding="utf-8"?>
-<p:sld xmlns:a="http://schemas.openxmlformats.org/drawingml/2006/main" xmlns:r="http://schemas.openxmlformats.org/officeDocument/2006/relationships" xmlns:p="http://schemas.openxmlformats.org/presentationml/2006/main">
-  <p:cSld>
-    <p:spTree>
-      <p:nvGrpSpPr>
-        <p:cNvPr id="1" name=""/>
-        <p:cNvGrpSpPr/>
-        <p:nvPr/>
-      </p:nvGrpSpPr>
-      <p:grpSpPr>
-        <a:xfrm>
-          <a:off x="0" y="0"/>
-          <a:ext cx="0" cy="0"/>
-          <a:chOff x="0" y="0"/>
-          <a:chExt cx="0" cy="0"/>
-        </a:xfrm>
-      </p:grpSpPr>
-      <p:sp>
-        <p:nvSpPr>
-          <p:cNvPr id="54" name="TextBox 53">
-            <a:extLst>
-              <a:ext uri="{FF2B5EF4-FFF2-40B4-BE49-F238E27FC236}">
-                <a16:creationId xmlns:a16="http://schemas.microsoft.com/office/drawing/2014/main" id="{F95EE0D8-2A93-4697-B99B-8060F8234D7C}"/>
-              </a:ext>
-            </a:extLst>
-          </p:cNvPr>
-          <p:cNvSpPr txBox="1"/>
-          <p:nvPr/>
-        </p:nvSpPr>
-        <p:spPr>
-          <a:xfrm>
-            <a:off x="2037840" y="182880"/>
-            <a:ext cx="7221803" cy="646331"/>
-          </a:xfrm>
-          <a:prstGeom prst="rect">
-            <a:avLst/>
-          </a:prstGeom>
-          <a:noFill/>
-        </p:spPr>
-        <p:txBody>
-          <a:bodyPr wrap="square" rtlCol="0">
-            <a:spAutoFit/>
-          </a:bodyPr>
-          <a:lstStyle/>
-          <a:p>
-            <a:pPr algn="ctr"/>
-            <a:r>
-              <a:rPr lang="en-US" sz="3600" b="1">
-                <a:ln w="0"/>
-                <a:solidFill>
-                  <a:schemeClr val="accent4">
-                    <a:lumMod val="60000"/>
-                    <a:lumOff val="40000"/>
-                  </a:schemeClr>
-                </a:solidFill>
-                <a:effectLst>
-                  <a:reflection blurRad="6350" stA="53000" endA="300" endPos="35500" dir="5400000" sy="-90000" algn="bl" rotWithShape="0"/>
-                </a:effectLst>
-                <a:latin typeface="Calibri" panose="020F0502020204030204" pitchFamily="34" charset="0"/>
-                <a:cs typeface="Calibri" panose="020F0502020204030204" pitchFamily="34" charset="0"/>
-              </a:rPr>
-              <a:t>Prototyping</a:t>
-            </a:r>
-          </a:p>
-        </p:txBody>
-      </p:sp>
-      <p:sp>
-        <p:nvSpPr>
-          <p:cNvPr id="2" name="TextBox 1">
-            <a:extLst>
-              <a:ext uri="{FF2B5EF4-FFF2-40B4-BE49-F238E27FC236}">
-                <a16:creationId xmlns:a16="http://schemas.microsoft.com/office/drawing/2014/main" id="{FC451BE1-5605-4FF5-B7BC-0AC4C101F623}"/>
-              </a:ext>
-            </a:extLst>
-          </p:cNvPr>
-          <p:cNvSpPr txBox="1"/>
-          <p:nvPr/>
-        </p:nvSpPr>
-        <p:spPr>
-          <a:xfrm>
-            <a:off x="1144988" y="1311965"/>
-            <a:ext cx="8706678" cy="369332"/>
-          </a:xfrm>
-          <a:prstGeom prst="rect">
-            <a:avLst/>
-          </a:prstGeom>
-          <a:noFill/>
-        </p:spPr>
-        <p:txBody>
-          <a:bodyPr wrap="square" rtlCol="0">
-            <a:spAutoFit/>
-          </a:bodyPr>
-          <a:lstStyle/>
-          <a:p>
-            <a:r>
-              <a:rPr lang="en-US"/>
-              <a:t>A quick way to try it out without modifications to Terria…</a:t>
-            </a:r>
-            <a:endParaRPr lang="en-AU"/>
-          </a:p>
-        </p:txBody>
-      </p:sp>
-      <p:sp>
-        <p:nvSpPr>
-          <p:cNvPr id="3" name="TextBox 2">
-            <a:extLst>
-              <a:ext uri="{FF2B5EF4-FFF2-40B4-BE49-F238E27FC236}">
-                <a16:creationId xmlns:a16="http://schemas.microsoft.com/office/drawing/2014/main" id="{B09D08CC-502C-44C5-BBEF-5F2D3290397D}"/>
-              </a:ext>
-            </a:extLst>
-          </p:cNvPr>
-          <p:cNvSpPr txBox="1"/>
-          <p:nvPr/>
-        </p:nvSpPr>
-        <p:spPr>
-          <a:xfrm>
-            <a:off x="1240401" y="1860605"/>
-            <a:ext cx="5971429" cy="3170099"/>
-          </a:xfrm>
-          <a:prstGeom prst="rect">
-            <a:avLst/>
-          </a:prstGeom>
-          <a:noFill/>
-        </p:spPr>
-        <p:txBody>
-          <a:bodyPr wrap="square" rtlCol="0">
-            <a:spAutoFit/>
-          </a:bodyPr>
-          <a:lstStyle/>
-          <a:p>
-            <a:pPr marL="171450" indent="-171450">
-              <a:buFont typeface="Arial" panose="020B0604020202020204" pitchFamily="34" charset="0"/>
-              <a:buChar char="•"/>
-            </a:pPr>
-            <a:r>
-              <a:rPr lang="en-US" sz="1000">
-                <a:latin typeface="Calibri" panose="020F0502020204030204" pitchFamily="34" charset="0"/>
-                <a:cs typeface="Calibri" panose="020F0502020204030204" pitchFamily="34" charset="0"/>
-              </a:rPr>
-              <a:t>Keep everything the same as of now.</a:t>
-            </a:r>
-          </a:p>
-          <a:p>
-            <a:pPr marL="171450" indent="-171450">
-              <a:buFont typeface="Arial" panose="020B0604020202020204" pitchFamily="34" charset="0"/>
-              <a:buChar char="•"/>
-            </a:pPr>
-            <a:r>
-              <a:rPr lang="en-US" sz="1000">
-                <a:latin typeface="Calibri" panose="020F0502020204030204" pitchFamily="34" charset="0"/>
-                <a:cs typeface="Calibri" panose="020F0502020204030204" pitchFamily="34" charset="0"/>
-              </a:rPr>
-              <a:t>Change the ows.go and its packages alone.</a:t>
-            </a:r>
-          </a:p>
-          <a:p>
-            <a:pPr marL="628650" lvl="1" indent="-171450">
-              <a:buFont typeface="Arial" panose="020B0604020202020204" pitchFamily="34" charset="0"/>
-              <a:buChar char="•"/>
-            </a:pPr>
-            <a:r>
-              <a:rPr lang="en-US" sz="1000">
-                <a:latin typeface="Calibri" panose="020F0502020204030204" pitchFamily="34" charset="0"/>
-                <a:cs typeface="Calibri" panose="020F0502020204030204" pitchFamily="34" charset="0"/>
-              </a:rPr>
-              <a:t>Use the ‘request=GetMap’ call from TerriaMap.</a:t>
-            </a:r>
-          </a:p>
-          <a:p>
-            <a:pPr marL="1085850" lvl="2" indent="-171450">
-              <a:buFont typeface="Arial" panose="020B0604020202020204" pitchFamily="34" charset="0"/>
-              <a:buChar char="•"/>
-            </a:pPr>
-            <a:r>
-              <a:rPr lang="en-US" sz="1000">
-                <a:latin typeface="Calibri" panose="020F0502020204030204" pitchFamily="34" charset="0"/>
-                <a:cs typeface="Calibri" panose="020F0502020204030204" pitchFamily="34" charset="0"/>
-              </a:rPr>
-              <a:t>It will send the map data as of now, plus process the results for Thredds.</a:t>
-            </a:r>
-          </a:p>
-          <a:p>
-            <a:pPr marL="628650" lvl="1" indent="-171450">
-              <a:buFont typeface="Arial" panose="020B0604020202020204" pitchFamily="34" charset="0"/>
-              <a:buChar char="•"/>
-            </a:pPr>
-            <a:r>
-              <a:rPr lang="en-US" sz="1000">
-                <a:latin typeface="Calibri" panose="020F0502020204030204" pitchFamily="34" charset="0"/>
-                <a:cs typeface="Calibri" panose="020F0502020204030204" pitchFamily="34" charset="0"/>
-              </a:rPr>
-              <a:t>Parse the results returned from the MAS server to get a file-list.</a:t>
-            </a:r>
-          </a:p>
-          <a:p>
-            <a:pPr marL="628650" lvl="1" indent="-171450">
-              <a:buFont typeface="Arial" panose="020B0604020202020204" pitchFamily="34" charset="0"/>
-              <a:buChar char="•"/>
-            </a:pPr>
-            <a:r>
-              <a:rPr lang="en-US" sz="1000">
-                <a:latin typeface="Calibri" panose="020F0502020204030204" pitchFamily="34" charset="0"/>
-                <a:cs typeface="Calibri" panose="020F0502020204030204" pitchFamily="34" charset="0"/>
-              </a:rPr>
-              <a:t>Create the Thredds catalog and save it somewhere.</a:t>
-            </a:r>
-          </a:p>
-          <a:p>
-            <a:pPr marL="628650" lvl="1" indent="-171450">
-              <a:buFont typeface="Arial" panose="020B0604020202020204" pitchFamily="34" charset="0"/>
-              <a:buChar char="•"/>
-            </a:pPr>
-            <a:r>
-              <a:rPr lang="en-US" sz="1000">
-                <a:latin typeface="Calibri" panose="020F0502020204030204" pitchFamily="34" charset="0"/>
-                <a:cs typeface="Calibri" panose="020F0502020204030204" pitchFamily="34" charset="0"/>
-              </a:rPr>
-              <a:t>Test it manually.</a:t>
-            </a:r>
-          </a:p>
-          <a:p>
-            <a:pPr marL="171450" indent="-171450">
-              <a:buFont typeface="Arial" panose="020B0604020202020204" pitchFamily="34" charset="0"/>
-              <a:buChar char="•"/>
-            </a:pPr>
-            <a:r>
-              <a:rPr lang="en-US" sz="1000">
-                <a:latin typeface="Calibri" panose="020F0502020204030204" pitchFamily="34" charset="0"/>
-                <a:cs typeface="Calibri" panose="020F0502020204030204" pitchFamily="34" charset="0"/>
-              </a:rPr>
-              <a:t>Pre-requisites</a:t>
-            </a:r>
-          </a:p>
-          <a:p>
-            <a:pPr marL="628650" lvl="1" indent="-171450">
-              <a:buFont typeface="Arial" panose="020B0604020202020204" pitchFamily="34" charset="0"/>
-              <a:buChar char="•"/>
-            </a:pPr>
-            <a:r>
-              <a:rPr lang="en-US" sz="1000">
-                <a:latin typeface="Calibri" panose="020F0502020204030204" pitchFamily="34" charset="0"/>
-                <a:cs typeface="Calibri" panose="020F0502020204030204" pitchFamily="34" charset="0"/>
-              </a:rPr>
-              <a:t>Thredds server on the VM.</a:t>
-            </a:r>
-          </a:p>
-          <a:p>
-            <a:pPr marL="171450" indent="-171450">
-              <a:buFont typeface="Arial" panose="020B0604020202020204" pitchFamily="34" charset="0"/>
-              <a:buChar char="•"/>
-            </a:pPr>
-            <a:r>
-              <a:rPr lang="en-US" sz="1000">
-                <a:latin typeface="Calibri" panose="020F0502020204030204" pitchFamily="34" charset="0"/>
-                <a:cs typeface="Calibri" panose="020F0502020204030204" pitchFamily="34" charset="0"/>
-              </a:rPr>
-              <a:t>Benefits</a:t>
-            </a:r>
-          </a:p>
-          <a:p>
-            <a:pPr marL="628650" lvl="1" indent="-171450">
-              <a:buFont typeface="Arial" panose="020B0604020202020204" pitchFamily="34" charset="0"/>
-              <a:buChar char="•"/>
-            </a:pPr>
-            <a:r>
-              <a:rPr lang="en-US" sz="1000">
-                <a:latin typeface="Calibri" panose="020F0502020204030204" pitchFamily="34" charset="0"/>
-                <a:cs typeface="Calibri" panose="020F0502020204030204" pitchFamily="34" charset="0"/>
-              </a:rPr>
-              <a:t>Quick and easy.</a:t>
-            </a:r>
-          </a:p>
-          <a:p>
-            <a:pPr marL="628650" lvl="1" indent="-171450">
-              <a:buFont typeface="Arial" panose="020B0604020202020204" pitchFamily="34" charset="0"/>
-              <a:buChar char="•"/>
-            </a:pPr>
-            <a:r>
-              <a:rPr lang="en-US" sz="1000">
-                <a:latin typeface="Calibri" panose="020F0502020204030204" pitchFamily="34" charset="0"/>
-                <a:cs typeface="Calibri" panose="020F0502020204030204" pitchFamily="34" charset="0"/>
-              </a:rPr>
-              <a:t>Can work out bugs and pitfalls.</a:t>
-            </a:r>
-          </a:p>
-          <a:p>
-            <a:pPr marL="628650" lvl="1" indent="-171450">
-              <a:buFont typeface="Arial" panose="020B0604020202020204" pitchFamily="34" charset="0"/>
-              <a:buChar char="•"/>
-            </a:pPr>
-            <a:r>
-              <a:rPr lang="en-US" sz="1000">
-                <a:latin typeface="Calibri" panose="020F0502020204030204" pitchFamily="34" charset="0"/>
-                <a:cs typeface="Calibri" panose="020F0502020204030204" pitchFamily="34" charset="0"/>
-              </a:rPr>
-              <a:t>No interference with third party software (Terria).</a:t>
-            </a:r>
-          </a:p>
-          <a:p>
-            <a:pPr marL="171450" indent="-171450">
-              <a:buFont typeface="Arial" panose="020B0604020202020204" pitchFamily="34" charset="0"/>
-              <a:buChar char="•"/>
-            </a:pPr>
-            <a:r>
-              <a:rPr lang="en-US" sz="1000">
-                <a:latin typeface="Calibri" panose="020F0502020204030204" pitchFamily="34" charset="0"/>
-                <a:cs typeface="Calibri" panose="020F0502020204030204" pitchFamily="34" charset="0"/>
-              </a:rPr>
-              <a:t>Next steps</a:t>
-            </a:r>
-          </a:p>
-          <a:p>
-            <a:pPr marL="628650" lvl="1" indent="-171450">
-              <a:buFont typeface="Arial" panose="020B0604020202020204" pitchFamily="34" charset="0"/>
-              <a:buChar char="•"/>
-            </a:pPr>
-            <a:r>
-              <a:rPr lang="en-US" sz="1000">
-                <a:latin typeface="Calibri" panose="020F0502020204030204" pitchFamily="34" charset="0"/>
-                <a:cs typeface="Calibri" panose="020F0502020204030204" pitchFamily="34" charset="0"/>
-              </a:rPr>
-              <a:t>Install Terria on the VM.</a:t>
-            </a:r>
-          </a:p>
-          <a:p>
-            <a:pPr marL="628650" lvl="1" indent="-171450">
-              <a:buFont typeface="Arial" panose="020B0604020202020204" pitchFamily="34" charset="0"/>
-              <a:buChar char="•"/>
-            </a:pPr>
-            <a:r>
-              <a:rPr lang="en-US" sz="1000">
-                <a:latin typeface="Calibri" panose="020F0502020204030204" pitchFamily="34" charset="0"/>
-                <a:cs typeface="Calibri" panose="020F0502020204030204" pitchFamily="34" charset="0"/>
-              </a:rPr>
-              <a:t>Modify Terria code to just add a link to view the Thredds catalog.</a:t>
-            </a:r>
-          </a:p>
-          <a:p>
-            <a:pPr marL="1085850" lvl="2" indent="-171450">
-              <a:buFont typeface="Arial" panose="020B0604020202020204" pitchFamily="34" charset="0"/>
-              <a:buChar char="•"/>
-            </a:pPr>
-            <a:r>
-              <a:rPr lang="en-US" sz="1000">
-                <a:latin typeface="Calibri" panose="020F0502020204030204" pitchFamily="34" charset="0"/>
-                <a:cs typeface="Calibri" panose="020F0502020204030204" pitchFamily="34" charset="0"/>
-              </a:rPr>
-              <a:t>It can be like the ‘Export’ link, but using a Thredds URL.</a:t>
-            </a:r>
-          </a:p>
-          <a:p>
-            <a:pPr marL="1085850" lvl="2" indent="-171450">
-              <a:buFont typeface="Arial" panose="020B0604020202020204" pitchFamily="34" charset="0"/>
-              <a:buChar char="•"/>
-            </a:pPr>
-            <a:r>
-              <a:rPr lang="en-US" sz="1000">
-                <a:latin typeface="Calibri" panose="020F0502020204030204" pitchFamily="34" charset="0"/>
-                <a:cs typeface="Calibri" panose="020F0502020204030204" pitchFamily="34" charset="0"/>
-              </a:rPr>
-              <a:t>It should take only minimal changes (I hope) in Terria.</a:t>
-            </a:r>
-          </a:p>
-          <a:p>
-            <a:pPr marL="628650" lvl="1" indent="-171450">
-              <a:buFont typeface="Arial" panose="020B0604020202020204" pitchFamily="34" charset="0"/>
-              <a:buChar char="•"/>
-            </a:pPr>
-            <a:r>
-              <a:rPr lang="en-US" sz="1000">
-                <a:latin typeface="Calibri" panose="020F0502020204030204" pitchFamily="34" charset="0"/>
-                <a:cs typeface="Calibri" panose="020F0502020204030204" pitchFamily="34" charset="0"/>
-              </a:rPr>
-              <a:t>Work out a way to push the catalog to the NCI Thredds server.</a:t>
-            </a:r>
-          </a:p>
-          <a:p>
-            <a:pPr marL="1085850" lvl="2" indent="-171450">
-              <a:buFont typeface="Arial" panose="020B0604020202020204" pitchFamily="34" charset="0"/>
-              <a:buChar char="•"/>
-            </a:pPr>
-            <a:r>
-              <a:rPr lang="en-US" sz="1000">
-                <a:latin typeface="Calibri" panose="020F0502020204030204" pitchFamily="34" charset="0"/>
-                <a:cs typeface="Calibri" panose="020F0502020204030204" pitchFamily="34" charset="0"/>
-              </a:rPr>
-              <a:t>Must also be able to delete the catalog after the user session ends.</a:t>
-            </a:r>
-          </a:p>
-        </p:txBody>
-      </p:sp>
-    </p:spTree>
-    <p:custDataLst>
-      <p:tags r:id="rId1"/>
-    </p:custDataLst>
-    <p:extLst>
-      <p:ext uri="{BB962C8B-B14F-4D97-AF65-F5344CB8AC3E}">
-        <p14:creationId xmlns:p14="http://schemas.microsoft.com/office/powerpoint/2010/main" val="2651735585"/>
-      </p:ext>
-    </p:extLst>
-  </p:cSld>
-  <p:clrMapOvr>
-    <a:masterClrMapping/>
-  </p:clrMapOvr>
-  <mc:AlternateContent xmlns:mc="http://schemas.openxmlformats.org/markup-compatibility/2006" xmlns:p14="http://schemas.microsoft.com/office/powerpoint/2010/main">
-    <mc:Choice Requires="p14">
-      <p:transition spd="med" p14:dur="700">
-        <p:fade/>
-      </p:transition>
-    </mc:Choice>
-    <mc:Fallback xmlns="">
-      <p:transition spd="med">
-        <p:fade/>
-      </p:transition>
-    </mc:Fallback>
-  </mc:AlternateContent>
-  <p:timing>
-    <p:tnLst>
-      <p:par>
-        <p:cTn id="1" dur="indefinite" restart="never" nodeType="tmRoot">
-          <p:childTnLst>
-            <p:seq concurrent="1" nextAc="seek">
-              <p:cTn id="2" dur="indefinite" nodeType="mainSeq">
-                <p:childTnLst>
-                  <p:par>
-                    <p:cTn id="3" fill="hold">
-                      <p:stCondLst>
-                        <p:cond delay="indefinite"/>
-                      </p:stCondLst>
-                      <p:childTnLst>
-                        <p:par>
-                          <p:cTn id="4" fill="hold">
-                            <p:stCondLst>
-                              <p:cond delay="0"/>
-                            </p:stCondLst>
-                            <p:childTnLst>
-                              <p:par>
-                                <p:cTn id="5" presetID="10" presetClass="entr" presetSubtype="0" fill="hold" nodeType="clickEffect">
-                                  <p:stCondLst>
-                                    <p:cond delay="0"/>
-                                  </p:stCondLst>
-                                  <p:childTnLst>
-                                    <p:set>
-                                      <p:cBhvr>
-                                        <p:cTn id="6" dur="1" fill="hold">
-                                          <p:stCondLst>
-                                            <p:cond delay="0"/>
-                                          </p:stCondLst>
-                                        </p:cTn>
-                                        <p:tgtEl>
-                                          <p:spTgt spid="3">
-                                            <p:txEl>
-                                              <p:pRg st="0" end="0"/>
-                                            </p:txEl>
-                                          </p:spTgt>
-                                        </p:tgtEl>
-                                        <p:attrNameLst>
-                                          <p:attrName>style.visibility</p:attrName>
-                                        </p:attrNameLst>
-                                      </p:cBhvr>
-                                      <p:to>
-                                        <p:strVal val="visible"/>
-                                      </p:to>
-                                    </p:set>
-                                    <p:animEffect transition="in" filter="fade">
-                                      <p:cBhvr>
-                                        <p:cTn id="7" dur="500"/>
-                                        <p:tgtEl>
-                                          <p:spTgt spid="3">
-                                            <p:txEl>
-                                              <p:pRg st="0" end="0"/>
-                                            </p:txEl>
-                                          </p:spTgt>
-                                        </p:tgtEl>
-                                      </p:cBhvr>
-                                    </p:animEffect>
-                                  </p:childTnLst>
-                                </p:cTn>
-                              </p:par>
-                            </p:childTnLst>
-                          </p:cTn>
-                        </p:par>
-                      </p:childTnLst>
-                    </p:cTn>
-                  </p:par>
-                  <p:par>
-                    <p:cTn id="8" fill="hold">
-                      <p:stCondLst>
-                        <p:cond delay="indefinite"/>
-                      </p:stCondLst>
-                      <p:childTnLst>
-                        <p:par>
-                          <p:cTn id="9" fill="hold">
-                            <p:stCondLst>
-                              <p:cond delay="0"/>
-                            </p:stCondLst>
-                            <p:childTnLst>
-                              <p:par>
-                                <p:cTn id="10" presetID="10" presetClass="entr" presetSubtype="0" fill="hold" nodeType="clickEffect">
-                                  <p:stCondLst>
-                                    <p:cond delay="0"/>
-                                  </p:stCondLst>
-                                  <p:childTnLst>
-                                    <p:set>
-                                      <p:cBhvr>
-                                        <p:cTn id="11" dur="1" fill="hold">
-                                          <p:stCondLst>
-                                            <p:cond delay="0"/>
-                                          </p:stCondLst>
-                                        </p:cTn>
-                                        <p:tgtEl>
-                                          <p:spTgt spid="3">
-                                            <p:txEl>
-                                              <p:pRg st="1" end="1"/>
-                                            </p:txEl>
-                                          </p:spTgt>
-                                        </p:tgtEl>
-                                        <p:attrNameLst>
-                                          <p:attrName>style.visibility</p:attrName>
-                                        </p:attrNameLst>
-                                      </p:cBhvr>
-                                      <p:to>
-                                        <p:strVal val="visible"/>
-                                      </p:to>
-                                    </p:set>
-                                    <p:animEffect transition="in" filter="fade">
-                                      <p:cBhvr>
-                                        <p:cTn id="12" dur="500"/>
-                                        <p:tgtEl>
-                                          <p:spTgt spid="3">
-                                            <p:txEl>
-                                              <p:pRg st="1" end="1"/>
-                                            </p:txEl>
-                                          </p:spTgt>
-                                        </p:tgtEl>
-                                      </p:cBhvr>
-                                    </p:animEffect>
-                                  </p:childTnLst>
-                                </p:cTn>
-                              </p:par>
-                            </p:childTnLst>
-                          </p:cTn>
-                        </p:par>
-                      </p:childTnLst>
-                    </p:cTn>
-                  </p:par>
-                  <p:par>
-                    <p:cTn id="13" fill="hold">
-                      <p:stCondLst>
-                        <p:cond delay="indefinite"/>
-                      </p:stCondLst>
-                      <p:childTnLst>
-                        <p:par>
-                          <p:cTn id="14" fill="hold">
-                            <p:stCondLst>
-                              <p:cond delay="0"/>
-                            </p:stCondLst>
-                            <p:childTnLst>
-                              <p:par>
-                                <p:cTn id="15" presetID="10" presetClass="entr" presetSubtype="0" fill="hold" nodeType="clickEffect">
-                                  <p:stCondLst>
-                                    <p:cond delay="0"/>
-                                  </p:stCondLst>
-                                  <p:childTnLst>
-                                    <p:set>
-                                      <p:cBhvr>
-                                        <p:cTn id="16" dur="1" fill="hold">
-                                          <p:stCondLst>
-                                            <p:cond delay="0"/>
-                                          </p:stCondLst>
-                                        </p:cTn>
-                                        <p:tgtEl>
-                                          <p:spTgt spid="3">
-                                            <p:txEl>
-                                              <p:pRg st="2" end="2"/>
-                                            </p:txEl>
-                                          </p:spTgt>
-                                        </p:tgtEl>
-                                        <p:attrNameLst>
-                                          <p:attrName>style.visibility</p:attrName>
-                                        </p:attrNameLst>
-                                      </p:cBhvr>
-                                      <p:to>
-                                        <p:strVal val="visible"/>
-                                      </p:to>
-                                    </p:set>
-                                    <p:animEffect transition="in" filter="fade">
-                                      <p:cBhvr>
-                                        <p:cTn id="17" dur="500"/>
-                                        <p:tgtEl>
-                                          <p:spTgt spid="3">
-                                            <p:txEl>
-                                              <p:pRg st="2" end="2"/>
-                                            </p:txEl>
-                                          </p:spTgt>
-                                        </p:tgtEl>
-                                      </p:cBhvr>
-                                    </p:animEffect>
-                                  </p:childTnLst>
-                                </p:cTn>
-                              </p:par>
-                            </p:childTnLst>
-                          </p:cTn>
-                        </p:par>
-                      </p:childTnLst>
-                    </p:cTn>
-                  </p:par>
-                  <p:par>
-                    <p:cTn id="18" fill="hold">
-                      <p:stCondLst>
-                        <p:cond delay="indefinite"/>
-                      </p:stCondLst>
-                      <p:childTnLst>
-                        <p:par>
-                          <p:cTn id="19" fill="hold">
-                            <p:stCondLst>
-                              <p:cond delay="0"/>
-                            </p:stCondLst>
-                            <p:childTnLst>
-                              <p:par>
-                                <p:cTn id="20" presetID="10" presetClass="entr" presetSubtype="0" fill="hold" nodeType="clickEffect">
-                                  <p:stCondLst>
-                                    <p:cond delay="0"/>
-                                  </p:stCondLst>
-                                  <p:childTnLst>
-                                    <p:set>
-                                      <p:cBhvr>
-                                        <p:cTn id="21" dur="1" fill="hold">
-                                          <p:stCondLst>
-                                            <p:cond delay="0"/>
-                                          </p:stCondLst>
-                                        </p:cTn>
-                                        <p:tgtEl>
-                                          <p:spTgt spid="3">
-                                            <p:txEl>
-                                              <p:pRg st="3" end="3"/>
-                                            </p:txEl>
-                                          </p:spTgt>
-                                        </p:tgtEl>
-                                        <p:attrNameLst>
-                                          <p:attrName>style.visibility</p:attrName>
-                                        </p:attrNameLst>
-                                      </p:cBhvr>
-                                      <p:to>
-                                        <p:strVal val="visible"/>
-                                      </p:to>
-                                    </p:set>
-                                    <p:animEffect transition="in" filter="fade">
-                                      <p:cBhvr>
-                                        <p:cTn id="22" dur="500"/>
-                                        <p:tgtEl>
-                                          <p:spTgt spid="3">
-                                            <p:txEl>
-                                              <p:pRg st="3" end="3"/>
-                                            </p:txEl>
-                                          </p:spTgt>
-                                        </p:tgtEl>
-                                      </p:cBhvr>
-                                    </p:animEffect>
-                                  </p:childTnLst>
-                                </p:cTn>
-                              </p:par>
-                            </p:childTnLst>
-                          </p:cTn>
-                        </p:par>
-                      </p:childTnLst>
-                    </p:cTn>
-                  </p:par>
-                  <p:par>
-                    <p:cTn id="23" fill="hold">
-                      <p:stCondLst>
-                        <p:cond delay="indefinite"/>
-                      </p:stCondLst>
-                      <p:childTnLst>
-                        <p:par>
-                          <p:cTn id="24" fill="hold">
-                            <p:stCondLst>
-                              <p:cond delay="0"/>
-                            </p:stCondLst>
-                            <p:childTnLst>
-                              <p:par>
-                                <p:cTn id="25" presetID="10" presetClass="entr" presetSubtype="0" fill="hold" nodeType="clickEffect">
-                                  <p:stCondLst>
-                                    <p:cond delay="0"/>
-                                  </p:stCondLst>
-                                  <p:childTnLst>
-                                    <p:set>
-                                      <p:cBhvr>
-                                        <p:cTn id="26" dur="1" fill="hold">
-                                          <p:stCondLst>
-                                            <p:cond delay="0"/>
-                                          </p:stCondLst>
-                                        </p:cTn>
-                                        <p:tgtEl>
-                                          <p:spTgt spid="3">
-                                            <p:txEl>
-                                              <p:pRg st="4" end="4"/>
-                                            </p:txEl>
-                                          </p:spTgt>
-                                        </p:tgtEl>
-                                        <p:attrNameLst>
-                                          <p:attrName>style.visibility</p:attrName>
-                                        </p:attrNameLst>
-                                      </p:cBhvr>
-                                      <p:to>
-                                        <p:strVal val="visible"/>
-                                      </p:to>
-                                    </p:set>
-                                    <p:animEffect transition="in" filter="fade">
-                                      <p:cBhvr>
-                                        <p:cTn id="27" dur="500"/>
-                                        <p:tgtEl>
-                                          <p:spTgt spid="3">
-                                            <p:txEl>
-                                              <p:pRg st="4" end="4"/>
-                                            </p:txEl>
-                                          </p:spTgt>
-                                        </p:tgtEl>
-                                      </p:cBhvr>
-                                    </p:animEffect>
-                                  </p:childTnLst>
-                                </p:cTn>
-                              </p:par>
-                            </p:childTnLst>
-                          </p:cTn>
-                        </p:par>
-                      </p:childTnLst>
-                    </p:cTn>
-                  </p:par>
-                  <p:par>
-                    <p:cTn id="28" fill="hold">
-                      <p:stCondLst>
-                        <p:cond delay="indefinite"/>
-                      </p:stCondLst>
-                      <p:childTnLst>
-                        <p:par>
-                          <p:cTn id="29" fill="hold">
-                            <p:stCondLst>
-                              <p:cond delay="0"/>
-                            </p:stCondLst>
-                            <p:childTnLst>
-                              <p:par>
-                                <p:cTn id="30" presetID="10" presetClass="entr" presetSubtype="0" fill="hold" nodeType="clickEffect">
-                                  <p:stCondLst>
-                                    <p:cond delay="0"/>
-                                  </p:stCondLst>
-                                  <p:childTnLst>
-                                    <p:set>
-                                      <p:cBhvr>
-                                        <p:cTn id="31" dur="1" fill="hold">
-                                          <p:stCondLst>
-                                            <p:cond delay="0"/>
-                                          </p:stCondLst>
-                                        </p:cTn>
-                                        <p:tgtEl>
-                                          <p:spTgt spid="3">
-                                            <p:txEl>
-                                              <p:pRg st="5" end="5"/>
-                                            </p:txEl>
-                                          </p:spTgt>
-                                        </p:tgtEl>
-                                        <p:attrNameLst>
-                                          <p:attrName>style.visibility</p:attrName>
-                                        </p:attrNameLst>
-                                      </p:cBhvr>
-                                      <p:to>
-                                        <p:strVal val="visible"/>
-                                      </p:to>
-                                    </p:set>
-                                    <p:animEffect transition="in" filter="fade">
-                                      <p:cBhvr>
-                                        <p:cTn id="32" dur="500"/>
-                                        <p:tgtEl>
-                                          <p:spTgt spid="3">
-                                            <p:txEl>
-                                              <p:pRg st="5" end="5"/>
-                                            </p:txEl>
-                                          </p:spTgt>
-                                        </p:tgtEl>
-                                      </p:cBhvr>
-                                    </p:animEffect>
-                                  </p:childTnLst>
-                                </p:cTn>
-                              </p:par>
-                            </p:childTnLst>
-                          </p:cTn>
-                        </p:par>
-                      </p:childTnLst>
-                    </p:cTn>
-                  </p:par>
-                  <p:par>
-                    <p:cTn id="33" fill="hold">
-                      <p:stCondLst>
-                        <p:cond delay="indefinite"/>
-                      </p:stCondLst>
-                      <p:childTnLst>
-                        <p:par>
-                          <p:cTn id="34" fill="hold">
-                            <p:stCondLst>
-                              <p:cond delay="0"/>
-                            </p:stCondLst>
-                            <p:childTnLst>
-                              <p:par>
-                                <p:cTn id="35" presetID="10" presetClass="entr" presetSubtype="0" fill="hold" nodeType="clickEffect">
-                                  <p:stCondLst>
-                                    <p:cond delay="0"/>
-                                  </p:stCondLst>
-                                  <p:childTnLst>
-                                    <p:set>
-                                      <p:cBhvr>
-                                        <p:cTn id="36" dur="1" fill="hold">
-                                          <p:stCondLst>
-                                            <p:cond delay="0"/>
-                                          </p:stCondLst>
-                                        </p:cTn>
-                                        <p:tgtEl>
-                                          <p:spTgt spid="3">
-                                            <p:txEl>
-                                              <p:pRg st="6" end="6"/>
-                                            </p:txEl>
-                                          </p:spTgt>
-                                        </p:tgtEl>
-                                        <p:attrNameLst>
-                                          <p:attrName>style.visibility</p:attrName>
-                                        </p:attrNameLst>
-                                      </p:cBhvr>
-                                      <p:to>
-                                        <p:strVal val="visible"/>
-                                      </p:to>
-                                    </p:set>
-                                    <p:animEffect transition="in" filter="fade">
-                                      <p:cBhvr>
-                                        <p:cTn id="37" dur="500"/>
-                                        <p:tgtEl>
-                                          <p:spTgt spid="3">
-                                            <p:txEl>
-                                              <p:pRg st="6" end="6"/>
-                                            </p:txEl>
-                                          </p:spTgt>
-                                        </p:tgtEl>
-                                      </p:cBhvr>
-                                    </p:animEffect>
-                                  </p:childTnLst>
-                                </p:cTn>
-                              </p:par>
-                            </p:childTnLst>
-                          </p:cTn>
-                        </p:par>
-                      </p:childTnLst>
-                    </p:cTn>
-                  </p:par>
-                  <p:par>
-                    <p:cTn id="38" fill="hold">
-                      <p:stCondLst>
-                        <p:cond delay="indefinite"/>
-                      </p:stCondLst>
-                      <p:childTnLst>
-                        <p:par>
-                          <p:cTn id="39" fill="hold">
-                            <p:stCondLst>
-                              <p:cond delay="0"/>
-                            </p:stCondLst>
-                            <p:childTnLst>
-                              <p:par>
-                                <p:cTn id="40" presetID="10" presetClass="entr" presetSubtype="0" fill="hold" nodeType="clickEffect">
-                                  <p:stCondLst>
-                                    <p:cond delay="0"/>
-                                  </p:stCondLst>
-                                  <p:childTnLst>
-                                    <p:set>
-                                      <p:cBhvr>
-                                        <p:cTn id="41" dur="1" fill="hold">
-                                          <p:stCondLst>
-                                            <p:cond delay="0"/>
-                                          </p:stCondLst>
-                                        </p:cTn>
-                                        <p:tgtEl>
-                                          <p:spTgt spid="3">
-                                            <p:txEl>
-                                              <p:pRg st="7" end="7"/>
-                                            </p:txEl>
-                                          </p:spTgt>
-                                        </p:tgtEl>
-                                        <p:attrNameLst>
-                                          <p:attrName>style.visibility</p:attrName>
-                                        </p:attrNameLst>
-                                      </p:cBhvr>
-                                      <p:to>
-                                        <p:strVal val="visible"/>
-                                      </p:to>
-                                    </p:set>
-                                    <p:animEffect transition="in" filter="fade">
-                                      <p:cBhvr>
-                                        <p:cTn id="42" dur="500"/>
-                                        <p:tgtEl>
-                                          <p:spTgt spid="3">
-                                            <p:txEl>
-                                              <p:pRg st="7" end="7"/>
-                                            </p:txEl>
-                                          </p:spTgt>
-                                        </p:tgtEl>
-                                      </p:cBhvr>
-                                    </p:animEffect>
-                                  </p:childTnLst>
-                                </p:cTn>
-                              </p:par>
-                            </p:childTnLst>
-                          </p:cTn>
-                        </p:par>
-                      </p:childTnLst>
-                    </p:cTn>
-                  </p:par>
-                  <p:par>
-                    <p:cTn id="43" fill="hold">
-                      <p:stCondLst>
-                        <p:cond delay="indefinite"/>
-                      </p:stCondLst>
-                      <p:childTnLst>
-                        <p:par>
-                          <p:cTn id="44" fill="hold">
-                            <p:stCondLst>
-                              <p:cond delay="0"/>
-                            </p:stCondLst>
-                            <p:childTnLst>
-                              <p:par>
-                                <p:cTn id="45" presetID="10" presetClass="entr" presetSubtype="0" fill="hold" nodeType="clickEffect">
-                                  <p:stCondLst>
-                                    <p:cond delay="0"/>
-                                  </p:stCondLst>
-                                  <p:childTnLst>
-                                    <p:set>
-                                      <p:cBhvr>
-                                        <p:cTn id="46" dur="1" fill="hold">
-                                          <p:stCondLst>
-                                            <p:cond delay="0"/>
-                                          </p:stCondLst>
-                                        </p:cTn>
-                                        <p:tgtEl>
-                                          <p:spTgt spid="3">
-                                            <p:txEl>
-                                              <p:pRg st="8" end="8"/>
-                                            </p:txEl>
-                                          </p:spTgt>
-                                        </p:tgtEl>
-                                        <p:attrNameLst>
-                                          <p:attrName>style.visibility</p:attrName>
-                                        </p:attrNameLst>
-                                      </p:cBhvr>
-                                      <p:to>
-                                        <p:strVal val="visible"/>
-                                      </p:to>
-                                    </p:set>
-                                    <p:animEffect transition="in" filter="fade">
-                                      <p:cBhvr>
-                                        <p:cTn id="47" dur="500"/>
-                                        <p:tgtEl>
-                                          <p:spTgt spid="3">
-                                            <p:txEl>
-                                              <p:pRg st="8" end="8"/>
-                                            </p:txEl>
-                                          </p:spTgt>
-                                        </p:tgtEl>
-                                      </p:cBhvr>
-                                    </p:animEffect>
-                                  </p:childTnLst>
-                                </p:cTn>
-                              </p:par>
-                            </p:childTnLst>
-                          </p:cTn>
-                        </p:par>
-                      </p:childTnLst>
-                    </p:cTn>
-                  </p:par>
-                  <p:par>
-                    <p:cTn id="48" fill="hold">
-                      <p:stCondLst>
-                        <p:cond delay="indefinite"/>
-                      </p:stCondLst>
-                      <p:childTnLst>
-                        <p:par>
-                          <p:cTn id="49" fill="hold">
-                            <p:stCondLst>
-                              <p:cond delay="0"/>
-                            </p:stCondLst>
-                            <p:childTnLst>
-                              <p:par>
-                                <p:cTn id="50" presetID="10" presetClass="entr" presetSubtype="0" fill="hold" nodeType="clickEffect">
-                                  <p:stCondLst>
-                                    <p:cond delay="0"/>
-                                  </p:stCondLst>
-                                  <p:childTnLst>
-                                    <p:set>
-                                      <p:cBhvr>
-                                        <p:cTn id="51" dur="1" fill="hold">
-                                          <p:stCondLst>
-                                            <p:cond delay="0"/>
-                                          </p:stCondLst>
-                                        </p:cTn>
-                                        <p:tgtEl>
-                                          <p:spTgt spid="3">
-                                            <p:txEl>
-                                              <p:pRg st="9" end="9"/>
-                                            </p:txEl>
-                                          </p:spTgt>
-                                        </p:tgtEl>
-                                        <p:attrNameLst>
-                                          <p:attrName>style.visibility</p:attrName>
-                                        </p:attrNameLst>
-                                      </p:cBhvr>
-                                      <p:to>
-                                        <p:strVal val="visible"/>
-                                      </p:to>
-                                    </p:set>
-                                    <p:animEffect transition="in" filter="fade">
-                                      <p:cBhvr>
-                                        <p:cTn id="52" dur="500"/>
-                                        <p:tgtEl>
-                                          <p:spTgt spid="3">
-                                            <p:txEl>
-                                              <p:pRg st="9" end="9"/>
-                                            </p:txEl>
-                                          </p:spTgt>
-                                        </p:tgtEl>
-                                      </p:cBhvr>
-                                    </p:animEffect>
-                                  </p:childTnLst>
-                                </p:cTn>
-                              </p:par>
-                            </p:childTnLst>
-                          </p:cTn>
-                        </p:par>
-                      </p:childTnLst>
-                    </p:cTn>
-                  </p:par>
-                  <p:par>
-                    <p:cTn id="53" fill="hold">
-                      <p:stCondLst>
-                        <p:cond delay="indefinite"/>
-                      </p:stCondLst>
-                      <p:childTnLst>
-                        <p:par>
-                          <p:cTn id="54" fill="hold">
-                            <p:stCondLst>
-                              <p:cond delay="0"/>
-                            </p:stCondLst>
-                            <p:childTnLst>
-                              <p:par>
-                                <p:cTn id="55" presetID="10" presetClass="entr" presetSubtype="0" fill="hold" nodeType="clickEffect">
-                                  <p:stCondLst>
-                                    <p:cond delay="0"/>
-                                  </p:stCondLst>
-                                  <p:childTnLst>
-                                    <p:set>
-                                      <p:cBhvr>
-                                        <p:cTn id="56" dur="1" fill="hold">
-                                          <p:stCondLst>
-                                            <p:cond delay="0"/>
-                                          </p:stCondLst>
-                                        </p:cTn>
-                                        <p:tgtEl>
-                                          <p:spTgt spid="3">
-                                            <p:txEl>
-                                              <p:pRg st="10" end="10"/>
-                                            </p:txEl>
-                                          </p:spTgt>
-                                        </p:tgtEl>
-                                        <p:attrNameLst>
-                                          <p:attrName>style.visibility</p:attrName>
-                                        </p:attrNameLst>
-                                      </p:cBhvr>
-                                      <p:to>
-                                        <p:strVal val="visible"/>
-                                      </p:to>
-                                    </p:set>
-                                    <p:animEffect transition="in" filter="fade">
-                                      <p:cBhvr>
-                                        <p:cTn id="57" dur="500"/>
-                                        <p:tgtEl>
-                                          <p:spTgt spid="3">
-                                            <p:txEl>
-                                              <p:pRg st="10" end="10"/>
-                                            </p:txEl>
-                                          </p:spTgt>
-                                        </p:tgtEl>
-                                      </p:cBhvr>
-                                    </p:animEffect>
-                                  </p:childTnLst>
-                                </p:cTn>
-                              </p:par>
-                            </p:childTnLst>
-                          </p:cTn>
-                        </p:par>
-                      </p:childTnLst>
-                    </p:cTn>
-                  </p:par>
-                  <p:par>
-                    <p:cTn id="58" fill="hold">
-                      <p:stCondLst>
-                        <p:cond delay="indefinite"/>
-                      </p:stCondLst>
-                      <p:childTnLst>
-                        <p:par>
-                          <p:cTn id="59" fill="hold">
-                            <p:stCondLst>
-                              <p:cond delay="0"/>
-                            </p:stCondLst>
-                            <p:childTnLst>
-                              <p:par>
-                                <p:cTn id="60" presetID="10" presetClass="entr" presetSubtype="0" fill="hold" nodeType="clickEffect">
-                                  <p:stCondLst>
-                                    <p:cond delay="0"/>
-                                  </p:stCondLst>
-                                  <p:childTnLst>
-                                    <p:set>
-                                      <p:cBhvr>
-                                        <p:cTn id="61" dur="1" fill="hold">
-                                          <p:stCondLst>
-                                            <p:cond delay="0"/>
-                                          </p:stCondLst>
-                                        </p:cTn>
-                                        <p:tgtEl>
-                                          <p:spTgt spid="3">
-                                            <p:txEl>
-                                              <p:pRg st="11" end="11"/>
-                                            </p:txEl>
-                                          </p:spTgt>
-                                        </p:tgtEl>
-                                        <p:attrNameLst>
-                                          <p:attrName>style.visibility</p:attrName>
-                                        </p:attrNameLst>
-                                      </p:cBhvr>
-                                      <p:to>
-                                        <p:strVal val="visible"/>
-                                      </p:to>
-                                    </p:set>
-                                    <p:animEffect transition="in" filter="fade">
-                                      <p:cBhvr>
-                                        <p:cTn id="62" dur="500"/>
-                                        <p:tgtEl>
-                                          <p:spTgt spid="3">
-                                            <p:txEl>
-                                              <p:pRg st="11" end="11"/>
-                                            </p:txEl>
-                                          </p:spTgt>
-                                        </p:tgtEl>
-                                      </p:cBhvr>
-                                    </p:animEffect>
-                                  </p:childTnLst>
-                                </p:cTn>
-                              </p:par>
-                            </p:childTnLst>
-                          </p:cTn>
-                        </p:par>
-                      </p:childTnLst>
-                    </p:cTn>
-                  </p:par>
-                  <p:par>
-                    <p:cTn id="63" fill="hold">
-                      <p:stCondLst>
-                        <p:cond delay="indefinite"/>
-                      </p:stCondLst>
-                      <p:childTnLst>
-                        <p:par>
-                          <p:cTn id="64" fill="hold">
-                            <p:stCondLst>
-                              <p:cond delay="0"/>
-                            </p:stCondLst>
-                            <p:childTnLst>
-                              <p:par>
-                                <p:cTn id="65" presetID="10" presetClass="entr" presetSubtype="0" fill="hold" nodeType="clickEffect">
-                                  <p:stCondLst>
-                                    <p:cond delay="0"/>
-                                  </p:stCondLst>
-                                  <p:childTnLst>
-                                    <p:set>
-                                      <p:cBhvr>
-                                        <p:cTn id="66" dur="1" fill="hold">
-                                          <p:stCondLst>
-                                            <p:cond delay="0"/>
-                                          </p:stCondLst>
-                                        </p:cTn>
-                                        <p:tgtEl>
-                                          <p:spTgt spid="3">
-                                            <p:txEl>
-                                              <p:pRg st="12" end="12"/>
-                                            </p:txEl>
-                                          </p:spTgt>
-                                        </p:tgtEl>
-                                        <p:attrNameLst>
-                                          <p:attrName>style.visibility</p:attrName>
-                                        </p:attrNameLst>
-                                      </p:cBhvr>
-                                      <p:to>
-                                        <p:strVal val="visible"/>
-                                      </p:to>
-                                    </p:set>
-                                    <p:animEffect transition="in" filter="fade">
-                                      <p:cBhvr>
-                                        <p:cTn id="67" dur="500"/>
-                                        <p:tgtEl>
-                                          <p:spTgt spid="3">
-                                            <p:txEl>
-                                              <p:pRg st="12" end="12"/>
-                                            </p:txEl>
-                                          </p:spTgt>
-                                        </p:tgtEl>
-                                      </p:cBhvr>
-                                    </p:animEffect>
-                                  </p:childTnLst>
-                                </p:cTn>
-                              </p:par>
-                            </p:childTnLst>
-                          </p:cTn>
-                        </p:par>
-                      </p:childTnLst>
-                    </p:cTn>
-                  </p:par>
-                  <p:par>
-                    <p:cTn id="68" fill="hold">
-                      <p:stCondLst>
-                        <p:cond delay="indefinite"/>
-                      </p:stCondLst>
-                      <p:childTnLst>
-                        <p:par>
-                          <p:cTn id="69" fill="hold">
-                            <p:stCondLst>
-                              <p:cond delay="0"/>
-                            </p:stCondLst>
-                            <p:childTnLst>
-                              <p:par>
-                                <p:cTn id="70" presetID="10" presetClass="entr" presetSubtype="0" fill="hold" nodeType="clickEffect">
-                                  <p:stCondLst>
-                                    <p:cond delay="0"/>
-                                  </p:stCondLst>
-                                  <p:childTnLst>
-                                    <p:set>
-                                      <p:cBhvr>
-                                        <p:cTn id="71" dur="1" fill="hold">
-                                          <p:stCondLst>
-                                            <p:cond delay="0"/>
-                                          </p:stCondLst>
-                                        </p:cTn>
-                                        <p:tgtEl>
-                                          <p:spTgt spid="3">
-                                            <p:txEl>
-                                              <p:pRg st="13" end="13"/>
-                                            </p:txEl>
-                                          </p:spTgt>
-                                        </p:tgtEl>
-                                        <p:attrNameLst>
-                                          <p:attrName>style.visibility</p:attrName>
-                                        </p:attrNameLst>
-                                      </p:cBhvr>
-                                      <p:to>
-                                        <p:strVal val="visible"/>
-                                      </p:to>
-                                    </p:set>
-                                    <p:animEffect transition="in" filter="fade">
-                                      <p:cBhvr>
-                                        <p:cTn id="72" dur="500"/>
-                                        <p:tgtEl>
-                                          <p:spTgt spid="3">
-                                            <p:txEl>
-                                              <p:pRg st="13" end="13"/>
-                                            </p:txEl>
-                                          </p:spTgt>
-                                        </p:tgtEl>
-                                      </p:cBhvr>
-                                    </p:animEffect>
-                                  </p:childTnLst>
-                                </p:cTn>
-                              </p:par>
-                            </p:childTnLst>
-                          </p:cTn>
-                        </p:par>
-                      </p:childTnLst>
-                    </p:cTn>
-                  </p:par>
-                  <p:par>
-                    <p:cTn id="73" fill="hold">
-                      <p:stCondLst>
-                        <p:cond delay="indefinite"/>
-                      </p:stCondLst>
-                      <p:childTnLst>
-                        <p:par>
-                          <p:cTn id="74" fill="hold">
-                            <p:stCondLst>
-                              <p:cond delay="0"/>
-                            </p:stCondLst>
-                            <p:childTnLst>
-                              <p:par>
-                                <p:cTn id="75" presetID="10" presetClass="entr" presetSubtype="0" fill="hold" nodeType="clickEffect">
-                                  <p:stCondLst>
-                                    <p:cond delay="0"/>
-                                  </p:stCondLst>
-                                  <p:childTnLst>
-                                    <p:set>
-                                      <p:cBhvr>
-                                        <p:cTn id="76" dur="1" fill="hold">
-                                          <p:stCondLst>
-                                            <p:cond delay="0"/>
-                                          </p:stCondLst>
-                                        </p:cTn>
-                                        <p:tgtEl>
-                                          <p:spTgt spid="3">
-                                            <p:txEl>
-                                              <p:pRg st="14" end="14"/>
-                                            </p:txEl>
-                                          </p:spTgt>
-                                        </p:tgtEl>
-                                        <p:attrNameLst>
-                                          <p:attrName>style.visibility</p:attrName>
-                                        </p:attrNameLst>
-                                      </p:cBhvr>
-                                      <p:to>
-                                        <p:strVal val="visible"/>
-                                      </p:to>
-                                    </p:set>
-                                    <p:animEffect transition="in" filter="fade">
-                                      <p:cBhvr>
-                                        <p:cTn id="77" dur="500"/>
-                                        <p:tgtEl>
-                                          <p:spTgt spid="3">
-                                            <p:txEl>
-                                              <p:pRg st="14" end="14"/>
-                                            </p:txEl>
-                                          </p:spTgt>
-                                        </p:tgtEl>
-                                      </p:cBhvr>
-                                    </p:animEffect>
-                                  </p:childTnLst>
-                                </p:cTn>
-                              </p:par>
-                            </p:childTnLst>
-                          </p:cTn>
-                        </p:par>
-                      </p:childTnLst>
-                    </p:cTn>
-                  </p:par>
-                  <p:par>
-                    <p:cTn id="78" fill="hold">
-                      <p:stCondLst>
-                        <p:cond delay="indefinite"/>
-                      </p:stCondLst>
-                      <p:childTnLst>
-                        <p:par>
-                          <p:cTn id="79" fill="hold">
-                            <p:stCondLst>
-                              <p:cond delay="0"/>
-                            </p:stCondLst>
-                            <p:childTnLst>
-                              <p:par>
-                                <p:cTn id="80" presetID="10" presetClass="entr" presetSubtype="0" fill="hold" nodeType="clickEffect">
-                                  <p:stCondLst>
-                                    <p:cond delay="0"/>
-                                  </p:stCondLst>
-                                  <p:childTnLst>
-                                    <p:set>
-                                      <p:cBhvr>
-                                        <p:cTn id="81" dur="1" fill="hold">
-                                          <p:stCondLst>
-                                            <p:cond delay="0"/>
-                                          </p:stCondLst>
-                                        </p:cTn>
-                                        <p:tgtEl>
-                                          <p:spTgt spid="3">
-                                            <p:txEl>
-                                              <p:pRg st="15" end="15"/>
-                                            </p:txEl>
-                                          </p:spTgt>
-                                        </p:tgtEl>
-                                        <p:attrNameLst>
-                                          <p:attrName>style.visibility</p:attrName>
-                                        </p:attrNameLst>
-                                      </p:cBhvr>
-                                      <p:to>
-                                        <p:strVal val="visible"/>
-                                      </p:to>
-                                    </p:set>
-                                    <p:animEffect transition="in" filter="fade">
-                                      <p:cBhvr>
-                                        <p:cTn id="82" dur="500"/>
-                                        <p:tgtEl>
-                                          <p:spTgt spid="3">
-                                            <p:txEl>
-                                              <p:pRg st="15" end="15"/>
-                                            </p:txEl>
-                                          </p:spTgt>
-                                        </p:tgtEl>
-                                      </p:cBhvr>
-                                    </p:animEffect>
-                                  </p:childTnLst>
-                                </p:cTn>
-                              </p:par>
-                            </p:childTnLst>
-                          </p:cTn>
-                        </p:par>
-                      </p:childTnLst>
-                    </p:cTn>
-                  </p:par>
-                  <p:par>
-                    <p:cTn id="83" fill="hold">
-                      <p:stCondLst>
-                        <p:cond delay="indefinite"/>
-                      </p:stCondLst>
-                      <p:childTnLst>
-                        <p:par>
-                          <p:cTn id="84" fill="hold">
-                            <p:stCondLst>
-                              <p:cond delay="0"/>
-                            </p:stCondLst>
-                            <p:childTnLst>
-                              <p:par>
-                                <p:cTn id="85" presetID="10" presetClass="entr" presetSubtype="0" fill="hold" nodeType="clickEffect">
-                                  <p:stCondLst>
-                                    <p:cond delay="0"/>
-                                  </p:stCondLst>
-                                  <p:childTnLst>
-                                    <p:set>
-                                      <p:cBhvr>
-                                        <p:cTn id="86" dur="1" fill="hold">
-                                          <p:stCondLst>
-                                            <p:cond delay="0"/>
-                                          </p:stCondLst>
-                                        </p:cTn>
-                                        <p:tgtEl>
-                                          <p:spTgt spid="3">
-                                            <p:txEl>
-                                              <p:pRg st="16" end="16"/>
-                                            </p:txEl>
-                                          </p:spTgt>
-                                        </p:tgtEl>
-                                        <p:attrNameLst>
-                                          <p:attrName>style.visibility</p:attrName>
-                                        </p:attrNameLst>
-                                      </p:cBhvr>
-                                      <p:to>
-                                        <p:strVal val="visible"/>
-                                      </p:to>
-                                    </p:set>
-                                    <p:animEffect transition="in" filter="fade">
-                                      <p:cBhvr>
-                                        <p:cTn id="87" dur="500"/>
-                                        <p:tgtEl>
-                                          <p:spTgt spid="3">
-                                            <p:txEl>
-                                              <p:pRg st="16" end="16"/>
-                                            </p:txEl>
-                                          </p:spTgt>
-                                        </p:tgtEl>
-                                      </p:cBhvr>
-                                    </p:animEffect>
-                                  </p:childTnLst>
-                                </p:cTn>
-                              </p:par>
-                            </p:childTnLst>
-                          </p:cTn>
-                        </p:par>
-                      </p:childTnLst>
-                    </p:cTn>
-                  </p:par>
-                  <p:par>
-                    <p:cTn id="88" fill="hold">
-                      <p:stCondLst>
-                        <p:cond delay="indefinite"/>
-                      </p:stCondLst>
-                      <p:childTnLst>
-                        <p:par>
-                          <p:cTn id="89" fill="hold">
-                            <p:stCondLst>
-                              <p:cond delay="0"/>
-                            </p:stCondLst>
-                            <p:childTnLst>
-                              <p:par>
-                                <p:cTn id="90" presetID="10" presetClass="entr" presetSubtype="0" fill="hold" nodeType="clickEffect">
-                                  <p:stCondLst>
-                                    <p:cond delay="0"/>
-                                  </p:stCondLst>
-                                  <p:childTnLst>
-                                    <p:set>
-                                      <p:cBhvr>
-                                        <p:cTn id="91" dur="1" fill="hold">
-                                          <p:stCondLst>
-                                            <p:cond delay="0"/>
-                                          </p:stCondLst>
-                                        </p:cTn>
-                                        <p:tgtEl>
-                                          <p:spTgt spid="3">
-                                            <p:txEl>
-                                              <p:pRg st="17" end="17"/>
-                                            </p:txEl>
-                                          </p:spTgt>
-                                        </p:tgtEl>
-                                        <p:attrNameLst>
-                                          <p:attrName>style.visibility</p:attrName>
-                                        </p:attrNameLst>
-                                      </p:cBhvr>
-                                      <p:to>
-                                        <p:strVal val="visible"/>
-                                      </p:to>
-                                    </p:set>
-                                    <p:animEffect transition="in" filter="fade">
-                                      <p:cBhvr>
-                                        <p:cTn id="92" dur="500"/>
-                                        <p:tgtEl>
-                                          <p:spTgt spid="3">
-                                            <p:txEl>
-                                              <p:pRg st="17" end="17"/>
-                                            </p:txEl>
-                                          </p:spTgt>
-                                        </p:tgtEl>
-                                      </p:cBhvr>
-                                    </p:animEffect>
-                                  </p:childTnLst>
-                                </p:cTn>
-                              </p:par>
-                            </p:childTnLst>
-                          </p:cTn>
-                        </p:par>
-                      </p:childTnLst>
-                    </p:cTn>
-                  </p:par>
-                  <p:par>
-                    <p:cTn id="93" fill="hold">
-                      <p:stCondLst>
-                        <p:cond delay="indefinite"/>
-                      </p:stCondLst>
-                      <p:childTnLst>
-                        <p:par>
-                          <p:cTn id="94" fill="hold">
-                            <p:stCondLst>
-                              <p:cond delay="0"/>
-                            </p:stCondLst>
-                            <p:childTnLst>
-                              <p:par>
-                                <p:cTn id="95" presetID="10" presetClass="entr" presetSubtype="0" fill="hold" nodeType="clickEffect">
-                                  <p:stCondLst>
-                                    <p:cond delay="0"/>
-                                  </p:stCondLst>
-                                  <p:childTnLst>
-                                    <p:set>
-                                      <p:cBhvr>
-                                        <p:cTn id="96" dur="1" fill="hold">
-                                          <p:stCondLst>
-                                            <p:cond delay="0"/>
-                                          </p:stCondLst>
-                                        </p:cTn>
-                                        <p:tgtEl>
-                                          <p:spTgt spid="3">
-                                            <p:txEl>
-                                              <p:pRg st="18" end="18"/>
-                                            </p:txEl>
-                                          </p:spTgt>
-                                        </p:tgtEl>
-                                        <p:attrNameLst>
-                                          <p:attrName>style.visibility</p:attrName>
-                                        </p:attrNameLst>
-                                      </p:cBhvr>
-                                      <p:to>
-                                        <p:strVal val="visible"/>
-                                      </p:to>
-                                    </p:set>
-                                    <p:animEffect transition="in" filter="fade">
-                                      <p:cBhvr>
-                                        <p:cTn id="97" dur="500"/>
-                                        <p:tgtEl>
-                                          <p:spTgt spid="3">
-                                            <p:txEl>
-                                              <p:pRg st="18" end="18"/>
-                                            </p:txEl>
-                                          </p:spTgt>
-                                        </p:tgtEl>
-                                      </p:cBhvr>
-                                    </p:animEffect>
-                                  </p:childTnLst>
-                                </p:cTn>
-                              </p:par>
-                            </p:childTnLst>
-                          </p:cTn>
-                        </p:par>
-                      </p:childTnLst>
-                    </p:cTn>
-                  </p:par>
-                  <p:par>
-                    <p:cTn id="98" fill="hold">
-                      <p:stCondLst>
-                        <p:cond delay="indefinite"/>
-                      </p:stCondLst>
-                      <p:childTnLst>
-                        <p:par>
-                          <p:cTn id="99" fill="hold">
-                            <p:stCondLst>
-                              <p:cond delay="0"/>
-                            </p:stCondLst>
-                            <p:childTnLst>
-                              <p:par>
-                                <p:cTn id="100" presetID="10" presetClass="entr" presetSubtype="0" fill="hold" nodeType="clickEffect">
-                                  <p:stCondLst>
-                                    <p:cond delay="0"/>
-                                  </p:stCondLst>
-                                  <p:childTnLst>
-                                    <p:set>
-                                      <p:cBhvr>
-                                        <p:cTn id="101" dur="1" fill="hold">
-                                          <p:stCondLst>
-                                            <p:cond delay="0"/>
-                                          </p:stCondLst>
-                                        </p:cTn>
-                                        <p:tgtEl>
-                                          <p:spTgt spid="3">
-                                            <p:txEl>
-                                              <p:pRg st="19" end="19"/>
-                                            </p:txEl>
-                                          </p:spTgt>
-                                        </p:tgtEl>
-                                        <p:attrNameLst>
-                                          <p:attrName>style.visibility</p:attrName>
-                                        </p:attrNameLst>
-                                      </p:cBhvr>
-                                      <p:to>
-                                        <p:strVal val="visible"/>
-                                      </p:to>
-                                    </p:set>
-                                    <p:animEffect transition="in" filter="fade">
-                                      <p:cBhvr>
-                                        <p:cTn id="102" dur="500"/>
-                                        <p:tgtEl>
-                                          <p:spTgt spid="3">
-                                            <p:txEl>
-                                              <p:pRg st="19" end="19"/>
-                                            </p:txEl>
-                                          </p:spTgt>
-                                        </p:tgtEl>
-                                      </p:cBhvr>
-                                    </p:animEffect>
-                                  </p:childTnLst>
-                                </p:cTn>
-                              </p:par>
                             </p:childTnLst>
                           </p:cTn>
                         </p:par>
@@ -16528,6 +17040,379 @@
       </p:grpSpPr>
       <p:sp>
         <p:nvSpPr>
+          <p:cNvPr id="10" name="TextBox 9">
+            <a:extLst>
+              <a:ext uri="{FF2B5EF4-FFF2-40B4-BE49-F238E27FC236}">
+                <a16:creationId xmlns:a16="http://schemas.microsoft.com/office/drawing/2014/main" id="{889C9E6C-F213-41FB-B055-34C2D402A4FA}"/>
+              </a:ext>
+            </a:extLst>
+          </p:cNvPr>
+          <p:cNvSpPr txBox="1"/>
+          <p:nvPr/>
+        </p:nvSpPr>
+        <p:spPr>
+          <a:xfrm>
+            <a:off x="5648741" y="2730239"/>
+            <a:ext cx="5379718" cy="230832"/>
+          </a:xfrm>
+          <a:prstGeom prst="rect">
+            <a:avLst/>
+          </a:prstGeom>
+          <a:noFill/>
+          <a:ln w="3175">
+            <a:solidFill>
+              <a:schemeClr val="tx1"/>
+            </a:solidFill>
+          </a:ln>
+        </p:spPr>
+        <p:txBody>
+          <a:bodyPr wrap="square" rtlCol="0">
+            <a:spAutoFit/>
+          </a:bodyPr>
+          <a:lstStyle/>
+          <a:p>
+            <a:r>
+              <a:rPr lang="en-US" sz="900" i="1">
+                <a:latin typeface="Calibri" panose="020F0502020204030204" pitchFamily="34" charset="0"/>
+                <a:cs typeface="Calibri" panose="020F0502020204030204" pitchFamily="34" charset="0"/>
+              </a:rPr>
+              <a:t>http://130.56.242.15/ows/geoglam?time=2... &amp;service=WMS&amp;request=</a:t>
+            </a:r>
+            <a:r>
+              <a:rPr lang="en-US" sz="900" i="1">
+                <a:highlight>
+                  <a:srgbClr val="FFFF00"/>
+                </a:highlight>
+                <a:latin typeface="Calibri" panose="020F0502020204030204" pitchFamily="34" charset="0"/>
+                <a:cs typeface="Calibri" panose="020F0502020204030204" pitchFamily="34" charset="0"/>
+              </a:rPr>
+              <a:t>GetThredds</a:t>
+            </a:r>
+            <a:r>
+              <a:rPr lang="en-US" sz="900" i="1">
+                <a:latin typeface="Calibri" panose="020F0502020204030204" pitchFamily="34" charset="0"/>
+                <a:cs typeface="Calibri" panose="020F0502020204030204" pitchFamily="34" charset="0"/>
+              </a:rPr>
+              <a:t>&amp;layers=&amp;bbox=15…</a:t>
+            </a:r>
+          </a:p>
+        </p:txBody>
+      </p:sp>
+      <p:sp>
+        <p:nvSpPr>
+          <p:cNvPr id="13" name="TextBox 12">
+            <a:extLst>
+              <a:ext uri="{FF2B5EF4-FFF2-40B4-BE49-F238E27FC236}">
+                <a16:creationId xmlns:a16="http://schemas.microsoft.com/office/drawing/2014/main" id="{E960DDDB-8008-4DDD-8149-6BF1B2F1255C}"/>
+              </a:ext>
+            </a:extLst>
+          </p:cNvPr>
+          <p:cNvSpPr txBox="1"/>
+          <p:nvPr/>
+        </p:nvSpPr>
+        <p:spPr>
+          <a:xfrm>
+            <a:off x="5648741" y="2979078"/>
+            <a:ext cx="5379718" cy="507831"/>
+          </a:xfrm>
+          <a:prstGeom prst="rect">
+            <a:avLst/>
+          </a:prstGeom>
+          <a:noFill/>
+          <a:ln w="3175">
+            <a:solidFill>
+              <a:schemeClr val="tx1"/>
+            </a:solidFill>
+          </a:ln>
+        </p:spPr>
+        <p:txBody>
+          <a:bodyPr wrap="square" rtlCol="0">
+            <a:spAutoFit/>
+          </a:bodyPr>
+          <a:lstStyle/>
+          <a:p>
+            <a:r>
+              <a:rPr lang="en-US" sz="900" i="1">
+                <a:latin typeface="Calibri" panose="020F0502020204030204" pitchFamily="34" charset="0"/>
+                <a:cs typeface="Calibri" panose="020F0502020204030204" pitchFamily="34" charset="0"/>
+              </a:rPr>
+              <a:t>"files": [</a:t>
+            </a:r>
+          </a:p>
+          <a:p>
+            <a:r>
+              <a:rPr lang="en-US" sz="900" i="1">
+                <a:latin typeface="Calibri" panose="020F0502020204030204" pitchFamily="34" charset="0"/>
+                <a:cs typeface="Calibri" panose="020F0502020204030204" pitchFamily="34" charset="0"/>
+              </a:rPr>
+              <a:t>"/g/data2/tc43/modis-fc/v310/tiles/monthly/anomalies/FC_Mean_Diff.v310.MCD43A4.h31v10.2018.006.nc", </a:t>
+            </a:r>
+          </a:p>
+          <a:p>
+            <a:r>
+              <a:rPr lang="en-US" sz="900" i="1">
+                <a:latin typeface="Calibri" panose="020F0502020204030204" pitchFamily="34" charset="0"/>
+                <a:cs typeface="Calibri" panose="020F0502020204030204" pitchFamily="34" charset="0"/>
+              </a:rPr>
+              <a:t>"/g/data2/tc43/modis-fc/v310/tiles/monthly/anomalies/FC_Mean_Diff.v310.MCD43A4.h31v11.2018.006.nc", ]</a:t>
+            </a:r>
+          </a:p>
+        </p:txBody>
+      </p:sp>
+      <p:grpSp>
+        <p:nvGrpSpPr>
+          <p:cNvPr id="28" name="Group 27">
+            <a:extLst>
+              <a:ext uri="{FF2B5EF4-FFF2-40B4-BE49-F238E27FC236}">
+                <a16:creationId xmlns:a16="http://schemas.microsoft.com/office/drawing/2014/main" id="{8BBB806B-0B76-45E1-BEDE-B0123A67B392}"/>
+              </a:ext>
+            </a:extLst>
+          </p:cNvPr>
+          <p:cNvGrpSpPr/>
+          <p:nvPr/>
+        </p:nvGrpSpPr>
+        <p:grpSpPr>
+          <a:xfrm>
+            <a:off x="1280156" y="3512888"/>
+            <a:ext cx="9748303" cy="2599476"/>
+            <a:chOff x="1280156" y="3512888"/>
+            <a:chExt cx="9748303" cy="2599476"/>
+          </a:xfrm>
+        </p:grpSpPr>
+        <p:pic>
+          <p:nvPicPr>
+            <p:cNvPr id="24" name="Picture 23">
+              <a:extLst>
+                <a:ext uri="{FF2B5EF4-FFF2-40B4-BE49-F238E27FC236}">
+                  <a16:creationId xmlns:a16="http://schemas.microsoft.com/office/drawing/2014/main" id="{32D6906A-8689-4801-98F3-DBB17476F8E4}"/>
+                </a:ext>
+              </a:extLst>
+            </p:cNvPr>
+            <p:cNvPicPr>
+              <a:picLocks noChangeAspect="1"/>
+            </p:cNvPicPr>
+            <p:nvPr/>
+          </p:nvPicPr>
+          <p:blipFill>
+            <a:blip r:embed="rId3"/>
+            <a:stretch>
+              <a:fillRect/>
+            </a:stretch>
+          </p:blipFill>
+          <p:spPr>
+            <a:xfrm>
+              <a:off x="8429729" y="3512888"/>
+              <a:ext cx="2598730" cy="2245048"/>
+            </a:xfrm>
+            <a:prstGeom prst="rect">
+              <a:avLst/>
+            </a:prstGeom>
+            <a:ln w="3175">
+              <a:solidFill>
+                <a:schemeClr val="tx1"/>
+              </a:solidFill>
+            </a:ln>
+          </p:spPr>
+        </p:pic>
+        <p:sp>
+          <p:nvSpPr>
+            <p:cNvPr id="27" name="Arrow: Pentagon 26">
+              <a:extLst>
+                <a:ext uri="{FF2B5EF4-FFF2-40B4-BE49-F238E27FC236}">
+                  <a16:creationId xmlns:a16="http://schemas.microsoft.com/office/drawing/2014/main" id="{D18FD897-33DB-42AE-9402-8EE9B97A46BF}"/>
+                </a:ext>
+              </a:extLst>
+            </p:cNvPr>
+            <p:cNvSpPr/>
+            <p:nvPr/>
+          </p:nvSpPr>
+          <p:spPr>
+            <a:xfrm>
+              <a:off x="1280156" y="5743032"/>
+              <a:ext cx="4214191" cy="369332"/>
+            </a:xfrm>
+            <a:prstGeom prst="homePlate">
+              <a:avLst/>
+            </a:prstGeom>
+            <a:noFill/>
+          </p:spPr>
+          <p:style>
+            <a:lnRef idx="2">
+              <a:schemeClr val="accent1">
+                <a:shade val="50000"/>
+              </a:schemeClr>
+            </a:lnRef>
+            <a:fillRef idx="1">
+              <a:schemeClr val="accent1"/>
+            </a:fillRef>
+            <a:effectRef idx="0">
+              <a:schemeClr val="accent1"/>
+            </a:effectRef>
+            <a:fontRef idx="minor">
+              <a:schemeClr val="lt1"/>
+            </a:fontRef>
+          </p:style>
+          <p:txBody>
+            <a:bodyPr rot="0" spcFirstLastPara="0" vertOverflow="overflow" horzOverflow="overflow" vert="horz" wrap="square" lIns="91440" tIns="45720" rIns="91440" bIns="45720" numCol="1" spcCol="0" rtlCol="0" fromWordArt="0" anchor="ctr" anchorCtr="0" forceAA="0" compatLnSpc="1">
+              <a:prstTxWarp prst="textNoShape">
+                <a:avLst/>
+              </a:prstTxWarp>
+              <a:noAutofit/>
+            </a:bodyPr>
+            <a:lstStyle/>
+            <a:p>
+              <a:pPr marL="342900" indent="-342900">
+                <a:buFont typeface="Arial" panose="020B0604020202020204" pitchFamily="34" charset="0"/>
+                <a:buChar char="•"/>
+              </a:pPr>
+              <a:r>
+                <a:rPr lang="en-US" sz="1400">
+                  <a:solidFill>
+                    <a:schemeClr val="tx1"/>
+                  </a:solidFill>
+                  <a:latin typeface="Calibri" panose="020F0502020204030204" pitchFamily="34" charset="0"/>
+                  <a:cs typeface="Calibri" panose="020F0502020204030204" pitchFamily="34" charset="0"/>
+                </a:rPr>
+                <a:t>User clicks a link to see the NCI Thredds catalog</a:t>
+              </a:r>
+              <a:endParaRPr lang="en-AU" sz="1400">
+                <a:solidFill>
+                  <a:schemeClr val="tx1"/>
+                </a:solidFill>
+                <a:latin typeface="Calibri" panose="020F0502020204030204" pitchFamily="34" charset="0"/>
+                <a:cs typeface="Calibri" panose="020F0502020204030204" pitchFamily="34" charset="0"/>
+              </a:endParaRPr>
+            </a:p>
+          </p:txBody>
+        </p:sp>
+      </p:grpSp>
+      <p:sp>
+        <p:nvSpPr>
+          <p:cNvPr id="3" name="Oval 2">
+            <a:extLst>
+              <a:ext uri="{FF2B5EF4-FFF2-40B4-BE49-F238E27FC236}">
+                <a16:creationId xmlns:a16="http://schemas.microsoft.com/office/drawing/2014/main" id="{50541743-7BA0-441A-AF95-E42211A9323E}"/>
+              </a:ext>
+            </a:extLst>
+          </p:cNvPr>
+          <p:cNvSpPr/>
+          <p:nvPr/>
+        </p:nvSpPr>
+        <p:spPr>
+          <a:xfrm>
+            <a:off x="10662698" y="5863176"/>
+            <a:ext cx="210806" cy="210806"/>
+          </a:xfrm>
+          <a:prstGeom prst="ellipse">
+            <a:avLst/>
+          </a:prstGeom>
+          <a:gradFill flip="none" rotWithShape="1">
+            <a:gsLst>
+              <a:gs pos="0">
+                <a:schemeClr val="accent1">
+                  <a:tint val="66000"/>
+                  <a:satMod val="160000"/>
+                </a:schemeClr>
+              </a:gs>
+              <a:gs pos="50000">
+                <a:schemeClr val="accent1">
+                  <a:tint val="44500"/>
+                  <a:satMod val="160000"/>
+                </a:schemeClr>
+              </a:gs>
+              <a:gs pos="100000">
+                <a:schemeClr val="accent1">
+                  <a:tint val="23500"/>
+                  <a:satMod val="160000"/>
+                </a:schemeClr>
+              </a:gs>
+            </a:gsLst>
+            <a:lin ang="16200000" scaled="1"/>
+            <a:tileRect/>
+          </a:gradFill>
+          <a:ln>
+            <a:noFill/>
+          </a:ln>
+        </p:spPr>
+        <p:style>
+          <a:lnRef idx="2">
+            <a:schemeClr val="accent1">
+              <a:shade val="50000"/>
+            </a:schemeClr>
+          </a:lnRef>
+          <a:fillRef idx="1">
+            <a:schemeClr val="accent1"/>
+          </a:fillRef>
+          <a:effectRef idx="0">
+            <a:schemeClr val="accent1"/>
+          </a:effectRef>
+          <a:fontRef idx="minor">
+            <a:schemeClr val="lt1"/>
+          </a:fontRef>
+        </p:style>
+        <p:txBody>
+          <a:bodyPr rtlCol="0" anchor="ctr"/>
+          <a:lstStyle/>
+          <a:p>
+            <a:pPr algn="ctr"/>
+            <a:endParaRPr lang="en-AU"/>
+          </a:p>
+        </p:txBody>
+      </p:sp>
+      <p:sp>
+        <p:nvSpPr>
+          <p:cNvPr id="8" name="Rectangle 7">
+            <a:extLst>
+              <a:ext uri="{FF2B5EF4-FFF2-40B4-BE49-F238E27FC236}">
+                <a16:creationId xmlns:a16="http://schemas.microsoft.com/office/drawing/2014/main" id="{DEF87545-817B-45BB-A684-8B73767A9F6B}"/>
+              </a:ext>
+            </a:extLst>
+          </p:cNvPr>
+          <p:cNvSpPr/>
+          <p:nvPr/>
+        </p:nvSpPr>
+        <p:spPr>
+          <a:xfrm>
+            <a:off x="10605872" y="5801859"/>
+            <a:ext cx="375139" cy="335756"/>
+          </a:xfrm>
+          <a:prstGeom prst="rect">
+            <a:avLst/>
+          </a:prstGeom>
+          <a:solidFill>
+            <a:srgbClr val="FFFFFF"/>
+          </a:solidFill>
+          <a:ln>
+            <a:noFill/>
+          </a:ln>
+        </p:spPr>
+        <p:style>
+          <a:lnRef idx="2">
+            <a:schemeClr val="accent1">
+              <a:shade val="50000"/>
+            </a:schemeClr>
+          </a:lnRef>
+          <a:fillRef idx="1">
+            <a:schemeClr val="accent1"/>
+          </a:fillRef>
+          <a:effectRef idx="0">
+            <a:schemeClr val="accent1"/>
+          </a:effectRef>
+          <a:fontRef idx="minor">
+            <a:schemeClr val="lt1"/>
+          </a:fontRef>
+        </p:style>
+        <p:txBody>
+          <a:bodyPr rtlCol="0" anchor="ctr"/>
+          <a:lstStyle/>
+          <a:p>
+            <a:pPr algn="ctr"/>
+            <a:endParaRPr lang="en-AU"/>
+          </a:p>
+        </p:txBody>
+      </p:sp>
+      <p:sp>
+        <p:nvSpPr>
           <p:cNvPr id="54" name="TextBox 53">
             <a:extLst>
               <a:ext uri="{FF2B5EF4-FFF2-40B4-BE49-F238E27FC236}">
@@ -16590,7 +17475,7 @@
           <p:nvPr/>
         </p:nvPicPr>
         <p:blipFill>
-          <a:blip r:embed="rId3"/>
+          <a:blip r:embed="rId4"/>
           <a:stretch>
             <a:fillRect/>
           </a:stretch>
@@ -16882,66 +17767,6 @@
       </p:sp>
       <p:sp>
         <p:nvSpPr>
-          <p:cNvPr id="10" name="TextBox 9">
-            <a:extLst>
-              <a:ext uri="{FF2B5EF4-FFF2-40B4-BE49-F238E27FC236}">
-                <a16:creationId xmlns:a16="http://schemas.microsoft.com/office/drawing/2014/main" id="{889C9E6C-F213-41FB-B055-34C2D402A4FA}"/>
-              </a:ext>
-            </a:extLst>
-          </p:cNvPr>
-          <p:cNvSpPr txBox="1"/>
-          <p:nvPr/>
-        </p:nvSpPr>
-        <p:spPr>
-          <a:xfrm>
-            <a:off x="5648741" y="2730239"/>
-            <a:ext cx="5379718" cy="230832"/>
-          </a:xfrm>
-          <a:prstGeom prst="rect">
-            <a:avLst/>
-          </a:prstGeom>
-          <a:noFill/>
-          <a:ln w="3175">
-            <a:solidFill>
-              <a:schemeClr val="tx1"/>
-            </a:solidFill>
-          </a:ln>
-        </p:spPr>
-        <p:txBody>
-          <a:bodyPr wrap="square" rtlCol="0">
-            <a:spAutoFit/>
-          </a:bodyPr>
-          <a:lstStyle/>
-          <a:p>
-            <a:r>
-              <a:rPr lang="en-US" sz="900" i="1">
-                <a:latin typeface="Calibri" panose="020F0502020204030204" pitchFamily="34" charset="0"/>
-                <a:cs typeface="Calibri" panose="020F0502020204030204" pitchFamily="34" charset="0"/>
-              </a:rPr>
-              <a:t>http://130.56.242.15/ows/geoglam?time=2... &amp;service=WMS&amp;request=</a:t>
-            </a:r>
-            <a:r>
-              <a:rPr lang="en-US" sz="900" i="1">
-                <a:highlight>
-                  <a:srgbClr val="FFFF00"/>
-                </a:highlight>
-                <a:latin typeface="Calibri" panose="020F0502020204030204" pitchFamily="34" charset="0"/>
-                <a:cs typeface="Calibri" panose="020F0502020204030204" pitchFamily="34" charset="0"/>
-              </a:rPr>
-              <a:t>GetThredds</a:t>
-            </a:r>
-            <a:r>
-              <a:rPr lang="en-US" sz="900" i="1">
-                <a:latin typeface="Calibri" panose="020F0502020204030204" pitchFamily="34" charset="0"/>
-                <a:cs typeface="Calibri" panose="020F0502020204030204" pitchFamily="34" charset="0"/>
-              </a:rPr>
-              <a:t>&amp;layers=&amp;bbox=15…</a:t>
-            </a:r>
-          </a:p>
-        </p:txBody>
-      </p:sp>
-      <p:sp>
-        <p:nvSpPr>
           <p:cNvPr id="12" name="Arrow: Pentagon 11">
             <a:extLst>
               <a:ext uri="{FF2B5EF4-FFF2-40B4-BE49-F238E27FC236}">
@@ -17008,67 +17833,6 @@
               <a:latin typeface="Calibri" panose="020F0502020204030204" pitchFamily="34" charset="0"/>
               <a:cs typeface="Calibri" panose="020F0502020204030204" pitchFamily="34" charset="0"/>
             </a:endParaRPr>
-          </a:p>
-        </p:txBody>
-      </p:sp>
-      <p:sp>
-        <p:nvSpPr>
-          <p:cNvPr id="13" name="TextBox 12">
-            <a:extLst>
-              <a:ext uri="{FF2B5EF4-FFF2-40B4-BE49-F238E27FC236}">
-                <a16:creationId xmlns:a16="http://schemas.microsoft.com/office/drawing/2014/main" id="{E960DDDB-8008-4DDD-8149-6BF1B2F1255C}"/>
-              </a:ext>
-            </a:extLst>
-          </p:cNvPr>
-          <p:cNvSpPr txBox="1"/>
-          <p:nvPr/>
-        </p:nvSpPr>
-        <p:spPr>
-          <a:xfrm>
-            <a:off x="5648741" y="2979078"/>
-            <a:ext cx="5379718" cy="507831"/>
-          </a:xfrm>
-          <a:prstGeom prst="rect">
-            <a:avLst/>
-          </a:prstGeom>
-          <a:noFill/>
-          <a:ln w="3175">
-            <a:solidFill>
-              <a:schemeClr val="tx1"/>
-            </a:solidFill>
-          </a:ln>
-        </p:spPr>
-        <p:txBody>
-          <a:bodyPr wrap="square" rtlCol="0">
-            <a:spAutoFit/>
-          </a:bodyPr>
-          <a:lstStyle/>
-          <a:p>
-            <a:r>
-              <a:rPr lang="en-US" sz="900" i="1">
-                <a:latin typeface="Calibri" panose="020F0502020204030204" pitchFamily="34" charset="0"/>
-                <a:cs typeface="Calibri" panose="020F0502020204030204" pitchFamily="34" charset="0"/>
-              </a:rPr>
-              <a:t>"files": [</a:t>
-            </a:r>
-          </a:p>
-          <a:p>
-            <a:r>
-              <a:rPr lang="en-US" sz="900" i="1">
-                <a:latin typeface="Calibri" panose="020F0502020204030204" pitchFamily="34" charset="0"/>
-                <a:cs typeface="Calibri" panose="020F0502020204030204" pitchFamily="34" charset="0"/>
-              </a:rPr>
-              <a:t>"/g/data2/tc43/modis-fc/v310/tiles/monthly/anomalies/FC_Mean_Diff.v310.MCD43A4.h31v10.2018.006.nc", </a:t>
-            </a:r>
-          </a:p>
-          <a:p>
-            <a:r>
-              <a:rPr lang="en-US" sz="900" i="1">
-                <a:latin typeface="Calibri" panose="020F0502020204030204" pitchFamily="34" charset="0"/>
-                <a:cs typeface="Calibri" panose="020F0502020204030204" pitchFamily="34" charset="0"/>
-              </a:rPr>
-              <a:t>"/g/data2/tc43/modis-fc/v310/tiles/monthly/anomalies/FC_Mean_Diff.v310.MCD43A4.h31v11.2018.006.nc", ]</a:t>
-            </a:r>
           </a:p>
         </p:txBody>
       </p:sp>
@@ -17947,7 +18711,7 @@
             <p:nvPr/>
           </p:nvPicPr>
           <p:blipFill>
-            <a:blip r:embed="rId4"/>
+            <a:blip r:embed="rId5"/>
             <a:stretch>
               <a:fillRect/>
             </a:stretch>
@@ -18086,133 +18850,6 @@
           </a:p>
         </p:txBody>
       </p:sp>
-      <p:grpSp>
-        <p:nvGrpSpPr>
-          <p:cNvPr id="28" name="Group 27">
-            <a:extLst>
-              <a:ext uri="{FF2B5EF4-FFF2-40B4-BE49-F238E27FC236}">
-                <a16:creationId xmlns:a16="http://schemas.microsoft.com/office/drawing/2014/main" id="{8BBB806B-0B76-45E1-BEDE-B0123A67B392}"/>
-              </a:ext>
-            </a:extLst>
-          </p:cNvPr>
-          <p:cNvGrpSpPr/>
-          <p:nvPr/>
-        </p:nvGrpSpPr>
-        <p:grpSpPr>
-          <a:xfrm>
-            <a:off x="1280156" y="3512888"/>
-            <a:ext cx="9748303" cy="2599476"/>
-            <a:chOff x="1280156" y="3512888"/>
-            <a:chExt cx="9748303" cy="2599476"/>
-          </a:xfrm>
-        </p:grpSpPr>
-        <p:pic>
-          <p:nvPicPr>
-            <p:cNvPr id="24" name="Picture 23">
-              <a:extLst>
-                <a:ext uri="{FF2B5EF4-FFF2-40B4-BE49-F238E27FC236}">
-                  <a16:creationId xmlns:a16="http://schemas.microsoft.com/office/drawing/2014/main" id="{32D6906A-8689-4801-98F3-DBB17476F8E4}"/>
-                </a:ext>
-              </a:extLst>
-            </p:cNvPr>
-            <p:cNvPicPr>
-              <a:picLocks noChangeAspect="1"/>
-            </p:cNvPicPr>
-            <p:nvPr/>
-          </p:nvPicPr>
-          <p:blipFill>
-            <a:blip r:embed="rId5"/>
-            <a:stretch>
-              <a:fillRect/>
-            </a:stretch>
-          </p:blipFill>
-          <p:spPr>
-            <a:xfrm>
-              <a:off x="8429729" y="3512888"/>
-              <a:ext cx="2598730" cy="2245048"/>
-            </a:xfrm>
-            <a:prstGeom prst="rect">
-              <a:avLst/>
-            </a:prstGeom>
-            <a:ln w="3175">
-              <a:solidFill>
-                <a:schemeClr val="tx1"/>
-              </a:solidFill>
-            </a:ln>
-          </p:spPr>
-        </p:pic>
-        <p:sp>
-          <p:nvSpPr>
-            <p:cNvPr id="27" name="Arrow: Pentagon 26">
-              <a:extLst>
-                <a:ext uri="{FF2B5EF4-FFF2-40B4-BE49-F238E27FC236}">
-                  <a16:creationId xmlns:a16="http://schemas.microsoft.com/office/drawing/2014/main" id="{D18FD897-33DB-42AE-9402-8EE9B97A46BF}"/>
-                </a:ext>
-              </a:extLst>
-            </p:cNvPr>
-            <p:cNvSpPr/>
-            <p:nvPr/>
-          </p:nvSpPr>
-          <p:spPr>
-            <a:xfrm>
-              <a:off x="1280156" y="5743032"/>
-              <a:ext cx="4214191" cy="369332"/>
-            </a:xfrm>
-            <a:prstGeom prst="homePlate">
-              <a:avLst/>
-            </a:prstGeom>
-            <a:noFill/>
-          </p:spPr>
-          <p:style>
-            <a:lnRef idx="2">
-              <a:schemeClr val="accent1">
-                <a:shade val="50000"/>
-              </a:schemeClr>
-            </a:lnRef>
-            <a:fillRef idx="1">
-              <a:schemeClr val="accent1"/>
-            </a:fillRef>
-            <a:effectRef idx="0">
-              <a:schemeClr val="accent1"/>
-            </a:effectRef>
-            <a:fontRef idx="minor">
-              <a:schemeClr val="lt1"/>
-            </a:fontRef>
-          </p:style>
-          <p:txBody>
-            <a:bodyPr rot="0" spcFirstLastPara="0" vertOverflow="overflow" horzOverflow="overflow" vert="horz" wrap="square" lIns="91440" tIns="45720" rIns="91440" bIns="45720" numCol="1" spcCol="0" rtlCol="0" fromWordArt="0" anchor="ctr" anchorCtr="0" forceAA="0" compatLnSpc="1">
-              <a:prstTxWarp prst="textNoShape">
-                <a:avLst/>
-              </a:prstTxWarp>
-              <a:noAutofit/>
-            </a:bodyPr>
-            <a:lstStyle/>
-            <a:p>
-              <a:pPr marL="342900" indent="-342900">
-                <a:buFont typeface="Arial" panose="020B0604020202020204" pitchFamily="34" charset="0"/>
-                <a:buChar char="•"/>
-              </a:pPr>
-              <a:r>
-                <a:rPr lang="en-US" sz="1400">
-                  <a:solidFill>
-                    <a:schemeClr val="tx1"/>
-                  </a:solidFill>
-                  <a:latin typeface="Calibri" panose="020F0502020204030204" pitchFamily="34" charset="0"/>
-                  <a:cs typeface="Calibri" panose="020F0502020204030204" pitchFamily="34" charset="0"/>
-                </a:rPr>
-                <a:t>User clicks a link to see the NCI Thredds catalog</a:t>
-              </a:r>
-              <a:endParaRPr lang="en-AU" sz="1400">
-                <a:solidFill>
-                  <a:schemeClr val="tx1"/>
-                </a:solidFill>
-                <a:latin typeface="Calibri" panose="020F0502020204030204" pitchFamily="34" charset="0"/>
-                <a:cs typeface="Calibri" panose="020F0502020204030204" pitchFamily="34" charset="0"/>
-              </a:endParaRPr>
-            </a:p>
-          </p:txBody>
-        </p:sp>
-      </p:grpSp>
       <p:sp>
         <p:nvSpPr>
           <p:cNvPr id="29" name="Rectangle 28">
@@ -18304,7 +18941,9 @@
           <a:prstGeom prst="rect">
             <a:avLst/>
           </a:prstGeom>
-          <a:noFill/>
+          <a:solidFill>
+            <a:srgbClr val="FFFFFF"/>
+          </a:solidFill>
           <a:ln w="3175">
             <a:solidFill>
               <a:schemeClr val="tx1"/>
@@ -18424,7 +19063,7 @@
                                     </p:set>
                                     <p:animEffect transition="in" filter="fade">
                                       <p:cBhvr>
-                                        <p:cTn id="7" dur="3000"/>
+                                        <p:cTn id="7" dur="10"/>
                                         <p:tgtEl>
                                           <p:spTgt spid="5"/>
                                         </p:tgtEl>
@@ -18599,7 +19238,7 @@
                                     </p:set>
                                     <p:animEffect transition="in" filter="fade">
                                       <p:cBhvr>
-                                        <p:cTn id="20" dur="3000"/>
+                                        <p:cTn id="20" dur="10"/>
                                         <p:tgtEl>
                                           <p:spTgt spid="7"/>
                                         </p:tgtEl>
@@ -18705,7 +19344,7 @@
                                     </p:set>
                                     <p:animEffect transition="in" filter="fade">
                                       <p:cBhvr>
-                                        <p:cTn id="30" dur="3000"/>
+                                        <p:cTn id="30" dur="10"/>
                                         <p:tgtEl>
                                           <p:spTgt spid="9"/>
                                         </p:tgtEl>
@@ -18793,7 +19432,7 @@
                                     </p:set>
                                     <p:animEffect transition="in" filter="fade">
                                       <p:cBhvr>
-                                        <p:cTn id="38" dur="3000"/>
+                                        <p:cTn id="38" dur="10"/>
                                         <p:tgtEl>
                                           <p:spTgt spid="12"/>
                                         </p:tgtEl>
@@ -18881,7 +19520,7 @@
                                     </p:set>
                                     <p:animEffect transition="in" filter="fade">
                                       <p:cBhvr>
-                                        <p:cTn id="46" dur="500"/>
+                                        <p:cTn id="46" dur="10"/>
                                         <p:tgtEl>
                                           <p:spTgt spid="30"/>
                                         </p:tgtEl>
@@ -19220,14 +19859,54 @@
                             </p:stCondLst>
                             <p:childTnLst>
                               <p:par>
-                                <p:cTn id="76" presetID="10" presetClass="entr" presetSubtype="0" fill="hold" grpId="0" nodeType="clickEffect">
+                                <p:cTn id="76" presetID="64" presetClass="path" presetSubtype="0" accel="50000" decel="50000" fill="hold" grpId="0" nodeType="clickEffect">
+                                  <p:stCondLst>
+                                    <p:cond delay="0"/>
+                                  </p:stCondLst>
+                                  <p:childTnLst>
+                                    <p:animMotion origin="layout" path="M -3.125E-6 1.11111E-6 L -3.125E-6 -0.61296 " pathEditMode="relative" rAng="0" ptsTypes="AA">
+                                      <p:cBhvr>
+                                        <p:cTn id="77" dur="2000" fill="hold"/>
+                                        <p:tgtEl>
+                                          <p:spTgt spid="3"/>
+                                        </p:tgtEl>
+                                        <p:attrNameLst>
+                                          <p:attrName>ppt_x</p:attrName>
+                                          <p:attrName>ppt_y</p:attrName>
+                                        </p:attrNameLst>
+                                      </p:cBhvr>
+                                      <p:rCtr x="0" y="-30648"/>
+                                    </p:animMotion>
+                                  </p:childTnLst>
+                                </p:cTn>
+                              </p:par>
+                            </p:childTnLst>
+                          </p:cTn>
+                        </p:par>
+                      </p:childTnLst>
+                    </p:cTn>
+                  </p:par>
+                  <p:par>
+                    <p:cTn id="78" fill="hold">
+                      <p:stCondLst>
+                        <p:cond delay="indefinite"/>
+                      </p:stCondLst>
+                      <p:childTnLst>
+                        <p:par>
+                          <p:cTn id="79" fill="hold">
+                            <p:stCondLst>
+                              <p:cond delay="0"/>
+                            </p:stCondLst>
+                            <p:childTnLst>
+                              <p:par>
+                                <p:cTn id="80" presetID="10" presetClass="entr" presetSubtype="0" fill="hold" grpId="0" nodeType="clickEffect">
                                   <p:stCondLst>
                                     <p:cond delay="0"/>
                                   </p:stCondLst>
                                   <p:childTnLst>
                                     <p:set>
                                       <p:cBhvr>
-                                        <p:cTn id="77" dur="1" fill="hold">
+                                        <p:cTn id="81" dur="1" fill="hold">
                                           <p:stCondLst>
                                             <p:cond delay="0"/>
                                           </p:stCondLst>
@@ -19245,7 +19924,7 @@
                                     </p:set>
                                     <p:animEffect transition="in" filter="fade">
                                       <p:cBhvr>
-                                        <p:cTn id="78" dur="500"/>
+                                        <p:cTn id="82" dur="500"/>
                                         <p:tgtEl>
                                           <p:spTgt spid="2"/>
                                         </p:tgtEl>
@@ -19282,16 +19961,17 @@
       </p:par>
     </p:tnLst>
     <p:bldLst>
+      <p:bldP spid="10" grpId="0" animBg="1"/>
+      <p:bldP spid="13" grpId="0" animBg="1"/>
+      <p:bldP spid="3" grpId="0" animBg="1"/>
       <p:bldP spid="5" grpId="0" animBg="1"/>
       <p:bldP spid="7" grpId="0" animBg="1"/>
       <p:bldP spid="6" grpId="0" animBg="1"/>
       <p:bldP spid="9" grpId="0" animBg="1"/>
-      <p:bldP spid="10" grpId="0" animBg="1"/>
       <p:bldP spid="12" grpId="0" animBg="1"/>
-      <p:bldP spid="13" grpId="0" animBg="1"/>
       <p:bldP spid="22" grpId="0" animBg="1"/>
       <p:bldP spid="29" grpId="0" animBg="1"/>
-      <p:bldP spid="2" grpId="0"/>
+      <p:bldP spid="2" grpId="0" animBg="1"/>
     </p:bldLst>
   </p:timing>
 </p:sld>

--- a/Documents/ows/GSKY-Thredds_Integration.pptx
+++ b/Documents/ows/GSKY-Thredds_Integration.pptx
@@ -207,7 +207,7 @@
           <a:p>
             <a:fld id="{C72DBEC5-06AB-48E0-952A-026FDA33E51C}" type="datetimeFigureOut">
               <a:rPr lang="en-AU" smtClean="0"/>
-              <a:t>18/12/2018</a:t>
+              <a:t>19/12/2018</a:t>
             </a:fld>
             <a:endParaRPr lang="en-AU"/>
           </a:p>
@@ -1054,7 +1054,7 @@
           <a:p>
             <a:fld id="{3ADAF076-6E8D-48BD-BB78-27996FDE916E}" type="datetime1">
               <a:rPr lang="en-US" smtClean="0"/>
-              <a:t>12/18/2018</a:t>
+              <a:t>12/19/2018</a:t>
             </a:fld>
             <a:endParaRPr lang="en-US" dirty="0"/>
           </a:p>
@@ -1271,7 +1271,7 @@
           <a:p>
             <a:fld id="{5BD463C3-4FD6-4E15-A2FC-68448FB46BFB}" type="datetime1">
               <a:rPr lang="en-US" smtClean="0"/>
-              <a:t>12/18/2018</a:t>
+              <a:t>12/19/2018</a:t>
             </a:fld>
             <a:endParaRPr lang="en-US" dirty="0"/>
           </a:p>
@@ -1557,7 +1557,7 @@
           <a:p>
             <a:fld id="{B7FCA03E-80A5-466A-B4B4-2B8FCC7E2AEA}" type="datetime1">
               <a:rPr lang="en-US" smtClean="0"/>
-              <a:t>12/18/2018</a:t>
+              <a:t>12/19/2018</a:t>
             </a:fld>
             <a:endParaRPr lang="en-US" dirty="0"/>
           </a:p>
@@ -2006,7 +2006,7 @@
           <a:p>
             <a:fld id="{BFC04CE4-31EE-4F2B-B744-8EA83E1FE85E}" type="datetime1">
               <a:rPr lang="en-US" smtClean="0"/>
-              <a:t>12/18/2018</a:t>
+              <a:t>12/19/2018</a:t>
             </a:fld>
             <a:endParaRPr lang="en-US" dirty="0"/>
           </a:p>
@@ -2577,7 +2577,7 @@
           <a:p>
             <a:fld id="{5E53FD72-7ED1-4AE3-A5D5-6F68728C4781}" type="datetime1">
               <a:rPr lang="en-US" smtClean="0"/>
-              <a:t>12/18/2018</a:t>
+              <a:t>12/19/2018</a:t>
             </a:fld>
             <a:endParaRPr lang="en-US" dirty="0"/>
           </a:p>
@@ -3424,7 +3424,7 @@
           <a:p>
             <a:fld id="{DB065CE1-EB77-408D-8750-22984ACCA118}" type="datetime1">
               <a:rPr lang="en-US" smtClean="0"/>
-              <a:t>12/18/2018</a:t>
+              <a:t>12/19/2018</a:t>
             </a:fld>
             <a:endParaRPr lang="en-US" dirty="0"/>
           </a:p>
@@ -3624,7 +3624,7 @@
           <a:p>
             <a:fld id="{83D43F08-357A-4172-8503-D86CDAB57223}" type="datetime1">
               <a:rPr lang="en-US" smtClean="0"/>
-              <a:t>12/18/2018</a:t>
+              <a:t>12/19/2018</a:t>
             </a:fld>
             <a:endParaRPr lang="en-US" dirty="0"/>
           </a:p>
@@ -3833,7 +3833,7 @@
           <a:p>
             <a:fld id="{81B3A79B-37D8-44DC-BE4B-FEEEB5E6613B}" type="datetime1">
               <a:rPr lang="en-US" smtClean="0"/>
-              <a:t>12/18/2018</a:t>
+              <a:t>12/19/2018</a:t>
             </a:fld>
             <a:endParaRPr lang="en-US" dirty="0"/>
           </a:p>
@@ -4038,7 +4038,7 @@
           <a:p>
             <a:fld id="{9A46E524-FD8D-452D-9C72-0AC53F7701F7}" type="datetimeFigureOut">
               <a:rPr lang="en-AU" smtClean="0"/>
-              <a:t>18/12/2018</a:t>
+              <a:t>19/12/2018</a:t>
             </a:fld>
             <a:endParaRPr lang="en-AU"/>
           </a:p>
@@ -4238,7 +4238,7 @@
           <a:p>
             <a:fld id="{9A46E524-FD8D-452D-9C72-0AC53F7701F7}" type="datetimeFigureOut">
               <a:rPr lang="en-AU" smtClean="0"/>
-              <a:t>18/12/2018</a:t>
+              <a:t>19/12/2018</a:t>
             </a:fld>
             <a:endParaRPr lang="en-AU"/>
           </a:p>
@@ -4425,7 +4425,7 @@
           <a:p>
             <a:fld id="{8839007D-6BCD-43A3-816F-9B9944EEE7DD}" type="datetime1">
               <a:rPr lang="en-US" smtClean="0"/>
-              <a:t>12/18/2018</a:t>
+              <a:t>12/19/2018</a:t>
             </a:fld>
             <a:endParaRPr lang="en-US" dirty="0"/>
           </a:p>
@@ -4850,7 +4850,7 @@
           <a:p>
             <a:fld id="{9A46E524-FD8D-452D-9C72-0AC53F7701F7}" type="datetimeFigureOut">
               <a:rPr lang="en-AU" smtClean="0"/>
-              <a:t>18/12/2018</a:t>
+              <a:t>19/12/2018</a:t>
             </a:fld>
             <a:endParaRPr lang="en-AU"/>
           </a:p>
@@ -5118,7 +5118,7 @@
           <a:p>
             <a:fld id="{9A46E524-FD8D-452D-9C72-0AC53F7701F7}" type="datetimeFigureOut">
               <a:rPr lang="en-AU" smtClean="0"/>
-              <a:t>18/12/2018</a:t>
+              <a:t>19/12/2018</a:t>
             </a:fld>
             <a:endParaRPr lang="en-AU"/>
           </a:p>
@@ -5533,7 +5533,7 @@
           <a:p>
             <a:fld id="{9A46E524-FD8D-452D-9C72-0AC53F7701F7}" type="datetimeFigureOut">
               <a:rPr lang="en-AU" smtClean="0"/>
-              <a:t>18/12/2018</a:t>
+              <a:t>19/12/2018</a:t>
             </a:fld>
             <a:endParaRPr lang="en-AU"/>
           </a:p>
@@ -5675,7 +5675,7 @@
           <a:p>
             <a:fld id="{9A46E524-FD8D-452D-9C72-0AC53F7701F7}" type="datetimeFigureOut">
               <a:rPr lang="en-AU" smtClean="0"/>
-              <a:t>18/12/2018</a:t>
+              <a:t>19/12/2018</a:t>
             </a:fld>
             <a:endParaRPr lang="en-AU"/>
           </a:p>
@@ -5788,7 +5788,7 @@
           <a:p>
             <a:fld id="{9A46E524-FD8D-452D-9C72-0AC53F7701F7}" type="datetimeFigureOut">
               <a:rPr lang="en-AU" smtClean="0"/>
-              <a:t>18/12/2018</a:t>
+              <a:t>19/12/2018</a:t>
             </a:fld>
             <a:endParaRPr lang="en-AU"/>
           </a:p>
@@ -6101,7 +6101,7 @@
           <a:p>
             <a:fld id="{9A46E524-FD8D-452D-9C72-0AC53F7701F7}" type="datetimeFigureOut">
               <a:rPr lang="en-AU" smtClean="0"/>
-              <a:t>18/12/2018</a:t>
+              <a:t>19/12/2018</a:t>
             </a:fld>
             <a:endParaRPr lang="en-AU"/>
           </a:p>
@@ -6390,7 +6390,7 @@
           <a:p>
             <a:fld id="{9A46E524-FD8D-452D-9C72-0AC53F7701F7}" type="datetimeFigureOut">
               <a:rPr lang="en-AU" smtClean="0"/>
-              <a:t>18/12/2018</a:t>
+              <a:t>19/12/2018</a:t>
             </a:fld>
             <a:endParaRPr lang="en-AU"/>
           </a:p>
@@ -6590,7 +6590,7 @@
           <a:p>
             <a:fld id="{9A46E524-FD8D-452D-9C72-0AC53F7701F7}" type="datetimeFigureOut">
               <a:rPr lang="en-AU" smtClean="0"/>
-              <a:t>18/12/2018</a:t>
+              <a:t>19/12/2018</a:t>
             </a:fld>
             <a:endParaRPr lang="en-AU"/>
           </a:p>
@@ -6800,7 +6800,7 @@
           <a:p>
             <a:fld id="{9A46E524-FD8D-452D-9C72-0AC53F7701F7}" type="datetimeFigureOut">
               <a:rPr lang="en-AU" smtClean="0"/>
-              <a:t>18/12/2018</a:t>
+              <a:t>19/12/2018</a:t>
             </a:fld>
             <a:endParaRPr lang="en-AU"/>
           </a:p>
@@ -7092,7 +7092,7 @@
           <a:p>
             <a:fld id="{7A04BD80-684F-43EC-BD8A-3313B4EC3815}" type="datetime1">
               <a:rPr lang="en-US" smtClean="0"/>
-              <a:t>12/18/2018</a:t>
+              <a:t>12/19/2018</a:t>
             </a:fld>
             <a:endParaRPr lang="en-US" dirty="0"/>
           </a:p>
@@ -7354,7 +7354,7 @@
           <a:p>
             <a:fld id="{E64D2021-F3A0-43D8-B6B3-AE7BBAB9890A}" type="datetime1">
               <a:rPr lang="en-US" smtClean="0"/>
-              <a:t>12/18/2018</a:t>
+              <a:t>12/19/2018</a:t>
             </a:fld>
             <a:endParaRPr lang="en-US" dirty="0"/>
           </a:p>
@@ -7764,7 +7764,7 @@
           <a:p>
             <a:fld id="{182B9AF0-B7DD-4DE1-A9F5-91BE63737632}" type="datetime1">
               <a:rPr lang="en-US" smtClean="0"/>
-              <a:t>12/18/2018</a:t>
+              <a:t>12/19/2018</a:t>
             </a:fld>
             <a:endParaRPr lang="en-US" dirty="0"/>
           </a:p>
@@ -7907,7 +7907,7 @@
           <a:p>
             <a:fld id="{073F85E4-564C-4728-AEFB-C8F906AA693D}" type="datetime1">
               <a:rPr lang="en-US" smtClean="0"/>
-              <a:t>12/18/2018</a:t>
+              <a:t>12/19/2018</a:t>
             </a:fld>
             <a:endParaRPr lang="en-US" dirty="0"/>
           </a:p>
@@ -8027,7 +8027,7 @@
           <a:p>
             <a:fld id="{BE00A3BD-B35C-46C6-B7B7-E519136B132D}" type="datetime1">
               <a:rPr lang="en-US" smtClean="0"/>
-              <a:t>12/18/2018</a:t>
+              <a:t>12/19/2018</a:t>
             </a:fld>
             <a:endParaRPr lang="en-US" dirty="0"/>
           </a:p>
@@ -8301,7 +8301,7 @@
           <a:p>
             <a:fld id="{5BC59E4D-16D2-4652-AD24-ABC7C4E21225}" type="datetime1">
               <a:rPr lang="en-US" smtClean="0"/>
-              <a:t>12/18/2018</a:t>
+              <a:t>12/19/2018</a:t>
             </a:fld>
             <a:endParaRPr lang="en-US" dirty="0"/>
           </a:p>
@@ -8608,7 +8608,7 @@
           <a:p>
             <a:fld id="{A7BFFB6C-937C-401A-B23B-FFE1848A43F3}" type="datetime1">
               <a:rPr lang="en-US" smtClean="0"/>
-              <a:t>12/18/2018</a:t>
+              <a:t>12/19/2018</a:t>
             </a:fld>
             <a:endParaRPr lang="en-US" dirty="0"/>
           </a:p>
@@ -8856,7 +8856,7 @@
           <a:p>
             <a:fld id="{A3AB179A-3664-45B4-AF75-5A588F18B660}" type="datetime1">
               <a:rPr lang="en-US" smtClean="0"/>
-              <a:t>12/18/2018</a:t>
+              <a:t>12/19/2018</a:t>
             </a:fld>
             <a:endParaRPr lang="en-US" dirty="0"/>
           </a:p>
@@ -9450,7 +9450,7 @@
           <a:p>
             <a:fld id="{9A46E524-FD8D-452D-9C72-0AC53F7701F7}" type="datetimeFigureOut">
               <a:rPr lang="en-AU" smtClean="0"/>
-              <a:t>18/12/2018</a:t>
+              <a:t>19/12/2018</a:t>
             </a:fld>
             <a:endParaRPr lang="en-AU"/>
           </a:p>
@@ -9975,7 +9975,7 @@
         </p:spPr>
         <p:txBody>
           <a:bodyPr>
-            <a:normAutofit fontScale="92500"/>
+            <a:normAutofit/>
           </a:bodyPr>
           <a:lstStyle/>
           <a:p>
@@ -9989,7 +9989,7 @@
                   </a:outerShdw>
                 </a:effectLst>
               </a:rPr>
-              <a:t>Some thoughts on creating TerriaMap-GSKY-THREDDS communication</a:t>
+              <a:t>Thoughts on creating TerriaMap-GSKY-THREDDS communication</a:t>
             </a:r>
           </a:p>
         </p:txBody>
@@ -10223,13 +10223,13 @@
   <p:clrMapOvr>
     <a:masterClrMapping/>
   </p:clrMapOvr>
-  <mc:AlternateContent xmlns:mc="http://schemas.openxmlformats.org/markup-compatibility/2006">
-    <mc:Choice xmlns:p14="http://schemas.microsoft.com/office/powerpoint/2010/main" Requires="p14">
+  <mc:AlternateContent xmlns:mc="http://schemas.openxmlformats.org/markup-compatibility/2006" xmlns:p14="http://schemas.microsoft.com/office/powerpoint/2010/main">
+    <mc:Choice Requires="p14">
       <p:transition spd="med" p14:dur="700" advTm="2964">
         <p:fade/>
       </p:transition>
     </mc:Choice>
-    <mc:Fallback>
+    <mc:Fallback xmlns="">
       <p:transition spd="med" advTm="2964">
         <p:fade/>
       </p:transition>
@@ -10685,13 +10685,13 @@
   <p:clrMapOvr>
     <a:masterClrMapping/>
   </p:clrMapOvr>
-  <mc:AlternateContent xmlns:mc="http://schemas.openxmlformats.org/markup-compatibility/2006">
-    <mc:Choice xmlns:p14="http://schemas.microsoft.com/office/powerpoint/2010/main" Requires="p14">
+  <mc:AlternateContent xmlns:mc="http://schemas.openxmlformats.org/markup-compatibility/2006" xmlns:p14="http://schemas.microsoft.com/office/powerpoint/2010/main">
+    <mc:Choice Requires="p14">
       <p:transition spd="med" p14:dur="700" advTm="2735">
         <p:fade/>
       </p:transition>
     </mc:Choice>
-    <mc:Fallback>
+    <mc:Fallback xmlns="">
       <p:transition spd="med" advTm="2735">
         <p:fade/>
       </p:transition>
@@ -11156,13 +11156,13 @@
   <p:clrMapOvr>
     <a:masterClrMapping/>
   </p:clrMapOvr>
-  <mc:AlternateContent xmlns:mc="http://schemas.openxmlformats.org/markup-compatibility/2006">
-    <mc:Choice xmlns:p14="http://schemas.microsoft.com/office/powerpoint/2010/main" Requires="p14">
+  <mc:AlternateContent xmlns:mc="http://schemas.openxmlformats.org/markup-compatibility/2006" xmlns:p14="http://schemas.microsoft.com/office/powerpoint/2010/main">
+    <mc:Choice Requires="p14">
       <p:transition spd="med" p14:dur="700" advTm="30893">
         <p:fade/>
       </p:transition>
     </mc:Choice>
-    <mc:Fallback>
+    <mc:Fallback xmlns="">
       <p:transition spd="med" advTm="30893">
         <p:fade/>
       </p:transition>
@@ -12452,48 +12452,6 @@
       </p:sp>
       <p:sp>
         <p:nvSpPr>
-          <p:cNvPr id="11" name="TextBox 10">
-            <a:extLst>
-              <a:ext uri="{FF2B5EF4-FFF2-40B4-BE49-F238E27FC236}">
-                <a16:creationId xmlns:a16="http://schemas.microsoft.com/office/drawing/2014/main" id="{646D4B8A-DD31-49E7-B8D0-51E80DEA484E}"/>
-              </a:ext>
-            </a:extLst>
-          </p:cNvPr>
-          <p:cNvSpPr txBox="1"/>
-          <p:nvPr/>
-        </p:nvSpPr>
-        <p:spPr>
-          <a:xfrm>
-            <a:off x="993913" y="970061"/>
-            <a:ext cx="4344436" cy="369332"/>
-          </a:xfrm>
-          <a:prstGeom prst="rect">
-            <a:avLst/>
-          </a:prstGeom>
-          <a:noFill/>
-        </p:spPr>
-        <p:txBody>
-          <a:bodyPr wrap="square" rtlCol="0">
-            <a:spAutoFit/>
-          </a:bodyPr>
-          <a:lstStyle/>
-          <a:p>
-            <a:r>
-              <a:rPr lang="en-US">
-                <a:latin typeface="Calibri" panose="020F0502020204030204" pitchFamily="34" charset="0"/>
-                <a:cs typeface="Calibri" panose="020F0502020204030204" pitchFamily="34" charset="0"/>
-              </a:rPr>
-              <a:t>High level objective</a:t>
-            </a:r>
-            <a:endParaRPr lang="en-AU">
-              <a:latin typeface="Calibri" panose="020F0502020204030204" pitchFamily="34" charset="0"/>
-              <a:cs typeface="Calibri" panose="020F0502020204030204" pitchFamily="34" charset="0"/>
-            </a:endParaRPr>
-          </a:p>
-        </p:txBody>
-      </p:sp>
-      <p:sp>
-        <p:nvSpPr>
           <p:cNvPr id="6" name="TextBox 5">
             <a:extLst>
               <a:ext uri="{FF2B5EF4-FFF2-40B4-BE49-F238E27FC236}">
@@ -12614,13 +12572,13 @@
   <p:clrMapOvr>
     <a:masterClrMapping/>
   </p:clrMapOvr>
-  <mc:AlternateContent xmlns:mc="http://schemas.openxmlformats.org/markup-compatibility/2006">
-    <mc:Choice xmlns:p14="http://schemas.microsoft.com/office/powerpoint/2010/main" Requires="p14">
+  <mc:AlternateContent xmlns:mc="http://schemas.openxmlformats.org/markup-compatibility/2006" xmlns:p14="http://schemas.microsoft.com/office/powerpoint/2010/main">
+    <mc:Choice Requires="p14">
       <p:transition spd="med" p14:dur="700" advTm="25543">
         <p:fade/>
       </p:transition>
     </mc:Choice>
-    <mc:Fallback>
+    <mc:Fallback xmlns="">
       <p:transition spd="med" advTm="25543">
         <p:fade/>
       </p:transition>
@@ -13342,13 +13300,13 @@
   <p:clrMapOvr>
     <a:masterClrMapping/>
   </p:clrMapOvr>
-  <mc:AlternateContent xmlns:mc="http://schemas.openxmlformats.org/markup-compatibility/2006">
-    <mc:Choice xmlns:p14="http://schemas.microsoft.com/office/powerpoint/2010/main" Requires="p14">
+  <mc:AlternateContent xmlns:mc="http://schemas.openxmlformats.org/markup-compatibility/2006" xmlns:p14="http://schemas.microsoft.com/office/powerpoint/2010/main">
+    <mc:Choice Requires="p14">
       <p:transition spd="med" p14:dur="700" advTm="54961">
         <p:fade/>
       </p:transition>
     </mc:Choice>
-    <mc:Fallback>
+    <mc:Fallback xmlns="">
       <p:transition spd="med" advTm="54961">
         <p:fade/>
       </p:transition>
@@ -14491,13 +14449,13 @@
   <p:clrMapOvr>
     <a:masterClrMapping/>
   </p:clrMapOvr>
-  <mc:AlternateContent xmlns:mc="http://schemas.openxmlformats.org/markup-compatibility/2006">
-    <mc:Choice xmlns:p14="http://schemas.microsoft.com/office/powerpoint/2010/main" Requires="p14">
+  <mc:AlternateContent xmlns:mc="http://schemas.openxmlformats.org/markup-compatibility/2006" xmlns:p14="http://schemas.microsoft.com/office/powerpoint/2010/main">
+    <mc:Choice Requires="p14">
       <p:transition spd="med" p14:dur="700" advTm="30584">
         <p:fade/>
       </p:transition>
     </mc:Choice>
-    <mc:Fallback>
+    <mc:Fallback xmlns="">
       <p:transition spd="med" advTm="30584">
         <p:fade/>
       </p:transition>
@@ -15539,7 +15497,7 @@
           <a:p>
             <a:r>
               <a:rPr lang="en-US"/>
-              <a:t>The only code change required for a minimal function is given below.</a:t>
+              <a:t>Code changes required for a minimal function...</a:t>
             </a:r>
             <a:endParaRPr lang="en-AU"/>
           </a:p>
@@ -15559,13 +15517,18 @@
         </p:nvSpPr>
         <p:spPr>
           <a:xfrm>
-            <a:off x="1240401" y="1860605"/>
-            <a:ext cx="5971429" cy="2169825"/>
+            <a:off x="302151" y="1860605"/>
+            <a:ext cx="5494350" cy="2862322"/>
           </a:xfrm>
           <a:prstGeom prst="rect">
             <a:avLst/>
           </a:prstGeom>
           <a:noFill/>
+          <a:ln w="3175">
+            <a:solidFill>
+              <a:schemeClr val="tx1"/>
+            </a:solidFill>
+          </a:ln>
         </p:spPr>
         <p:txBody>
           <a:bodyPr wrap="square" rtlCol="0">
@@ -15582,27 +15545,14 @@
                 <a:latin typeface="Calibri" panose="020F0502020204030204" pitchFamily="34" charset="0"/>
                 <a:cs typeface="Calibri" panose="020F0502020204030204" pitchFamily="34" charset="0"/>
               </a:rPr>
-              <a:t>Changing the code in GSKY</a:t>
-            </a:r>
-          </a:p>
-          <a:p>
-            <a:pPr marL="628650" lvl="1" indent="-171450">
-              <a:buFont typeface="Arial" panose="020B0604020202020204" pitchFamily="34" charset="0"/>
-              <a:buChar char="•"/>
-            </a:pPr>
-            <a:r>
-              <a:rPr lang="en-US" sz="900">
-                <a:latin typeface="Calibri" panose="020F0502020204030204" pitchFamily="34" charset="0"/>
-                <a:cs typeface="Calibri" panose="020F0502020204030204" pitchFamily="34" charset="0"/>
-              </a:rPr>
-              <a:t>in</a:t>
+              <a:t>In </a:t>
             </a:r>
             <a:r>
               <a:rPr lang="en-US" sz="900" b="1">
                 <a:latin typeface="Calibri" panose="020F0502020204030204" pitchFamily="34" charset="0"/>
                 <a:cs typeface="Calibri" panose="020F0502020204030204" pitchFamily="34" charset="0"/>
               </a:rPr>
-              <a:t> processor/tile_indexer.go:</a:t>
+              <a:t>ows.go:</a:t>
             </a:r>
             <a:br>
               <a:rPr lang="en-US" sz="900" b="1">
@@ -15615,7 +15565,361 @@
                 <a:latin typeface="Calibri" panose="020F0502020204030204" pitchFamily="34" charset="0"/>
                 <a:cs typeface="Calibri" panose="020F0502020204030204" pitchFamily="34" charset="0"/>
               </a:rPr>
-              <a:t>Line 144: for _, ds := range metadata.GDALDatasets {</a:t>
+              <a:t>(to delete previous sets of soft links in the Thredds directory. Line numbers are approximate)</a:t>
+            </a:r>
+          </a:p>
+          <a:p>
+            <a:pPr marL="628650" lvl="1" indent="-171450">
+              <a:buFont typeface="Arial" panose="020B0604020202020204" pitchFamily="34" charset="0"/>
+              <a:buChar char="•"/>
+            </a:pPr>
+            <a:r>
+              <a:rPr lang="en-US" sz="900">
+                <a:latin typeface="Calibri" panose="020F0502020204030204" pitchFamily="34" charset="0"/>
+                <a:cs typeface="Calibri" panose="020F0502020204030204" pitchFamily="34" charset="0"/>
+              </a:rPr>
+              <a:t>Line 58: var ThreddsDataDir   = "/usr/local/tds/apache-tomcat-8.5.35/content/thredds/public/gsky/"</a:t>
+            </a:r>
+          </a:p>
+          <a:p>
+            <a:pPr marL="628650" lvl="1" indent="-171450">
+              <a:buFont typeface="Arial" panose="020B0604020202020204" pitchFamily="34" charset="0"/>
+              <a:buChar char="•"/>
+            </a:pPr>
+            <a:r>
+              <a:rPr lang="en-US" sz="900">
+                <a:latin typeface="Calibri" panose="020F0502020204030204" pitchFamily="34" charset="0"/>
+                <a:cs typeface="Calibri" panose="020F0502020204030204" pitchFamily="34" charset="0"/>
+              </a:rPr>
+              <a:t>Line 188: empty_thredds()</a:t>
+            </a:r>
+          </a:p>
+          <a:p>
+            <a:pPr marL="628650" lvl="1" indent="-171450">
+              <a:buFont typeface="Arial" panose="020B0604020202020204" pitchFamily="34" charset="0"/>
+              <a:buChar char="•"/>
+            </a:pPr>
+            <a:r>
+              <a:rPr lang="en-US" sz="900">
+                <a:latin typeface="Calibri" panose="020F0502020204030204" pitchFamily="34" charset="0"/>
+                <a:cs typeface="Calibri" panose="020F0502020204030204" pitchFamily="34" charset="0"/>
+              </a:rPr>
+              <a:t>Line 167: </a:t>
+            </a:r>
+          </a:p>
+          <a:p>
+            <a:pPr marL="628650" lvl="1" indent="-171450">
+              <a:buFont typeface="Arial" panose="020B0604020202020204" pitchFamily="34" charset="0"/>
+              <a:buChar char="•"/>
+            </a:pPr>
+            <a:r>
+              <a:rPr lang="en-US" sz="900">
+                <a:latin typeface="Calibri" panose="020F0502020204030204" pitchFamily="34" charset="0"/>
+                <a:cs typeface="Calibri" panose="020F0502020204030204" pitchFamily="34" charset="0"/>
+              </a:rPr>
+              <a:t>func </a:t>
+            </a:r>
+            <a:r>
+              <a:rPr lang="en-US" sz="900" b="1">
+                <a:latin typeface="Calibri" panose="020F0502020204030204" pitchFamily="34" charset="0"/>
+                <a:cs typeface="Calibri" panose="020F0502020204030204" pitchFamily="34" charset="0"/>
+              </a:rPr>
+              <a:t>empty_thredds</a:t>
+            </a:r>
+            <a:r>
+              <a:rPr lang="en-US" sz="900">
+                <a:latin typeface="Calibri" panose="020F0502020204030204" pitchFamily="34" charset="0"/>
+                <a:cs typeface="Calibri" panose="020F0502020204030204" pitchFamily="34" charset="0"/>
+              </a:rPr>
+              <a:t>() {</a:t>
+            </a:r>
+          </a:p>
+          <a:p>
+            <a:pPr marL="628650" lvl="1" indent="-171450">
+              <a:buFont typeface="Arial" panose="020B0604020202020204" pitchFamily="34" charset="0"/>
+              <a:buChar char="•"/>
+            </a:pPr>
+            <a:r>
+              <a:rPr lang="en-US" sz="900">
+                <a:latin typeface="Calibri" panose="020F0502020204030204" pitchFamily="34" charset="0"/>
+                <a:cs typeface="Calibri" panose="020F0502020204030204" pitchFamily="34" charset="0"/>
+              </a:rPr>
+              <a:t>    thredds_last := ThreddsDataDir + "thredds_last"</a:t>
+            </a:r>
+          </a:p>
+          <a:p>
+            <a:pPr marL="628650" lvl="1" indent="-171450">
+              <a:buFont typeface="Arial" panose="020B0604020202020204" pitchFamily="34" charset="0"/>
+              <a:buChar char="•"/>
+            </a:pPr>
+            <a:r>
+              <a:rPr lang="en-US" sz="900">
+                <a:latin typeface="Calibri" panose="020F0502020204030204" pitchFamily="34" charset="0"/>
+                <a:cs typeface="Calibri" panose="020F0502020204030204" pitchFamily="34" charset="0"/>
+              </a:rPr>
+              <a:t>    thredds_nc := ThreddsDataDir + "*.nc"</a:t>
+            </a:r>
+          </a:p>
+          <a:p>
+            <a:pPr marL="628650" lvl="1" indent="-171450">
+              <a:buFont typeface="Arial" panose="020B0604020202020204" pitchFamily="34" charset="0"/>
+              <a:buChar char="•"/>
+            </a:pPr>
+            <a:r>
+              <a:rPr lang="en-US" sz="900">
+                <a:latin typeface="Calibri" panose="020F0502020204030204" pitchFamily="34" charset="0"/>
+                <a:cs typeface="Calibri" panose="020F0502020204030204" pitchFamily="34" charset="0"/>
+              </a:rPr>
+              <a:t>	last, _ := ioutil.ReadFile(thredds_last)</a:t>
+            </a:r>
+          </a:p>
+          <a:p>
+            <a:pPr marL="628650" lvl="1" indent="-171450">
+              <a:buFont typeface="Arial" panose="020B0604020202020204" pitchFamily="34" charset="0"/>
+              <a:buChar char="•"/>
+            </a:pPr>
+            <a:r>
+              <a:rPr lang="en-US" sz="900">
+                <a:latin typeface="Calibri" panose="020F0502020204030204" pitchFamily="34" charset="0"/>
+                <a:cs typeface="Calibri" panose="020F0502020204030204" pitchFamily="34" charset="0"/>
+              </a:rPr>
+              <a:t>	old, _ := strconv.Atoi(string(last))</a:t>
+            </a:r>
+          </a:p>
+          <a:p>
+            <a:pPr marL="628650" lvl="1" indent="-171450">
+              <a:buFont typeface="Arial" panose="020B0604020202020204" pitchFamily="34" charset="0"/>
+              <a:buChar char="•"/>
+            </a:pPr>
+            <a:r>
+              <a:rPr lang="en-US" sz="900">
+                <a:latin typeface="Calibri" panose="020F0502020204030204" pitchFamily="34" charset="0"/>
+                <a:cs typeface="Calibri" panose="020F0502020204030204" pitchFamily="34" charset="0"/>
+              </a:rPr>
+              <a:t>	et := time.Now().Unix() - int64(old)</a:t>
+            </a:r>
+          </a:p>
+          <a:p>
+            <a:pPr marL="628650" lvl="1" indent="-171450">
+              <a:buFont typeface="Arial" panose="020B0604020202020204" pitchFamily="34" charset="0"/>
+              <a:buChar char="•"/>
+            </a:pPr>
+            <a:r>
+              <a:rPr lang="en-US" sz="900">
+                <a:latin typeface="Calibri" panose="020F0502020204030204" pitchFamily="34" charset="0"/>
+                <a:cs typeface="Calibri" panose="020F0502020204030204" pitchFamily="34" charset="0"/>
+              </a:rPr>
+              <a:t>	if (et &gt; 2) {</a:t>
+            </a:r>
+          </a:p>
+          <a:p>
+            <a:pPr marL="628650" lvl="1" indent="-171450">
+              <a:buFont typeface="Arial" panose="020B0604020202020204" pitchFamily="34" charset="0"/>
+              <a:buChar char="•"/>
+            </a:pPr>
+            <a:r>
+              <a:rPr lang="en-US" sz="900">
+                <a:latin typeface="Calibri" panose="020F0502020204030204" pitchFamily="34" charset="0"/>
+                <a:cs typeface="Calibri" panose="020F0502020204030204" pitchFamily="34" charset="0"/>
+              </a:rPr>
+              <a:t>		f, _ := os.Create(thredds_last)</a:t>
+            </a:r>
+          </a:p>
+          <a:p>
+            <a:pPr marL="628650" lvl="1" indent="-171450">
+              <a:buFont typeface="Arial" panose="020B0604020202020204" pitchFamily="34" charset="0"/>
+              <a:buChar char="•"/>
+            </a:pPr>
+            <a:r>
+              <a:rPr lang="en-US" sz="900">
+                <a:latin typeface="Calibri" panose="020F0502020204030204" pitchFamily="34" charset="0"/>
+                <a:cs typeface="Calibri" panose="020F0502020204030204" pitchFamily="34" charset="0"/>
+              </a:rPr>
+              <a:t>		defer f.Close()</a:t>
+            </a:r>
+          </a:p>
+          <a:p>
+            <a:pPr marL="628650" lvl="1" indent="-171450">
+              <a:buFont typeface="Arial" panose="020B0604020202020204" pitchFamily="34" charset="0"/>
+              <a:buChar char="•"/>
+            </a:pPr>
+            <a:r>
+              <a:rPr lang="en-US" sz="900">
+                <a:latin typeface="Calibri" panose="020F0502020204030204" pitchFamily="34" charset="0"/>
+                <a:cs typeface="Calibri" panose="020F0502020204030204" pitchFamily="34" charset="0"/>
+              </a:rPr>
+              <a:t>		now := strconv.FormatInt(time.Now().Unix(), 10)</a:t>
+            </a:r>
+          </a:p>
+          <a:p>
+            <a:pPr marL="628650" lvl="1" indent="-171450">
+              <a:buFont typeface="Arial" panose="020B0604020202020204" pitchFamily="34" charset="0"/>
+              <a:buChar char="•"/>
+            </a:pPr>
+            <a:r>
+              <a:rPr lang="en-US" sz="900">
+                <a:latin typeface="Calibri" panose="020F0502020204030204" pitchFamily="34" charset="0"/>
+                <a:cs typeface="Calibri" panose="020F0502020204030204" pitchFamily="34" charset="0"/>
+              </a:rPr>
+              <a:t>		f.WriteString(now)</a:t>
+            </a:r>
+          </a:p>
+          <a:p>
+            <a:pPr marL="628650" lvl="1" indent="-171450">
+              <a:buFont typeface="Arial" panose="020B0604020202020204" pitchFamily="34" charset="0"/>
+              <a:buChar char="•"/>
+            </a:pPr>
+            <a:r>
+              <a:rPr lang="en-US" sz="900">
+                <a:latin typeface="Calibri" panose="020F0502020204030204" pitchFamily="34" charset="0"/>
+                <a:cs typeface="Calibri" panose="020F0502020204030204" pitchFamily="34" charset="0"/>
+              </a:rPr>
+              <a:t>		rm_thredds_nc := "rm -f " + thredds_nc</a:t>
+            </a:r>
+          </a:p>
+          <a:p>
+            <a:pPr marL="628650" lvl="1" indent="-171450">
+              <a:buFont typeface="Arial" panose="020B0604020202020204" pitchFamily="34" charset="0"/>
+              <a:buChar char="•"/>
+            </a:pPr>
+            <a:r>
+              <a:rPr lang="en-US" sz="900">
+                <a:latin typeface="Calibri" panose="020F0502020204030204" pitchFamily="34" charset="0"/>
+                <a:cs typeface="Calibri" panose="020F0502020204030204" pitchFamily="34" charset="0"/>
+              </a:rPr>
+              <a:t>		exec.Command("/bin/sh", "-c", rm_thredds_nc).CombinedOutput()</a:t>
+            </a:r>
+          </a:p>
+          <a:p>
+            <a:pPr marL="628650" lvl="1" indent="-171450">
+              <a:buFont typeface="Arial" panose="020B0604020202020204" pitchFamily="34" charset="0"/>
+              <a:buChar char="•"/>
+            </a:pPr>
+            <a:r>
+              <a:rPr lang="en-US" sz="900">
+                <a:latin typeface="Calibri" panose="020F0502020204030204" pitchFamily="34" charset="0"/>
+                <a:cs typeface="Calibri" panose="020F0502020204030204" pitchFamily="34" charset="0"/>
+              </a:rPr>
+              <a:t>	}</a:t>
+            </a:r>
+          </a:p>
+          <a:p>
+            <a:pPr marL="628650" lvl="1" indent="-171450">
+              <a:buFont typeface="Arial" panose="020B0604020202020204" pitchFamily="34" charset="0"/>
+              <a:buChar char="•"/>
+            </a:pPr>
+            <a:r>
+              <a:rPr lang="en-US" sz="900">
+                <a:latin typeface="Calibri" panose="020F0502020204030204" pitchFamily="34" charset="0"/>
+                <a:cs typeface="Calibri" panose="020F0502020204030204" pitchFamily="34" charset="0"/>
+              </a:rPr>
+              <a:t>}</a:t>
+            </a:r>
+          </a:p>
+        </p:txBody>
+      </p:sp>
+      <p:sp>
+        <p:nvSpPr>
+          <p:cNvPr id="4" name="TextBox 3">
+            <a:extLst>
+              <a:ext uri="{FF2B5EF4-FFF2-40B4-BE49-F238E27FC236}">
+                <a16:creationId xmlns:a16="http://schemas.microsoft.com/office/drawing/2014/main" id="{5735F0EC-2C75-4A9F-9A0E-D8AAC31A1CD7}"/>
+              </a:ext>
+            </a:extLst>
+          </p:cNvPr>
+          <p:cNvSpPr txBox="1"/>
+          <p:nvPr/>
+        </p:nvSpPr>
+        <p:spPr>
+          <a:xfrm>
+            <a:off x="6202018" y="1868555"/>
+            <a:ext cx="5009322" cy="2308324"/>
+          </a:xfrm>
+          <a:prstGeom prst="rect">
+            <a:avLst/>
+          </a:prstGeom>
+          <a:noFill/>
+          <a:ln w="3175">
+            <a:solidFill>
+              <a:schemeClr val="tx1"/>
+            </a:solidFill>
+          </a:ln>
+        </p:spPr>
+        <p:txBody>
+          <a:bodyPr wrap="square" rtlCol="0">
+            <a:spAutoFit/>
+          </a:bodyPr>
+          <a:lstStyle/>
+          <a:p>
+            <a:pPr marL="171450" indent="-171450">
+              <a:buFont typeface="Arial" panose="020B0604020202020204" pitchFamily="34" charset="0"/>
+              <a:buChar char="•"/>
+            </a:pPr>
+            <a:r>
+              <a:rPr lang="en-US" sz="900">
+                <a:latin typeface="Calibri" panose="020F0502020204030204" pitchFamily="34" charset="0"/>
+                <a:cs typeface="Calibri" panose="020F0502020204030204" pitchFamily="34" charset="0"/>
+              </a:rPr>
+              <a:t>In</a:t>
+            </a:r>
+            <a:r>
+              <a:rPr lang="en-US" sz="900" b="1">
+                <a:latin typeface="Calibri" panose="020F0502020204030204" pitchFamily="34" charset="0"/>
+                <a:cs typeface="Calibri" panose="020F0502020204030204" pitchFamily="34" charset="0"/>
+              </a:rPr>
+              <a:t> processor/tile_indexer.go: </a:t>
+            </a:r>
+            <a:br>
+              <a:rPr lang="en-US" sz="900" b="1">
+                <a:latin typeface="Calibri" panose="020F0502020204030204" pitchFamily="34" charset="0"/>
+                <a:cs typeface="Calibri" panose="020F0502020204030204" pitchFamily="34" charset="0"/>
+              </a:rPr>
+            </a:br>
+            <a:r>
+              <a:rPr lang="en-US" sz="900">
+                <a:latin typeface="Calibri" panose="020F0502020204030204" pitchFamily="34" charset="0"/>
+                <a:cs typeface="Calibri" panose="020F0502020204030204" pitchFamily="34" charset="0"/>
+              </a:rPr>
+              <a:t>(to collect the NC file list and create soft links in Thredds directory)</a:t>
+            </a:r>
+          </a:p>
+          <a:p>
+            <a:pPr marL="171450" indent="-171450">
+              <a:buFont typeface="Arial" panose="020B0604020202020204" pitchFamily="34" charset="0"/>
+              <a:buChar char="•"/>
+            </a:pPr>
+            <a:r>
+              <a:rPr lang="en-US" sz="900">
+                <a:latin typeface="Calibri" panose="020F0502020204030204" pitchFamily="34" charset="0"/>
+                <a:cs typeface="Calibri" panose="020F0502020204030204" pitchFamily="34" charset="0"/>
+              </a:rPr>
+              <a:t>Line 18: var ThreddsDataDir = "/usr/local/tds/apache-tomcat-8.5.35/content/thredds/public/gsky/"</a:t>
+            </a:r>
+            <a:br>
+              <a:rPr lang="en-US" sz="900">
+                <a:latin typeface="Calibri" panose="020F0502020204030204" pitchFamily="34" charset="0"/>
+                <a:cs typeface="Calibri" panose="020F0502020204030204" pitchFamily="34" charset="0"/>
+              </a:rPr>
+            </a:br>
+            <a:r>
+              <a:rPr lang="en-US" sz="900">
+                <a:latin typeface="Calibri" panose="020F0502020204030204" pitchFamily="34" charset="0"/>
+                <a:cs typeface="Calibri" panose="020F0502020204030204" pitchFamily="34" charset="0"/>
+              </a:rPr>
+              <a:t>Line 149: </a:t>
+            </a:r>
+          </a:p>
+          <a:p>
+            <a:pPr marL="628650" lvl="1" indent="-171450">
+              <a:buFont typeface="Arial" panose="020B0604020202020204" pitchFamily="34" charset="0"/>
+              <a:buChar char="•"/>
+            </a:pPr>
+            <a:r>
+              <a:rPr lang="en-US" sz="900">
+                <a:latin typeface="Calibri" panose="020F0502020204030204" pitchFamily="34" charset="0"/>
+                <a:cs typeface="Calibri" panose="020F0502020204030204" pitchFamily="34" charset="0"/>
+              </a:rPr>
+              <a:t>for _, ds := range metadata.GDALDatasets {</a:t>
             </a:r>
           </a:p>
           <a:p>
@@ -15624,11 +15928,11 @@
               <a:buChar char="•"/>
             </a:pPr>
             <a:r>
-              <a:rPr lang="en-US" sz="900" i="1">
+              <a:rPr lang="en-US" sz="900">
                 <a:latin typeface="Calibri" panose="020F0502020204030204" pitchFamily="34" charset="0"/>
                 <a:cs typeface="Calibri" panose="020F0502020204030204" pitchFamily="34" charset="0"/>
               </a:rPr>
-              <a:t>thredds := “/usr/local/tds/apache-tomcat-8.5.35/content/thredds/public/gsky/”    </a:t>
+              <a:t>nameSpace := ds.NameSpace</a:t>
             </a:r>
           </a:p>
           <a:p>
@@ -15637,11 +15941,11 @@
               <a:buChar char="•"/>
             </a:pPr>
             <a:r>
-              <a:rPr lang="en-US" sz="900" i="1">
+              <a:rPr lang="en-US" sz="900">
                 <a:latin typeface="Calibri" panose="020F0502020204030204" pitchFamily="34" charset="0"/>
                 <a:cs typeface="Calibri" panose="020F0502020204030204" pitchFamily="34" charset="0"/>
               </a:rPr>
-              <a:t>nameSpace := ds.NameSpace</a:t>
+              <a:t>file := strings.Replace(ds.DSName, ":", "", -1)</a:t>
             </a:r>
           </a:p>
           <a:p>
@@ -15650,11 +15954,11 @@
               <a:buChar char="•"/>
             </a:pPr>
             <a:r>
-              <a:rPr lang="en-US" sz="900" i="1">
+              <a:rPr lang="en-US" sz="900">
                 <a:latin typeface="Calibri" panose="020F0502020204030204" pitchFamily="34" charset="0"/>
                 <a:cs typeface="Calibri" panose="020F0502020204030204" pitchFamily="34" charset="0"/>
               </a:rPr>
-              <a:t>    file := strings.Replace(ds.DSName, ":", "", -1)</a:t>
+              <a:t>file = strings.Replace(file, "\"", "", -1)</a:t>
             </a:r>
           </a:p>
           <a:p>
@@ -15663,11 +15967,11 @@
               <a:buChar char="•"/>
             </a:pPr>
             <a:r>
-              <a:rPr lang="en-US" sz="900" i="1">
+              <a:rPr lang="en-US" sz="900">
                 <a:latin typeface="Calibri" panose="020F0502020204030204" pitchFamily="34" charset="0"/>
                 <a:cs typeface="Calibri" panose="020F0502020204030204" pitchFamily="34" charset="0"/>
               </a:rPr>
-              <a:t>    file = strings.Replace(file, "\"", "", -1)</a:t>
+              <a:t>file = strings.Replace(file, "NETCDF", "", -1)</a:t>
             </a:r>
           </a:p>
           <a:p>
@@ -15676,11 +15980,11 @@
               <a:buChar char="•"/>
             </a:pPr>
             <a:r>
-              <a:rPr lang="en-US" sz="900" i="1">
+              <a:rPr lang="en-US" sz="900">
                 <a:latin typeface="Calibri" panose="020F0502020204030204" pitchFamily="34" charset="0"/>
                 <a:cs typeface="Calibri" panose="020F0502020204030204" pitchFamily="34" charset="0"/>
               </a:rPr>
-              <a:t>    file = strings.Replace(file, "NETCDF", "", -1)</a:t>
+              <a:t>file = strings.Replace(file, nameSpace, "", -1)</a:t>
             </a:r>
           </a:p>
           <a:p>
@@ -15689,25 +15993,22 @@
               <a:buChar char="•"/>
             </a:pPr>
             <a:r>
-              <a:rPr lang="en-US" sz="900" i="1">
+              <a:rPr lang="en-US" sz="900">
                 <a:latin typeface="Calibri" panose="020F0502020204030204" pitchFamily="34" charset="0"/>
                 <a:cs typeface="Calibri" panose="020F0502020204030204" pitchFamily="34" charset="0"/>
               </a:rPr>
-              <a:t>    file = strings.Replace(file, nameSpace, "", -1)</a:t>
-            </a:r>
-          </a:p>
-          <a:p>
-            <a:pPr marL="1085850" lvl="2" indent="-171450">
+              <a:t>exec.Command("ln", "-s", file, ThreddsDataDir).CombinedOutput()</a:t>
+            </a:r>
+          </a:p>
+          <a:p>
+            <a:pPr marL="628650" lvl="1" indent="-171450">
               <a:buFont typeface="Arial" panose="020B0604020202020204" pitchFamily="34" charset="0"/>
               <a:buChar char="•"/>
             </a:pPr>
-            <a:r>
-              <a:rPr lang="en-US" sz="900" i="1">
-                <a:latin typeface="Calibri" panose="020F0502020204030204" pitchFamily="34" charset="0"/>
-                <a:cs typeface="Calibri" panose="020F0502020204030204" pitchFamily="34" charset="0"/>
-              </a:rPr>
-              <a:t>    exec.Command("ln", "-s", file, thredds).CombinedOutput()</a:t>
-            </a:r>
+            <a:endParaRPr lang="en-US" sz="900">
+              <a:latin typeface="Calibri" panose="020F0502020204030204" pitchFamily="34" charset="0"/>
+              <a:cs typeface="Calibri" panose="020F0502020204030204" pitchFamily="34" charset="0"/>
+            </a:endParaRPr>
           </a:p>
           <a:p>
             <a:pPr marL="171450" indent="-171450">
@@ -15745,20 +16046,7 @@
                 <a:latin typeface="Calibri" panose="020F0502020204030204" pitchFamily="34" charset="0"/>
                 <a:cs typeface="Calibri" panose="020F0502020204030204" pitchFamily="34" charset="0"/>
               </a:rPr>
-              <a:t>Use a session cookie.</a:t>
-            </a:r>
-          </a:p>
-          <a:p>
-            <a:pPr marL="628650" lvl="1" indent="-171450">
-              <a:buFont typeface="Arial" panose="020B0604020202020204" pitchFamily="34" charset="0"/>
-              <a:buChar char="•"/>
-            </a:pPr>
-            <a:r>
-              <a:rPr lang="en-US" sz="900">
-                <a:latin typeface="Calibri" panose="020F0502020204030204" pitchFamily="34" charset="0"/>
-                <a:cs typeface="Calibri" panose="020F0502020204030204" pitchFamily="34" charset="0"/>
-              </a:rPr>
-              <a:t>Delete the soft links when the user session ends.</a:t>
+              <a:t>Identify the user and keep the files separate for each user.</a:t>
             </a:r>
           </a:p>
           <a:p>
@@ -15789,13 +16077,13 @@
   <p:clrMapOvr>
     <a:masterClrMapping/>
   </p:clrMapOvr>
-  <mc:AlternateContent xmlns:mc="http://schemas.openxmlformats.org/markup-compatibility/2006">
-    <mc:Choice xmlns:p14="http://schemas.microsoft.com/office/powerpoint/2010/main" Requires="p14">
+  <mc:AlternateContent xmlns:mc="http://schemas.openxmlformats.org/markup-compatibility/2006" xmlns:p14="http://schemas.microsoft.com/office/powerpoint/2010/main">
+    <mc:Choice Requires="p14">
       <p:transition spd="med" p14:dur="700" advTm="18568">
         <p:fade/>
       </p:transition>
     </mc:Choice>
-    <mc:Fallback>
+    <mc:Fallback xmlns="">
       <p:transition spd="med" advTm="18568">
         <p:fade/>
       </p:transition>
@@ -15822,7 +16110,7 @@
                             </p:stCondLst>
                             <p:childTnLst>
                               <p:par>
-                                <p:cTn id="5" presetID="10" presetClass="entr" presetSubtype="0" fill="hold" nodeType="clickEffect">
+                                <p:cTn id="5" presetID="10" presetClass="entr" presetSubtype="0" fill="hold" grpId="0" nodeType="clickEffect">
                                   <p:stCondLst>
                                     <p:cond delay="0"/>
                                   </p:stCondLst>
@@ -15835,11 +16123,7 @@
                                           </p:stCondLst>
                                         </p:cTn>
                                         <p:tgtEl>
-                                          <p:spTgt spid="3">
-                                            <p:txEl>
-                                              <p:pRg st="0" end="0"/>
-                                            </p:txEl>
-                                          </p:spTgt>
+                                          <p:spTgt spid="3"/>
                                         </p:tgtEl>
                                         <p:attrNameLst>
                                           <p:attrName>style.visibility</p:attrName>
@@ -15853,355 +16137,7 @@
                                       <p:cBhvr>
                                         <p:cTn id="7" dur="500"/>
                                         <p:tgtEl>
-                                          <p:spTgt spid="3">
-                                            <p:txEl>
-                                              <p:pRg st="0" end="0"/>
-                                            </p:txEl>
-                                          </p:spTgt>
-                                        </p:tgtEl>
-                                      </p:cBhvr>
-                                    </p:animEffect>
-                                  </p:childTnLst>
-                                </p:cTn>
-                              </p:par>
-                              <p:par>
-                                <p:cTn id="8" presetID="10" presetClass="entr" presetSubtype="0" fill="hold" nodeType="withEffect">
-                                  <p:stCondLst>
-                                    <p:cond delay="0"/>
-                                  </p:stCondLst>
-                                  <p:childTnLst>
-                                    <p:set>
-                                      <p:cBhvr>
-                                        <p:cTn id="9" dur="1" fill="hold">
-                                          <p:stCondLst>
-                                            <p:cond delay="0"/>
-                                          </p:stCondLst>
-                                        </p:cTn>
-                                        <p:tgtEl>
-                                          <p:spTgt spid="3">
-                                            <p:txEl>
-                                              <p:pRg st="1" end="1"/>
-                                            </p:txEl>
-                                          </p:spTgt>
-                                        </p:tgtEl>
-                                        <p:attrNameLst>
-                                          <p:attrName>style.visibility</p:attrName>
-                                        </p:attrNameLst>
-                                      </p:cBhvr>
-                                      <p:to>
-                                        <p:strVal val="visible"/>
-                                      </p:to>
-                                    </p:set>
-                                    <p:animEffect transition="in" filter="fade">
-                                      <p:cBhvr>
-                                        <p:cTn id="10" dur="500"/>
-                                        <p:tgtEl>
-                                          <p:spTgt spid="3">
-                                            <p:txEl>
-                                              <p:pRg st="1" end="1"/>
-                                            </p:txEl>
-                                          </p:spTgt>
-                                        </p:tgtEl>
-                                      </p:cBhvr>
-                                    </p:animEffect>
-                                  </p:childTnLst>
-                                </p:cTn>
-                              </p:par>
-                              <p:par>
-                                <p:cTn id="11" presetID="10" presetClass="entr" presetSubtype="0" fill="hold" nodeType="withEffect">
-                                  <p:stCondLst>
-                                    <p:cond delay="0"/>
-                                  </p:stCondLst>
-                                  <p:childTnLst>
-                                    <p:set>
-                                      <p:cBhvr>
-                                        <p:cTn id="12" dur="1" fill="hold">
-                                          <p:stCondLst>
-                                            <p:cond delay="0"/>
-                                          </p:stCondLst>
-                                        </p:cTn>
-                                        <p:tgtEl>
-                                          <p:spTgt spid="3">
-                                            <p:txEl>
-                                              <p:pRg st="2" end="2"/>
-                                            </p:txEl>
-                                          </p:spTgt>
-                                        </p:tgtEl>
-                                        <p:attrNameLst>
-                                          <p:attrName>style.visibility</p:attrName>
-                                        </p:attrNameLst>
-                                      </p:cBhvr>
-                                      <p:to>
-                                        <p:strVal val="visible"/>
-                                      </p:to>
-                                    </p:set>
-                                    <p:animEffect transition="in" filter="fade">
-                                      <p:cBhvr>
-                                        <p:cTn id="13" dur="500"/>
-                                        <p:tgtEl>
-                                          <p:spTgt spid="3">
-                                            <p:txEl>
-                                              <p:pRg st="2" end="2"/>
-                                            </p:txEl>
-                                          </p:spTgt>
-                                        </p:tgtEl>
-                                      </p:cBhvr>
-                                    </p:animEffect>
-                                  </p:childTnLst>
-                                </p:cTn>
-                              </p:par>
-                              <p:par>
-                                <p:cTn id="14" presetID="10" presetClass="entr" presetSubtype="0" fill="hold" nodeType="withEffect">
-                                  <p:stCondLst>
-                                    <p:cond delay="0"/>
-                                  </p:stCondLst>
-                                  <p:childTnLst>
-                                    <p:set>
-                                      <p:cBhvr>
-                                        <p:cTn id="15" dur="1" fill="hold">
-                                          <p:stCondLst>
-                                            <p:cond delay="0"/>
-                                          </p:stCondLst>
-                                        </p:cTn>
-                                        <p:tgtEl>
-                                          <p:spTgt spid="3">
-                                            <p:txEl>
-                                              <p:pRg st="3" end="3"/>
-                                            </p:txEl>
-                                          </p:spTgt>
-                                        </p:tgtEl>
-                                        <p:attrNameLst>
-                                          <p:attrName>style.visibility</p:attrName>
-                                        </p:attrNameLst>
-                                      </p:cBhvr>
-                                      <p:to>
-                                        <p:strVal val="visible"/>
-                                      </p:to>
-                                    </p:set>
-                                    <p:animEffect transition="in" filter="fade">
-                                      <p:cBhvr>
-                                        <p:cTn id="16" dur="500"/>
-                                        <p:tgtEl>
-                                          <p:spTgt spid="3">
-                                            <p:txEl>
-                                              <p:pRg st="3" end="3"/>
-                                            </p:txEl>
-                                          </p:spTgt>
-                                        </p:tgtEl>
-                                      </p:cBhvr>
-                                    </p:animEffect>
-                                  </p:childTnLst>
-                                </p:cTn>
-                              </p:par>
-                              <p:par>
-                                <p:cTn id="17" presetID="10" presetClass="entr" presetSubtype="0" fill="hold" nodeType="withEffect">
-                                  <p:stCondLst>
-                                    <p:cond delay="0"/>
-                                  </p:stCondLst>
-                                  <p:childTnLst>
-                                    <p:set>
-                                      <p:cBhvr>
-                                        <p:cTn id="18" dur="1" fill="hold">
-                                          <p:stCondLst>
-                                            <p:cond delay="0"/>
-                                          </p:stCondLst>
-                                        </p:cTn>
-                                        <p:tgtEl>
-                                          <p:spTgt spid="3">
-                                            <p:txEl>
-                                              <p:pRg st="4" end="4"/>
-                                            </p:txEl>
-                                          </p:spTgt>
-                                        </p:tgtEl>
-                                        <p:attrNameLst>
-                                          <p:attrName>style.visibility</p:attrName>
-                                        </p:attrNameLst>
-                                      </p:cBhvr>
-                                      <p:to>
-                                        <p:strVal val="visible"/>
-                                      </p:to>
-                                    </p:set>
-                                    <p:animEffect transition="in" filter="fade">
-                                      <p:cBhvr>
-                                        <p:cTn id="19" dur="500"/>
-                                        <p:tgtEl>
-                                          <p:spTgt spid="3">
-                                            <p:txEl>
-                                              <p:pRg st="4" end="4"/>
-                                            </p:txEl>
-                                          </p:spTgt>
-                                        </p:tgtEl>
-                                      </p:cBhvr>
-                                    </p:animEffect>
-                                  </p:childTnLst>
-                                </p:cTn>
-                              </p:par>
-                              <p:par>
-                                <p:cTn id="20" presetID="10" presetClass="entr" presetSubtype="0" fill="hold" nodeType="withEffect">
-                                  <p:stCondLst>
-                                    <p:cond delay="0"/>
-                                  </p:stCondLst>
-                                  <p:childTnLst>
-                                    <p:set>
-                                      <p:cBhvr>
-                                        <p:cTn id="21" dur="1" fill="hold">
-                                          <p:stCondLst>
-                                            <p:cond delay="0"/>
-                                          </p:stCondLst>
-                                        </p:cTn>
-                                        <p:tgtEl>
-                                          <p:spTgt spid="3">
-                                            <p:txEl>
-                                              <p:pRg st="5" end="5"/>
-                                            </p:txEl>
-                                          </p:spTgt>
-                                        </p:tgtEl>
-                                        <p:attrNameLst>
-                                          <p:attrName>style.visibility</p:attrName>
-                                        </p:attrNameLst>
-                                      </p:cBhvr>
-                                      <p:to>
-                                        <p:strVal val="visible"/>
-                                      </p:to>
-                                    </p:set>
-                                    <p:animEffect transition="in" filter="fade">
-                                      <p:cBhvr>
-                                        <p:cTn id="22" dur="500"/>
-                                        <p:tgtEl>
-                                          <p:spTgt spid="3">
-                                            <p:txEl>
-                                              <p:pRg st="5" end="5"/>
-                                            </p:txEl>
-                                          </p:spTgt>
-                                        </p:tgtEl>
-                                      </p:cBhvr>
-                                    </p:animEffect>
-                                  </p:childTnLst>
-                                </p:cTn>
-                              </p:par>
-                              <p:par>
-                                <p:cTn id="23" presetID="10" presetClass="entr" presetSubtype="0" fill="hold" nodeType="withEffect">
-                                  <p:stCondLst>
-                                    <p:cond delay="0"/>
-                                  </p:stCondLst>
-                                  <p:childTnLst>
-                                    <p:set>
-                                      <p:cBhvr>
-                                        <p:cTn id="24" dur="1" fill="hold">
-                                          <p:stCondLst>
-                                            <p:cond delay="0"/>
-                                          </p:stCondLst>
-                                        </p:cTn>
-                                        <p:tgtEl>
-                                          <p:spTgt spid="3">
-                                            <p:txEl>
-                                              <p:pRg st="6" end="6"/>
-                                            </p:txEl>
-                                          </p:spTgt>
-                                        </p:tgtEl>
-                                        <p:attrNameLst>
-                                          <p:attrName>style.visibility</p:attrName>
-                                        </p:attrNameLst>
-                                      </p:cBhvr>
-                                      <p:to>
-                                        <p:strVal val="visible"/>
-                                      </p:to>
-                                    </p:set>
-                                    <p:animEffect transition="in" filter="fade">
-                                      <p:cBhvr>
-                                        <p:cTn id="25" dur="500"/>
-                                        <p:tgtEl>
-                                          <p:spTgt spid="3">
-                                            <p:txEl>
-                                              <p:pRg st="6" end="6"/>
-                                            </p:txEl>
-                                          </p:spTgt>
-                                        </p:tgtEl>
-                                      </p:cBhvr>
-                                    </p:animEffect>
-                                  </p:childTnLst>
-                                </p:cTn>
-                              </p:par>
-                              <p:par>
-                                <p:cTn id="26" presetID="10" presetClass="entr" presetSubtype="0" fill="hold" nodeType="withEffect">
-                                  <p:stCondLst>
-                                    <p:cond delay="0"/>
-                                  </p:stCondLst>
-                                  <p:childTnLst>
-                                    <p:set>
-                                      <p:cBhvr>
-                                        <p:cTn id="27" dur="1" fill="hold">
-                                          <p:stCondLst>
-                                            <p:cond delay="0"/>
-                                          </p:stCondLst>
-                                        </p:cTn>
-                                        <p:tgtEl>
-                                          <p:spTgt spid="3">
-                                            <p:txEl>
-                                              <p:pRg st="7" end="7"/>
-                                            </p:txEl>
-                                          </p:spTgt>
-                                        </p:tgtEl>
-                                        <p:attrNameLst>
-                                          <p:attrName>style.visibility</p:attrName>
-                                        </p:attrNameLst>
-                                      </p:cBhvr>
-                                      <p:to>
-                                        <p:strVal val="visible"/>
-                                      </p:to>
-                                    </p:set>
-                                    <p:animEffect transition="in" filter="fade">
-                                      <p:cBhvr>
-                                        <p:cTn id="28" dur="500"/>
-                                        <p:tgtEl>
-                                          <p:spTgt spid="3">
-                                            <p:txEl>
-                                              <p:pRg st="7" end="7"/>
-                                            </p:txEl>
-                                          </p:spTgt>
-                                        </p:tgtEl>
-                                      </p:cBhvr>
-                                    </p:animEffect>
-                                  </p:childTnLst>
-                                </p:cTn>
-                              </p:par>
-                              <p:par>
-                                <p:cTn id="29" presetID="10" presetClass="entr" presetSubtype="0" fill="hold" nodeType="withEffect">
-                                  <p:stCondLst>
-                                    <p:cond delay="0"/>
-                                  </p:stCondLst>
-                                  <p:childTnLst>
-                                    <p:set>
-                                      <p:cBhvr>
-                                        <p:cTn id="30" dur="1" fill="hold">
-                                          <p:stCondLst>
-                                            <p:cond delay="0"/>
-                                          </p:stCondLst>
-                                        </p:cTn>
-                                        <p:tgtEl>
-                                          <p:spTgt spid="3">
-                                            <p:txEl>
-                                              <p:pRg st="8" end="8"/>
-                                            </p:txEl>
-                                          </p:spTgt>
-                                        </p:tgtEl>
-                                        <p:attrNameLst>
-                                          <p:attrName>style.visibility</p:attrName>
-                                        </p:attrNameLst>
-                                      </p:cBhvr>
-                                      <p:to>
-                                        <p:strVal val="visible"/>
-                                      </p:to>
-                                    </p:set>
-                                    <p:animEffect transition="in" filter="fade">
-                                      <p:cBhvr>
-                                        <p:cTn id="31" dur="500"/>
-                                        <p:tgtEl>
-                                          <p:spTgt spid="3">
-                                            <p:txEl>
-                                              <p:pRg st="8" end="8"/>
-                                            </p:txEl>
-                                          </p:spTgt>
+                                          <p:spTgt spid="3"/>
                                         </p:tgtEl>
                                       </p:cBhvr>
                                     </p:animEffect>
@@ -16215,36 +16151,32 @@
                     </p:cTn>
                   </p:par>
                   <p:par>
-                    <p:cTn id="32" fill="hold">
+                    <p:cTn id="8" fill="hold">
                       <p:stCondLst>
                         <p:cond delay="indefinite"/>
                       </p:stCondLst>
                       <p:childTnLst>
                         <p:par>
-                          <p:cTn id="33" fill="hold">
+                          <p:cTn id="9" fill="hold">
                             <p:stCondLst>
                               <p:cond delay="0"/>
                             </p:stCondLst>
                             <p:childTnLst>
                               <p:par>
-                                <p:cTn id="34" presetID="10" presetClass="entr" presetSubtype="0" fill="hold" nodeType="clickEffect">
+                                <p:cTn id="10" presetID="10" presetClass="entr" presetSubtype="0" fill="hold" grpId="0" nodeType="clickEffect">
                                   <p:stCondLst>
                                     <p:cond delay="0"/>
                                   </p:stCondLst>
                                   <p:childTnLst>
                                     <p:set>
                                       <p:cBhvr>
-                                        <p:cTn id="35" dur="1" fill="hold">
+                                        <p:cTn id="11" dur="1" fill="hold">
                                           <p:stCondLst>
                                             <p:cond delay="0"/>
                                           </p:stCondLst>
                                         </p:cTn>
                                         <p:tgtEl>
-                                          <p:spTgt spid="3">
-                                            <p:txEl>
-                                              <p:pRg st="9" end="9"/>
-                                            </p:txEl>
-                                          </p:spTgt>
+                                          <p:spTgt spid="4"/>
                                         </p:tgtEl>
                                         <p:attrNameLst>
                                           <p:attrName>style.visibility</p:attrName>
@@ -16256,185 +16188,9 @@
                                     </p:set>
                                     <p:animEffect transition="in" filter="fade">
                                       <p:cBhvr>
-                                        <p:cTn id="36" dur="500"/>
+                                        <p:cTn id="12" dur="500"/>
                                         <p:tgtEl>
-                                          <p:spTgt spid="3">
-                                            <p:txEl>
-                                              <p:pRg st="9" end="9"/>
-                                            </p:txEl>
-                                          </p:spTgt>
-                                        </p:tgtEl>
-                                      </p:cBhvr>
-                                    </p:animEffect>
-                                  </p:childTnLst>
-                                </p:cTn>
-                              </p:par>
-                              <p:par>
-                                <p:cTn id="37" presetID="10" presetClass="entr" presetSubtype="0" fill="hold" nodeType="withEffect">
-                                  <p:stCondLst>
-                                    <p:cond delay="0"/>
-                                  </p:stCondLst>
-                                  <p:childTnLst>
-                                    <p:set>
-                                      <p:cBhvr>
-                                        <p:cTn id="38" dur="1" fill="hold">
-                                          <p:stCondLst>
-                                            <p:cond delay="0"/>
-                                          </p:stCondLst>
-                                        </p:cTn>
-                                        <p:tgtEl>
-                                          <p:spTgt spid="3">
-                                            <p:txEl>
-                                              <p:pRg st="10" end="10"/>
-                                            </p:txEl>
-                                          </p:spTgt>
-                                        </p:tgtEl>
-                                        <p:attrNameLst>
-                                          <p:attrName>style.visibility</p:attrName>
-                                        </p:attrNameLst>
-                                      </p:cBhvr>
-                                      <p:to>
-                                        <p:strVal val="visible"/>
-                                      </p:to>
-                                    </p:set>
-                                    <p:animEffect transition="in" filter="fade">
-                                      <p:cBhvr>
-                                        <p:cTn id="39" dur="500"/>
-                                        <p:tgtEl>
-                                          <p:spTgt spid="3">
-                                            <p:txEl>
-                                              <p:pRg st="10" end="10"/>
-                                            </p:txEl>
-                                          </p:spTgt>
-                                        </p:tgtEl>
-                                      </p:cBhvr>
-                                    </p:animEffect>
-                                  </p:childTnLst>
-                                </p:cTn>
-                              </p:par>
-                              <p:par>
-                                <p:cTn id="40" presetID="10" presetClass="entr" presetSubtype="0" fill="hold" nodeType="withEffect">
-                                  <p:stCondLst>
-                                    <p:cond delay="0"/>
-                                  </p:stCondLst>
-                                  <p:childTnLst>
-                                    <p:set>
-                                      <p:cBhvr>
-                                        <p:cTn id="41" dur="1" fill="hold">
-                                          <p:stCondLst>
-                                            <p:cond delay="0"/>
-                                          </p:stCondLst>
-                                        </p:cTn>
-                                        <p:tgtEl>
-                                          <p:spTgt spid="3">
-                                            <p:txEl>
-                                              <p:pRg st="11" end="11"/>
-                                            </p:txEl>
-                                          </p:spTgt>
-                                        </p:tgtEl>
-                                        <p:attrNameLst>
-                                          <p:attrName>style.visibility</p:attrName>
-                                        </p:attrNameLst>
-                                      </p:cBhvr>
-                                      <p:to>
-                                        <p:strVal val="visible"/>
-                                      </p:to>
-                                    </p:set>
-                                    <p:animEffect transition="in" filter="fade">
-                                      <p:cBhvr>
-                                        <p:cTn id="42" dur="500"/>
-                                        <p:tgtEl>
-                                          <p:spTgt spid="3">
-                                            <p:txEl>
-                                              <p:pRg st="11" end="11"/>
-                                            </p:txEl>
-                                          </p:spTgt>
-                                        </p:tgtEl>
-                                      </p:cBhvr>
-                                    </p:animEffect>
-                                  </p:childTnLst>
-                                </p:cTn>
-                              </p:par>
-                              <p:par>
-                                <p:cTn id="43" presetID="10" presetClass="entr" presetSubtype="0" fill="hold" nodeType="withEffect">
-                                  <p:stCondLst>
-                                    <p:cond delay="0"/>
-                                  </p:stCondLst>
-                                  <p:childTnLst>
-                                    <p:set>
-                                      <p:cBhvr>
-                                        <p:cTn id="44" dur="1" fill="hold">
-                                          <p:stCondLst>
-                                            <p:cond delay="0"/>
-                                          </p:stCondLst>
-                                        </p:cTn>
-                                        <p:tgtEl>
-                                          <p:spTgt spid="3">
-                                            <p:txEl>
-                                              <p:pRg st="12" end="12"/>
-                                            </p:txEl>
-                                          </p:spTgt>
-                                        </p:tgtEl>
-                                        <p:attrNameLst>
-                                          <p:attrName>style.visibility</p:attrName>
-                                        </p:attrNameLst>
-                                      </p:cBhvr>
-                                      <p:to>
-                                        <p:strVal val="visible"/>
-                                      </p:to>
-                                    </p:set>
-                                    <p:animEffect transition="in" filter="fade">
-                                      <p:cBhvr>
-                                        <p:cTn id="45" dur="500"/>
-                                        <p:tgtEl>
-                                          <p:spTgt spid="3">
-                                            <p:txEl>
-                                              <p:pRg st="12" end="12"/>
-                                            </p:txEl>
-                                          </p:spTgt>
-                                        </p:tgtEl>
-                                      </p:cBhvr>
-                                    </p:animEffect>
-                                  </p:childTnLst>
-                                </p:cTn>
-                              </p:par>
-                              <p:par>
-                                <p:cTn id="46" presetID="10" presetClass="entr" presetSubtype="0" fill="hold" nodeType="withEffect">
-                                  <p:stCondLst>
-                                    <p:cond delay="0"/>
-                                  </p:stCondLst>
-                                  <p:childTnLst>
-                                    <p:set>
-                                      <p:cBhvr>
-                                        <p:cTn id="47" dur="1" fill="hold">
-                                          <p:stCondLst>
-                                            <p:cond delay="0"/>
-                                          </p:stCondLst>
-                                        </p:cTn>
-                                        <p:tgtEl>
-                                          <p:spTgt spid="3">
-                                            <p:txEl>
-                                              <p:pRg st="13" end="13"/>
-                                            </p:txEl>
-                                          </p:spTgt>
-                                        </p:tgtEl>
-                                        <p:attrNameLst>
-                                          <p:attrName>style.visibility</p:attrName>
-                                        </p:attrNameLst>
-                                      </p:cBhvr>
-                                      <p:to>
-                                        <p:strVal val="visible"/>
-                                      </p:to>
-                                    </p:set>
-                                    <p:animEffect transition="in" filter="fade">
-                                      <p:cBhvr>
-                                        <p:cTn id="48" dur="500"/>
-                                        <p:tgtEl>
-                                          <p:spTgt spid="3">
-                                            <p:txEl>
-                                              <p:pRg st="13" end="13"/>
-                                            </p:txEl>
-                                          </p:spTgt>
+                                          <p:spTgt spid="4"/>
                                         </p:tgtEl>
                                       </p:cBhvr>
                                     </p:animEffect>
@@ -16468,6 +16224,10 @@
         </p:cTn>
       </p:par>
     </p:tnLst>
+    <p:bldLst>
+      <p:bldP spid="3" grpId="0" animBg="1"/>
+      <p:bldP spid="4" grpId="0" animBg="1"/>
+    </p:bldLst>
   </p:timing>
 </p:sld>
 </file>
@@ -16593,6 +16353,41 @@
           </a:p>
         </p:txBody>
       </p:sp>
+      <p:pic>
+        <p:nvPicPr>
+          <p:cNvPr id="33" name="Picture 32">
+            <a:extLst>
+              <a:ext uri="{FF2B5EF4-FFF2-40B4-BE49-F238E27FC236}">
+                <a16:creationId xmlns:a16="http://schemas.microsoft.com/office/drawing/2014/main" id="{FBF4851A-8D47-46FB-ABD5-7BE6765959FB}"/>
+              </a:ext>
+            </a:extLst>
+          </p:cNvPr>
+          <p:cNvPicPr>
+            <a:picLocks noChangeAspect="1"/>
+          </p:cNvPicPr>
+          <p:nvPr/>
+        </p:nvPicPr>
+        <p:blipFill>
+          <a:blip r:embed="rId3"/>
+          <a:stretch>
+            <a:fillRect/>
+          </a:stretch>
+        </p:blipFill>
+        <p:spPr>
+          <a:xfrm>
+            <a:off x="8366250" y="3673870"/>
+            <a:ext cx="3282730" cy="2182748"/>
+          </a:xfrm>
+          <a:prstGeom prst="rect">
+            <a:avLst/>
+          </a:prstGeom>
+          <a:ln w="3175">
+            <a:solidFill>
+              <a:schemeClr val="tx1"/>
+            </a:solidFill>
+          </a:ln>
+        </p:spPr>
+      </p:pic>
       <p:sp>
         <p:nvSpPr>
           <p:cNvPr id="27" name="Arrow: Pentagon 26">
@@ -16853,7 +16648,7 @@
           <p:nvPr/>
         </p:nvPicPr>
         <p:blipFill>
-          <a:blip r:embed="rId3"/>
+          <a:blip r:embed="rId4"/>
           <a:stretch>
             <a:fillRect/>
           </a:stretch>
@@ -17803,7 +17598,7 @@
             <p:nvPr/>
           </p:nvPicPr>
           <p:blipFill>
-            <a:blip r:embed="rId4"/>
+            <a:blip r:embed="rId5"/>
             <a:stretch>
               <a:fillRect/>
             </a:stretch>
@@ -18084,41 +17879,6 @@
           </a:p>
         </p:txBody>
       </p:sp>
-      <p:pic>
-        <p:nvPicPr>
-          <p:cNvPr id="33" name="Picture 32">
-            <a:extLst>
-              <a:ext uri="{FF2B5EF4-FFF2-40B4-BE49-F238E27FC236}">
-                <a16:creationId xmlns:a16="http://schemas.microsoft.com/office/drawing/2014/main" id="{FBF4851A-8D47-46FB-ABD5-7BE6765959FB}"/>
-              </a:ext>
-            </a:extLst>
-          </p:cNvPr>
-          <p:cNvPicPr>
-            <a:picLocks noChangeAspect="1"/>
-          </p:cNvPicPr>
-          <p:nvPr/>
-        </p:nvPicPr>
-        <p:blipFill>
-          <a:blip r:embed="rId5"/>
-          <a:stretch>
-            <a:fillRect/>
-          </a:stretch>
-        </p:blipFill>
-        <p:spPr>
-          <a:xfrm>
-            <a:off x="8366250" y="3673870"/>
-            <a:ext cx="3282730" cy="2182748"/>
-          </a:xfrm>
-          <a:prstGeom prst="rect">
-            <a:avLst/>
-          </a:prstGeom>
-          <a:ln w="3175">
-            <a:solidFill>
-              <a:schemeClr val="tx1"/>
-            </a:solidFill>
-          </a:ln>
-        </p:spPr>
-      </p:pic>
     </p:spTree>
     <p:custDataLst>
       <p:tags r:id="rId1"/>
@@ -18132,13 +17892,13 @@
   <p:clrMapOvr>
     <a:masterClrMapping/>
   </p:clrMapOvr>
-  <mc:AlternateContent xmlns:mc="http://schemas.openxmlformats.org/markup-compatibility/2006">
-    <mc:Choice xmlns:p14="http://schemas.microsoft.com/office/powerpoint/2010/main" Requires="p14">
+  <mc:AlternateContent xmlns:mc="http://schemas.openxmlformats.org/markup-compatibility/2006" xmlns:p14="http://schemas.microsoft.com/office/powerpoint/2010/main">
+    <mc:Choice Requires="p14">
       <p:transition spd="med" p14:dur="700" advTm="61299">
         <p:fade/>
       </p:transition>
     </mc:Choice>
-    <mc:Fallback>
+    <mc:Fallback xmlns="">
       <p:transition spd="med" advTm="61299">
         <p:fade/>
       </p:transition>
@@ -21641,9 +21401,9 @@
         <p:grpSpPr>
           <a:xfrm>
             <a:off x="1191878" y="4088035"/>
-            <a:ext cx="3391526" cy="1864217"/>
+            <a:ext cx="3391526" cy="2002717"/>
             <a:chOff x="1144988" y="4088035"/>
-            <a:chExt cx="3391526" cy="1864217"/>
+            <a:chExt cx="3391526" cy="2002717"/>
           </a:xfrm>
         </p:grpSpPr>
         <p:sp>
@@ -21709,7 +21469,7 @@
           <p:spPr>
             <a:xfrm>
               <a:off x="1144988" y="5444421"/>
-              <a:ext cx="3391526" cy="507831"/>
+              <a:ext cx="3391526" cy="646331"/>
             </a:xfrm>
             <a:prstGeom prst="rect">
               <a:avLst/>
@@ -21733,7 +21493,7 @@
                   <a:latin typeface="Calibri" panose="020F0502020204030204" pitchFamily="34" charset="0"/>
                   <a:cs typeface="Calibri" panose="020F0502020204030204" pitchFamily="34" charset="0"/>
                 </a:rPr>
-                <a:t>* Thredds server listens on port 8080 which is not open to the outside. One must do a “port forwarding” to use the above link. See next slide on how to do it.</a:t>
+                <a:t>* Thredds server listens on port 8080 which is not open to the outside. Must do a “port forwarding” to use the above link. See next slide on how to do it. In the production version we must devise a way to interact with a public server.</a:t>
               </a:r>
               <a:endParaRPr lang="en-AU" sz="900">
                 <a:latin typeface="Calibri" panose="020F0502020204030204" pitchFamily="34" charset="0"/>
@@ -21782,7 +21542,7 @@
                 <a:latin typeface="Calibri" panose="020F0502020204030204" pitchFamily="34" charset="0"/>
                 <a:cs typeface="Calibri" panose="020F0502020204030204" pitchFamily="34" charset="0"/>
               </a:rPr>
-              <a:t>All the NC files would be made available to the Thredds server when the map appears. Drawing a rectangle will replace the NC files with the new relevant ones. Given below are the viewing instructions. </a:t>
+              <a:t>All the NC files would be made available to the Thredds server when the map appears. Drawing a rectangle or zooming will replace the NC files with the new relevant ones. They will appear as links on the Thredds website as shown below.</a:t>
             </a:r>
             <a:endParaRPr lang="en-AU" sz="900">
               <a:latin typeface="Calibri" panose="020F0502020204030204" pitchFamily="34" charset="0"/>
@@ -21921,13 +21681,13 @@
   <p:clrMapOvr>
     <a:masterClrMapping/>
   </p:clrMapOvr>
-  <mc:AlternateContent xmlns:mc="http://schemas.openxmlformats.org/markup-compatibility/2006">
-    <mc:Choice xmlns:p14="http://schemas.microsoft.com/office/powerpoint/2010/main" Requires="p14">
+  <mc:AlternateContent xmlns:mc="http://schemas.openxmlformats.org/markup-compatibility/2006" xmlns:p14="http://schemas.microsoft.com/office/powerpoint/2010/main">
+    <mc:Choice Requires="p14">
       <p:transition spd="med" p14:dur="700" advTm="84222">
         <p:fade/>
       </p:transition>
     </mc:Choice>
-    <mc:Fallback>
+    <mc:Fallback xmlns="">
       <p:transition spd="med" advTm="84222">
         <p:fade/>
       </p:transition>
@@ -23194,7 +22954,7 @@
                                     <p:cond delay="0"/>
                                   </p:stCondLst>
                                   <p:childTnLst>
-                                    <p:animMotion origin="layout" path="M 3.33333E-6 -3.7037E-6 L 0.14492 0.06111 " pathEditMode="relative" rAng="0" ptsTypes="AA">
+                                    <p:animMotion origin="layout" path="M 3.33333E-6 0.00695 L 0.14492 0.06806 " pathEditMode="relative" rAng="0" ptsTypes="AA">
                                       <p:cBhvr>
                                         <p:cTn id="125" dur="2000" fill="hold"/>
                                         <p:tgtEl>
@@ -24064,11 +23824,11 @@
   <p:clrMapOvr>
     <a:masterClrMapping/>
   </p:clrMapOvr>
-  <mc:AlternateContent xmlns:mc="http://schemas.openxmlformats.org/markup-compatibility/2006">
-    <mc:Choice xmlns:p14="http://schemas.microsoft.com/office/powerpoint/2010/main" Requires="p14">
+  <mc:AlternateContent xmlns:mc="http://schemas.openxmlformats.org/markup-compatibility/2006" xmlns:p14="http://schemas.microsoft.com/office/powerpoint/2010/main">
+    <mc:Choice Requires="p14">
       <p:transition spd="slow" p14:dur="2000" advTm="41099"/>
     </mc:Choice>
-    <mc:Fallback>
+    <mc:Fallback xmlns="">
       <p:transition spd="slow" advTm="41099"/>
     </mc:Fallback>
   </mc:AlternateContent>

--- a/Documents/ows/GSKY-Thredds_Integration.pptx
+++ b/Documents/ows/GSKY-Thredds_Integration.pptx
@@ -207,7 +207,7 @@
           <a:p>
             <a:fld id="{C72DBEC5-06AB-48E0-952A-026FDA33E51C}" type="datetimeFigureOut">
               <a:rPr lang="en-AU" smtClean="0"/>
-              <a:t>19/12/2018</a:t>
+              <a:t>20/12/2018</a:t>
             </a:fld>
             <a:endParaRPr lang="en-AU"/>
           </a:p>
@@ -1054,7 +1054,7 @@
           <a:p>
             <a:fld id="{3ADAF076-6E8D-48BD-BB78-27996FDE916E}" type="datetime1">
               <a:rPr lang="en-US" smtClean="0"/>
-              <a:t>12/19/2018</a:t>
+              <a:t>12/20/2018</a:t>
             </a:fld>
             <a:endParaRPr lang="en-US" dirty="0"/>
           </a:p>
@@ -1271,7 +1271,7 @@
           <a:p>
             <a:fld id="{5BD463C3-4FD6-4E15-A2FC-68448FB46BFB}" type="datetime1">
               <a:rPr lang="en-US" smtClean="0"/>
-              <a:t>12/19/2018</a:t>
+              <a:t>12/20/2018</a:t>
             </a:fld>
             <a:endParaRPr lang="en-US" dirty="0"/>
           </a:p>
@@ -1557,7 +1557,7 @@
           <a:p>
             <a:fld id="{B7FCA03E-80A5-466A-B4B4-2B8FCC7E2AEA}" type="datetime1">
               <a:rPr lang="en-US" smtClean="0"/>
-              <a:t>12/19/2018</a:t>
+              <a:t>12/20/2018</a:t>
             </a:fld>
             <a:endParaRPr lang="en-US" dirty="0"/>
           </a:p>
@@ -2006,7 +2006,7 @@
           <a:p>
             <a:fld id="{BFC04CE4-31EE-4F2B-B744-8EA83E1FE85E}" type="datetime1">
               <a:rPr lang="en-US" smtClean="0"/>
-              <a:t>12/19/2018</a:t>
+              <a:t>12/20/2018</a:t>
             </a:fld>
             <a:endParaRPr lang="en-US" dirty="0"/>
           </a:p>
@@ -2577,7 +2577,7 @@
           <a:p>
             <a:fld id="{5E53FD72-7ED1-4AE3-A5D5-6F68728C4781}" type="datetime1">
               <a:rPr lang="en-US" smtClean="0"/>
-              <a:t>12/19/2018</a:t>
+              <a:t>12/20/2018</a:t>
             </a:fld>
             <a:endParaRPr lang="en-US" dirty="0"/>
           </a:p>
@@ -3424,7 +3424,7 @@
           <a:p>
             <a:fld id="{DB065CE1-EB77-408D-8750-22984ACCA118}" type="datetime1">
               <a:rPr lang="en-US" smtClean="0"/>
-              <a:t>12/19/2018</a:t>
+              <a:t>12/20/2018</a:t>
             </a:fld>
             <a:endParaRPr lang="en-US" dirty="0"/>
           </a:p>
@@ -3624,7 +3624,7 @@
           <a:p>
             <a:fld id="{83D43F08-357A-4172-8503-D86CDAB57223}" type="datetime1">
               <a:rPr lang="en-US" smtClean="0"/>
-              <a:t>12/19/2018</a:t>
+              <a:t>12/20/2018</a:t>
             </a:fld>
             <a:endParaRPr lang="en-US" dirty="0"/>
           </a:p>
@@ -3833,7 +3833,7 @@
           <a:p>
             <a:fld id="{81B3A79B-37D8-44DC-BE4B-FEEEB5E6613B}" type="datetime1">
               <a:rPr lang="en-US" smtClean="0"/>
-              <a:t>12/19/2018</a:t>
+              <a:t>12/20/2018</a:t>
             </a:fld>
             <a:endParaRPr lang="en-US" dirty="0"/>
           </a:p>
@@ -4038,7 +4038,7 @@
           <a:p>
             <a:fld id="{9A46E524-FD8D-452D-9C72-0AC53F7701F7}" type="datetimeFigureOut">
               <a:rPr lang="en-AU" smtClean="0"/>
-              <a:t>19/12/2018</a:t>
+              <a:t>20/12/2018</a:t>
             </a:fld>
             <a:endParaRPr lang="en-AU"/>
           </a:p>
@@ -4238,7 +4238,7 @@
           <a:p>
             <a:fld id="{9A46E524-FD8D-452D-9C72-0AC53F7701F7}" type="datetimeFigureOut">
               <a:rPr lang="en-AU" smtClean="0"/>
-              <a:t>19/12/2018</a:t>
+              <a:t>20/12/2018</a:t>
             </a:fld>
             <a:endParaRPr lang="en-AU"/>
           </a:p>
@@ -4425,7 +4425,7 @@
           <a:p>
             <a:fld id="{8839007D-6BCD-43A3-816F-9B9944EEE7DD}" type="datetime1">
               <a:rPr lang="en-US" smtClean="0"/>
-              <a:t>12/19/2018</a:t>
+              <a:t>12/20/2018</a:t>
             </a:fld>
             <a:endParaRPr lang="en-US" dirty="0"/>
           </a:p>
@@ -4850,7 +4850,7 @@
           <a:p>
             <a:fld id="{9A46E524-FD8D-452D-9C72-0AC53F7701F7}" type="datetimeFigureOut">
               <a:rPr lang="en-AU" smtClean="0"/>
-              <a:t>19/12/2018</a:t>
+              <a:t>20/12/2018</a:t>
             </a:fld>
             <a:endParaRPr lang="en-AU"/>
           </a:p>
@@ -5118,7 +5118,7 @@
           <a:p>
             <a:fld id="{9A46E524-FD8D-452D-9C72-0AC53F7701F7}" type="datetimeFigureOut">
               <a:rPr lang="en-AU" smtClean="0"/>
-              <a:t>19/12/2018</a:t>
+              <a:t>20/12/2018</a:t>
             </a:fld>
             <a:endParaRPr lang="en-AU"/>
           </a:p>
@@ -5533,7 +5533,7 @@
           <a:p>
             <a:fld id="{9A46E524-FD8D-452D-9C72-0AC53F7701F7}" type="datetimeFigureOut">
               <a:rPr lang="en-AU" smtClean="0"/>
-              <a:t>19/12/2018</a:t>
+              <a:t>20/12/2018</a:t>
             </a:fld>
             <a:endParaRPr lang="en-AU"/>
           </a:p>
@@ -5675,7 +5675,7 @@
           <a:p>
             <a:fld id="{9A46E524-FD8D-452D-9C72-0AC53F7701F7}" type="datetimeFigureOut">
               <a:rPr lang="en-AU" smtClean="0"/>
-              <a:t>19/12/2018</a:t>
+              <a:t>20/12/2018</a:t>
             </a:fld>
             <a:endParaRPr lang="en-AU"/>
           </a:p>
@@ -5788,7 +5788,7 @@
           <a:p>
             <a:fld id="{9A46E524-FD8D-452D-9C72-0AC53F7701F7}" type="datetimeFigureOut">
               <a:rPr lang="en-AU" smtClean="0"/>
-              <a:t>19/12/2018</a:t>
+              <a:t>20/12/2018</a:t>
             </a:fld>
             <a:endParaRPr lang="en-AU"/>
           </a:p>
@@ -6101,7 +6101,7 @@
           <a:p>
             <a:fld id="{9A46E524-FD8D-452D-9C72-0AC53F7701F7}" type="datetimeFigureOut">
               <a:rPr lang="en-AU" smtClean="0"/>
-              <a:t>19/12/2018</a:t>
+              <a:t>20/12/2018</a:t>
             </a:fld>
             <a:endParaRPr lang="en-AU"/>
           </a:p>
@@ -6390,7 +6390,7 @@
           <a:p>
             <a:fld id="{9A46E524-FD8D-452D-9C72-0AC53F7701F7}" type="datetimeFigureOut">
               <a:rPr lang="en-AU" smtClean="0"/>
-              <a:t>19/12/2018</a:t>
+              <a:t>20/12/2018</a:t>
             </a:fld>
             <a:endParaRPr lang="en-AU"/>
           </a:p>
@@ -6590,7 +6590,7 @@
           <a:p>
             <a:fld id="{9A46E524-FD8D-452D-9C72-0AC53F7701F7}" type="datetimeFigureOut">
               <a:rPr lang="en-AU" smtClean="0"/>
-              <a:t>19/12/2018</a:t>
+              <a:t>20/12/2018</a:t>
             </a:fld>
             <a:endParaRPr lang="en-AU"/>
           </a:p>
@@ -6800,7 +6800,7 @@
           <a:p>
             <a:fld id="{9A46E524-FD8D-452D-9C72-0AC53F7701F7}" type="datetimeFigureOut">
               <a:rPr lang="en-AU" smtClean="0"/>
-              <a:t>19/12/2018</a:t>
+              <a:t>20/12/2018</a:t>
             </a:fld>
             <a:endParaRPr lang="en-AU"/>
           </a:p>
@@ -7092,7 +7092,7 @@
           <a:p>
             <a:fld id="{7A04BD80-684F-43EC-BD8A-3313B4EC3815}" type="datetime1">
               <a:rPr lang="en-US" smtClean="0"/>
-              <a:t>12/19/2018</a:t>
+              <a:t>12/20/2018</a:t>
             </a:fld>
             <a:endParaRPr lang="en-US" dirty="0"/>
           </a:p>
@@ -7354,7 +7354,7 @@
           <a:p>
             <a:fld id="{E64D2021-F3A0-43D8-B6B3-AE7BBAB9890A}" type="datetime1">
               <a:rPr lang="en-US" smtClean="0"/>
-              <a:t>12/19/2018</a:t>
+              <a:t>12/20/2018</a:t>
             </a:fld>
             <a:endParaRPr lang="en-US" dirty="0"/>
           </a:p>
@@ -7764,7 +7764,7 @@
           <a:p>
             <a:fld id="{182B9AF0-B7DD-4DE1-A9F5-91BE63737632}" type="datetime1">
               <a:rPr lang="en-US" smtClean="0"/>
-              <a:t>12/19/2018</a:t>
+              <a:t>12/20/2018</a:t>
             </a:fld>
             <a:endParaRPr lang="en-US" dirty="0"/>
           </a:p>
@@ -7907,7 +7907,7 @@
           <a:p>
             <a:fld id="{073F85E4-564C-4728-AEFB-C8F906AA693D}" type="datetime1">
               <a:rPr lang="en-US" smtClean="0"/>
-              <a:t>12/19/2018</a:t>
+              <a:t>12/20/2018</a:t>
             </a:fld>
             <a:endParaRPr lang="en-US" dirty="0"/>
           </a:p>
@@ -8027,7 +8027,7 @@
           <a:p>
             <a:fld id="{BE00A3BD-B35C-46C6-B7B7-E519136B132D}" type="datetime1">
               <a:rPr lang="en-US" smtClean="0"/>
-              <a:t>12/19/2018</a:t>
+              <a:t>12/20/2018</a:t>
             </a:fld>
             <a:endParaRPr lang="en-US" dirty="0"/>
           </a:p>
@@ -8301,7 +8301,7 @@
           <a:p>
             <a:fld id="{5BC59E4D-16D2-4652-AD24-ABC7C4E21225}" type="datetime1">
               <a:rPr lang="en-US" smtClean="0"/>
-              <a:t>12/19/2018</a:t>
+              <a:t>12/20/2018</a:t>
             </a:fld>
             <a:endParaRPr lang="en-US" dirty="0"/>
           </a:p>
@@ -8608,7 +8608,7 @@
           <a:p>
             <a:fld id="{A7BFFB6C-937C-401A-B23B-FFE1848A43F3}" type="datetime1">
               <a:rPr lang="en-US" smtClean="0"/>
-              <a:t>12/19/2018</a:t>
+              <a:t>12/20/2018</a:t>
             </a:fld>
             <a:endParaRPr lang="en-US" dirty="0"/>
           </a:p>
@@ -8856,7 +8856,7 @@
           <a:p>
             <a:fld id="{A3AB179A-3664-45B4-AF75-5A588F18B660}" type="datetime1">
               <a:rPr lang="en-US" smtClean="0"/>
-              <a:t>12/19/2018</a:t>
+              <a:t>12/20/2018</a:t>
             </a:fld>
             <a:endParaRPr lang="en-US" dirty="0"/>
           </a:p>
@@ -9450,7 +9450,7 @@
           <a:p>
             <a:fld id="{9A46E524-FD8D-452D-9C72-0AC53F7701F7}" type="datetimeFigureOut">
               <a:rPr lang="en-AU" smtClean="0"/>
-              <a:t>19/12/2018</a:t>
+              <a:t>20/12/2018</a:t>
             </a:fld>
             <a:endParaRPr lang="en-AU"/>
           </a:p>
@@ -15481,8 +15481,8 @@
         </p:nvSpPr>
         <p:spPr>
           <a:xfrm>
-            <a:off x="1144988" y="1311965"/>
-            <a:ext cx="8706678" cy="369332"/>
+            <a:off x="302151" y="921201"/>
+            <a:ext cx="5494350" cy="369332"/>
           </a:xfrm>
           <a:prstGeom prst="rect">
             <a:avLst/>
@@ -15497,7 +15497,7 @@
           <a:p>
             <a:r>
               <a:rPr lang="en-US"/>
-              <a:t>Code changes required for a minimal function...</a:t>
+              <a:t>Code added...</a:t>
             </a:r>
             <a:endParaRPr lang="en-AU"/>
           </a:p>
@@ -15517,8 +15517,8 @@
         </p:nvSpPr>
         <p:spPr>
           <a:xfrm>
-            <a:off x="302151" y="1860605"/>
-            <a:ext cx="5494350" cy="2862322"/>
+            <a:off x="302151" y="1469841"/>
+            <a:ext cx="5009322" cy="4385816"/>
           </a:xfrm>
           <a:prstGeom prst="rect">
             <a:avLst/>
@@ -15536,6 +15536,22 @@
           </a:bodyPr>
           <a:lstStyle/>
           <a:p>
+            <a:r>
+              <a:rPr lang="en-US" sz="900">
+                <a:latin typeface="Calibri" panose="020F0502020204030204" pitchFamily="34" charset="0"/>
+                <a:cs typeface="Calibri" panose="020F0502020204030204" pitchFamily="34" charset="0"/>
+              </a:rPr>
+              <a:t>In</a:t>
+            </a:r>
+            <a:r>
+              <a:rPr lang="en-US" sz="900" b="1">
+                <a:latin typeface="Calibri" panose="020F0502020204030204" pitchFamily="34" charset="0"/>
+                <a:cs typeface="Calibri" panose="020F0502020204030204" pitchFamily="34" charset="0"/>
+              </a:rPr>
+              <a:t> processor/tile_indexer.go: </a:t>
+            </a:r>
+          </a:p>
+          <a:p>
             <a:pPr marL="171450" indent="-171450">
               <a:buFont typeface="Arial" panose="020B0604020202020204" pitchFamily="34" charset="0"/>
               <a:buChar char="•"/>
@@ -15545,31 +15561,76 @@
                 <a:latin typeface="Calibri" panose="020F0502020204030204" pitchFamily="34" charset="0"/>
                 <a:cs typeface="Calibri" panose="020F0502020204030204" pitchFamily="34" charset="0"/>
               </a:rPr>
-              <a:t>In </a:t>
-            </a:r>
-            <a:r>
-              <a:rPr lang="en-US" sz="900" b="1">
+              <a:t>Line 3: import (</a:t>
+            </a:r>
+          </a:p>
+          <a:p>
+            <a:pPr marL="628650" lvl="1" indent="-171450">
+              <a:buFont typeface="Arial" panose="020B0604020202020204" pitchFamily="34" charset="0"/>
+              <a:buChar char="•"/>
+            </a:pPr>
+            <a:r>
+              <a:rPr lang="pt-BR" sz="900">
                 <a:latin typeface="Calibri" panose="020F0502020204030204" pitchFamily="34" charset="0"/>
                 <a:cs typeface="Calibri" panose="020F0502020204030204" pitchFamily="34" charset="0"/>
               </a:rPr>
-              <a:t>ows.go:</a:t>
-            </a:r>
-            <a:br>
-              <a:rPr lang="en-US" sz="900" b="1">
+              <a:t>"strconv"</a:t>
+            </a:r>
+          </a:p>
+          <a:p>
+            <a:pPr marL="628650" lvl="1" indent="-171450">
+              <a:buFont typeface="Arial" panose="020B0604020202020204" pitchFamily="34" charset="0"/>
+              <a:buChar char="•"/>
+            </a:pPr>
+            <a:r>
+              <a:rPr lang="pt-BR" sz="900">
                 <a:latin typeface="Calibri" panose="020F0502020204030204" pitchFamily="34" charset="0"/>
                 <a:cs typeface="Calibri" panose="020F0502020204030204" pitchFamily="34" charset="0"/>
               </a:rPr>
-            </a:br>
+              <a:t>"os/exec"</a:t>
+            </a:r>
+          </a:p>
+          <a:p>
+            <a:pPr marL="628650" lvl="1" indent="-171450">
+              <a:buFont typeface="Arial" panose="020B0604020202020204" pitchFamily="34" charset="0"/>
+              <a:buChar char="•"/>
+            </a:pPr>
+            <a:r>
+              <a:rPr lang="pt-BR" sz="900">
+                <a:latin typeface="Calibri" panose="020F0502020204030204" pitchFamily="34" charset="0"/>
+                <a:cs typeface="Calibri" panose="020F0502020204030204" pitchFamily="34" charset="0"/>
+              </a:rPr>
+              <a:t>"os"</a:t>
+            </a:r>
+          </a:p>
+          <a:p>
+            <a:pPr marL="628650" lvl="1" indent="-171450">
+              <a:buFont typeface="Arial" panose="020B0604020202020204" pitchFamily="34" charset="0"/>
+              <a:buChar char="•"/>
+            </a:pPr>
+            <a:r>
+              <a:rPr lang="pt-BR" sz="900">
+                <a:latin typeface="Calibri" panose="020F0502020204030204" pitchFamily="34" charset="0"/>
+                <a:cs typeface="Calibri" panose="020F0502020204030204" pitchFamily="34" charset="0"/>
+              </a:rPr>
+              <a:t>"regexp"</a:t>
+            </a:r>
+          </a:p>
+          <a:p>
+            <a:pPr marL="171450" indent="-171450">
+              <a:buFont typeface="Arial" panose="020B0604020202020204" pitchFamily="34" charset="0"/>
+              <a:buChar char="•"/>
+            </a:pPr>
             <a:r>
               <a:rPr lang="en-US" sz="900">
                 <a:latin typeface="Calibri" panose="020F0502020204030204" pitchFamily="34" charset="0"/>
                 <a:cs typeface="Calibri" panose="020F0502020204030204" pitchFamily="34" charset="0"/>
               </a:rPr>
-              <a:t>(to delete previous sets of soft links in the Thredds directory. Line numbers are approximate)</a:t>
-            </a:r>
-          </a:p>
-          <a:p>
-            <a:pPr marL="628650" lvl="1" indent="-171450">
+              <a:t>)</a:t>
+            </a:r>
+          </a:p>
+          <a:p>
+            <a:pPr marL="171450" indent="-171450">
               <a:buFont typeface="Arial" panose="020B0604020202020204" pitchFamily="34" charset="0"/>
               <a:buChar char="•"/>
             </a:pPr>
@@ -15578,11 +15639,11 @@
                 <a:latin typeface="Calibri" panose="020F0502020204030204" pitchFamily="34" charset="0"/>
                 <a:cs typeface="Calibri" panose="020F0502020204030204" pitchFamily="34" charset="0"/>
               </a:rPr>
-              <a:t>Line 58: var ThreddsDataDir   = "/usr/local/tds/apache-tomcat-8.5.35/content/thredds/public/gsky/"</a:t>
-            </a:r>
-          </a:p>
-          <a:p>
-            <a:pPr marL="628650" lvl="1" indent="-171450">
+              <a:t>Line 19: var ThreddsDataDir = "/usr/local/tds/apache-tomcat-8.5.35/content/thredds/public/gsky/“</a:t>
+            </a:r>
+          </a:p>
+          <a:p>
+            <a:pPr marL="171450" indent="-171450">
               <a:buFont typeface="Arial" panose="020B0604020202020204" pitchFamily="34" charset="0"/>
               <a:buChar char="•"/>
             </a:pPr>
@@ -15591,40 +15652,17 @@
                 <a:latin typeface="Calibri" panose="020F0502020204030204" pitchFamily="34" charset="0"/>
                 <a:cs typeface="Calibri" panose="020F0502020204030204" pitchFamily="34" charset="0"/>
               </a:rPr>
-              <a:t>Line 188: empty_thredds()</a:t>
-            </a:r>
-          </a:p>
-          <a:p>
-            <a:pPr marL="628650" lvl="1" indent="-171450">
-              <a:buFont typeface="Arial" panose="020B0604020202020204" pitchFamily="34" charset="0"/>
-              <a:buChar char="•"/>
-            </a:pPr>
+              <a:t>Line 118: func </a:t>
+            </a:r>
             <a:r>
               <a:rPr lang="en-US" sz="900">
+                <a:solidFill>
+                  <a:srgbClr val="00B0F0"/>
+                </a:solidFill>
                 <a:latin typeface="Calibri" panose="020F0502020204030204" pitchFamily="34" charset="0"/>
                 <a:cs typeface="Calibri" panose="020F0502020204030204" pitchFamily="34" charset="0"/>
               </a:rPr>
-              <a:t>Line 167: </a:t>
-            </a:r>
-          </a:p>
-          <a:p>
-            <a:pPr marL="628650" lvl="1" indent="-171450">
-              <a:buFont typeface="Arial" panose="020B0604020202020204" pitchFamily="34" charset="0"/>
-              <a:buChar char="•"/>
-            </a:pPr>
-            <a:r>
-              <a:rPr lang="en-US" sz="900">
-                <a:latin typeface="Calibri" panose="020F0502020204030204" pitchFamily="34" charset="0"/>
-                <a:cs typeface="Calibri" panose="020F0502020204030204" pitchFamily="34" charset="0"/>
-              </a:rPr>
-              <a:t>func </a:t>
-            </a:r>
-            <a:r>
-              <a:rPr lang="en-US" sz="900" b="1">
-                <a:latin typeface="Calibri" panose="020F0502020204030204" pitchFamily="34" charset="0"/>
-                <a:cs typeface="Calibri" panose="020F0502020204030204" pitchFamily="34" charset="0"/>
-              </a:rPr>
-              <a:t>empty_thredds</a:t>
+              <a:t>delete_thredds_nc</a:t>
             </a:r>
             <a:r>
               <a:rPr lang="en-US" sz="900">
@@ -15644,7 +15682,7 @@
                 <a:latin typeface="Calibri" panose="020F0502020204030204" pitchFamily="34" charset="0"/>
                 <a:cs typeface="Calibri" panose="020F0502020204030204" pitchFamily="34" charset="0"/>
               </a:rPr>
-              <a:t>    thredds_last := ThreddsDataDir + "thredds_last"</a:t>
+              <a:t>thredds_last := ThreddsDataDir + "thredds_last"</a:t>
             </a:r>
           </a:p>
           <a:p>
@@ -15657,7 +15695,7 @@
                 <a:latin typeface="Calibri" panose="020F0502020204030204" pitchFamily="34" charset="0"/>
                 <a:cs typeface="Calibri" panose="020F0502020204030204" pitchFamily="34" charset="0"/>
               </a:rPr>
-              <a:t>    thredds_nc := ThreddsDataDir + "*.nc"</a:t>
+              <a:t>thredds_nc := ThreddsDataDir + "*.nc"</a:t>
             </a:r>
           </a:p>
           <a:p>
@@ -15670,7 +15708,7 @@
                 <a:latin typeface="Calibri" panose="020F0502020204030204" pitchFamily="34" charset="0"/>
                 <a:cs typeface="Calibri" panose="020F0502020204030204" pitchFamily="34" charset="0"/>
               </a:rPr>
-              <a:t>	last, _ := ioutil.ReadFile(thredds_last)</a:t>
+              <a:t>timestamp, _ := ioutil.ReadFile(thredds_last)</a:t>
             </a:r>
           </a:p>
           <a:p>
@@ -15683,7 +15721,7 @@
                 <a:latin typeface="Calibri" panose="020F0502020204030204" pitchFamily="34" charset="0"/>
                 <a:cs typeface="Calibri" panose="020F0502020204030204" pitchFamily="34" charset="0"/>
               </a:rPr>
-              <a:t>	old, _ := strconv.Atoi(string(last))</a:t>
+              <a:t>timestamp_int, _ := strconv.Atoi(string(timestamp))</a:t>
             </a:r>
           </a:p>
           <a:p>
@@ -15696,7 +15734,7 @@
                 <a:latin typeface="Calibri" panose="020F0502020204030204" pitchFamily="34" charset="0"/>
                 <a:cs typeface="Calibri" panose="020F0502020204030204" pitchFamily="34" charset="0"/>
               </a:rPr>
-              <a:t>	et := time.Now().Unix() - int64(old)</a:t>
+              <a:t>et := time.Now().Unix() - int64(timestamp_int)</a:t>
             </a:r>
           </a:p>
           <a:p>
@@ -15709,7 +15747,7 @@
                 <a:latin typeface="Calibri" panose="020F0502020204030204" pitchFamily="34" charset="0"/>
                 <a:cs typeface="Calibri" panose="020F0502020204030204" pitchFamily="34" charset="0"/>
               </a:rPr>
-              <a:t>	if (et &gt; 2) {</a:t>
+              <a:t>if (et &gt; 2) {</a:t>
             </a:r>
           </a:p>
           <a:p>
@@ -15722,7 +15760,7 @@
                 <a:latin typeface="Calibri" panose="020F0502020204030204" pitchFamily="34" charset="0"/>
                 <a:cs typeface="Calibri" panose="020F0502020204030204" pitchFamily="34" charset="0"/>
               </a:rPr>
-              <a:t>		f, _ := os.Create(thredds_last)</a:t>
+              <a:t>	f, _ := os.Create(thredds_last)</a:t>
             </a:r>
           </a:p>
           <a:p>
@@ -15735,7 +15773,7 @@
                 <a:latin typeface="Calibri" panose="020F0502020204030204" pitchFamily="34" charset="0"/>
                 <a:cs typeface="Calibri" panose="020F0502020204030204" pitchFamily="34" charset="0"/>
               </a:rPr>
-              <a:t>		defer f.Close()</a:t>
+              <a:t>	defer f.Close()</a:t>
             </a:r>
           </a:p>
           <a:p>
@@ -15748,7 +15786,7 @@
                 <a:latin typeface="Calibri" panose="020F0502020204030204" pitchFamily="34" charset="0"/>
                 <a:cs typeface="Calibri" panose="020F0502020204030204" pitchFamily="34" charset="0"/>
               </a:rPr>
-              <a:t>		now := strconv.FormatInt(time.Now().Unix(), 10)</a:t>
+              <a:t>	now := strconv.FormatInt(time.Now().Unix(), 10)</a:t>
             </a:r>
           </a:p>
           <a:p>
@@ -15761,7 +15799,7 @@
                 <a:latin typeface="Calibri" panose="020F0502020204030204" pitchFamily="34" charset="0"/>
                 <a:cs typeface="Calibri" panose="020F0502020204030204" pitchFamily="34" charset="0"/>
               </a:rPr>
-              <a:t>		f.WriteString(now)</a:t>
+              <a:t>	f.WriteString(now)</a:t>
             </a:r>
           </a:p>
           <a:p>
@@ -15774,7 +15812,7 @@
                 <a:latin typeface="Calibri" panose="020F0502020204030204" pitchFamily="34" charset="0"/>
                 <a:cs typeface="Calibri" panose="020F0502020204030204" pitchFamily="34" charset="0"/>
               </a:rPr>
-              <a:t>		rm_thredds_nc := "rm -f " + thredds_nc</a:t>
+              <a:t>	rm_thredds_nc := "rm -f " + thredds_nc</a:t>
             </a:r>
           </a:p>
           <a:p>
@@ -15787,20 +15825,7 @@
                 <a:latin typeface="Calibri" panose="020F0502020204030204" pitchFamily="34" charset="0"/>
                 <a:cs typeface="Calibri" panose="020F0502020204030204" pitchFamily="34" charset="0"/>
               </a:rPr>
-              <a:t>		exec.Command("/bin/sh", "-c", rm_thredds_nc).CombinedOutput()</a:t>
-            </a:r>
-          </a:p>
-          <a:p>
-            <a:pPr marL="628650" lvl="1" indent="-171450">
-              <a:buFont typeface="Arial" panose="020B0604020202020204" pitchFamily="34" charset="0"/>
-              <a:buChar char="•"/>
-            </a:pPr>
-            <a:r>
-              <a:rPr lang="en-US" sz="900">
-                <a:latin typeface="Calibri" panose="020F0502020204030204" pitchFamily="34" charset="0"/>
-                <a:cs typeface="Calibri" panose="020F0502020204030204" pitchFamily="34" charset="0"/>
-              </a:rPr>
-              <a:t>	}</a:t>
+              <a:t>	exec.Command("/bin/sh", "-c", rm_thredds_nc).CombinedOutput()</a:t>
             </a:r>
           </a:p>
           <a:p>
@@ -15814,6 +15839,170 @@
                 <a:cs typeface="Calibri" panose="020F0502020204030204" pitchFamily="34" charset="0"/>
               </a:rPr>
               <a:t>}</a:t>
+            </a:r>
+          </a:p>
+          <a:p>
+            <a:pPr marL="171450" indent="-171450">
+              <a:buFont typeface="Arial" panose="020B0604020202020204" pitchFamily="34" charset="0"/>
+              <a:buChar char="•"/>
+            </a:pPr>
+            <a:r>
+              <a:rPr lang="en-US" sz="900">
+                <a:latin typeface="Calibri" panose="020F0502020204030204" pitchFamily="34" charset="0"/>
+                <a:cs typeface="Calibri" panose="020F0502020204030204" pitchFamily="34" charset="0"/>
+              </a:rPr>
+              <a:t>}</a:t>
+            </a:r>
+          </a:p>
+          <a:p>
+            <a:pPr marL="171450" indent="-171450">
+              <a:buFont typeface="Arial" panose="020B0604020202020204" pitchFamily="34" charset="0"/>
+              <a:buChar char="•"/>
+            </a:pPr>
+            <a:r>
+              <a:rPr lang="en-US" sz="900">
+                <a:latin typeface="Calibri" panose="020F0502020204030204" pitchFamily="34" charset="0"/>
+                <a:cs typeface="Calibri" panose="020F0502020204030204" pitchFamily="34" charset="0"/>
+              </a:rPr>
+              <a:t>Line 141: func </a:t>
+            </a:r>
+            <a:r>
+              <a:rPr lang="en-US" sz="900">
+                <a:solidFill>
+                  <a:srgbClr val="00B0F0"/>
+                </a:solidFill>
+                <a:latin typeface="Calibri" panose="020F0502020204030204" pitchFamily="34" charset="0"/>
+                <a:cs typeface="Calibri" panose="020F0502020204030204" pitchFamily="34" charset="0"/>
+              </a:rPr>
+              <a:t>add_thredds_nc</a:t>
+            </a:r>
+            <a:r>
+              <a:rPr lang="en-US" sz="900">
+                <a:latin typeface="Calibri" panose="020F0502020204030204" pitchFamily="34" charset="0"/>
+                <a:cs typeface="Calibri" panose="020F0502020204030204" pitchFamily="34" charset="0"/>
+              </a:rPr>
+              <a:t> (ds GDALDataset) {</a:t>
+            </a:r>
+          </a:p>
+          <a:p>
+            <a:pPr marL="628650" lvl="1" indent="-171450">
+              <a:buFont typeface="Arial" panose="020B0604020202020204" pitchFamily="34" charset="0"/>
+              <a:buChar char="•"/>
+            </a:pPr>
+            <a:r>
+              <a:rPr lang="en-US" sz="900">
+                <a:latin typeface="Calibri" panose="020F0502020204030204" pitchFamily="34" charset="0"/>
+                <a:cs typeface="Calibri" panose="020F0502020204030204" pitchFamily="34" charset="0"/>
+              </a:rPr>
+              <a:t>    r := regexp.MustCompile(`(?P&lt;Type&gt;.*):"(?P&lt;File&gt;.*)":(?P&lt;NameSpace&gt;.*)`)</a:t>
+            </a:r>
+          </a:p>
+          <a:p>
+            <a:pPr marL="628650" lvl="1" indent="-171450">
+              <a:buFont typeface="Arial" panose="020B0604020202020204" pitchFamily="34" charset="0"/>
+              <a:buChar char="•"/>
+            </a:pPr>
+            <a:r>
+              <a:rPr lang="en-US" sz="900">
+                <a:latin typeface="Calibri" panose="020F0502020204030204" pitchFamily="34" charset="0"/>
+                <a:cs typeface="Calibri" panose="020F0502020204030204" pitchFamily="34" charset="0"/>
+              </a:rPr>
+              <a:t>    m := r.FindStringSubmatch(ds.DSName)</a:t>
+            </a:r>
+          </a:p>
+          <a:p>
+            <a:pPr marL="628650" lvl="1" indent="-171450">
+              <a:buFont typeface="Arial" panose="020B0604020202020204" pitchFamily="34" charset="0"/>
+              <a:buChar char="•"/>
+            </a:pPr>
+            <a:r>
+              <a:rPr lang="en-US" sz="900">
+                <a:latin typeface="Calibri" panose="020F0502020204030204" pitchFamily="34" charset="0"/>
+                <a:cs typeface="Calibri" panose="020F0502020204030204" pitchFamily="34" charset="0"/>
+              </a:rPr>
+              <a:t>    exec.Command("ln", "-s", m[2], ThreddsDataDir).CombinedOutput()</a:t>
+            </a:r>
+          </a:p>
+          <a:p>
+            <a:pPr marL="171450" indent="-171450">
+              <a:buFont typeface="Arial" panose="020B0604020202020204" pitchFamily="34" charset="0"/>
+              <a:buChar char="•"/>
+            </a:pPr>
+            <a:r>
+              <a:rPr lang="en-US" sz="900">
+                <a:latin typeface="Calibri" panose="020F0502020204030204" pitchFamily="34" charset="0"/>
+                <a:cs typeface="Calibri" panose="020F0502020204030204" pitchFamily="34" charset="0"/>
+              </a:rPr>
+              <a:t>}</a:t>
+            </a:r>
+          </a:p>
+          <a:p>
+            <a:pPr marL="171450" indent="-171450">
+              <a:buFont typeface="Arial" panose="020B0604020202020204" pitchFamily="34" charset="0"/>
+              <a:buChar char="•"/>
+            </a:pPr>
+            <a:r>
+              <a:rPr lang="en-US" sz="900">
+                <a:latin typeface="Calibri" panose="020F0502020204030204" pitchFamily="34" charset="0"/>
+                <a:cs typeface="Calibri" panose="020F0502020204030204" pitchFamily="34" charset="0"/>
+              </a:rPr>
+              <a:t>Line 178: </a:t>
+            </a:r>
+            <a:r>
+              <a:rPr lang="en-US" sz="900">
+                <a:solidFill>
+                  <a:srgbClr val="00B0F0"/>
+                </a:solidFill>
+                <a:latin typeface="Calibri" panose="020F0502020204030204" pitchFamily="34" charset="0"/>
+                <a:cs typeface="Calibri" panose="020F0502020204030204" pitchFamily="34" charset="0"/>
+              </a:rPr>
+              <a:t>delete_thredds_nc</a:t>
+            </a:r>
+            <a:r>
+              <a:rPr lang="en-US" sz="900">
+                <a:latin typeface="Calibri" panose="020F0502020204030204" pitchFamily="34" charset="0"/>
+                <a:cs typeface="Calibri" panose="020F0502020204030204" pitchFamily="34" charset="0"/>
+              </a:rPr>
+              <a:t>()</a:t>
+            </a:r>
+          </a:p>
+          <a:p>
+            <a:pPr marL="171450" indent="-171450">
+              <a:buFont typeface="Arial" panose="020B0604020202020204" pitchFamily="34" charset="0"/>
+              <a:buChar char="•"/>
+            </a:pPr>
+            <a:r>
+              <a:rPr lang="en-US" sz="900">
+                <a:latin typeface="Calibri" panose="020F0502020204030204" pitchFamily="34" charset="0"/>
+                <a:cs typeface="Calibri" panose="020F0502020204030204" pitchFamily="34" charset="0"/>
+              </a:rPr>
+              <a:t>Line 180: </a:t>
+            </a:r>
+            <a:r>
+              <a:rPr lang="en-US" sz="900">
+                <a:solidFill>
+                  <a:srgbClr val="00B0F0"/>
+                </a:solidFill>
+                <a:latin typeface="Calibri" panose="020F0502020204030204" pitchFamily="34" charset="0"/>
+                <a:cs typeface="Calibri" panose="020F0502020204030204" pitchFamily="34" charset="0"/>
+              </a:rPr>
+              <a:t>add_thredds_nc</a:t>
+            </a:r>
+            <a:r>
+              <a:rPr lang="en-US" sz="900">
+                <a:latin typeface="Calibri" panose="020F0502020204030204" pitchFamily="34" charset="0"/>
+                <a:cs typeface="Calibri" panose="020F0502020204030204" pitchFamily="34" charset="0"/>
+              </a:rPr>
+              <a:t>(ds)</a:t>
+            </a:r>
+          </a:p>
+          <a:p>
+            <a:r>
+              <a:rPr lang="en-US" sz="900">
+                <a:latin typeface="Calibri" panose="020F0502020204030204" pitchFamily="34" charset="0"/>
+                <a:cs typeface="Calibri" panose="020F0502020204030204" pitchFamily="34" charset="0"/>
+              </a:rPr>
+              <a:t>(line numbers are approximate)</a:t>
             </a:r>
           </a:p>
         </p:txBody>
@@ -15832,8 +16021,8 @@
         </p:nvSpPr>
         <p:spPr>
           <a:xfrm>
-            <a:off x="6202018" y="1868555"/>
-            <a:ext cx="5009322" cy="2308324"/>
+            <a:off x="6202018" y="1469841"/>
+            <a:ext cx="5009322" cy="661720"/>
           </a:xfrm>
           <a:prstGeom prst="rect">
             <a:avLst/>
@@ -15856,167 +16045,7 @@
               <a:buChar char="•"/>
             </a:pPr>
             <a:r>
-              <a:rPr lang="en-US" sz="900">
-                <a:latin typeface="Calibri" panose="020F0502020204030204" pitchFamily="34" charset="0"/>
-                <a:cs typeface="Calibri" panose="020F0502020204030204" pitchFamily="34" charset="0"/>
-              </a:rPr>
-              <a:t>In</a:t>
-            </a:r>
-            <a:r>
-              <a:rPr lang="en-US" sz="900" b="1">
-                <a:latin typeface="Calibri" panose="020F0502020204030204" pitchFamily="34" charset="0"/>
-                <a:cs typeface="Calibri" panose="020F0502020204030204" pitchFamily="34" charset="0"/>
-              </a:rPr>
-              <a:t> processor/tile_indexer.go: </a:t>
-            </a:r>
-            <a:br>
-              <a:rPr lang="en-US" sz="900" b="1">
-                <a:latin typeface="Calibri" panose="020F0502020204030204" pitchFamily="34" charset="0"/>
-                <a:cs typeface="Calibri" panose="020F0502020204030204" pitchFamily="34" charset="0"/>
-              </a:rPr>
-            </a:br>
-            <a:r>
-              <a:rPr lang="en-US" sz="900">
-                <a:latin typeface="Calibri" panose="020F0502020204030204" pitchFamily="34" charset="0"/>
-                <a:cs typeface="Calibri" panose="020F0502020204030204" pitchFamily="34" charset="0"/>
-              </a:rPr>
-              <a:t>(to collect the NC file list and create soft links in Thredds directory)</a:t>
-            </a:r>
-          </a:p>
-          <a:p>
-            <a:pPr marL="171450" indent="-171450">
-              <a:buFont typeface="Arial" panose="020B0604020202020204" pitchFamily="34" charset="0"/>
-              <a:buChar char="•"/>
-            </a:pPr>
-            <a:r>
-              <a:rPr lang="en-US" sz="900">
-                <a:latin typeface="Calibri" panose="020F0502020204030204" pitchFamily="34" charset="0"/>
-                <a:cs typeface="Calibri" panose="020F0502020204030204" pitchFamily="34" charset="0"/>
-              </a:rPr>
-              <a:t>Line 18: var ThreddsDataDir = "/usr/local/tds/apache-tomcat-8.5.35/content/thredds/public/gsky/"</a:t>
-            </a:r>
-            <a:br>
-              <a:rPr lang="en-US" sz="900">
-                <a:latin typeface="Calibri" panose="020F0502020204030204" pitchFamily="34" charset="0"/>
-                <a:cs typeface="Calibri" panose="020F0502020204030204" pitchFamily="34" charset="0"/>
-              </a:rPr>
-            </a:br>
-            <a:r>
-              <a:rPr lang="en-US" sz="900">
-                <a:latin typeface="Calibri" panose="020F0502020204030204" pitchFamily="34" charset="0"/>
-                <a:cs typeface="Calibri" panose="020F0502020204030204" pitchFamily="34" charset="0"/>
-              </a:rPr>
-              <a:t>Line 149: </a:t>
-            </a:r>
-          </a:p>
-          <a:p>
-            <a:pPr marL="628650" lvl="1" indent="-171450">
-              <a:buFont typeface="Arial" panose="020B0604020202020204" pitchFamily="34" charset="0"/>
-              <a:buChar char="•"/>
-            </a:pPr>
-            <a:r>
-              <a:rPr lang="en-US" sz="900">
-                <a:latin typeface="Calibri" panose="020F0502020204030204" pitchFamily="34" charset="0"/>
-                <a:cs typeface="Calibri" panose="020F0502020204030204" pitchFamily="34" charset="0"/>
-              </a:rPr>
-              <a:t>for _, ds := range metadata.GDALDatasets {</a:t>
-            </a:r>
-          </a:p>
-          <a:p>
-            <a:pPr marL="1085850" lvl="2" indent="-171450">
-              <a:buFont typeface="Arial" panose="020B0604020202020204" pitchFamily="34" charset="0"/>
-              <a:buChar char="•"/>
-            </a:pPr>
-            <a:r>
-              <a:rPr lang="en-US" sz="900">
-                <a:latin typeface="Calibri" panose="020F0502020204030204" pitchFamily="34" charset="0"/>
-                <a:cs typeface="Calibri" panose="020F0502020204030204" pitchFamily="34" charset="0"/>
-              </a:rPr>
-              <a:t>nameSpace := ds.NameSpace</a:t>
-            </a:r>
-          </a:p>
-          <a:p>
-            <a:pPr marL="1085850" lvl="2" indent="-171450">
-              <a:buFont typeface="Arial" panose="020B0604020202020204" pitchFamily="34" charset="0"/>
-              <a:buChar char="•"/>
-            </a:pPr>
-            <a:r>
-              <a:rPr lang="en-US" sz="900">
-                <a:latin typeface="Calibri" panose="020F0502020204030204" pitchFamily="34" charset="0"/>
-                <a:cs typeface="Calibri" panose="020F0502020204030204" pitchFamily="34" charset="0"/>
-              </a:rPr>
-              <a:t>file := strings.Replace(ds.DSName, ":", "", -1)</a:t>
-            </a:r>
-          </a:p>
-          <a:p>
-            <a:pPr marL="1085850" lvl="2" indent="-171450">
-              <a:buFont typeface="Arial" panose="020B0604020202020204" pitchFamily="34" charset="0"/>
-              <a:buChar char="•"/>
-            </a:pPr>
-            <a:r>
-              <a:rPr lang="en-US" sz="900">
-                <a:latin typeface="Calibri" panose="020F0502020204030204" pitchFamily="34" charset="0"/>
-                <a:cs typeface="Calibri" panose="020F0502020204030204" pitchFamily="34" charset="0"/>
-              </a:rPr>
-              <a:t>file = strings.Replace(file, "\"", "", -1)</a:t>
-            </a:r>
-          </a:p>
-          <a:p>
-            <a:pPr marL="1085850" lvl="2" indent="-171450">
-              <a:buFont typeface="Arial" panose="020B0604020202020204" pitchFamily="34" charset="0"/>
-              <a:buChar char="•"/>
-            </a:pPr>
-            <a:r>
-              <a:rPr lang="en-US" sz="900">
-                <a:latin typeface="Calibri" panose="020F0502020204030204" pitchFamily="34" charset="0"/>
-                <a:cs typeface="Calibri" panose="020F0502020204030204" pitchFamily="34" charset="0"/>
-              </a:rPr>
-              <a:t>file = strings.Replace(file, "NETCDF", "", -1)</a:t>
-            </a:r>
-          </a:p>
-          <a:p>
-            <a:pPr marL="1085850" lvl="2" indent="-171450">
-              <a:buFont typeface="Arial" panose="020B0604020202020204" pitchFamily="34" charset="0"/>
-              <a:buChar char="•"/>
-            </a:pPr>
-            <a:r>
-              <a:rPr lang="en-US" sz="900">
-                <a:latin typeface="Calibri" panose="020F0502020204030204" pitchFamily="34" charset="0"/>
-                <a:cs typeface="Calibri" panose="020F0502020204030204" pitchFamily="34" charset="0"/>
-              </a:rPr>
-              <a:t>file = strings.Replace(file, nameSpace, "", -1)</a:t>
-            </a:r>
-          </a:p>
-          <a:p>
-            <a:pPr marL="1085850" lvl="2" indent="-171450">
-              <a:buFont typeface="Arial" panose="020B0604020202020204" pitchFamily="34" charset="0"/>
-              <a:buChar char="•"/>
-            </a:pPr>
-            <a:r>
-              <a:rPr lang="en-US" sz="900">
-                <a:latin typeface="Calibri" panose="020F0502020204030204" pitchFamily="34" charset="0"/>
-                <a:cs typeface="Calibri" panose="020F0502020204030204" pitchFamily="34" charset="0"/>
-              </a:rPr>
-              <a:t>exec.Command("ln", "-s", file, ThreddsDataDir).CombinedOutput()</a:t>
-            </a:r>
-          </a:p>
-          <a:p>
-            <a:pPr marL="628650" lvl="1" indent="-171450">
-              <a:buFont typeface="Arial" panose="020B0604020202020204" pitchFamily="34" charset="0"/>
-              <a:buChar char="•"/>
-            </a:pPr>
-            <a:endParaRPr lang="en-US" sz="900">
-              <a:latin typeface="Calibri" panose="020F0502020204030204" pitchFamily="34" charset="0"/>
-              <a:cs typeface="Calibri" panose="020F0502020204030204" pitchFamily="34" charset="0"/>
-            </a:endParaRPr>
-          </a:p>
-          <a:p>
-            <a:pPr marL="171450" indent="-171450">
-              <a:buFont typeface="Arial" panose="020B0604020202020204" pitchFamily="34" charset="0"/>
-              <a:buChar char="•"/>
-            </a:pPr>
-            <a:r>
-              <a:rPr lang="en-US" sz="900">
+              <a:rPr lang="en-US" sz="1000" b="1">
                 <a:latin typeface="Calibri" panose="020F0502020204030204" pitchFamily="34" charset="0"/>
                 <a:cs typeface="Calibri" panose="020F0502020204030204" pitchFamily="34" charset="0"/>
               </a:rPr>
@@ -16123,7 +16152,7 @@
                                           </p:stCondLst>
                                         </p:cTn>
                                         <p:tgtEl>
-                                          <p:spTgt spid="3"/>
+                                          <p:spTgt spid="4"/>
                                         </p:tgtEl>
                                         <p:attrNameLst>
                                           <p:attrName>style.visibility</p:attrName>
@@ -16136,59 +16165,6 @@
                                     <p:animEffect transition="in" filter="fade">
                                       <p:cBhvr>
                                         <p:cTn id="7" dur="500"/>
-                                        <p:tgtEl>
-                                          <p:spTgt spid="3"/>
-                                        </p:tgtEl>
-                                      </p:cBhvr>
-                                    </p:animEffect>
-                                  </p:childTnLst>
-                                </p:cTn>
-                              </p:par>
-                            </p:childTnLst>
-                          </p:cTn>
-                        </p:par>
-                      </p:childTnLst>
-                    </p:cTn>
-                  </p:par>
-                  <p:par>
-                    <p:cTn id="8" fill="hold">
-                      <p:stCondLst>
-                        <p:cond delay="indefinite"/>
-                      </p:stCondLst>
-                      <p:childTnLst>
-                        <p:par>
-                          <p:cTn id="9" fill="hold">
-                            <p:stCondLst>
-                              <p:cond delay="0"/>
-                            </p:stCondLst>
-                            <p:childTnLst>
-                              <p:par>
-                                <p:cTn id="10" presetID="10" presetClass="entr" presetSubtype="0" fill="hold" grpId="0" nodeType="clickEffect">
-                                  <p:stCondLst>
-                                    <p:cond delay="0"/>
-                                  </p:stCondLst>
-                                  <p:childTnLst>
-                                    <p:set>
-                                      <p:cBhvr>
-                                        <p:cTn id="11" dur="1" fill="hold">
-                                          <p:stCondLst>
-                                            <p:cond delay="0"/>
-                                          </p:stCondLst>
-                                        </p:cTn>
-                                        <p:tgtEl>
-                                          <p:spTgt spid="4"/>
-                                        </p:tgtEl>
-                                        <p:attrNameLst>
-                                          <p:attrName>style.visibility</p:attrName>
-                                        </p:attrNameLst>
-                                      </p:cBhvr>
-                                      <p:to>
-                                        <p:strVal val="visible"/>
-                                      </p:to>
-                                    </p:set>
-                                    <p:animEffect transition="in" filter="fade">
-                                      <p:cBhvr>
-                                        <p:cTn id="12" dur="500"/>
                                         <p:tgtEl>
                                           <p:spTgt spid="4"/>
                                         </p:tgtEl>
@@ -16225,7 +16201,6 @@
       </p:par>
     </p:tnLst>
     <p:bldLst>
-      <p:bldP spid="3" grpId="0" animBg="1"/>
       <p:bldP spid="4" grpId="0" animBg="1"/>
     </p:bldLst>
   </p:timing>

--- a/Documents/ows/GSKY-Thredds_Integration.pptx
+++ b/Documents/ows/GSKY-Thredds_Integration.pptx
@@ -207,7 +207,7 @@
           <a:p>
             <a:fld id="{C72DBEC5-06AB-48E0-952A-026FDA33E51C}" type="datetimeFigureOut">
               <a:rPr lang="en-AU" smtClean="0"/>
-              <a:t>21/12/2018</a:t>
+              <a:t>5/02/2019</a:t>
             </a:fld>
             <a:endParaRPr lang="en-AU"/>
           </a:p>
@@ -1054,7 +1054,7 @@
           <a:p>
             <a:fld id="{3ADAF076-6E8D-48BD-BB78-27996FDE916E}" type="datetime1">
               <a:rPr lang="en-US" smtClean="0"/>
-              <a:t>12/21/2018</a:t>
+              <a:t>2/5/2019</a:t>
             </a:fld>
             <a:endParaRPr lang="en-US" dirty="0"/>
           </a:p>
@@ -1271,7 +1271,7 @@
           <a:p>
             <a:fld id="{5BD463C3-4FD6-4E15-A2FC-68448FB46BFB}" type="datetime1">
               <a:rPr lang="en-US" smtClean="0"/>
-              <a:t>12/21/2018</a:t>
+              <a:t>2/5/2019</a:t>
             </a:fld>
             <a:endParaRPr lang="en-US" dirty="0"/>
           </a:p>
@@ -1557,7 +1557,7 @@
           <a:p>
             <a:fld id="{B7FCA03E-80A5-466A-B4B4-2B8FCC7E2AEA}" type="datetime1">
               <a:rPr lang="en-US" smtClean="0"/>
-              <a:t>12/21/2018</a:t>
+              <a:t>2/5/2019</a:t>
             </a:fld>
             <a:endParaRPr lang="en-US" dirty="0"/>
           </a:p>
@@ -2006,7 +2006,7 @@
           <a:p>
             <a:fld id="{BFC04CE4-31EE-4F2B-B744-8EA83E1FE85E}" type="datetime1">
               <a:rPr lang="en-US" smtClean="0"/>
-              <a:t>12/21/2018</a:t>
+              <a:t>2/5/2019</a:t>
             </a:fld>
             <a:endParaRPr lang="en-US" dirty="0"/>
           </a:p>
@@ -2577,7 +2577,7 @@
           <a:p>
             <a:fld id="{5E53FD72-7ED1-4AE3-A5D5-6F68728C4781}" type="datetime1">
               <a:rPr lang="en-US" smtClean="0"/>
-              <a:t>12/21/2018</a:t>
+              <a:t>2/5/2019</a:t>
             </a:fld>
             <a:endParaRPr lang="en-US" dirty="0"/>
           </a:p>
@@ -3424,7 +3424,7 @@
           <a:p>
             <a:fld id="{DB065CE1-EB77-408D-8750-22984ACCA118}" type="datetime1">
               <a:rPr lang="en-US" smtClean="0"/>
-              <a:t>12/21/2018</a:t>
+              <a:t>2/5/2019</a:t>
             </a:fld>
             <a:endParaRPr lang="en-US" dirty="0"/>
           </a:p>
@@ -3624,7 +3624,7 @@
           <a:p>
             <a:fld id="{83D43F08-357A-4172-8503-D86CDAB57223}" type="datetime1">
               <a:rPr lang="en-US" smtClean="0"/>
-              <a:t>12/21/2018</a:t>
+              <a:t>2/5/2019</a:t>
             </a:fld>
             <a:endParaRPr lang="en-US" dirty="0"/>
           </a:p>
@@ -3833,7 +3833,7 @@
           <a:p>
             <a:fld id="{81B3A79B-37D8-44DC-BE4B-FEEEB5E6613B}" type="datetime1">
               <a:rPr lang="en-US" smtClean="0"/>
-              <a:t>12/21/2018</a:t>
+              <a:t>2/5/2019</a:t>
             </a:fld>
             <a:endParaRPr lang="en-US" dirty="0"/>
           </a:p>
@@ -4038,7 +4038,7 @@
           <a:p>
             <a:fld id="{9A46E524-FD8D-452D-9C72-0AC53F7701F7}" type="datetimeFigureOut">
               <a:rPr lang="en-AU" smtClean="0"/>
-              <a:t>21/12/2018</a:t>
+              <a:t>5/02/2019</a:t>
             </a:fld>
             <a:endParaRPr lang="en-AU"/>
           </a:p>
@@ -4238,7 +4238,7 @@
           <a:p>
             <a:fld id="{9A46E524-FD8D-452D-9C72-0AC53F7701F7}" type="datetimeFigureOut">
               <a:rPr lang="en-AU" smtClean="0"/>
-              <a:t>21/12/2018</a:t>
+              <a:t>5/02/2019</a:t>
             </a:fld>
             <a:endParaRPr lang="en-AU"/>
           </a:p>
@@ -4425,7 +4425,7 @@
           <a:p>
             <a:fld id="{8839007D-6BCD-43A3-816F-9B9944EEE7DD}" type="datetime1">
               <a:rPr lang="en-US" smtClean="0"/>
-              <a:t>12/21/2018</a:t>
+              <a:t>2/5/2019</a:t>
             </a:fld>
             <a:endParaRPr lang="en-US" dirty="0"/>
           </a:p>
@@ -4850,7 +4850,7 @@
           <a:p>
             <a:fld id="{9A46E524-FD8D-452D-9C72-0AC53F7701F7}" type="datetimeFigureOut">
               <a:rPr lang="en-AU" smtClean="0"/>
-              <a:t>21/12/2018</a:t>
+              <a:t>5/02/2019</a:t>
             </a:fld>
             <a:endParaRPr lang="en-AU"/>
           </a:p>
@@ -5118,7 +5118,7 @@
           <a:p>
             <a:fld id="{9A46E524-FD8D-452D-9C72-0AC53F7701F7}" type="datetimeFigureOut">
               <a:rPr lang="en-AU" smtClean="0"/>
-              <a:t>21/12/2018</a:t>
+              <a:t>5/02/2019</a:t>
             </a:fld>
             <a:endParaRPr lang="en-AU"/>
           </a:p>
@@ -5533,7 +5533,7 @@
           <a:p>
             <a:fld id="{9A46E524-FD8D-452D-9C72-0AC53F7701F7}" type="datetimeFigureOut">
               <a:rPr lang="en-AU" smtClean="0"/>
-              <a:t>21/12/2018</a:t>
+              <a:t>5/02/2019</a:t>
             </a:fld>
             <a:endParaRPr lang="en-AU"/>
           </a:p>
@@ -5675,7 +5675,7 @@
           <a:p>
             <a:fld id="{9A46E524-FD8D-452D-9C72-0AC53F7701F7}" type="datetimeFigureOut">
               <a:rPr lang="en-AU" smtClean="0"/>
-              <a:t>21/12/2018</a:t>
+              <a:t>5/02/2019</a:t>
             </a:fld>
             <a:endParaRPr lang="en-AU"/>
           </a:p>
@@ -5788,7 +5788,7 @@
           <a:p>
             <a:fld id="{9A46E524-FD8D-452D-9C72-0AC53F7701F7}" type="datetimeFigureOut">
               <a:rPr lang="en-AU" smtClean="0"/>
-              <a:t>21/12/2018</a:t>
+              <a:t>5/02/2019</a:t>
             </a:fld>
             <a:endParaRPr lang="en-AU"/>
           </a:p>
@@ -6101,7 +6101,7 @@
           <a:p>
             <a:fld id="{9A46E524-FD8D-452D-9C72-0AC53F7701F7}" type="datetimeFigureOut">
               <a:rPr lang="en-AU" smtClean="0"/>
-              <a:t>21/12/2018</a:t>
+              <a:t>5/02/2019</a:t>
             </a:fld>
             <a:endParaRPr lang="en-AU"/>
           </a:p>
@@ -6390,7 +6390,7 @@
           <a:p>
             <a:fld id="{9A46E524-FD8D-452D-9C72-0AC53F7701F7}" type="datetimeFigureOut">
               <a:rPr lang="en-AU" smtClean="0"/>
-              <a:t>21/12/2018</a:t>
+              <a:t>5/02/2019</a:t>
             </a:fld>
             <a:endParaRPr lang="en-AU"/>
           </a:p>
@@ -6590,7 +6590,7 @@
           <a:p>
             <a:fld id="{9A46E524-FD8D-452D-9C72-0AC53F7701F7}" type="datetimeFigureOut">
               <a:rPr lang="en-AU" smtClean="0"/>
-              <a:t>21/12/2018</a:t>
+              <a:t>5/02/2019</a:t>
             </a:fld>
             <a:endParaRPr lang="en-AU"/>
           </a:p>
@@ -6800,7 +6800,7 @@
           <a:p>
             <a:fld id="{9A46E524-FD8D-452D-9C72-0AC53F7701F7}" type="datetimeFigureOut">
               <a:rPr lang="en-AU" smtClean="0"/>
-              <a:t>21/12/2018</a:t>
+              <a:t>5/02/2019</a:t>
             </a:fld>
             <a:endParaRPr lang="en-AU"/>
           </a:p>
@@ -7092,7 +7092,7 @@
           <a:p>
             <a:fld id="{7A04BD80-684F-43EC-BD8A-3313B4EC3815}" type="datetime1">
               <a:rPr lang="en-US" smtClean="0"/>
-              <a:t>12/21/2018</a:t>
+              <a:t>2/5/2019</a:t>
             </a:fld>
             <a:endParaRPr lang="en-US" dirty="0"/>
           </a:p>
@@ -7354,7 +7354,7 @@
           <a:p>
             <a:fld id="{E64D2021-F3A0-43D8-B6B3-AE7BBAB9890A}" type="datetime1">
               <a:rPr lang="en-US" smtClean="0"/>
-              <a:t>12/21/2018</a:t>
+              <a:t>2/5/2019</a:t>
             </a:fld>
             <a:endParaRPr lang="en-US" dirty="0"/>
           </a:p>
@@ -7764,7 +7764,7 @@
           <a:p>
             <a:fld id="{182B9AF0-B7DD-4DE1-A9F5-91BE63737632}" type="datetime1">
               <a:rPr lang="en-US" smtClean="0"/>
-              <a:t>12/21/2018</a:t>
+              <a:t>2/5/2019</a:t>
             </a:fld>
             <a:endParaRPr lang="en-US" dirty="0"/>
           </a:p>
@@ -7907,7 +7907,7 @@
           <a:p>
             <a:fld id="{073F85E4-564C-4728-AEFB-C8F906AA693D}" type="datetime1">
               <a:rPr lang="en-US" smtClean="0"/>
-              <a:t>12/21/2018</a:t>
+              <a:t>2/5/2019</a:t>
             </a:fld>
             <a:endParaRPr lang="en-US" dirty="0"/>
           </a:p>
@@ -8027,7 +8027,7 @@
           <a:p>
             <a:fld id="{BE00A3BD-B35C-46C6-B7B7-E519136B132D}" type="datetime1">
               <a:rPr lang="en-US" smtClean="0"/>
-              <a:t>12/21/2018</a:t>
+              <a:t>2/5/2019</a:t>
             </a:fld>
             <a:endParaRPr lang="en-US" dirty="0"/>
           </a:p>
@@ -8301,7 +8301,7 @@
           <a:p>
             <a:fld id="{5BC59E4D-16D2-4652-AD24-ABC7C4E21225}" type="datetime1">
               <a:rPr lang="en-US" smtClean="0"/>
-              <a:t>12/21/2018</a:t>
+              <a:t>2/5/2019</a:t>
             </a:fld>
             <a:endParaRPr lang="en-US" dirty="0"/>
           </a:p>
@@ -8608,7 +8608,7 @@
           <a:p>
             <a:fld id="{A7BFFB6C-937C-401A-B23B-FFE1848A43F3}" type="datetime1">
               <a:rPr lang="en-US" smtClean="0"/>
-              <a:t>12/21/2018</a:t>
+              <a:t>2/5/2019</a:t>
             </a:fld>
             <a:endParaRPr lang="en-US" dirty="0"/>
           </a:p>
@@ -8856,7 +8856,7 @@
           <a:p>
             <a:fld id="{A3AB179A-3664-45B4-AF75-5A588F18B660}" type="datetime1">
               <a:rPr lang="en-US" smtClean="0"/>
-              <a:t>12/21/2018</a:t>
+              <a:t>2/5/2019</a:t>
             </a:fld>
             <a:endParaRPr lang="en-US" dirty="0"/>
           </a:p>
@@ -9450,7 +9450,7 @@
           <a:p>
             <a:fld id="{9A46E524-FD8D-452D-9C72-0AC53F7701F7}" type="datetimeFigureOut">
               <a:rPr lang="en-AU" smtClean="0"/>
-              <a:t>21/12/2018</a:t>
+              <a:t>5/02/2019</a:t>
             </a:fld>
             <a:endParaRPr lang="en-AU"/>
           </a:p>
@@ -10223,13 +10223,13 @@
   <p:clrMapOvr>
     <a:masterClrMapping/>
   </p:clrMapOvr>
-  <mc:AlternateContent xmlns:mc="http://schemas.openxmlformats.org/markup-compatibility/2006">
-    <mc:Choice xmlns:p14="http://schemas.microsoft.com/office/powerpoint/2010/main" Requires="p14">
+  <mc:AlternateContent xmlns:mc="http://schemas.openxmlformats.org/markup-compatibility/2006" xmlns:p14="http://schemas.microsoft.com/office/powerpoint/2010/main">
+    <mc:Choice Requires="p14">
       <p:transition spd="med" p14:dur="700" advTm="4163">
         <p:fade/>
       </p:transition>
     </mc:Choice>
-    <mc:Fallback>
+    <mc:Fallback xmlns="">
       <p:transition spd="med" advTm="4163">
         <p:fade/>
       </p:transition>
@@ -10685,13 +10685,13 @@
   <p:clrMapOvr>
     <a:masterClrMapping/>
   </p:clrMapOvr>
-  <mc:AlternateContent xmlns:mc="http://schemas.openxmlformats.org/markup-compatibility/2006">
-    <mc:Choice xmlns:p14="http://schemas.microsoft.com/office/powerpoint/2010/main" Requires="p14">
+  <mc:AlternateContent xmlns:mc="http://schemas.openxmlformats.org/markup-compatibility/2006" xmlns:p14="http://schemas.microsoft.com/office/powerpoint/2010/main">
+    <mc:Choice Requires="p14">
       <p:transition spd="med" p14:dur="700" advTm="2432">
         <p:fade/>
       </p:transition>
     </mc:Choice>
-    <mc:Fallback>
+    <mc:Fallback xmlns="">
       <p:transition spd="med" advTm="2432">
         <p:fade/>
       </p:transition>
@@ -11156,13 +11156,13 @@
   <p:clrMapOvr>
     <a:masterClrMapping/>
   </p:clrMapOvr>
-  <mc:AlternateContent xmlns:mc="http://schemas.openxmlformats.org/markup-compatibility/2006">
-    <mc:Choice xmlns:p14="http://schemas.microsoft.com/office/powerpoint/2010/main" Requires="p14">
+  <mc:AlternateContent xmlns:mc="http://schemas.openxmlformats.org/markup-compatibility/2006" xmlns:p14="http://schemas.microsoft.com/office/powerpoint/2010/main">
+    <mc:Choice Requires="p14">
       <p:transition spd="med" p14:dur="700" advTm="36664">
         <p:fade/>
       </p:transition>
     </mc:Choice>
-    <mc:Fallback>
+    <mc:Fallback xmlns="">
       <p:transition spd="med" advTm="36664">
         <p:fade/>
       </p:transition>
@@ -12572,13 +12572,13 @@
   <p:clrMapOvr>
     <a:masterClrMapping/>
   </p:clrMapOvr>
-  <mc:AlternateContent xmlns:mc="http://schemas.openxmlformats.org/markup-compatibility/2006">
-    <mc:Choice xmlns:p14="http://schemas.microsoft.com/office/powerpoint/2010/main" Requires="p14">
+  <mc:AlternateContent xmlns:mc="http://schemas.openxmlformats.org/markup-compatibility/2006" xmlns:p14="http://schemas.microsoft.com/office/powerpoint/2010/main">
+    <mc:Choice Requires="p14">
       <p:transition spd="med" p14:dur="700" advTm="23751">
         <p:fade/>
       </p:transition>
     </mc:Choice>
-    <mc:Fallback>
+    <mc:Fallback xmlns="">
       <p:transition spd="med" advTm="23751">
         <p:fade/>
       </p:transition>
@@ -13300,13 +13300,13 @@
   <p:clrMapOvr>
     <a:masterClrMapping/>
   </p:clrMapOvr>
-  <mc:AlternateContent xmlns:mc="http://schemas.openxmlformats.org/markup-compatibility/2006">
-    <mc:Choice xmlns:p14="http://schemas.microsoft.com/office/powerpoint/2010/main" Requires="p14">
+  <mc:AlternateContent xmlns:mc="http://schemas.openxmlformats.org/markup-compatibility/2006" xmlns:p14="http://schemas.microsoft.com/office/powerpoint/2010/main">
+    <mc:Choice Requires="p14">
       <p:transition spd="med" p14:dur="700" advTm="55503">
         <p:fade/>
       </p:transition>
     </mc:Choice>
-    <mc:Fallback>
+    <mc:Fallback xmlns="">
       <p:transition spd="med" advTm="55503">
         <p:fade/>
       </p:transition>
@@ -14449,13 +14449,13 @@
   <p:clrMapOvr>
     <a:masterClrMapping/>
   </p:clrMapOvr>
-  <mc:AlternateContent xmlns:mc="http://schemas.openxmlformats.org/markup-compatibility/2006">
-    <mc:Choice xmlns:p14="http://schemas.microsoft.com/office/powerpoint/2010/main" Requires="p14">
+  <mc:AlternateContent xmlns:mc="http://schemas.openxmlformats.org/markup-compatibility/2006" xmlns:p14="http://schemas.microsoft.com/office/powerpoint/2010/main">
+    <mc:Choice Requires="p14">
       <p:transition spd="med" p14:dur="700" advTm="27471">
         <p:fade/>
       </p:transition>
     </mc:Choice>
-    <mc:Fallback>
+    <mc:Fallback xmlns="">
       <p:transition spd="med" advTm="27471">
         <p:fade/>
       </p:transition>
@@ -16003,13 +16003,13 @@
   <p:clrMapOvr>
     <a:masterClrMapping/>
   </p:clrMapOvr>
-  <mc:AlternateContent xmlns:mc="http://schemas.openxmlformats.org/markup-compatibility/2006">
-    <mc:Choice xmlns:p14="http://schemas.microsoft.com/office/powerpoint/2010/main" Requires="p14">
+  <mc:AlternateContent xmlns:mc="http://schemas.openxmlformats.org/markup-compatibility/2006" xmlns:p14="http://schemas.microsoft.com/office/powerpoint/2010/main">
+    <mc:Choice Requires="p14">
       <p:transition spd="med" p14:dur="700" advTm="8702">
         <p:fade/>
       </p:transition>
     </mc:Choice>
-    <mc:Fallback>
+    <mc:Fallback xmlns="">
       <p:transition spd="med" advTm="8702">
         <p:fade/>
       </p:transition>
@@ -17319,13 +17319,13 @@
   <p:clrMapOvr>
     <a:masterClrMapping/>
   </p:clrMapOvr>
-  <mc:AlternateContent xmlns:mc="http://schemas.openxmlformats.org/markup-compatibility/2006">
-    <mc:Choice xmlns:p14="http://schemas.microsoft.com/office/powerpoint/2010/main" Requires="p14">
+  <mc:AlternateContent xmlns:mc="http://schemas.openxmlformats.org/markup-compatibility/2006" xmlns:p14="http://schemas.microsoft.com/office/powerpoint/2010/main">
+    <mc:Choice Requires="p14">
       <p:transition spd="med" p14:dur="700" advTm="62405">
         <p:fade/>
       </p:transition>
     </mc:Choice>
-    <mc:Fallback>
+    <mc:Fallback xmlns="">
       <p:transition spd="med" advTm="62405">
         <p:fade/>
       </p:transition>
@@ -21789,13 +21789,13 @@
   <p:clrMapOvr>
     <a:masterClrMapping/>
   </p:clrMapOvr>
-  <mc:AlternateContent xmlns:mc="http://schemas.openxmlformats.org/markup-compatibility/2006">
-    <mc:Choice xmlns:p14="http://schemas.microsoft.com/office/powerpoint/2010/main" Requires="p14">
+  <mc:AlternateContent xmlns:mc="http://schemas.openxmlformats.org/markup-compatibility/2006" xmlns:p14="http://schemas.microsoft.com/office/powerpoint/2010/main">
+    <mc:Choice Requires="p14">
       <p:transition spd="med" p14:dur="700" advTm="94367">
         <p:fade/>
       </p:transition>
     </mc:Choice>
-    <mc:Fallback>
+    <mc:Fallback xmlns="">
       <p:transition spd="med" advTm="94367">
         <p:fade/>
       </p:transition>
@@ -23531,6 +23531,66 @@
           <a:chExt cx="0" cy="0"/>
         </a:xfrm>
       </p:grpSpPr>
+      <p:pic>
+        <p:nvPicPr>
+          <p:cNvPr id="45" name="Picture 44">
+            <a:extLst>
+              <a:ext uri="{FF2B5EF4-FFF2-40B4-BE49-F238E27FC236}">
+                <a16:creationId xmlns:a16="http://schemas.microsoft.com/office/drawing/2014/main" id="{B5AA0A65-BDCD-453B-B4FE-07B11CACF93D}"/>
+              </a:ext>
+            </a:extLst>
+          </p:cNvPr>
+          <p:cNvPicPr>
+            <a:picLocks noChangeAspect="1"/>
+          </p:cNvPicPr>
+          <p:nvPr/>
+        </p:nvPicPr>
+        <p:blipFill>
+          <a:blip r:embed="rId3"/>
+          <a:stretch>
+            <a:fillRect/>
+          </a:stretch>
+        </p:blipFill>
+        <p:spPr>
+          <a:xfrm>
+            <a:off x="9201074" y="1961283"/>
+            <a:ext cx="2761905" cy="3685714"/>
+          </a:xfrm>
+          <a:prstGeom prst="rect">
+            <a:avLst/>
+          </a:prstGeom>
+        </p:spPr>
+      </p:pic>
+      <p:pic>
+        <p:nvPicPr>
+          <p:cNvPr id="11" name="Picture 10">
+            <a:extLst>
+              <a:ext uri="{FF2B5EF4-FFF2-40B4-BE49-F238E27FC236}">
+                <a16:creationId xmlns:a16="http://schemas.microsoft.com/office/drawing/2014/main" id="{75D7700C-DEFB-4B5A-B754-B246A7D2EF57}"/>
+              </a:ext>
+            </a:extLst>
+          </p:cNvPr>
+          <p:cNvPicPr>
+            <a:picLocks noChangeAspect="1"/>
+          </p:cNvPicPr>
+          <p:nvPr/>
+        </p:nvPicPr>
+        <p:blipFill>
+          <a:blip r:embed="rId4"/>
+          <a:stretch>
+            <a:fillRect/>
+          </a:stretch>
+        </p:blipFill>
+        <p:spPr>
+          <a:xfrm>
+            <a:off x="6340746" y="1958547"/>
+            <a:ext cx="2780952" cy="2609524"/>
+          </a:xfrm>
+          <a:prstGeom prst="rect">
+            <a:avLst/>
+          </a:prstGeom>
+        </p:spPr>
+      </p:pic>
       <p:sp>
         <p:nvSpPr>
           <p:cNvPr id="4" name="Slide Number Placeholder 3">
@@ -23612,7 +23672,7 @@
               <a:rPr lang="en-US" sz="1050">
                 <a:latin typeface="Calibri" panose="020F0502020204030204" pitchFamily="34" charset="0"/>
                 <a:cs typeface="Calibri" panose="020F0502020204030204" pitchFamily="34" charset="0"/>
-                <a:hlinkClick r:id="rId3"/>
+                <a:hlinkClick r:id="rId5"/>
               </a:rPr>
               <a:t>http://localhost:8080</a:t>
             </a:r>
@@ -23621,7 +23681,7 @@
                 <a:latin typeface="Calibri" panose="020F0502020204030204" pitchFamily="34" charset="0"/>
                 <a:cs typeface="Calibri" panose="020F0502020204030204" pitchFamily="34" charset="0"/>
               </a:rPr>
-              <a:t> will display the Tomcat browser. To do it, we must use an SSH session to the server where Tomcat is running. Given below are the instructions.</a:t>
+              <a:t> will display the Tomcat browser. To do it, we must use an SSH session to the server where Tomcat is running.  See instructions below.</a:t>
             </a:r>
           </a:p>
           <a:p>
@@ -23817,7 +23877,7 @@
               <a:rPr lang="en-US" sz="1000">
                 <a:latin typeface="Calibri" panose="020F0502020204030204" pitchFamily="34" charset="0"/>
                 <a:cs typeface="Calibri" panose="020F0502020204030204" pitchFamily="34" charset="0"/>
-                <a:hlinkClick r:id="rId4"/>
+                <a:hlinkClick r:id="rId6"/>
               </a:rPr>
               <a:t>http://localhost:8080/thredds/catalog.html</a:t>
             </a:r>
@@ -23845,7 +23905,7 @@
               <a:rPr lang="en-US" sz="1000">
                 <a:latin typeface="Calibri" panose="020F0502020204030204" pitchFamily="34" charset="0"/>
                 <a:cs typeface="Calibri" panose="020F0502020204030204" pitchFamily="34" charset="0"/>
-                <a:hlinkClick r:id="rId5"/>
+                <a:hlinkClick r:id="rId7"/>
               </a:rPr>
               <a:t>http://localhost:3001</a:t>
             </a:r>
@@ -23875,41 +23935,6 @@
           </a:p>
         </p:txBody>
       </p:sp>
-      <p:pic>
-        <p:nvPicPr>
-          <p:cNvPr id="9" name="Picture 8">
-            <a:extLst>
-              <a:ext uri="{FF2B5EF4-FFF2-40B4-BE49-F238E27FC236}">
-                <a16:creationId xmlns:a16="http://schemas.microsoft.com/office/drawing/2014/main" id="{90FA1A3B-0912-41AC-8DE6-1C6DD4F353A9}"/>
-              </a:ext>
-            </a:extLst>
-          </p:cNvPr>
-          <p:cNvPicPr>
-            <a:picLocks noChangeAspect="1"/>
-          </p:cNvPicPr>
-          <p:nvPr/>
-        </p:nvPicPr>
-        <p:blipFill>
-          <a:blip r:embed="rId6"/>
-          <a:stretch>
-            <a:fillRect/>
-          </a:stretch>
-        </p:blipFill>
-        <p:spPr>
-          <a:xfrm>
-            <a:off x="6459838" y="4911490"/>
-            <a:ext cx="2695575" cy="600075"/>
-          </a:xfrm>
-          <a:prstGeom prst="rect">
-            <a:avLst/>
-          </a:prstGeom>
-          <a:ln w="3175">
-            <a:solidFill>
-              <a:schemeClr val="tx1"/>
-            </a:solidFill>
-          </a:ln>
-        </p:spPr>
-      </p:pic>
       <p:sp>
         <p:nvSpPr>
           <p:cNvPr id="14" name="TextBox 13">
@@ -23961,10 +23986,10 @@
       </p:sp>
       <p:grpSp>
         <p:nvGrpSpPr>
-          <p:cNvPr id="7" name="Group 6">
+          <p:cNvPr id="16" name="Group 15">
             <a:extLst>
               <a:ext uri="{FF2B5EF4-FFF2-40B4-BE49-F238E27FC236}">
-                <a16:creationId xmlns:a16="http://schemas.microsoft.com/office/drawing/2014/main" id="{32906517-FD66-4496-BE54-440E262E6F1B}"/>
+                <a16:creationId xmlns:a16="http://schemas.microsoft.com/office/drawing/2014/main" id="{62A54306-D59E-4013-BAAB-AC991B403B93}"/>
               </a:ext>
             </a:extLst>
           </p:cNvPr>
@@ -23974,17 +23999,17 @@
         <p:grpSpPr>
           <a:xfrm>
             <a:off x="5143916" y="1965013"/>
-            <a:ext cx="4011497" cy="1552575"/>
-            <a:chOff x="5143916" y="1965013"/>
-            <a:chExt cx="4011497" cy="1552575"/>
+            <a:ext cx="1123950" cy="1552575"/>
+            <a:chOff x="5519472" y="4318906"/>
+            <a:chExt cx="1123950" cy="1552575"/>
           </a:xfrm>
         </p:grpSpPr>
         <p:pic>
           <p:nvPicPr>
-            <p:cNvPr id="8" name="Picture 7">
+            <p:cNvPr id="6" name="Picture 5">
               <a:extLst>
                 <a:ext uri="{FF2B5EF4-FFF2-40B4-BE49-F238E27FC236}">
-                  <a16:creationId xmlns:a16="http://schemas.microsoft.com/office/drawing/2014/main" id="{12387C5D-9BC4-444C-A404-3A77FC8AAA64}"/>
+                  <a16:creationId xmlns:a16="http://schemas.microsoft.com/office/drawing/2014/main" id="{974F101B-5EDD-4CC8-96F6-7BE9BDA032D9}"/>
                 </a:ext>
               </a:extLst>
             </p:cNvPr>
@@ -23994,175 +24019,15 @@
             <p:nvPr/>
           </p:nvPicPr>
           <p:blipFill>
-            <a:blip r:embed="rId7"/>
+            <a:blip r:embed="rId8"/>
             <a:stretch>
               <a:fillRect/>
             </a:stretch>
           </p:blipFill>
           <p:spPr>
             <a:xfrm>
-              <a:off x="6459838" y="1965013"/>
-              <a:ext cx="2695575" cy="1085850"/>
-            </a:xfrm>
-            <a:prstGeom prst="rect">
-              <a:avLst/>
-            </a:prstGeom>
-            <a:ln w="3175">
-              <a:solidFill>
-                <a:schemeClr val="tx1"/>
-              </a:solidFill>
-            </a:ln>
-          </p:spPr>
-        </p:pic>
-        <p:grpSp>
-          <p:nvGrpSpPr>
-            <p:cNvPr id="16" name="Group 15">
-              <a:extLst>
-                <a:ext uri="{FF2B5EF4-FFF2-40B4-BE49-F238E27FC236}">
-                  <a16:creationId xmlns:a16="http://schemas.microsoft.com/office/drawing/2014/main" id="{62A54306-D59E-4013-BAAB-AC991B403B93}"/>
-                </a:ext>
-              </a:extLst>
-            </p:cNvPr>
-            <p:cNvGrpSpPr/>
-            <p:nvPr/>
-          </p:nvGrpSpPr>
-          <p:grpSpPr>
-            <a:xfrm>
-              <a:off x="5143916" y="1965013"/>
+              <a:off x="5519472" y="4318906"/>
               <a:ext cx="1123950" cy="1552575"/>
-              <a:chOff x="5519472" y="4318906"/>
-              <a:chExt cx="1123950" cy="1552575"/>
-            </a:xfrm>
-          </p:grpSpPr>
-          <p:pic>
-            <p:nvPicPr>
-              <p:cNvPr id="6" name="Picture 5">
-                <a:extLst>
-                  <a:ext uri="{FF2B5EF4-FFF2-40B4-BE49-F238E27FC236}">
-                    <a16:creationId xmlns:a16="http://schemas.microsoft.com/office/drawing/2014/main" id="{974F101B-5EDD-4CC8-96F6-7BE9BDA032D9}"/>
-                  </a:ext>
-                </a:extLst>
-              </p:cNvPr>
-              <p:cNvPicPr>
-                <a:picLocks noChangeAspect="1"/>
-              </p:cNvPicPr>
-              <p:nvPr/>
-            </p:nvPicPr>
-            <p:blipFill>
-              <a:blip r:embed="rId8"/>
-              <a:stretch>
-                <a:fillRect/>
-              </a:stretch>
-            </p:blipFill>
-            <p:spPr>
-              <a:xfrm>
-                <a:off x="5519472" y="4318906"/>
-                <a:ext cx="1123950" cy="1552575"/>
-              </a:xfrm>
-              <a:prstGeom prst="rect">
-                <a:avLst/>
-              </a:prstGeom>
-              <a:ln w="3175">
-                <a:solidFill>
-                  <a:schemeClr val="tx1"/>
-                </a:solidFill>
-              </a:ln>
-            </p:spPr>
-          </p:pic>
-          <p:sp>
-            <p:nvSpPr>
-              <p:cNvPr id="15" name="Rectangle 14">
-                <a:extLst>
-                  <a:ext uri="{FF2B5EF4-FFF2-40B4-BE49-F238E27FC236}">
-                    <a16:creationId xmlns:a16="http://schemas.microsoft.com/office/drawing/2014/main" id="{B61BD2AD-78CF-41A9-990F-9647F8FE8217}"/>
-                  </a:ext>
-                </a:extLst>
-              </p:cNvPr>
-              <p:cNvSpPr/>
-              <p:nvPr/>
-            </p:nvSpPr>
-            <p:spPr>
-              <a:xfrm>
-                <a:off x="6071508" y="5392893"/>
-                <a:ext cx="410936" cy="158822"/>
-              </a:xfrm>
-              <a:prstGeom prst="rect">
-                <a:avLst/>
-              </a:prstGeom>
-              <a:noFill/>
-              <a:ln w="3175"/>
-            </p:spPr>
-            <p:style>
-              <a:lnRef idx="2">
-                <a:schemeClr val="accent1">
-                  <a:shade val="50000"/>
-                </a:schemeClr>
-              </a:lnRef>
-              <a:fillRef idx="1">
-                <a:schemeClr val="accent1"/>
-              </a:fillRef>
-              <a:effectRef idx="0">
-                <a:schemeClr val="accent1"/>
-              </a:effectRef>
-              <a:fontRef idx="minor">
-                <a:schemeClr val="lt1"/>
-              </a:fontRef>
-            </p:style>
-            <p:txBody>
-              <a:bodyPr rtlCol="0" anchor="ctr"/>
-              <a:lstStyle/>
-              <a:p>
-                <a:pPr algn="ctr"/>
-                <a:endParaRPr lang="en-AU"/>
-              </a:p>
-            </p:txBody>
-          </p:sp>
-        </p:grpSp>
-      </p:grpSp>
-      <p:grpSp>
-        <p:nvGrpSpPr>
-          <p:cNvPr id="2" name="Group 1">
-            <a:extLst>
-              <a:ext uri="{FF2B5EF4-FFF2-40B4-BE49-F238E27FC236}">
-                <a16:creationId xmlns:a16="http://schemas.microsoft.com/office/drawing/2014/main" id="{B5E1E581-C1F4-4EE6-ACFB-A1E5B0BEBFC0}"/>
-              </a:ext>
-            </a:extLst>
-          </p:cNvPr>
-          <p:cNvGrpSpPr/>
-          <p:nvPr/>
-        </p:nvGrpSpPr>
-        <p:grpSpPr>
-          <a:xfrm>
-            <a:off x="6459838" y="3275885"/>
-            <a:ext cx="2696400" cy="1400236"/>
-            <a:chOff x="6459838" y="3275885"/>
-            <a:chExt cx="2696400" cy="1400236"/>
-          </a:xfrm>
-        </p:grpSpPr>
-        <p:pic>
-          <p:nvPicPr>
-            <p:cNvPr id="18" name="Picture 17">
-              <a:extLst>
-                <a:ext uri="{FF2B5EF4-FFF2-40B4-BE49-F238E27FC236}">
-                  <a16:creationId xmlns:a16="http://schemas.microsoft.com/office/drawing/2014/main" id="{75CF6350-8E73-4AF8-801A-BE4DFD1AAF25}"/>
-                </a:ext>
-              </a:extLst>
-            </p:cNvPr>
-            <p:cNvPicPr>
-              <a:picLocks noChangeAspect="1"/>
-            </p:cNvPicPr>
-            <p:nvPr/>
-          </p:nvPicPr>
-          <p:blipFill>
-            <a:blip r:embed="rId9"/>
-            <a:stretch>
-              <a:fillRect/>
-            </a:stretch>
-          </p:blipFill>
-          <p:spPr>
-            <a:xfrm>
-              <a:off x="6459838" y="3275885"/>
-              <a:ext cx="2696400" cy="1400236"/>
             </a:xfrm>
             <a:prstGeom prst="rect">
               <a:avLst/>
@@ -24176,10 +24041,10 @@
         </p:pic>
         <p:sp>
           <p:nvSpPr>
-            <p:cNvPr id="13" name="Rectangle 12">
+            <p:cNvPr id="15" name="Rectangle 14">
               <a:extLst>
                 <a:ext uri="{FF2B5EF4-FFF2-40B4-BE49-F238E27FC236}">
-                  <a16:creationId xmlns:a16="http://schemas.microsoft.com/office/drawing/2014/main" id="{1B381E0A-03CA-4181-AB44-F6328FF35E03}"/>
+                  <a16:creationId xmlns:a16="http://schemas.microsoft.com/office/drawing/2014/main" id="{B61BD2AD-78CF-41A9-990F-9647F8FE8217}"/>
                 </a:ext>
               </a:extLst>
             </p:cNvPr>
@@ -24188,18 +24053,14 @@
           </p:nvSpPr>
           <p:spPr>
             <a:xfrm>
-              <a:off x="6581783" y="3684973"/>
-              <a:ext cx="948102" cy="871200"/>
+              <a:off x="6071508" y="5392893"/>
+              <a:ext cx="410936" cy="158822"/>
             </a:xfrm>
             <a:prstGeom prst="rect">
               <a:avLst/>
             </a:prstGeom>
-            <a:solidFill>
-              <a:srgbClr val="FFFFFF"/>
-            </a:solidFill>
-            <a:ln>
-              <a:noFill/>
-            </a:ln>
+            <a:noFill/>
+            <a:ln w="3175"/>
           </p:spPr>
           <p:style>
             <a:lnRef idx="2">
@@ -24242,14 +24103,14 @@
           <p:nvPr/>
         </p:nvPicPr>
         <p:blipFill>
-          <a:blip r:embed="rId10"/>
+          <a:blip r:embed="rId9"/>
           <a:stretch>
             <a:fillRect/>
           </a:stretch>
         </p:blipFill>
         <p:spPr>
           <a:xfrm>
-            <a:off x="2835136" y="3958990"/>
+            <a:off x="5537367" y="4713173"/>
             <a:ext cx="3565378" cy="1552575"/>
           </a:xfrm>
           <a:prstGeom prst="rect">
@@ -24262,6 +24123,794 @@
           </a:ln>
         </p:spPr>
       </p:pic>
+      <p:sp>
+        <p:nvSpPr>
+          <p:cNvPr id="3" name="Rectangle: Rounded Corners 2">
+            <a:extLst>
+              <a:ext uri="{FF2B5EF4-FFF2-40B4-BE49-F238E27FC236}">
+                <a16:creationId xmlns:a16="http://schemas.microsoft.com/office/drawing/2014/main" id="{341FFA62-A14E-47EB-AE56-C6B27D210DB0}"/>
+              </a:ext>
+            </a:extLst>
+          </p:cNvPr>
+          <p:cNvSpPr/>
+          <p:nvPr/>
+        </p:nvSpPr>
+        <p:spPr>
+          <a:xfrm>
+            <a:off x="5695952" y="3039000"/>
+            <a:ext cx="410936" cy="158822"/>
+          </a:xfrm>
+          <a:prstGeom prst="roundRect">
+            <a:avLst/>
+          </a:prstGeom>
+          <a:noFill/>
+          <a:ln w="28575">
+            <a:solidFill>
+              <a:srgbClr val="C00000"/>
+            </a:solidFill>
+          </a:ln>
+        </p:spPr>
+        <p:style>
+          <a:lnRef idx="2">
+            <a:schemeClr val="accent1">
+              <a:shade val="50000"/>
+            </a:schemeClr>
+          </a:lnRef>
+          <a:fillRef idx="1">
+            <a:schemeClr val="accent1"/>
+          </a:fillRef>
+          <a:effectRef idx="0">
+            <a:schemeClr val="accent1"/>
+          </a:effectRef>
+          <a:fontRef idx="minor">
+            <a:schemeClr val="lt1"/>
+          </a:fontRef>
+        </p:style>
+        <p:txBody>
+          <a:bodyPr rtlCol="0" anchor="ctr"/>
+          <a:lstStyle/>
+          <a:p>
+            <a:pPr algn="ctr"/>
+            <a:endParaRPr lang="en-AU"/>
+          </a:p>
+        </p:txBody>
+      </p:sp>
+      <p:pic>
+        <p:nvPicPr>
+          <p:cNvPr id="10" name="Picture 9">
+            <a:extLst>
+              <a:ext uri="{FF2B5EF4-FFF2-40B4-BE49-F238E27FC236}">
+                <a16:creationId xmlns:a16="http://schemas.microsoft.com/office/drawing/2014/main" id="{47209B11-D427-4A0C-9F9D-3BA3620E2D03}"/>
+              </a:ext>
+            </a:extLst>
+          </p:cNvPr>
+          <p:cNvPicPr>
+            <a:picLocks noChangeAspect="1"/>
+          </p:cNvPicPr>
+          <p:nvPr/>
+        </p:nvPicPr>
+        <p:blipFill>
+          <a:blip r:embed="rId10"/>
+          <a:stretch>
+            <a:fillRect/>
+          </a:stretch>
+        </p:blipFill>
+        <p:spPr>
+          <a:xfrm>
+            <a:off x="4233308" y="1523779"/>
+            <a:ext cx="801858" cy="1993809"/>
+          </a:xfrm>
+          <a:prstGeom prst="rect">
+            <a:avLst/>
+          </a:prstGeom>
+        </p:spPr>
+      </p:pic>
+      <p:sp>
+        <p:nvSpPr>
+          <p:cNvPr id="20" name="Rectangle: Rounded Corners 19">
+            <a:extLst>
+              <a:ext uri="{FF2B5EF4-FFF2-40B4-BE49-F238E27FC236}">
+                <a16:creationId xmlns:a16="http://schemas.microsoft.com/office/drawing/2014/main" id="{824A5D63-2B33-4679-BEFA-E8CE1030D8B1}"/>
+              </a:ext>
+            </a:extLst>
+          </p:cNvPr>
+          <p:cNvSpPr/>
+          <p:nvPr/>
+        </p:nvSpPr>
+        <p:spPr>
+          <a:xfrm>
+            <a:off x="4437597" y="3259612"/>
+            <a:ext cx="255159" cy="119325"/>
+          </a:xfrm>
+          <a:prstGeom prst="roundRect">
+            <a:avLst/>
+          </a:prstGeom>
+          <a:noFill/>
+          <a:ln w="28575">
+            <a:solidFill>
+              <a:srgbClr val="C00000"/>
+            </a:solidFill>
+          </a:ln>
+        </p:spPr>
+        <p:style>
+          <a:lnRef idx="2">
+            <a:schemeClr val="accent1">
+              <a:shade val="50000"/>
+            </a:schemeClr>
+          </a:lnRef>
+          <a:fillRef idx="1">
+            <a:schemeClr val="accent1"/>
+          </a:fillRef>
+          <a:effectRef idx="0">
+            <a:schemeClr val="accent1"/>
+          </a:effectRef>
+          <a:fontRef idx="minor">
+            <a:schemeClr val="lt1"/>
+          </a:fontRef>
+        </p:style>
+        <p:txBody>
+          <a:bodyPr rtlCol="0" anchor="ctr"/>
+          <a:lstStyle/>
+          <a:p>
+            <a:pPr algn="ctr"/>
+            <a:endParaRPr lang="en-AU"/>
+          </a:p>
+        </p:txBody>
+      </p:sp>
+      <p:sp>
+        <p:nvSpPr>
+          <p:cNvPr id="21" name="Rectangle 20">
+            <a:extLst>
+              <a:ext uri="{FF2B5EF4-FFF2-40B4-BE49-F238E27FC236}">
+                <a16:creationId xmlns:a16="http://schemas.microsoft.com/office/drawing/2014/main" id="{99906F8A-A3FF-4CA4-A9E0-562EE0ECD7E8}"/>
+              </a:ext>
+            </a:extLst>
+          </p:cNvPr>
+          <p:cNvSpPr/>
+          <p:nvPr/>
+        </p:nvSpPr>
+        <p:spPr>
+          <a:xfrm>
+            <a:off x="7320056" y="3698465"/>
+            <a:ext cx="288000" cy="144384"/>
+          </a:xfrm>
+          <a:prstGeom prst="rect">
+            <a:avLst/>
+          </a:prstGeom>
+          <a:noFill/>
+          <a:ln w="28575">
+            <a:solidFill>
+              <a:srgbClr val="C00000"/>
+            </a:solidFill>
+          </a:ln>
+        </p:spPr>
+        <p:style>
+          <a:lnRef idx="2">
+            <a:schemeClr val="accent1">
+              <a:shade val="50000"/>
+            </a:schemeClr>
+          </a:lnRef>
+          <a:fillRef idx="1">
+            <a:schemeClr val="accent1"/>
+          </a:fillRef>
+          <a:effectRef idx="0">
+            <a:schemeClr val="accent1"/>
+          </a:effectRef>
+          <a:fontRef idx="minor">
+            <a:schemeClr val="lt1"/>
+          </a:fontRef>
+        </p:style>
+        <p:txBody>
+          <a:bodyPr rtlCol="0" anchor="ctr"/>
+          <a:lstStyle/>
+          <a:p>
+            <a:pPr algn="ctr"/>
+            <a:endParaRPr lang="en-AU"/>
+          </a:p>
+        </p:txBody>
+      </p:sp>
+      <p:sp>
+        <p:nvSpPr>
+          <p:cNvPr id="28" name="Rectangle 27">
+            <a:extLst>
+              <a:ext uri="{FF2B5EF4-FFF2-40B4-BE49-F238E27FC236}">
+                <a16:creationId xmlns:a16="http://schemas.microsoft.com/office/drawing/2014/main" id="{BA1E258C-E69F-4C0E-BCCD-86708F944A3F}"/>
+              </a:ext>
+            </a:extLst>
+          </p:cNvPr>
+          <p:cNvSpPr/>
+          <p:nvPr/>
+        </p:nvSpPr>
+        <p:spPr>
+          <a:xfrm>
+            <a:off x="7320056" y="3961738"/>
+            <a:ext cx="684000" cy="144384"/>
+          </a:xfrm>
+          <a:prstGeom prst="rect">
+            <a:avLst/>
+          </a:prstGeom>
+          <a:noFill/>
+          <a:ln w="28575">
+            <a:solidFill>
+              <a:srgbClr val="C00000"/>
+            </a:solidFill>
+          </a:ln>
+        </p:spPr>
+        <p:style>
+          <a:lnRef idx="2">
+            <a:schemeClr val="accent1">
+              <a:shade val="50000"/>
+            </a:schemeClr>
+          </a:lnRef>
+          <a:fillRef idx="1">
+            <a:schemeClr val="accent1"/>
+          </a:fillRef>
+          <a:effectRef idx="0">
+            <a:schemeClr val="accent1"/>
+          </a:effectRef>
+          <a:fontRef idx="minor">
+            <a:schemeClr val="lt1"/>
+          </a:fontRef>
+        </p:style>
+        <p:txBody>
+          <a:bodyPr rtlCol="0" anchor="ctr"/>
+          <a:lstStyle/>
+          <a:p>
+            <a:pPr algn="ctr"/>
+            <a:endParaRPr lang="en-AU"/>
+          </a:p>
+        </p:txBody>
+      </p:sp>
+      <p:sp>
+        <p:nvSpPr>
+          <p:cNvPr id="29" name="Rectangle 28">
+            <a:extLst>
+              <a:ext uri="{FF2B5EF4-FFF2-40B4-BE49-F238E27FC236}">
+                <a16:creationId xmlns:a16="http://schemas.microsoft.com/office/drawing/2014/main" id="{B3CF8A04-6B57-4599-BF7B-0A7ADF118509}"/>
+              </a:ext>
+            </a:extLst>
+          </p:cNvPr>
+          <p:cNvSpPr/>
+          <p:nvPr/>
+        </p:nvSpPr>
+        <p:spPr>
+          <a:xfrm>
+            <a:off x="8414196" y="3690650"/>
+            <a:ext cx="565289" cy="174704"/>
+          </a:xfrm>
+          <a:prstGeom prst="rect">
+            <a:avLst/>
+          </a:prstGeom>
+          <a:noFill/>
+          <a:ln w="28575">
+            <a:solidFill>
+              <a:srgbClr val="C00000"/>
+            </a:solidFill>
+          </a:ln>
+        </p:spPr>
+        <p:style>
+          <a:lnRef idx="2">
+            <a:schemeClr val="accent1">
+              <a:shade val="50000"/>
+            </a:schemeClr>
+          </a:lnRef>
+          <a:fillRef idx="1">
+            <a:schemeClr val="accent1"/>
+          </a:fillRef>
+          <a:effectRef idx="0">
+            <a:schemeClr val="accent1"/>
+          </a:effectRef>
+          <a:fontRef idx="minor">
+            <a:schemeClr val="lt1"/>
+          </a:fontRef>
+        </p:style>
+        <p:txBody>
+          <a:bodyPr rtlCol="0" anchor="ctr"/>
+          <a:lstStyle/>
+          <a:p>
+            <a:pPr algn="ctr"/>
+            <a:endParaRPr lang="en-AU"/>
+          </a:p>
+        </p:txBody>
+      </p:sp>
+      <p:sp>
+        <p:nvSpPr>
+          <p:cNvPr id="33" name="Rectangle 32">
+            <a:extLst>
+              <a:ext uri="{FF2B5EF4-FFF2-40B4-BE49-F238E27FC236}">
+                <a16:creationId xmlns:a16="http://schemas.microsoft.com/office/drawing/2014/main" id="{FBEF3397-7DF3-42A9-A681-C8B1ECDC9FB4}"/>
+              </a:ext>
+            </a:extLst>
+          </p:cNvPr>
+          <p:cNvSpPr/>
+          <p:nvPr/>
+        </p:nvSpPr>
+        <p:spPr>
+          <a:xfrm>
+            <a:off x="5530388" y="4891559"/>
+            <a:ext cx="1476000" cy="180000"/>
+          </a:xfrm>
+          <a:prstGeom prst="rect">
+            <a:avLst/>
+          </a:prstGeom>
+          <a:noFill/>
+          <a:ln w="28575">
+            <a:solidFill>
+              <a:srgbClr val="FFFF00"/>
+            </a:solidFill>
+          </a:ln>
+        </p:spPr>
+        <p:style>
+          <a:lnRef idx="2">
+            <a:schemeClr val="accent1">
+              <a:shade val="50000"/>
+            </a:schemeClr>
+          </a:lnRef>
+          <a:fillRef idx="1">
+            <a:schemeClr val="accent1"/>
+          </a:fillRef>
+          <a:effectRef idx="0">
+            <a:schemeClr val="accent1"/>
+          </a:effectRef>
+          <a:fontRef idx="minor">
+            <a:schemeClr val="lt1"/>
+          </a:fontRef>
+        </p:style>
+        <p:txBody>
+          <a:bodyPr rtlCol="0" anchor="ctr"/>
+          <a:lstStyle/>
+          <a:p>
+            <a:pPr algn="ctr"/>
+            <a:endParaRPr lang="en-AU"/>
+          </a:p>
+        </p:txBody>
+      </p:sp>
+      <p:sp>
+        <p:nvSpPr>
+          <p:cNvPr id="12" name="Rectangle 11">
+            <a:extLst>
+              <a:ext uri="{FF2B5EF4-FFF2-40B4-BE49-F238E27FC236}">
+                <a16:creationId xmlns:a16="http://schemas.microsoft.com/office/drawing/2014/main" id="{987B9E71-55A4-41D9-9A9E-B6730CA90042}"/>
+              </a:ext>
+            </a:extLst>
+          </p:cNvPr>
+          <p:cNvSpPr/>
+          <p:nvPr/>
+        </p:nvSpPr>
+        <p:spPr>
+          <a:xfrm>
+            <a:off x="6486770" y="3046815"/>
+            <a:ext cx="1172307" cy="158822"/>
+          </a:xfrm>
+          <a:prstGeom prst="rect">
+            <a:avLst/>
+          </a:prstGeom>
+          <a:solidFill>
+            <a:srgbClr val="FFFFFF"/>
+          </a:solidFill>
+          <a:ln>
+            <a:noFill/>
+          </a:ln>
+        </p:spPr>
+        <p:style>
+          <a:lnRef idx="2">
+            <a:schemeClr val="accent1">
+              <a:shade val="50000"/>
+            </a:schemeClr>
+          </a:lnRef>
+          <a:fillRef idx="1">
+            <a:schemeClr val="accent1"/>
+          </a:fillRef>
+          <a:effectRef idx="0">
+            <a:schemeClr val="accent1"/>
+          </a:effectRef>
+          <a:fontRef idx="minor">
+            <a:schemeClr val="lt1"/>
+          </a:fontRef>
+        </p:style>
+        <p:txBody>
+          <a:bodyPr rtlCol="0" anchor="ctr"/>
+          <a:lstStyle/>
+          <a:p>
+            <a:pPr algn="ctr"/>
+            <a:endParaRPr lang="en-AU"/>
+          </a:p>
+        </p:txBody>
+      </p:sp>
+      <p:pic>
+        <p:nvPicPr>
+          <p:cNvPr id="34" name="Picture 33">
+            <a:extLst>
+              <a:ext uri="{FF2B5EF4-FFF2-40B4-BE49-F238E27FC236}">
+                <a16:creationId xmlns:a16="http://schemas.microsoft.com/office/drawing/2014/main" id="{DCC54DB2-07DF-4F7C-A932-209F6E74E324}"/>
+              </a:ext>
+            </a:extLst>
+          </p:cNvPr>
+          <p:cNvPicPr>
+            <a:picLocks noChangeAspect="1"/>
+          </p:cNvPicPr>
+          <p:nvPr/>
+        </p:nvPicPr>
+        <p:blipFill>
+          <a:blip r:embed="rId11"/>
+          <a:stretch>
+            <a:fillRect/>
+          </a:stretch>
+        </p:blipFill>
+        <p:spPr>
+          <a:xfrm>
+            <a:off x="5118340" y="3662690"/>
+            <a:ext cx="1149526" cy="504762"/>
+          </a:xfrm>
+          <a:prstGeom prst="rect">
+            <a:avLst/>
+          </a:prstGeom>
+        </p:spPr>
+      </p:pic>
+      <p:sp>
+        <p:nvSpPr>
+          <p:cNvPr id="35" name="Rectangle 34">
+            <a:extLst>
+              <a:ext uri="{FF2B5EF4-FFF2-40B4-BE49-F238E27FC236}">
+                <a16:creationId xmlns:a16="http://schemas.microsoft.com/office/drawing/2014/main" id="{38BC95DB-7D35-43B7-9227-D56CF3F7CE6F}"/>
+              </a:ext>
+            </a:extLst>
+          </p:cNvPr>
+          <p:cNvSpPr/>
+          <p:nvPr/>
+        </p:nvSpPr>
+        <p:spPr>
+          <a:xfrm>
+            <a:off x="5369434" y="3857539"/>
+            <a:ext cx="432000" cy="144384"/>
+          </a:xfrm>
+          <a:prstGeom prst="rect">
+            <a:avLst/>
+          </a:prstGeom>
+          <a:noFill/>
+          <a:ln w="28575">
+            <a:solidFill>
+              <a:srgbClr val="C00000"/>
+            </a:solidFill>
+          </a:ln>
+        </p:spPr>
+        <p:style>
+          <a:lnRef idx="2">
+            <a:schemeClr val="accent1">
+              <a:shade val="50000"/>
+            </a:schemeClr>
+          </a:lnRef>
+          <a:fillRef idx="1">
+            <a:schemeClr val="accent1"/>
+          </a:fillRef>
+          <a:effectRef idx="0">
+            <a:schemeClr val="accent1"/>
+          </a:effectRef>
+          <a:fontRef idx="minor">
+            <a:schemeClr val="lt1"/>
+          </a:fontRef>
+        </p:style>
+        <p:txBody>
+          <a:bodyPr rtlCol="0" anchor="ctr"/>
+          <a:lstStyle/>
+          <a:p>
+            <a:pPr algn="ctr"/>
+            <a:endParaRPr lang="en-AU"/>
+          </a:p>
+        </p:txBody>
+      </p:sp>
+      <p:sp>
+        <p:nvSpPr>
+          <p:cNvPr id="38" name="Rectangle 37">
+            <a:extLst>
+              <a:ext uri="{FF2B5EF4-FFF2-40B4-BE49-F238E27FC236}">
+                <a16:creationId xmlns:a16="http://schemas.microsoft.com/office/drawing/2014/main" id="{7E9E4A77-655D-4739-809E-B7ACDC9EDAC9}"/>
+              </a:ext>
+            </a:extLst>
+          </p:cNvPr>
+          <p:cNvSpPr/>
+          <p:nvPr/>
+        </p:nvSpPr>
+        <p:spPr>
+          <a:xfrm>
+            <a:off x="9339388" y="3751386"/>
+            <a:ext cx="945062" cy="859692"/>
+          </a:xfrm>
+          <a:prstGeom prst="rect">
+            <a:avLst/>
+          </a:prstGeom>
+          <a:solidFill>
+            <a:srgbClr val="FFFFFF"/>
+          </a:solidFill>
+          <a:ln>
+            <a:noFill/>
+          </a:ln>
+        </p:spPr>
+        <p:style>
+          <a:lnRef idx="2">
+            <a:schemeClr val="accent1">
+              <a:shade val="50000"/>
+            </a:schemeClr>
+          </a:lnRef>
+          <a:fillRef idx="1">
+            <a:schemeClr val="accent1"/>
+          </a:fillRef>
+          <a:effectRef idx="0">
+            <a:schemeClr val="accent1"/>
+          </a:effectRef>
+          <a:fontRef idx="minor">
+            <a:schemeClr val="lt1"/>
+          </a:fontRef>
+        </p:style>
+        <p:txBody>
+          <a:bodyPr rtlCol="0" anchor="ctr"/>
+          <a:lstStyle/>
+          <a:p>
+            <a:pPr algn="ctr"/>
+            <a:endParaRPr lang="en-AU"/>
+          </a:p>
+        </p:txBody>
+      </p:sp>
+      <p:sp>
+        <p:nvSpPr>
+          <p:cNvPr id="41" name="Rectangle 40">
+            <a:extLst>
+              <a:ext uri="{FF2B5EF4-FFF2-40B4-BE49-F238E27FC236}">
+                <a16:creationId xmlns:a16="http://schemas.microsoft.com/office/drawing/2014/main" id="{CEFAF503-4D83-4BFB-9CDA-813A320FFD50}"/>
+              </a:ext>
+            </a:extLst>
+          </p:cNvPr>
+          <p:cNvSpPr/>
+          <p:nvPr/>
+        </p:nvSpPr>
+        <p:spPr>
+          <a:xfrm>
+            <a:off x="9312861" y="3496247"/>
+            <a:ext cx="828000" cy="174704"/>
+          </a:xfrm>
+          <a:prstGeom prst="rect">
+            <a:avLst/>
+          </a:prstGeom>
+          <a:noFill/>
+          <a:ln w="28575">
+            <a:solidFill>
+              <a:srgbClr val="C00000"/>
+            </a:solidFill>
+          </a:ln>
+        </p:spPr>
+        <p:style>
+          <a:lnRef idx="2">
+            <a:schemeClr val="accent1">
+              <a:shade val="50000"/>
+            </a:schemeClr>
+          </a:lnRef>
+          <a:fillRef idx="1">
+            <a:schemeClr val="accent1"/>
+          </a:fillRef>
+          <a:effectRef idx="0">
+            <a:schemeClr val="accent1"/>
+          </a:effectRef>
+          <a:fontRef idx="minor">
+            <a:schemeClr val="lt1"/>
+          </a:fontRef>
+        </p:style>
+        <p:txBody>
+          <a:bodyPr rtlCol="0" anchor="ctr"/>
+          <a:lstStyle/>
+          <a:p>
+            <a:pPr algn="ctr"/>
+            <a:endParaRPr lang="en-AU"/>
+          </a:p>
+        </p:txBody>
+      </p:sp>
+      <p:sp>
+        <p:nvSpPr>
+          <p:cNvPr id="42" name="Rectangle 41">
+            <a:extLst>
+              <a:ext uri="{FF2B5EF4-FFF2-40B4-BE49-F238E27FC236}">
+                <a16:creationId xmlns:a16="http://schemas.microsoft.com/office/drawing/2014/main" id="{8152F327-1A76-437B-B7B5-DAB46E72B900}"/>
+              </a:ext>
+            </a:extLst>
+          </p:cNvPr>
+          <p:cNvSpPr/>
+          <p:nvPr/>
+        </p:nvSpPr>
+        <p:spPr>
+          <a:xfrm>
+            <a:off x="9323757" y="2550966"/>
+            <a:ext cx="684000" cy="174704"/>
+          </a:xfrm>
+          <a:prstGeom prst="rect">
+            <a:avLst/>
+          </a:prstGeom>
+          <a:noFill/>
+          <a:ln w="28575">
+            <a:solidFill>
+              <a:srgbClr val="C00000"/>
+            </a:solidFill>
+          </a:ln>
+        </p:spPr>
+        <p:style>
+          <a:lnRef idx="2">
+            <a:schemeClr val="accent1">
+              <a:shade val="50000"/>
+            </a:schemeClr>
+          </a:lnRef>
+          <a:fillRef idx="1">
+            <a:schemeClr val="accent1"/>
+          </a:fillRef>
+          <a:effectRef idx="0">
+            <a:schemeClr val="accent1"/>
+          </a:effectRef>
+          <a:fontRef idx="minor">
+            <a:schemeClr val="lt1"/>
+          </a:fontRef>
+        </p:style>
+        <p:txBody>
+          <a:bodyPr rtlCol="0" anchor="ctr"/>
+          <a:lstStyle/>
+          <a:p>
+            <a:pPr algn="ctr"/>
+            <a:endParaRPr lang="en-AU"/>
+          </a:p>
+        </p:txBody>
+      </p:sp>
+      <p:sp>
+        <p:nvSpPr>
+          <p:cNvPr id="43" name="Rectangle 42">
+            <a:extLst>
+              <a:ext uri="{FF2B5EF4-FFF2-40B4-BE49-F238E27FC236}">
+                <a16:creationId xmlns:a16="http://schemas.microsoft.com/office/drawing/2014/main" id="{F85B50FC-DBD1-4E91-BE94-A1AE71BA8922}"/>
+              </a:ext>
+            </a:extLst>
+          </p:cNvPr>
+          <p:cNvSpPr/>
+          <p:nvPr/>
+        </p:nvSpPr>
+        <p:spPr>
+          <a:xfrm>
+            <a:off x="11238731" y="2558781"/>
+            <a:ext cx="180000" cy="174704"/>
+          </a:xfrm>
+          <a:prstGeom prst="rect">
+            <a:avLst/>
+          </a:prstGeom>
+          <a:noFill/>
+          <a:ln w="28575">
+            <a:solidFill>
+              <a:srgbClr val="C00000"/>
+            </a:solidFill>
+          </a:ln>
+        </p:spPr>
+        <p:style>
+          <a:lnRef idx="2">
+            <a:schemeClr val="accent1">
+              <a:shade val="50000"/>
+            </a:schemeClr>
+          </a:lnRef>
+          <a:fillRef idx="1">
+            <a:schemeClr val="accent1"/>
+          </a:fillRef>
+          <a:effectRef idx="0">
+            <a:schemeClr val="accent1"/>
+          </a:effectRef>
+          <a:fontRef idx="minor">
+            <a:schemeClr val="lt1"/>
+          </a:fontRef>
+        </p:style>
+        <p:txBody>
+          <a:bodyPr rtlCol="0" anchor="ctr"/>
+          <a:lstStyle/>
+          <a:p>
+            <a:pPr algn="ctr"/>
+            <a:endParaRPr lang="en-AU"/>
+          </a:p>
+        </p:txBody>
+      </p:sp>
+      <p:sp>
+        <p:nvSpPr>
+          <p:cNvPr id="44" name="Rectangle 43">
+            <a:extLst>
+              <a:ext uri="{FF2B5EF4-FFF2-40B4-BE49-F238E27FC236}">
+                <a16:creationId xmlns:a16="http://schemas.microsoft.com/office/drawing/2014/main" id="{C50A68E2-9165-4689-AF5A-D5E094B51D14}"/>
+              </a:ext>
+            </a:extLst>
+          </p:cNvPr>
+          <p:cNvSpPr/>
+          <p:nvPr/>
+        </p:nvSpPr>
+        <p:spPr>
+          <a:xfrm>
+            <a:off x="11278226" y="4007623"/>
+            <a:ext cx="565289" cy="174704"/>
+          </a:xfrm>
+          <a:prstGeom prst="rect">
+            <a:avLst/>
+          </a:prstGeom>
+          <a:noFill/>
+          <a:ln w="28575">
+            <a:solidFill>
+              <a:srgbClr val="C00000"/>
+            </a:solidFill>
+          </a:ln>
+        </p:spPr>
+        <p:style>
+          <a:lnRef idx="2">
+            <a:schemeClr val="accent1">
+              <a:shade val="50000"/>
+            </a:schemeClr>
+          </a:lnRef>
+          <a:fillRef idx="1">
+            <a:schemeClr val="accent1"/>
+          </a:fillRef>
+          <a:effectRef idx="0">
+            <a:schemeClr val="accent1"/>
+          </a:effectRef>
+          <a:fontRef idx="minor">
+            <a:schemeClr val="lt1"/>
+          </a:fontRef>
+        </p:style>
+        <p:txBody>
+          <a:bodyPr rtlCol="0" anchor="ctr"/>
+          <a:lstStyle/>
+          <a:p>
+            <a:pPr algn="ctr"/>
+            <a:endParaRPr lang="en-AU"/>
+          </a:p>
+        </p:txBody>
+      </p:sp>
+      <p:sp>
+        <p:nvSpPr>
+          <p:cNvPr id="46" name="Rectangle 45">
+            <a:extLst>
+              <a:ext uri="{FF2B5EF4-FFF2-40B4-BE49-F238E27FC236}">
+                <a16:creationId xmlns:a16="http://schemas.microsoft.com/office/drawing/2014/main" id="{3816C2A6-7AFA-4098-B79C-FAAB616B6810}"/>
+              </a:ext>
+            </a:extLst>
+          </p:cNvPr>
+          <p:cNvSpPr/>
+          <p:nvPr/>
+        </p:nvSpPr>
+        <p:spPr>
+          <a:xfrm>
+            <a:off x="10332343" y="5447658"/>
+            <a:ext cx="756000" cy="174704"/>
+          </a:xfrm>
+          <a:prstGeom prst="rect">
+            <a:avLst/>
+          </a:prstGeom>
+          <a:noFill/>
+          <a:ln w="28575">
+            <a:solidFill>
+              <a:srgbClr val="C00000"/>
+            </a:solidFill>
+          </a:ln>
+        </p:spPr>
+        <p:style>
+          <a:lnRef idx="2">
+            <a:schemeClr val="accent1">
+              <a:shade val="50000"/>
+            </a:schemeClr>
+          </a:lnRef>
+          <a:fillRef idx="1">
+            <a:schemeClr val="accent1"/>
+          </a:fillRef>
+          <a:effectRef idx="0">
+            <a:schemeClr val="accent1"/>
+          </a:effectRef>
+          <a:fontRef idx="minor">
+            <a:schemeClr val="lt1"/>
+          </a:fontRef>
+        </p:style>
+        <p:txBody>
+          <a:bodyPr rtlCol="0" anchor="ctr"/>
+          <a:lstStyle/>
+          <a:p>
+            <a:pPr algn="ctr"/>
+            <a:endParaRPr lang="en-AU"/>
+          </a:p>
+        </p:txBody>
+      </p:sp>
     </p:spTree>
     <p:custDataLst>
       <p:tags r:id="rId1"/>
@@ -24275,11 +24924,11 @@
   <p:clrMapOvr>
     <a:masterClrMapping/>
   </p:clrMapOvr>
-  <mc:AlternateContent xmlns:mc="http://schemas.openxmlformats.org/markup-compatibility/2006">
-    <mc:Choice xmlns:p14="http://schemas.microsoft.com/office/powerpoint/2010/main" Requires="p14">
+  <mc:AlternateContent xmlns:mc="http://schemas.openxmlformats.org/markup-compatibility/2006" xmlns:p14="http://schemas.microsoft.com/office/powerpoint/2010/main">
+    <mc:Choice Requires="p14">
       <p:transition spd="slow" p14:dur="2000" advTm="35683"/>
     </mc:Choice>
-    <mc:Fallback>
+    <mc:Fallback xmlns="">
       <p:transition spd="slow" advTm="35683"/>
     </mc:Fallback>
   </mc:AlternateContent>
@@ -24304,7 +24953,7 @@
                             </p:stCondLst>
                             <p:childTnLst>
                               <p:par>
-                                <p:cTn id="5" presetID="10" presetClass="entr" presetSubtype="0" fill="hold" nodeType="clickEffect">
+                                <p:cTn id="5" presetID="22" presetClass="entr" presetSubtype="4" fill="hold" grpId="0" nodeType="clickEffect">
                                   <p:stCondLst>
                                     <p:cond delay="0"/>
                                   </p:stCondLst>
@@ -24317,11 +24966,7 @@
                                           </p:stCondLst>
                                         </p:cTn>
                                         <p:tgtEl>
-                                          <p:spTgt spid="5">
-                                            <p:txEl>
-                                              <p:pRg st="2" end="2"/>
-                                            </p:txEl>
-                                          </p:spTgt>
+                                          <p:spTgt spid="5"/>
                                         </p:tgtEl>
                                         <p:attrNameLst>
                                           <p:attrName>style.visibility</p:attrName>
@@ -24331,15 +24976,11 @@
                                         <p:strVal val="visible"/>
                                       </p:to>
                                     </p:set>
-                                    <p:animEffect transition="in" filter="fade">
+                                    <p:animEffect transition="in" filter="wipe(down)">
                                       <p:cBhvr>
                                         <p:cTn id="7" dur="500"/>
                                         <p:tgtEl>
-                                          <p:spTgt spid="5">
-                                            <p:txEl>
-                                              <p:pRg st="2" end="2"/>
-                                            </p:txEl>
-                                          </p:spTgt>
+                                          <p:spTgt spid="5"/>
                                         </p:tgtEl>
                                       </p:cBhvr>
                                     </p:animEffect>
@@ -24378,11 +25019,7 @@
                                           </p:stCondLst>
                                         </p:cTn>
                                         <p:tgtEl>
-                                          <p:spTgt spid="5">
-                                            <p:txEl>
-                                              <p:pRg st="3" end="3"/>
-                                            </p:txEl>
-                                          </p:spTgt>
+                                          <p:spTgt spid="10"/>
                                         </p:tgtEl>
                                         <p:attrNameLst>
                                           <p:attrName>style.visibility</p:attrName>
@@ -24396,11 +25033,7 @@
                                       <p:cBhvr>
                                         <p:cTn id="12" dur="500"/>
                                         <p:tgtEl>
-                                          <p:spTgt spid="5">
-                                            <p:txEl>
-                                              <p:pRg st="3" end="3"/>
-                                            </p:txEl>
-                                          </p:spTgt>
+                                          <p:spTgt spid="10"/>
                                         </p:tgtEl>
                                       </p:cBhvr>
                                     </p:animEffect>
@@ -24426,7 +25059,7 @@
                             </p:stCondLst>
                             <p:childTnLst>
                               <p:par>
-                                <p:cTn id="15" presetID="10" presetClass="entr" presetSubtype="0" fill="hold" nodeType="clickEffect">
+                                <p:cTn id="15" presetID="45" presetClass="entr" presetSubtype="0" fill="hold" grpId="0" nodeType="clickEffect">
                                   <p:stCondLst>
                                     <p:cond delay="0"/>
                                   </p:stCondLst>
@@ -24439,7 +25072,7 @@
                                           </p:stCondLst>
                                         </p:cTn>
                                         <p:tgtEl>
-                                          <p:spTgt spid="7"/>
+                                          <p:spTgt spid="20"/>
                                         </p:tgtEl>
                                         <p:attrNameLst>
                                           <p:attrName>style.visibility</p:attrName>
@@ -24451,9 +25084,108 @@
                                     </p:set>
                                     <p:animEffect transition="in" filter="fade">
                                       <p:cBhvr>
-                                        <p:cTn id="17" dur="500"/>
+                                        <p:cTn id="17" dur="2000"/>
                                         <p:tgtEl>
-                                          <p:spTgt spid="7"/>
+                                          <p:spTgt spid="20"/>
+                                        </p:tgtEl>
+                                      </p:cBhvr>
+                                    </p:animEffect>
+                                    <p:anim calcmode="lin" valueType="num">
+                                      <p:cBhvr>
+                                        <p:cTn id="18" dur="2000" fill="hold"/>
+                                        <p:tgtEl>
+                                          <p:spTgt spid="20"/>
+                                        </p:tgtEl>
+                                        <p:attrNameLst>
+                                          <p:attrName>ppt_w</p:attrName>
+                                        </p:attrNameLst>
+                                      </p:cBhvr>
+                                      <p:tavLst>
+                                        <p:tav tm="0" fmla="#ppt_w*sin(2.5*pi*$)">
+                                          <p:val>
+                                            <p:fltVal val="0"/>
+                                          </p:val>
+                                        </p:tav>
+                                        <p:tav tm="100000">
+                                          <p:val>
+                                            <p:fltVal val="1"/>
+                                          </p:val>
+                                        </p:tav>
+                                      </p:tavLst>
+                                    </p:anim>
+                                    <p:anim calcmode="lin" valueType="num">
+                                      <p:cBhvr>
+                                        <p:cTn id="19" dur="2000" fill="hold"/>
+                                        <p:tgtEl>
+                                          <p:spTgt spid="20"/>
+                                        </p:tgtEl>
+                                        <p:attrNameLst>
+                                          <p:attrName>ppt_h</p:attrName>
+                                        </p:attrNameLst>
+                                      </p:cBhvr>
+                                      <p:tavLst>
+                                        <p:tav tm="0">
+                                          <p:val>
+                                            <p:strVal val="#ppt_h"/>
+                                          </p:val>
+                                        </p:tav>
+                                        <p:tav tm="100000">
+                                          <p:val>
+                                            <p:strVal val="#ppt_h"/>
+                                          </p:val>
+                                        </p:tav>
+                                      </p:tavLst>
+                                    </p:anim>
+                                  </p:childTnLst>
+                                </p:cTn>
+                              </p:par>
+                            </p:childTnLst>
+                          </p:cTn>
+                        </p:par>
+                      </p:childTnLst>
+                    </p:cTn>
+                  </p:par>
+                  <p:par>
+                    <p:cTn id="20" fill="hold">
+                      <p:stCondLst>
+                        <p:cond delay="indefinite"/>
+                      </p:stCondLst>
+                      <p:childTnLst>
+                        <p:par>
+                          <p:cTn id="21" fill="hold">
+                            <p:stCondLst>
+                              <p:cond delay="0"/>
+                            </p:stCondLst>
+                            <p:childTnLst>
+                              <p:par>
+                                <p:cTn id="22" presetID="10" presetClass="entr" presetSubtype="0" fill="hold" nodeType="clickEffect">
+                                  <p:stCondLst>
+                                    <p:cond delay="0"/>
+                                  </p:stCondLst>
+                                  <p:childTnLst>
+                                    <p:set>
+                                      <p:cBhvr>
+                                        <p:cTn id="23" dur="1" fill="hold">
+                                          <p:stCondLst>
+                                            <p:cond delay="0"/>
+                                          </p:stCondLst>
+                                        </p:cTn>
+                                        <p:tgtEl>
+                                          <p:spTgt spid="16"/>
+                                        </p:tgtEl>
+                                        <p:attrNameLst>
+                                          <p:attrName>style.visibility</p:attrName>
+                                        </p:attrNameLst>
+                                      </p:cBhvr>
+                                      <p:to>
+                                        <p:strVal val="visible"/>
+                                      </p:to>
+                                    </p:set>
+                                    <p:animEffect transition="in" filter="fade">
+                                      <p:cBhvr>
+                                        <p:cTn id="24" dur="500"/>
+                                        <p:tgtEl>
+                                          <p:spTgt spid="16"/>
                                         </p:tgtEl>
                                       </p:cBhvr>
                                     </p:animEffect>
@@ -24467,36 +25199,32 @@
                     </p:cTn>
                   </p:par>
                   <p:par>
-                    <p:cTn id="18" fill="hold">
+                    <p:cTn id="25" fill="hold">
                       <p:stCondLst>
                         <p:cond delay="indefinite"/>
                       </p:stCondLst>
                       <p:childTnLst>
                         <p:par>
-                          <p:cTn id="19" fill="hold">
+                          <p:cTn id="26" fill="hold">
                             <p:stCondLst>
                               <p:cond delay="0"/>
                             </p:stCondLst>
                             <p:childTnLst>
                               <p:par>
-                                <p:cTn id="20" presetID="10" presetClass="entr" presetSubtype="0" fill="hold" nodeType="clickEffect">
+                                <p:cTn id="27" presetID="45" presetClass="entr" presetSubtype="0" fill="hold" grpId="0" nodeType="clickEffect">
                                   <p:stCondLst>
                                     <p:cond delay="0"/>
                                   </p:stCondLst>
                                   <p:childTnLst>
                                     <p:set>
                                       <p:cBhvr>
-                                        <p:cTn id="21" dur="1" fill="hold">
+                                        <p:cTn id="28" dur="1" fill="hold">
                                           <p:stCondLst>
                                             <p:cond delay="0"/>
                                           </p:stCondLst>
                                         </p:cTn>
                                         <p:tgtEl>
-                                          <p:spTgt spid="5">
-                                            <p:txEl>
-                                              <p:pRg st="4" end="4"/>
-                                            </p:txEl>
-                                          </p:spTgt>
+                                          <p:spTgt spid="3"/>
                                         </p:tgtEl>
                                         <p:attrNameLst>
                                           <p:attrName>style.visibility</p:attrName>
@@ -24508,38 +25236,94 @@
                                     </p:set>
                                     <p:animEffect transition="in" filter="fade">
                                       <p:cBhvr>
-                                        <p:cTn id="22" dur="500"/>
+                                        <p:cTn id="29" dur="2000"/>
                                         <p:tgtEl>
-                                          <p:spTgt spid="5">
-                                            <p:txEl>
-                                              <p:pRg st="4" end="4"/>
-                                            </p:txEl>
-                                          </p:spTgt>
+                                          <p:spTgt spid="3"/>
                                         </p:tgtEl>
                                       </p:cBhvr>
                                     </p:animEffect>
+                                    <p:anim calcmode="lin" valueType="num">
+                                      <p:cBhvr>
+                                        <p:cTn id="30" dur="2000" fill="hold"/>
+                                        <p:tgtEl>
+                                          <p:spTgt spid="3"/>
+                                        </p:tgtEl>
+                                        <p:attrNameLst>
+                                          <p:attrName>ppt_w</p:attrName>
+                                        </p:attrNameLst>
+                                      </p:cBhvr>
+                                      <p:tavLst>
+                                        <p:tav tm="0" fmla="#ppt_w*sin(2.5*pi*$)">
+                                          <p:val>
+                                            <p:fltVal val="0"/>
+                                          </p:val>
+                                        </p:tav>
+                                        <p:tav tm="100000">
+                                          <p:val>
+                                            <p:fltVal val="1"/>
+                                          </p:val>
+                                        </p:tav>
+                                      </p:tavLst>
+                                    </p:anim>
+                                    <p:anim calcmode="lin" valueType="num">
+                                      <p:cBhvr>
+                                        <p:cTn id="31" dur="2000" fill="hold"/>
+                                        <p:tgtEl>
+                                          <p:spTgt spid="3"/>
+                                        </p:tgtEl>
+                                        <p:attrNameLst>
+                                          <p:attrName>ppt_h</p:attrName>
+                                        </p:attrNameLst>
+                                      </p:cBhvr>
+                                      <p:tavLst>
+                                        <p:tav tm="0">
+                                          <p:val>
+                                            <p:strVal val="#ppt_h"/>
+                                          </p:val>
+                                        </p:tav>
+                                        <p:tav tm="100000">
+                                          <p:val>
+                                            <p:strVal val="#ppt_h"/>
+                                          </p:val>
+                                        </p:tav>
+                                      </p:tavLst>
+                                    </p:anim>
                                   </p:childTnLst>
                                 </p:cTn>
                               </p:par>
+                            </p:childTnLst>
+                          </p:cTn>
+                        </p:par>
+                      </p:childTnLst>
+                    </p:cTn>
+                  </p:par>
+                  <p:par>
+                    <p:cTn id="32" fill="hold">
+                      <p:stCondLst>
+                        <p:cond delay="indefinite"/>
+                      </p:stCondLst>
+                      <p:childTnLst>
+                        <p:par>
+                          <p:cTn id="33" fill="hold">
+                            <p:stCondLst>
+                              <p:cond delay="0"/>
+                            </p:stCondLst>
+                            <p:childTnLst>
                               <p:par>
-                                <p:cTn id="23" presetID="10" presetClass="entr" presetSubtype="0" fill="hold" nodeType="withEffect">
+                                <p:cTn id="34" presetID="10" presetClass="entr" presetSubtype="0" fill="hold" nodeType="clickEffect">
                                   <p:stCondLst>
                                     <p:cond delay="0"/>
                                   </p:stCondLst>
                                   <p:childTnLst>
                                     <p:set>
                                       <p:cBhvr>
-                                        <p:cTn id="24" dur="1" fill="hold">
+                                        <p:cTn id="35" dur="1" fill="hold">
                                           <p:stCondLst>
                                             <p:cond delay="0"/>
                                           </p:stCondLst>
                                         </p:cTn>
                                         <p:tgtEl>
-                                          <p:spTgt spid="5">
-                                            <p:txEl>
-                                              <p:pRg st="5" end="5"/>
-                                            </p:txEl>
-                                          </p:spTgt>
+                                          <p:spTgt spid="11"/>
                                         </p:tgtEl>
                                         <p:attrNameLst>
                                           <p:attrName>style.visibility</p:attrName>
@@ -24551,142 +25335,9 @@
                                     </p:set>
                                     <p:animEffect transition="in" filter="fade">
                                       <p:cBhvr>
-                                        <p:cTn id="25" dur="500"/>
+                                        <p:cTn id="36" dur="500"/>
                                         <p:tgtEl>
-                                          <p:spTgt spid="5">
-                                            <p:txEl>
-                                              <p:pRg st="5" end="5"/>
-                                            </p:txEl>
-                                          </p:spTgt>
-                                        </p:tgtEl>
-                                      </p:cBhvr>
-                                    </p:animEffect>
-                                  </p:childTnLst>
-                                </p:cTn>
-                              </p:par>
-                              <p:par>
-                                <p:cTn id="26" presetID="10" presetClass="entr" presetSubtype="0" fill="hold" nodeType="withEffect">
-                                  <p:stCondLst>
-                                    <p:cond delay="0"/>
-                                  </p:stCondLst>
-                                  <p:childTnLst>
-                                    <p:set>
-                                      <p:cBhvr>
-                                        <p:cTn id="27" dur="1" fill="hold">
-                                          <p:stCondLst>
-                                            <p:cond delay="0"/>
-                                          </p:stCondLst>
-                                        </p:cTn>
-                                        <p:tgtEl>
-                                          <p:spTgt spid="5">
-                                            <p:txEl>
-                                              <p:pRg st="6" end="6"/>
-                                            </p:txEl>
-                                          </p:spTgt>
-                                        </p:tgtEl>
-                                        <p:attrNameLst>
-                                          <p:attrName>style.visibility</p:attrName>
-                                        </p:attrNameLst>
-                                      </p:cBhvr>
-                                      <p:to>
-                                        <p:strVal val="visible"/>
-                                      </p:to>
-                                    </p:set>
-                                    <p:animEffect transition="in" filter="fade">
-                                      <p:cBhvr>
-                                        <p:cTn id="28" dur="500"/>
-                                        <p:tgtEl>
-                                          <p:spTgt spid="5">
-                                            <p:txEl>
-                                              <p:pRg st="6" end="6"/>
-                                            </p:txEl>
-                                          </p:spTgt>
-                                        </p:tgtEl>
-                                      </p:cBhvr>
-                                    </p:animEffect>
-                                  </p:childTnLst>
-                                </p:cTn>
-                              </p:par>
-                              <p:par>
-                                <p:cTn id="29" presetID="10" presetClass="entr" presetSubtype="0" fill="hold" nodeType="withEffect">
-                                  <p:stCondLst>
-                                    <p:cond delay="0"/>
-                                  </p:stCondLst>
-                                  <p:childTnLst>
-                                    <p:set>
-                                      <p:cBhvr>
-                                        <p:cTn id="30" dur="1" fill="hold">
-                                          <p:stCondLst>
-                                            <p:cond delay="0"/>
-                                          </p:stCondLst>
-                                        </p:cTn>
-                                        <p:tgtEl>
-                                          <p:spTgt spid="5">
-                                            <p:txEl>
-                                              <p:pRg st="7" end="7"/>
-                                            </p:txEl>
-                                          </p:spTgt>
-                                        </p:tgtEl>
-                                        <p:attrNameLst>
-                                          <p:attrName>style.visibility</p:attrName>
-                                        </p:attrNameLst>
-                                      </p:cBhvr>
-                                      <p:to>
-                                        <p:strVal val="visible"/>
-                                      </p:to>
-                                    </p:set>
-                                    <p:animEffect transition="in" filter="fade">
-                                      <p:cBhvr>
-                                        <p:cTn id="31" dur="500"/>
-                                        <p:tgtEl>
-                                          <p:spTgt spid="5">
-                                            <p:txEl>
-                                              <p:pRg st="7" end="7"/>
-                                            </p:txEl>
-                                          </p:spTgt>
-                                        </p:tgtEl>
-                                      </p:cBhvr>
-                                    </p:animEffect>
-                                  </p:childTnLst>
-                                </p:cTn>
-                              </p:par>
-                              <p:par>
-                                <p:cTn id="32" presetID="10" presetClass="entr" presetSubtype="0" fill="hold" nodeType="withEffect">
-                                  <p:stCondLst>
-                                    <p:cond delay="0"/>
-                                  </p:stCondLst>
-                                  <p:childTnLst>
-                                    <p:set>
-                                      <p:cBhvr>
-                                        <p:cTn id="33" dur="1" fill="hold">
-                                          <p:stCondLst>
-                                            <p:cond delay="0"/>
-                                          </p:stCondLst>
-                                        </p:cTn>
-                                        <p:tgtEl>
-                                          <p:spTgt spid="5">
-                                            <p:txEl>
-                                              <p:pRg st="8" end="8"/>
-                                            </p:txEl>
-                                          </p:spTgt>
-                                        </p:tgtEl>
-                                        <p:attrNameLst>
-                                          <p:attrName>style.visibility</p:attrName>
-                                        </p:attrNameLst>
-                                      </p:cBhvr>
-                                      <p:to>
-                                        <p:strVal val="visible"/>
-                                      </p:to>
-                                    </p:set>
-                                    <p:animEffect transition="in" filter="fade">
-                                      <p:cBhvr>
-                                        <p:cTn id="34" dur="500"/>
-                                        <p:tgtEl>
-                                          <p:spTgt spid="5">
-                                            <p:txEl>
-                                              <p:pRg st="8" end="8"/>
-                                            </p:txEl>
-                                          </p:spTgt>
+                                          <p:spTgt spid="11"/>
                                         </p:tgtEl>
                                       </p:cBhvr>
                                     </p:animEffect>
@@ -24700,32 +25351,32 @@
                     </p:cTn>
                   </p:par>
                   <p:par>
-                    <p:cTn id="35" fill="hold">
+                    <p:cTn id="37" fill="hold">
                       <p:stCondLst>
                         <p:cond delay="indefinite"/>
                       </p:stCondLst>
                       <p:childTnLst>
                         <p:par>
-                          <p:cTn id="36" fill="hold">
+                          <p:cTn id="38" fill="hold">
                             <p:stCondLst>
                               <p:cond delay="0"/>
                             </p:stCondLst>
                             <p:childTnLst>
                               <p:par>
-                                <p:cTn id="37" presetID="10" presetClass="entr" presetSubtype="0" fill="hold" nodeType="clickEffect">
+                                <p:cTn id="39" presetID="45" presetClass="entr" presetSubtype="0" fill="hold" grpId="0" nodeType="clickEffect">
                                   <p:stCondLst>
                                     <p:cond delay="0"/>
                                   </p:stCondLst>
                                   <p:childTnLst>
                                     <p:set>
                                       <p:cBhvr>
-                                        <p:cTn id="38" dur="1" fill="hold">
+                                        <p:cTn id="40" dur="1" fill="hold">
                                           <p:stCondLst>
                                             <p:cond delay="0"/>
                                           </p:stCondLst>
                                         </p:cTn>
                                         <p:tgtEl>
-                                          <p:spTgt spid="2"/>
+                                          <p:spTgt spid="21"/>
                                         </p:tgtEl>
                                         <p:attrNameLst>
                                           <p:attrName>style.visibility</p:attrName>
@@ -24737,12 +25388,58 @@
                                     </p:set>
                                     <p:animEffect transition="in" filter="fade">
                                       <p:cBhvr>
-                                        <p:cTn id="39" dur="500"/>
+                                        <p:cTn id="41" dur="2000"/>
                                         <p:tgtEl>
-                                          <p:spTgt spid="2"/>
+                                          <p:spTgt spid="21"/>
                                         </p:tgtEl>
                                       </p:cBhvr>
                                     </p:animEffect>
+                                    <p:anim calcmode="lin" valueType="num">
+                                      <p:cBhvr>
+                                        <p:cTn id="42" dur="2000" fill="hold"/>
+                                        <p:tgtEl>
+                                          <p:spTgt spid="21"/>
+                                        </p:tgtEl>
+                                        <p:attrNameLst>
+                                          <p:attrName>ppt_w</p:attrName>
+                                        </p:attrNameLst>
+                                      </p:cBhvr>
+                                      <p:tavLst>
+                                        <p:tav tm="0" fmla="#ppt_w*sin(2.5*pi*$)">
+                                          <p:val>
+                                            <p:fltVal val="0"/>
+                                          </p:val>
+                                        </p:tav>
+                                        <p:tav tm="100000">
+                                          <p:val>
+                                            <p:fltVal val="1"/>
+                                          </p:val>
+                                        </p:tav>
+                                      </p:tavLst>
+                                    </p:anim>
+                                    <p:anim calcmode="lin" valueType="num">
+                                      <p:cBhvr>
+                                        <p:cTn id="43" dur="2000" fill="hold"/>
+                                        <p:tgtEl>
+                                          <p:spTgt spid="21"/>
+                                        </p:tgtEl>
+                                        <p:attrNameLst>
+                                          <p:attrName>ppt_h</p:attrName>
+                                        </p:attrNameLst>
+                                      </p:cBhvr>
+                                      <p:tavLst>
+                                        <p:tav tm="0">
+                                          <p:val>
+                                            <p:strVal val="#ppt_h"/>
+                                          </p:val>
+                                        </p:tav>
+                                        <p:tav tm="100000">
+                                          <p:val>
+                                            <p:strVal val="#ppt_h"/>
+                                          </p:val>
+                                        </p:tav>
+                                      </p:tavLst>
+                                    </p:anim>
                                   </p:childTnLst>
                                 </p:cTn>
                               </p:par>
@@ -24753,36 +25450,32 @@
                     </p:cTn>
                   </p:par>
                   <p:par>
-                    <p:cTn id="40" fill="hold">
+                    <p:cTn id="44" fill="hold">
                       <p:stCondLst>
                         <p:cond delay="indefinite"/>
                       </p:stCondLst>
                       <p:childTnLst>
                         <p:par>
-                          <p:cTn id="41" fill="hold">
+                          <p:cTn id="45" fill="hold">
                             <p:stCondLst>
                               <p:cond delay="0"/>
                             </p:stCondLst>
                             <p:childTnLst>
                               <p:par>
-                                <p:cTn id="42" presetID="10" presetClass="entr" presetSubtype="0" fill="hold" nodeType="clickEffect">
+                                <p:cTn id="46" presetID="45" presetClass="entr" presetSubtype="0" fill="hold" grpId="0" nodeType="clickEffect">
                                   <p:stCondLst>
                                     <p:cond delay="0"/>
                                   </p:stCondLst>
                                   <p:childTnLst>
                                     <p:set>
                                       <p:cBhvr>
-                                        <p:cTn id="43" dur="1" fill="hold">
+                                        <p:cTn id="47" dur="1" fill="hold">
                                           <p:stCondLst>
                                             <p:cond delay="0"/>
                                           </p:stCondLst>
                                         </p:cTn>
                                         <p:tgtEl>
-                                          <p:spTgt spid="5">
-                                            <p:txEl>
-                                              <p:pRg st="9" end="9"/>
-                                            </p:txEl>
-                                          </p:spTgt>
+                                          <p:spTgt spid="28"/>
                                         </p:tgtEl>
                                         <p:attrNameLst>
                                           <p:attrName>style.visibility</p:attrName>
@@ -24794,16 +25487,58 @@
                                     </p:set>
                                     <p:animEffect transition="in" filter="fade">
                                       <p:cBhvr>
-                                        <p:cTn id="44" dur="500"/>
+                                        <p:cTn id="48" dur="2000"/>
                                         <p:tgtEl>
-                                          <p:spTgt spid="5">
-                                            <p:txEl>
-                                              <p:pRg st="9" end="9"/>
-                                            </p:txEl>
-                                          </p:spTgt>
+                                          <p:spTgt spid="28"/>
                                         </p:tgtEl>
                                       </p:cBhvr>
                                     </p:animEffect>
+                                    <p:anim calcmode="lin" valueType="num">
+                                      <p:cBhvr>
+                                        <p:cTn id="49" dur="2000" fill="hold"/>
+                                        <p:tgtEl>
+                                          <p:spTgt spid="28"/>
+                                        </p:tgtEl>
+                                        <p:attrNameLst>
+                                          <p:attrName>ppt_w</p:attrName>
+                                        </p:attrNameLst>
+                                      </p:cBhvr>
+                                      <p:tavLst>
+                                        <p:tav tm="0" fmla="#ppt_w*sin(2.5*pi*$)">
+                                          <p:val>
+                                            <p:fltVal val="0"/>
+                                          </p:val>
+                                        </p:tav>
+                                        <p:tav tm="100000">
+                                          <p:val>
+                                            <p:fltVal val="1"/>
+                                          </p:val>
+                                        </p:tav>
+                                      </p:tavLst>
+                                    </p:anim>
+                                    <p:anim calcmode="lin" valueType="num">
+                                      <p:cBhvr>
+                                        <p:cTn id="50" dur="2000" fill="hold"/>
+                                        <p:tgtEl>
+                                          <p:spTgt spid="28"/>
+                                        </p:tgtEl>
+                                        <p:attrNameLst>
+                                          <p:attrName>ppt_h</p:attrName>
+                                        </p:attrNameLst>
+                                      </p:cBhvr>
+                                      <p:tavLst>
+                                        <p:tav tm="0">
+                                          <p:val>
+                                            <p:strVal val="#ppt_h"/>
+                                          </p:val>
+                                        </p:tav>
+                                        <p:tav tm="100000">
+                                          <p:val>
+                                            <p:strVal val="#ppt_h"/>
+                                          </p:val>
+                                        </p:tav>
+                                      </p:tavLst>
+                                    </p:anim>
                                   </p:childTnLst>
                                 </p:cTn>
                               </p:par>
@@ -24814,36 +25549,32 @@
                     </p:cTn>
                   </p:par>
                   <p:par>
-                    <p:cTn id="45" fill="hold">
+                    <p:cTn id="51" fill="hold">
                       <p:stCondLst>
                         <p:cond delay="indefinite"/>
                       </p:stCondLst>
                       <p:childTnLst>
                         <p:par>
-                          <p:cTn id="46" fill="hold">
+                          <p:cTn id="52" fill="hold">
                             <p:stCondLst>
                               <p:cond delay="0"/>
                             </p:stCondLst>
                             <p:childTnLst>
                               <p:par>
-                                <p:cTn id="47" presetID="10" presetClass="entr" presetSubtype="0" fill="hold" nodeType="clickEffect">
+                                <p:cTn id="53" presetID="45" presetClass="entr" presetSubtype="0" fill="hold" grpId="0" nodeType="clickEffect">
                                   <p:stCondLst>
                                     <p:cond delay="0"/>
                                   </p:stCondLst>
                                   <p:childTnLst>
                                     <p:set>
                                       <p:cBhvr>
-                                        <p:cTn id="48" dur="1" fill="hold">
+                                        <p:cTn id="54" dur="1" fill="hold">
                                           <p:stCondLst>
                                             <p:cond delay="0"/>
                                           </p:stCondLst>
                                         </p:cTn>
                                         <p:tgtEl>
-                                          <p:spTgt spid="5">
-                                            <p:txEl>
-                                              <p:pRg st="10" end="10"/>
-                                            </p:txEl>
-                                          </p:spTgt>
+                                          <p:spTgt spid="29"/>
                                         </p:tgtEl>
                                         <p:attrNameLst>
                                           <p:attrName>style.visibility</p:attrName>
@@ -24855,112 +25586,58 @@
                                     </p:set>
                                     <p:animEffect transition="in" filter="fade">
                                       <p:cBhvr>
-                                        <p:cTn id="49" dur="500"/>
+                                        <p:cTn id="55" dur="2000"/>
                                         <p:tgtEl>
-                                          <p:spTgt spid="5">
-                                            <p:txEl>
-                                              <p:pRg st="10" end="10"/>
-                                            </p:txEl>
-                                          </p:spTgt>
+                                          <p:spTgt spid="29"/>
                                         </p:tgtEl>
                                       </p:cBhvr>
                                     </p:animEffect>
-                                  </p:childTnLst>
-                                </p:cTn>
-                              </p:par>
-                              <p:par>
-                                <p:cTn id="50" presetID="10" presetClass="entr" presetSubtype="0" fill="hold" nodeType="withEffect">
-                                  <p:stCondLst>
-                                    <p:cond delay="0"/>
-                                  </p:stCondLst>
-                                  <p:childTnLst>
-                                    <p:set>
+                                    <p:anim calcmode="lin" valueType="num">
                                       <p:cBhvr>
-                                        <p:cTn id="51" dur="1" fill="hold">
-                                          <p:stCondLst>
-                                            <p:cond delay="0"/>
-                                          </p:stCondLst>
-                                        </p:cTn>
+                                        <p:cTn id="56" dur="2000" fill="hold"/>
                                         <p:tgtEl>
-                                          <p:spTgt spid="5">
-                                            <p:txEl>
-                                              <p:pRg st="11" end="11"/>
-                                            </p:txEl>
-                                          </p:spTgt>
+                                          <p:spTgt spid="29"/>
                                         </p:tgtEl>
                                         <p:attrNameLst>
-                                          <p:attrName>style.visibility</p:attrName>
+                                          <p:attrName>ppt_w</p:attrName>
                                         </p:attrNameLst>
                                       </p:cBhvr>
-                                      <p:to>
-                                        <p:strVal val="visible"/>
-                                      </p:to>
-                                    </p:set>
-                                    <p:animEffect transition="in" filter="fade">
+                                      <p:tavLst>
+                                        <p:tav tm="0" fmla="#ppt_w*sin(2.5*pi*$)">
+                                          <p:val>
+                                            <p:fltVal val="0"/>
+                                          </p:val>
+                                        </p:tav>
+                                        <p:tav tm="100000">
+                                          <p:val>
+                                            <p:fltVal val="1"/>
+                                          </p:val>
+                                        </p:tav>
+                                      </p:tavLst>
+                                    </p:anim>
+                                    <p:anim calcmode="lin" valueType="num">
                                       <p:cBhvr>
-                                        <p:cTn id="52" dur="500"/>
+                                        <p:cTn id="57" dur="2000" fill="hold"/>
                                         <p:tgtEl>
-                                          <p:spTgt spid="5">
-                                            <p:txEl>
-                                              <p:pRg st="11" end="11"/>
-                                            </p:txEl>
-                                          </p:spTgt>
-                                        </p:tgtEl>
-                                      </p:cBhvr>
-                                    </p:animEffect>
-                                  </p:childTnLst>
-                                </p:cTn>
-                              </p:par>
-                            </p:childTnLst>
-                          </p:cTn>
-                        </p:par>
-                      </p:childTnLst>
-                    </p:cTn>
-                  </p:par>
-                  <p:par>
-                    <p:cTn id="53" fill="hold">
-                      <p:stCondLst>
-                        <p:cond delay="indefinite"/>
-                      </p:stCondLst>
-                      <p:childTnLst>
-                        <p:par>
-                          <p:cTn id="54" fill="hold">
-                            <p:stCondLst>
-                              <p:cond delay="0"/>
-                            </p:stCondLst>
-                            <p:childTnLst>
-                              <p:par>
-                                <p:cTn id="55" presetID="10" presetClass="entr" presetSubtype="0" fill="hold" nodeType="clickEffect">
-                                  <p:stCondLst>
-                                    <p:cond delay="0"/>
-                                  </p:stCondLst>
-                                  <p:childTnLst>
-                                    <p:set>
-                                      <p:cBhvr>
-                                        <p:cTn id="56" dur="1" fill="hold">
-                                          <p:stCondLst>
-                                            <p:cond delay="0"/>
-                                          </p:stCondLst>
-                                        </p:cTn>
-                                        <p:tgtEl>
-                                          <p:spTgt spid="9"/>
+                                          <p:spTgt spid="29"/>
                                         </p:tgtEl>
                                         <p:attrNameLst>
-                                          <p:attrName>style.visibility</p:attrName>
+                                          <p:attrName>ppt_h</p:attrName>
                                         </p:attrNameLst>
                                       </p:cBhvr>
-                                      <p:to>
-                                        <p:strVal val="visible"/>
-                                      </p:to>
-                                    </p:set>
-                                    <p:animEffect transition="in" filter="fade">
-                                      <p:cBhvr>
-                                        <p:cTn id="57" dur="500"/>
-                                        <p:tgtEl>
-                                          <p:spTgt spid="9"/>
-                                        </p:tgtEl>
-                                      </p:cBhvr>
-                                    </p:animEffect>
+                                      <p:tavLst>
+                                        <p:tav tm="0">
+                                          <p:val>
+                                            <p:strVal val="#ppt_h"/>
+                                          </p:val>
+                                        </p:tav>
+                                        <p:tav tm="100000">
+                                          <p:val>
+                                            <p:strVal val="#ppt_h"/>
+                                          </p:val>
+                                        </p:tav>
+                                      </p:tavLst>
+                                    </p:anim>
                                   </p:childTnLst>
                                 </p:cTn>
                               </p:par>
@@ -24983,7 +25660,7 @@
                             </p:stCondLst>
                             <p:childTnLst>
                               <p:par>
-                                <p:cTn id="60" presetID="10" presetClass="entr" presetSubtype="0" fill="hold" nodeType="clickEffect">
+                                <p:cTn id="60" presetID="1" presetClass="exit" presetSubtype="0" fill="hold" grpId="0" nodeType="clickEffect">
                                   <p:stCondLst>
                                     <p:cond delay="0"/>
                                   </p:stCondLst>
@@ -24991,6 +25668,751 @@
                                     <p:set>
                                       <p:cBhvr>
                                         <p:cTn id="61" dur="1" fill="hold">
+                                          <p:stCondLst>
+                                            <p:cond delay="0"/>
+                                          </p:stCondLst>
+                                        </p:cTn>
+                                        <p:tgtEl>
+                                          <p:spTgt spid="12"/>
+                                        </p:tgtEl>
+                                        <p:attrNameLst>
+                                          <p:attrName>style.visibility</p:attrName>
+                                        </p:attrNameLst>
+                                      </p:cBhvr>
+                                      <p:to>
+                                        <p:strVal val="hidden"/>
+                                      </p:to>
+                                    </p:set>
+                                  </p:childTnLst>
+                                </p:cTn>
+                              </p:par>
+                            </p:childTnLst>
+                          </p:cTn>
+                        </p:par>
+                      </p:childTnLst>
+                    </p:cTn>
+                  </p:par>
+                  <p:par>
+                    <p:cTn id="62" fill="hold">
+                      <p:stCondLst>
+                        <p:cond delay="indefinite"/>
+                      </p:stCondLst>
+                      <p:childTnLst>
+                        <p:par>
+                          <p:cTn id="63" fill="hold">
+                            <p:stCondLst>
+                              <p:cond delay="0"/>
+                            </p:stCondLst>
+                            <p:childTnLst>
+                              <p:par>
+                                <p:cTn id="64" presetID="10" presetClass="entr" presetSubtype="0" fill="hold" nodeType="clickEffect">
+                                  <p:stCondLst>
+                                    <p:cond delay="0"/>
+                                  </p:stCondLst>
+                                  <p:childTnLst>
+                                    <p:set>
+                                      <p:cBhvr>
+                                        <p:cTn id="65" dur="1" fill="hold">
+                                          <p:stCondLst>
+                                            <p:cond delay="0"/>
+                                          </p:stCondLst>
+                                        </p:cTn>
+                                        <p:tgtEl>
+                                          <p:spTgt spid="34"/>
+                                        </p:tgtEl>
+                                        <p:attrNameLst>
+                                          <p:attrName>style.visibility</p:attrName>
+                                        </p:attrNameLst>
+                                      </p:cBhvr>
+                                      <p:to>
+                                        <p:strVal val="visible"/>
+                                      </p:to>
+                                    </p:set>
+                                    <p:animEffect transition="in" filter="fade">
+                                      <p:cBhvr>
+                                        <p:cTn id="66" dur="500"/>
+                                        <p:tgtEl>
+                                          <p:spTgt spid="34"/>
+                                        </p:tgtEl>
+                                      </p:cBhvr>
+                                    </p:animEffect>
+                                  </p:childTnLst>
+                                </p:cTn>
+                              </p:par>
+                            </p:childTnLst>
+                          </p:cTn>
+                        </p:par>
+                      </p:childTnLst>
+                    </p:cTn>
+                  </p:par>
+                  <p:par>
+                    <p:cTn id="67" fill="hold">
+                      <p:stCondLst>
+                        <p:cond delay="indefinite"/>
+                      </p:stCondLst>
+                      <p:childTnLst>
+                        <p:par>
+                          <p:cTn id="68" fill="hold">
+                            <p:stCondLst>
+                              <p:cond delay="0"/>
+                            </p:stCondLst>
+                            <p:childTnLst>
+                              <p:par>
+                                <p:cTn id="69" presetID="45" presetClass="entr" presetSubtype="0" fill="hold" grpId="0" nodeType="clickEffect">
+                                  <p:stCondLst>
+                                    <p:cond delay="0"/>
+                                  </p:stCondLst>
+                                  <p:childTnLst>
+                                    <p:set>
+                                      <p:cBhvr>
+                                        <p:cTn id="70" dur="1" fill="hold">
+                                          <p:stCondLst>
+                                            <p:cond delay="0"/>
+                                          </p:stCondLst>
+                                        </p:cTn>
+                                        <p:tgtEl>
+                                          <p:spTgt spid="35"/>
+                                        </p:tgtEl>
+                                        <p:attrNameLst>
+                                          <p:attrName>style.visibility</p:attrName>
+                                        </p:attrNameLst>
+                                      </p:cBhvr>
+                                      <p:to>
+                                        <p:strVal val="visible"/>
+                                      </p:to>
+                                    </p:set>
+                                    <p:animEffect transition="in" filter="fade">
+                                      <p:cBhvr>
+                                        <p:cTn id="71" dur="2000"/>
+                                        <p:tgtEl>
+                                          <p:spTgt spid="35"/>
+                                        </p:tgtEl>
+                                      </p:cBhvr>
+                                    </p:animEffect>
+                                    <p:anim calcmode="lin" valueType="num">
+                                      <p:cBhvr>
+                                        <p:cTn id="72" dur="2000" fill="hold"/>
+                                        <p:tgtEl>
+                                          <p:spTgt spid="35"/>
+                                        </p:tgtEl>
+                                        <p:attrNameLst>
+                                          <p:attrName>ppt_w</p:attrName>
+                                        </p:attrNameLst>
+                                      </p:cBhvr>
+                                      <p:tavLst>
+                                        <p:tav tm="0" fmla="#ppt_w*sin(2.5*pi*$)">
+                                          <p:val>
+                                            <p:fltVal val="0"/>
+                                          </p:val>
+                                        </p:tav>
+                                        <p:tav tm="100000">
+                                          <p:val>
+                                            <p:fltVal val="1"/>
+                                          </p:val>
+                                        </p:tav>
+                                      </p:tavLst>
+                                    </p:anim>
+                                    <p:anim calcmode="lin" valueType="num">
+                                      <p:cBhvr>
+                                        <p:cTn id="73" dur="2000" fill="hold"/>
+                                        <p:tgtEl>
+                                          <p:spTgt spid="35"/>
+                                        </p:tgtEl>
+                                        <p:attrNameLst>
+                                          <p:attrName>ppt_h</p:attrName>
+                                        </p:attrNameLst>
+                                      </p:cBhvr>
+                                      <p:tavLst>
+                                        <p:tav tm="0">
+                                          <p:val>
+                                            <p:strVal val="#ppt_h"/>
+                                          </p:val>
+                                        </p:tav>
+                                        <p:tav tm="100000">
+                                          <p:val>
+                                            <p:strVal val="#ppt_h"/>
+                                          </p:val>
+                                        </p:tav>
+                                      </p:tavLst>
+                                    </p:anim>
+                                  </p:childTnLst>
+                                </p:cTn>
+                              </p:par>
+                            </p:childTnLst>
+                          </p:cTn>
+                        </p:par>
+                      </p:childTnLst>
+                    </p:cTn>
+                  </p:par>
+                  <p:par>
+                    <p:cTn id="74" fill="hold">
+                      <p:stCondLst>
+                        <p:cond delay="indefinite"/>
+                      </p:stCondLst>
+                      <p:childTnLst>
+                        <p:par>
+                          <p:cTn id="75" fill="hold">
+                            <p:stCondLst>
+                              <p:cond delay="0"/>
+                            </p:stCondLst>
+                            <p:childTnLst>
+                              <p:par>
+                                <p:cTn id="76" presetID="10" presetClass="entr" presetSubtype="0" fill="hold" nodeType="clickEffect">
+                                  <p:stCondLst>
+                                    <p:cond delay="0"/>
+                                  </p:stCondLst>
+                                  <p:childTnLst>
+                                    <p:set>
+                                      <p:cBhvr>
+                                        <p:cTn id="77" dur="1" fill="hold">
+                                          <p:stCondLst>
+                                            <p:cond delay="0"/>
+                                          </p:stCondLst>
+                                        </p:cTn>
+                                        <p:tgtEl>
+                                          <p:spTgt spid="45"/>
+                                        </p:tgtEl>
+                                        <p:attrNameLst>
+                                          <p:attrName>style.visibility</p:attrName>
+                                        </p:attrNameLst>
+                                      </p:cBhvr>
+                                      <p:to>
+                                        <p:strVal val="visible"/>
+                                      </p:to>
+                                    </p:set>
+                                    <p:animEffect transition="in" filter="fade">
+                                      <p:cBhvr>
+                                        <p:cTn id="78" dur="500"/>
+                                        <p:tgtEl>
+                                          <p:spTgt spid="45"/>
+                                        </p:tgtEl>
+                                      </p:cBhvr>
+                                    </p:animEffect>
+                                  </p:childTnLst>
+                                </p:cTn>
+                              </p:par>
+                            </p:childTnLst>
+                          </p:cTn>
+                        </p:par>
+                      </p:childTnLst>
+                    </p:cTn>
+                  </p:par>
+                  <p:par>
+                    <p:cTn id="79" fill="hold">
+                      <p:stCondLst>
+                        <p:cond delay="indefinite"/>
+                      </p:stCondLst>
+                      <p:childTnLst>
+                        <p:par>
+                          <p:cTn id="80" fill="hold">
+                            <p:stCondLst>
+                              <p:cond delay="0"/>
+                            </p:stCondLst>
+                            <p:childTnLst>
+                              <p:par>
+                                <p:cTn id="81" presetID="45" presetClass="entr" presetSubtype="0" fill="hold" grpId="0" nodeType="clickEffect">
+                                  <p:stCondLst>
+                                    <p:cond delay="0"/>
+                                  </p:stCondLst>
+                                  <p:childTnLst>
+                                    <p:set>
+                                      <p:cBhvr>
+                                        <p:cTn id="82" dur="1" fill="hold">
+                                          <p:stCondLst>
+                                            <p:cond delay="0"/>
+                                          </p:stCondLst>
+                                        </p:cTn>
+                                        <p:tgtEl>
+                                          <p:spTgt spid="41"/>
+                                        </p:tgtEl>
+                                        <p:attrNameLst>
+                                          <p:attrName>style.visibility</p:attrName>
+                                        </p:attrNameLst>
+                                      </p:cBhvr>
+                                      <p:to>
+                                        <p:strVal val="visible"/>
+                                      </p:to>
+                                    </p:set>
+                                    <p:animEffect transition="in" filter="fade">
+                                      <p:cBhvr>
+                                        <p:cTn id="83" dur="2000"/>
+                                        <p:tgtEl>
+                                          <p:spTgt spid="41"/>
+                                        </p:tgtEl>
+                                      </p:cBhvr>
+                                    </p:animEffect>
+                                    <p:anim calcmode="lin" valueType="num">
+                                      <p:cBhvr>
+                                        <p:cTn id="84" dur="2000" fill="hold"/>
+                                        <p:tgtEl>
+                                          <p:spTgt spid="41"/>
+                                        </p:tgtEl>
+                                        <p:attrNameLst>
+                                          <p:attrName>ppt_w</p:attrName>
+                                        </p:attrNameLst>
+                                      </p:cBhvr>
+                                      <p:tavLst>
+                                        <p:tav tm="0" fmla="#ppt_w*sin(2.5*pi*$)">
+                                          <p:val>
+                                            <p:fltVal val="0"/>
+                                          </p:val>
+                                        </p:tav>
+                                        <p:tav tm="100000">
+                                          <p:val>
+                                            <p:fltVal val="1"/>
+                                          </p:val>
+                                        </p:tav>
+                                      </p:tavLst>
+                                    </p:anim>
+                                    <p:anim calcmode="lin" valueType="num">
+                                      <p:cBhvr>
+                                        <p:cTn id="85" dur="2000" fill="hold"/>
+                                        <p:tgtEl>
+                                          <p:spTgt spid="41"/>
+                                        </p:tgtEl>
+                                        <p:attrNameLst>
+                                          <p:attrName>ppt_h</p:attrName>
+                                        </p:attrNameLst>
+                                      </p:cBhvr>
+                                      <p:tavLst>
+                                        <p:tav tm="0">
+                                          <p:val>
+                                            <p:strVal val="#ppt_h"/>
+                                          </p:val>
+                                        </p:tav>
+                                        <p:tav tm="100000">
+                                          <p:val>
+                                            <p:strVal val="#ppt_h"/>
+                                          </p:val>
+                                        </p:tav>
+                                      </p:tavLst>
+                                    </p:anim>
+                                  </p:childTnLst>
+                                </p:cTn>
+                              </p:par>
+                            </p:childTnLst>
+                          </p:cTn>
+                        </p:par>
+                      </p:childTnLst>
+                    </p:cTn>
+                  </p:par>
+                  <p:par>
+                    <p:cTn id="86" fill="hold">
+                      <p:stCondLst>
+                        <p:cond delay="indefinite"/>
+                      </p:stCondLst>
+                      <p:childTnLst>
+                        <p:par>
+                          <p:cTn id="87" fill="hold">
+                            <p:stCondLst>
+                              <p:cond delay="0"/>
+                            </p:stCondLst>
+                            <p:childTnLst>
+                              <p:par>
+                                <p:cTn id="88" presetID="45" presetClass="entr" presetSubtype="0" fill="hold" grpId="0" nodeType="clickEffect">
+                                  <p:stCondLst>
+                                    <p:cond delay="0"/>
+                                  </p:stCondLst>
+                                  <p:childTnLst>
+                                    <p:set>
+                                      <p:cBhvr>
+                                        <p:cTn id="89" dur="1" fill="hold">
+                                          <p:stCondLst>
+                                            <p:cond delay="0"/>
+                                          </p:stCondLst>
+                                        </p:cTn>
+                                        <p:tgtEl>
+                                          <p:spTgt spid="44"/>
+                                        </p:tgtEl>
+                                        <p:attrNameLst>
+                                          <p:attrName>style.visibility</p:attrName>
+                                        </p:attrNameLst>
+                                      </p:cBhvr>
+                                      <p:to>
+                                        <p:strVal val="visible"/>
+                                      </p:to>
+                                    </p:set>
+                                    <p:animEffect transition="in" filter="fade">
+                                      <p:cBhvr>
+                                        <p:cTn id="90" dur="2000"/>
+                                        <p:tgtEl>
+                                          <p:spTgt spid="44"/>
+                                        </p:tgtEl>
+                                      </p:cBhvr>
+                                    </p:animEffect>
+                                    <p:anim calcmode="lin" valueType="num">
+                                      <p:cBhvr>
+                                        <p:cTn id="91" dur="2000" fill="hold"/>
+                                        <p:tgtEl>
+                                          <p:spTgt spid="44"/>
+                                        </p:tgtEl>
+                                        <p:attrNameLst>
+                                          <p:attrName>ppt_w</p:attrName>
+                                        </p:attrNameLst>
+                                      </p:cBhvr>
+                                      <p:tavLst>
+                                        <p:tav tm="0" fmla="#ppt_w*sin(2.5*pi*$)">
+                                          <p:val>
+                                            <p:fltVal val="0"/>
+                                          </p:val>
+                                        </p:tav>
+                                        <p:tav tm="100000">
+                                          <p:val>
+                                            <p:fltVal val="1"/>
+                                          </p:val>
+                                        </p:tav>
+                                      </p:tavLst>
+                                    </p:anim>
+                                    <p:anim calcmode="lin" valueType="num">
+                                      <p:cBhvr>
+                                        <p:cTn id="92" dur="2000" fill="hold"/>
+                                        <p:tgtEl>
+                                          <p:spTgt spid="44"/>
+                                        </p:tgtEl>
+                                        <p:attrNameLst>
+                                          <p:attrName>ppt_h</p:attrName>
+                                        </p:attrNameLst>
+                                      </p:cBhvr>
+                                      <p:tavLst>
+                                        <p:tav tm="0">
+                                          <p:val>
+                                            <p:strVal val="#ppt_h"/>
+                                          </p:val>
+                                        </p:tav>
+                                        <p:tav tm="100000">
+                                          <p:val>
+                                            <p:strVal val="#ppt_h"/>
+                                          </p:val>
+                                        </p:tav>
+                                      </p:tavLst>
+                                    </p:anim>
+                                  </p:childTnLst>
+                                </p:cTn>
+                              </p:par>
+                            </p:childTnLst>
+                          </p:cTn>
+                        </p:par>
+                      </p:childTnLst>
+                    </p:cTn>
+                  </p:par>
+                  <p:par>
+                    <p:cTn id="93" fill="hold">
+                      <p:stCondLst>
+                        <p:cond delay="indefinite"/>
+                      </p:stCondLst>
+                      <p:childTnLst>
+                        <p:par>
+                          <p:cTn id="94" fill="hold">
+                            <p:stCondLst>
+                              <p:cond delay="0"/>
+                            </p:stCondLst>
+                            <p:childTnLst>
+                              <p:par>
+                                <p:cTn id="95" presetID="45" presetClass="entr" presetSubtype="0" fill="hold" grpId="0" nodeType="clickEffect">
+                                  <p:stCondLst>
+                                    <p:cond delay="0"/>
+                                  </p:stCondLst>
+                                  <p:childTnLst>
+                                    <p:set>
+                                      <p:cBhvr>
+                                        <p:cTn id="96" dur="1" fill="hold">
+                                          <p:stCondLst>
+                                            <p:cond delay="0"/>
+                                          </p:stCondLst>
+                                        </p:cTn>
+                                        <p:tgtEl>
+                                          <p:spTgt spid="42"/>
+                                        </p:tgtEl>
+                                        <p:attrNameLst>
+                                          <p:attrName>style.visibility</p:attrName>
+                                        </p:attrNameLst>
+                                      </p:cBhvr>
+                                      <p:to>
+                                        <p:strVal val="visible"/>
+                                      </p:to>
+                                    </p:set>
+                                    <p:animEffect transition="in" filter="fade">
+                                      <p:cBhvr>
+                                        <p:cTn id="97" dur="2000"/>
+                                        <p:tgtEl>
+                                          <p:spTgt spid="42"/>
+                                        </p:tgtEl>
+                                      </p:cBhvr>
+                                    </p:animEffect>
+                                    <p:anim calcmode="lin" valueType="num">
+                                      <p:cBhvr>
+                                        <p:cTn id="98" dur="2000" fill="hold"/>
+                                        <p:tgtEl>
+                                          <p:spTgt spid="42"/>
+                                        </p:tgtEl>
+                                        <p:attrNameLst>
+                                          <p:attrName>ppt_w</p:attrName>
+                                        </p:attrNameLst>
+                                      </p:cBhvr>
+                                      <p:tavLst>
+                                        <p:tav tm="0" fmla="#ppt_w*sin(2.5*pi*$)">
+                                          <p:val>
+                                            <p:fltVal val="0"/>
+                                          </p:val>
+                                        </p:tav>
+                                        <p:tav tm="100000">
+                                          <p:val>
+                                            <p:fltVal val="1"/>
+                                          </p:val>
+                                        </p:tav>
+                                      </p:tavLst>
+                                    </p:anim>
+                                    <p:anim calcmode="lin" valueType="num">
+                                      <p:cBhvr>
+                                        <p:cTn id="99" dur="2000" fill="hold"/>
+                                        <p:tgtEl>
+                                          <p:spTgt spid="42"/>
+                                        </p:tgtEl>
+                                        <p:attrNameLst>
+                                          <p:attrName>ppt_h</p:attrName>
+                                        </p:attrNameLst>
+                                      </p:cBhvr>
+                                      <p:tavLst>
+                                        <p:tav tm="0">
+                                          <p:val>
+                                            <p:strVal val="#ppt_h"/>
+                                          </p:val>
+                                        </p:tav>
+                                        <p:tav tm="100000">
+                                          <p:val>
+                                            <p:strVal val="#ppt_h"/>
+                                          </p:val>
+                                        </p:tav>
+                                      </p:tavLst>
+                                    </p:anim>
+                                  </p:childTnLst>
+                                </p:cTn>
+                              </p:par>
+                            </p:childTnLst>
+                          </p:cTn>
+                        </p:par>
+                      </p:childTnLst>
+                    </p:cTn>
+                  </p:par>
+                  <p:par>
+                    <p:cTn id="100" fill="hold">
+                      <p:stCondLst>
+                        <p:cond delay="indefinite"/>
+                      </p:stCondLst>
+                      <p:childTnLst>
+                        <p:par>
+                          <p:cTn id="101" fill="hold">
+                            <p:stCondLst>
+                              <p:cond delay="0"/>
+                            </p:stCondLst>
+                            <p:childTnLst>
+                              <p:par>
+                                <p:cTn id="102" presetID="45" presetClass="entr" presetSubtype="0" fill="hold" grpId="0" nodeType="clickEffect">
+                                  <p:stCondLst>
+                                    <p:cond delay="0"/>
+                                  </p:stCondLst>
+                                  <p:childTnLst>
+                                    <p:set>
+                                      <p:cBhvr>
+                                        <p:cTn id="103" dur="1" fill="hold">
+                                          <p:stCondLst>
+                                            <p:cond delay="0"/>
+                                          </p:stCondLst>
+                                        </p:cTn>
+                                        <p:tgtEl>
+                                          <p:spTgt spid="43"/>
+                                        </p:tgtEl>
+                                        <p:attrNameLst>
+                                          <p:attrName>style.visibility</p:attrName>
+                                        </p:attrNameLst>
+                                      </p:cBhvr>
+                                      <p:to>
+                                        <p:strVal val="visible"/>
+                                      </p:to>
+                                    </p:set>
+                                    <p:animEffect transition="in" filter="fade">
+                                      <p:cBhvr>
+                                        <p:cTn id="104" dur="2000"/>
+                                        <p:tgtEl>
+                                          <p:spTgt spid="43"/>
+                                        </p:tgtEl>
+                                      </p:cBhvr>
+                                    </p:animEffect>
+                                    <p:anim calcmode="lin" valueType="num">
+                                      <p:cBhvr>
+                                        <p:cTn id="105" dur="2000" fill="hold"/>
+                                        <p:tgtEl>
+                                          <p:spTgt spid="43"/>
+                                        </p:tgtEl>
+                                        <p:attrNameLst>
+                                          <p:attrName>ppt_w</p:attrName>
+                                        </p:attrNameLst>
+                                      </p:cBhvr>
+                                      <p:tavLst>
+                                        <p:tav tm="0" fmla="#ppt_w*sin(2.5*pi*$)">
+                                          <p:val>
+                                            <p:fltVal val="0"/>
+                                          </p:val>
+                                        </p:tav>
+                                        <p:tav tm="100000">
+                                          <p:val>
+                                            <p:fltVal val="1"/>
+                                          </p:val>
+                                        </p:tav>
+                                      </p:tavLst>
+                                    </p:anim>
+                                    <p:anim calcmode="lin" valueType="num">
+                                      <p:cBhvr>
+                                        <p:cTn id="106" dur="2000" fill="hold"/>
+                                        <p:tgtEl>
+                                          <p:spTgt spid="43"/>
+                                        </p:tgtEl>
+                                        <p:attrNameLst>
+                                          <p:attrName>ppt_h</p:attrName>
+                                        </p:attrNameLst>
+                                      </p:cBhvr>
+                                      <p:tavLst>
+                                        <p:tav tm="0">
+                                          <p:val>
+                                            <p:strVal val="#ppt_h"/>
+                                          </p:val>
+                                        </p:tav>
+                                        <p:tav tm="100000">
+                                          <p:val>
+                                            <p:strVal val="#ppt_h"/>
+                                          </p:val>
+                                        </p:tav>
+                                      </p:tavLst>
+                                    </p:anim>
+                                  </p:childTnLst>
+                                </p:cTn>
+                              </p:par>
+                            </p:childTnLst>
+                          </p:cTn>
+                        </p:par>
+                      </p:childTnLst>
+                    </p:cTn>
+                  </p:par>
+                  <p:par>
+                    <p:cTn id="107" fill="hold">
+                      <p:stCondLst>
+                        <p:cond delay="indefinite"/>
+                      </p:stCondLst>
+                      <p:childTnLst>
+                        <p:par>
+                          <p:cTn id="108" fill="hold">
+                            <p:stCondLst>
+                              <p:cond delay="0"/>
+                            </p:stCondLst>
+                            <p:childTnLst>
+                              <p:par>
+                                <p:cTn id="109" presetID="45" presetClass="entr" presetSubtype="0" fill="hold" grpId="0" nodeType="clickEffect">
+                                  <p:stCondLst>
+                                    <p:cond delay="0"/>
+                                  </p:stCondLst>
+                                  <p:childTnLst>
+                                    <p:set>
+                                      <p:cBhvr>
+                                        <p:cTn id="110" dur="1" fill="hold">
+                                          <p:stCondLst>
+                                            <p:cond delay="0"/>
+                                          </p:stCondLst>
+                                        </p:cTn>
+                                        <p:tgtEl>
+                                          <p:spTgt spid="46"/>
+                                        </p:tgtEl>
+                                        <p:attrNameLst>
+                                          <p:attrName>style.visibility</p:attrName>
+                                        </p:attrNameLst>
+                                      </p:cBhvr>
+                                      <p:to>
+                                        <p:strVal val="visible"/>
+                                      </p:to>
+                                    </p:set>
+                                    <p:animEffect transition="in" filter="fade">
+                                      <p:cBhvr>
+                                        <p:cTn id="111" dur="2000"/>
+                                        <p:tgtEl>
+                                          <p:spTgt spid="46"/>
+                                        </p:tgtEl>
+                                      </p:cBhvr>
+                                    </p:animEffect>
+                                    <p:anim calcmode="lin" valueType="num">
+                                      <p:cBhvr>
+                                        <p:cTn id="112" dur="2000" fill="hold"/>
+                                        <p:tgtEl>
+                                          <p:spTgt spid="46"/>
+                                        </p:tgtEl>
+                                        <p:attrNameLst>
+                                          <p:attrName>ppt_w</p:attrName>
+                                        </p:attrNameLst>
+                                      </p:cBhvr>
+                                      <p:tavLst>
+                                        <p:tav tm="0" fmla="#ppt_w*sin(2.5*pi*$)">
+                                          <p:val>
+                                            <p:fltVal val="0"/>
+                                          </p:val>
+                                        </p:tav>
+                                        <p:tav tm="100000">
+                                          <p:val>
+                                            <p:fltVal val="1"/>
+                                          </p:val>
+                                        </p:tav>
+                                      </p:tavLst>
+                                    </p:anim>
+                                    <p:anim calcmode="lin" valueType="num">
+                                      <p:cBhvr>
+                                        <p:cTn id="113" dur="2000" fill="hold"/>
+                                        <p:tgtEl>
+                                          <p:spTgt spid="46"/>
+                                        </p:tgtEl>
+                                        <p:attrNameLst>
+                                          <p:attrName>ppt_h</p:attrName>
+                                        </p:attrNameLst>
+                                      </p:cBhvr>
+                                      <p:tavLst>
+                                        <p:tav tm="0">
+                                          <p:val>
+                                            <p:strVal val="#ppt_h"/>
+                                          </p:val>
+                                        </p:tav>
+                                        <p:tav tm="100000">
+                                          <p:val>
+                                            <p:strVal val="#ppt_h"/>
+                                          </p:val>
+                                        </p:tav>
+                                      </p:tavLst>
+                                    </p:anim>
+                                  </p:childTnLst>
+                                </p:cTn>
+                              </p:par>
+                            </p:childTnLst>
+                          </p:cTn>
+                        </p:par>
+                      </p:childTnLst>
+                    </p:cTn>
+                  </p:par>
+                  <p:par>
+                    <p:cTn id="114" fill="hold">
+                      <p:stCondLst>
+                        <p:cond delay="indefinite"/>
+                      </p:stCondLst>
+                      <p:childTnLst>
+                        <p:par>
+                          <p:cTn id="115" fill="hold">
+                            <p:stCondLst>
+                              <p:cond delay="0"/>
+                            </p:stCondLst>
+                            <p:childTnLst>
+                              <p:par>
+                                <p:cTn id="116" presetID="10" presetClass="entr" presetSubtype="0" fill="hold" nodeType="clickEffect">
+                                  <p:stCondLst>
+                                    <p:cond delay="0"/>
+                                  </p:stCondLst>
+                                  <p:childTnLst>
+                                    <p:set>
+                                      <p:cBhvr>
+                                        <p:cTn id="117" dur="1" fill="hold">
                                           <p:stCondLst>
                                             <p:cond delay="0"/>
                                           </p:stCondLst>
@@ -25008,7 +26430,7 @@
                                     </p:set>
                                     <p:animEffect transition="in" filter="fade">
                                       <p:cBhvr>
-                                        <p:cTn id="62" dur="500"/>
+                                        <p:cTn id="118" dur="500"/>
                                         <p:tgtEl>
                                           <p:spTgt spid="19"/>
                                         </p:tgtEl>
@@ -25024,36 +26446,32 @@
                     </p:cTn>
                   </p:par>
                   <p:par>
-                    <p:cTn id="63" fill="hold">
+                    <p:cTn id="119" fill="hold">
                       <p:stCondLst>
                         <p:cond delay="indefinite"/>
                       </p:stCondLst>
                       <p:childTnLst>
                         <p:par>
-                          <p:cTn id="64" fill="hold">
+                          <p:cTn id="120" fill="hold">
                             <p:stCondLst>
                               <p:cond delay="0"/>
                             </p:stCondLst>
                             <p:childTnLst>
                               <p:par>
-                                <p:cTn id="65" presetID="10" presetClass="entr" presetSubtype="0" fill="hold" nodeType="clickEffect">
+                                <p:cTn id="121" presetID="45" presetClass="entr" presetSubtype="0" fill="hold" grpId="0" nodeType="clickEffect">
                                   <p:stCondLst>
                                     <p:cond delay="0"/>
                                   </p:stCondLst>
                                   <p:childTnLst>
                                     <p:set>
                                       <p:cBhvr>
-                                        <p:cTn id="66" dur="1" fill="hold">
+                                        <p:cTn id="122" dur="1" fill="hold">
                                           <p:stCondLst>
                                             <p:cond delay="0"/>
                                           </p:stCondLst>
                                         </p:cTn>
                                         <p:tgtEl>
-                                          <p:spTgt spid="5">
-                                            <p:txEl>
-                                              <p:pRg st="12" end="12"/>
-                                            </p:txEl>
-                                          </p:spTgt>
+                                          <p:spTgt spid="33"/>
                                         </p:tgtEl>
                                         <p:attrNameLst>
                                           <p:attrName>style.visibility</p:attrName>
@@ -25065,138 +26483,58 @@
                                     </p:set>
                                     <p:animEffect transition="in" filter="fade">
                                       <p:cBhvr>
-                                        <p:cTn id="67" dur="500"/>
+                                        <p:cTn id="123" dur="2000"/>
                                         <p:tgtEl>
-                                          <p:spTgt spid="5">
-                                            <p:txEl>
-                                              <p:pRg st="12" end="12"/>
-                                            </p:txEl>
-                                          </p:spTgt>
+                                          <p:spTgt spid="33"/>
                                         </p:tgtEl>
                                       </p:cBhvr>
                                     </p:animEffect>
-                                  </p:childTnLst>
-                                </p:cTn>
-                              </p:par>
-                            </p:childTnLst>
-                          </p:cTn>
-                        </p:par>
-                      </p:childTnLst>
-                    </p:cTn>
-                  </p:par>
-                  <p:par>
-                    <p:cTn id="68" fill="hold">
-                      <p:stCondLst>
-                        <p:cond delay="indefinite"/>
-                      </p:stCondLst>
-                      <p:childTnLst>
-                        <p:par>
-                          <p:cTn id="69" fill="hold">
-                            <p:stCondLst>
-                              <p:cond delay="0"/>
-                            </p:stCondLst>
-                            <p:childTnLst>
-                              <p:par>
-                                <p:cTn id="70" presetID="10" presetClass="entr" presetSubtype="0" fill="hold" nodeType="clickEffect">
-                                  <p:stCondLst>
-                                    <p:cond delay="0"/>
-                                  </p:stCondLst>
-                                  <p:childTnLst>
-                                    <p:set>
+                                    <p:anim calcmode="lin" valueType="num">
                                       <p:cBhvr>
-                                        <p:cTn id="71" dur="1" fill="hold">
-                                          <p:stCondLst>
-                                            <p:cond delay="0"/>
-                                          </p:stCondLst>
-                                        </p:cTn>
+                                        <p:cTn id="124" dur="2000" fill="hold"/>
                                         <p:tgtEl>
-                                          <p:spTgt spid="5">
-                                            <p:txEl>
-                                              <p:pRg st="13" end="13"/>
-                                            </p:txEl>
-                                          </p:spTgt>
+                                          <p:spTgt spid="33"/>
                                         </p:tgtEl>
                                         <p:attrNameLst>
-                                          <p:attrName>style.visibility</p:attrName>
+                                          <p:attrName>ppt_w</p:attrName>
                                         </p:attrNameLst>
                                       </p:cBhvr>
-                                      <p:to>
-                                        <p:strVal val="visible"/>
-                                      </p:to>
-                                    </p:set>
-                                    <p:animEffect transition="in" filter="fade">
+                                      <p:tavLst>
+                                        <p:tav tm="0" fmla="#ppt_w*sin(2.5*pi*$)">
+                                          <p:val>
+                                            <p:fltVal val="0"/>
+                                          </p:val>
+                                        </p:tav>
+                                        <p:tav tm="100000">
+                                          <p:val>
+                                            <p:fltVal val="1"/>
+                                          </p:val>
+                                        </p:tav>
+                                      </p:tavLst>
+                                    </p:anim>
+                                    <p:anim calcmode="lin" valueType="num">
                                       <p:cBhvr>
-                                        <p:cTn id="72" dur="500"/>
+                                        <p:cTn id="125" dur="2000" fill="hold"/>
                                         <p:tgtEl>
-                                          <p:spTgt spid="5">
-                                            <p:txEl>
-                                              <p:pRg st="13" end="13"/>
-                                            </p:txEl>
-                                          </p:spTgt>
-                                        </p:tgtEl>
-                                      </p:cBhvr>
-                                    </p:animEffect>
-                                  </p:childTnLst>
-                                </p:cTn>
-                              </p:par>
-                            </p:childTnLst>
-                          </p:cTn>
-                        </p:par>
-                      </p:childTnLst>
-                    </p:cTn>
-                  </p:par>
-                  <p:par>
-                    <p:cTn id="73" fill="hold">
-                      <p:stCondLst>
-                        <p:cond delay="indefinite"/>
-                      </p:stCondLst>
-                      <p:childTnLst>
-                        <p:par>
-                          <p:cTn id="74" fill="hold">
-                            <p:stCondLst>
-                              <p:cond delay="0"/>
-                            </p:stCondLst>
-                            <p:childTnLst>
-                              <p:par>
-                                <p:cTn id="75" presetID="10" presetClass="entr" presetSubtype="0" fill="hold" nodeType="clickEffect">
-                                  <p:stCondLst>
-                                    <p:cond delay="0"/>
-                                  </p:stCondLst>
-                                  <p:childTnLst>
-                                    <p:set>
-                                      <p:cBhvr>
-                                        <p:cTn id="76" dur="1" fill="hold">
-                                          <p:stCondLst>
-                                            <p:cond delay="0"/>
-                                          </p:stCondLst>
-                                        </p:cTn>
-                                        <p:tgtEl>
-                                          <p:spTgt spid="5">
-                                            <p:txEl>
-                                              <p:pRg st="14" end="14"/>
-                                            </p:txEl>
-                                          </p:spTgt>
+                                          <p:spTgt spid="33"/>
                                         </p:tgtEl>
                                         <p:attrNameLst>
-                                          <p:attrName>style.visibility</p:attrName>
+                                          <p:attrName>ppt_h</p:attrName>
                                         </p:attrNameLst>
                                       </p:cBhvr>
-                                      <p:to>
-                                        <p:strVal val="visible"/>
-                                      </p:to>
-                                    </p:set>
-                                    <p:animEffect transition="in" filter="fade">
-                                      <p:cBhvr>
-                                        <p:cTn id="77" dur="500"/>
-                                        <p:tgtEl>
-                                          <p:spTgt spid="5">
-                                            <p:txEl>
-                                              <p:pRg st="14" end="14"/>
-                                            </p:txEl>
-                                          </p:spTgt>
-                                        </p:tgtEl>
-                                      </p:cBhvr>
-                                    </p:animEffect>
+                                      <p:tavLst>
+                                        <p:tav tm="0">
+                                          <p:val>
+                                            <p:strVal val="#ppt_h"/>
+                                          </p:val>
+                                        </p:tav>
+                                        <p:tav tm="100000">
+                                          <p:val>
+                                            <p:strVal val="#ppt_h"/>
+                                          </p:val>
+                                        </p:tav>
+                                      </p:tavLst>
+                                    </p:anim>
                                   </p:childTnLst>
                                 </p:cTn>
                               </p:par>
@@ -25227,6 +26565,22 @@
         </p:cTn>
       </p:par>
     </p:tnLst>
+    <p:bldLst>
+      <p:bldP spid="5" grpId="0"/>
+      <p:bldP spid="3" grpId="0" animBg="1"/>
+      <p:bldP spid="20" grpId="0" animBg="1"/>
+      <p:bldP spid="21" grpId="0" animBg="1"/>
+      <p:bldP spid="28" grpId="0" animBg="1"/>
+      <p:bldP spid="29" grpId="0" animBg="1"/>
+      <p:bldP spid="33" grpId="0" animBg="1"/>
+      <p:bldP spid="12" grpId="0" animBg="1"/>
+      <p:bldP spid="35" grpId="0" animBg="1"/>
+      <p:bldP spid="41" grpId="0" animBg="1"/>
+      <p:bldP spid="42" grpId="0" animBg="1"/>
+      <p:bldP spid="43" grpId="0" animBg="1"/>
+      <p:bldP spid="44" grpId="0" animBg="1"/>
+      <p:bldP spid="46" grpId="0" animBg="1"/>
+    </p:bldLst>
   </p:timing>
 </p:sld>
 </file>
